--- a/arch_pre.pptx
+++ b/arch_pre.pptx
@@ -17,15 +17,18 @@
     <p:sldId id="263" r:id="rId11"/>
     <p:sldId id="265" r:id="rId12"/>
     <p:sldId id="272" r:id="rId13"/>
-    <p:sldId id="273" r:id="rId14"/>
-    <p:sldId id="266" r:id="rId15"/>
-    <p:sldId id="275" r:id="rId16"/>
-    <p:sldId id="267" r:id="rId17"/>
-    <p:sldId id="271" r:id="rId18"/>
-    <p:sldId id="274" r:id="rId19"/>
-    <p:sldId id="277" r:id="rId20"/>
-    <p:sldId id="268" r:id="rId21"/>
-    <p:sldId id="269" r:id="rId22"/>
+    <p:sldId id="279" r:id="rId14"/>
+    <p:sldId id="273" r:id="rId15"/>
+    <p:sldId id="266" r:id="rId16"/>
+    <p:sldId id="278" r:id="rId17"/>
+    <p:sldId id="277" r:id="rId18"/>
+    <p:sldId id="275" r:id="rId19"/>
+    <p:sldId id="267" r:id="rId20"/>
+    <p:sldId id="271" r:id="rId21"/>
+    <p:sldId id="274" r:id="rId22"/>
+    <p:sldId id="280" r:id="rId23"/>
+    <p:sldId id="268" r:id="rId24"/>
+    <p:sldId id="269" r:id="rId25"/>
   </p:sldIdLst>
   <p:sldSz cx="12192000" cy="6858000"/>
   <p:notesSz cx="6858000" cy="9144000"/>
@@ -2800,6 +2803,1303 @@
       </pc:sldChg>
     </pc:docChg>
   </pc:docChgLst>
+  <pc:docChgLst>
+    <pc:chgData name="Yang Zonghan" userId="02d2eaccc4506086" providerId="LiveId" clId="{DD3F9741-BFC9-448B-B80E-2646DC010363}"/>
+    <pc:docChg chg="undo custSel addSld modSld sldOrd">
+      <pc:chgData name="Yang Zonghan" userId="02d2eaccc4506086" providerId="LiveId" clId="{DD3F9741-BFC9-448B-B80E-2646DC010363}" dt="2020-01-03T20:00:50.379" v="727" actId="1076"/>
+      <pc:docMkLst>
+        <pc:docMk/>
+      </pc:docMkLst>
+      <pc:sldChg chg="modAnim">
+        <pc:chgData name="Yang Zonghan" userId="02d2eaccc4506086" providerId="LiveId" clId="{DD3F9741-BFC9-448B-B80E-2646DC010363}" dt="2020-01-03T19:18:19.988" v="69"/>
+        <pc:sldMkLst>
+          <pc:docMk/>
+          <pc:sldMk cId="3370328468" sldId="260"/>
+        </pc:sldMkLst>
+      </pc:sldChg>
+      <pc:sldChg chg="modSp modAnim">
+        <pc:chgData name="Yang Zonghan" userId="02d2eaccc4506086" providerId="LiveId" clId="{DD3F9741-BFC9-448B-B80E-2646DC010363}" dt="2020-01-03T19:20:03.574" v="152"/>
+        <pc:sldMkLst>
+          <pc:docMk/>
+          <pc:sldMk cId="3673776405" sldId="261"/>
+        </pc:sldMkLst>
+        <pc:spChg chg="mod">
+          <ac:chgData name="Yang Zonghan" userId="02d2eaccc4506086" providerId="LiveId" clId="{DD3F9741-BFC9-448B-B80E-2646DC010363}" dt="2020-01-03T19:19:54.024" v="149" actId="27636"/>
+          <ac:spMkLst>
+            <pc:docMk/>
+            <pc:sldMk cId="3673776405" sldId="261"/>
+            <ac:spMk id="3" creationId="{BF43BE53-FE54-4013-92FA-079E7C4243D5}"/>
+          </ac:spMkLst>
+        </pc:spChg>
+      </pc:sldChg>
+      <pc:sldChg chg="addSp modSp modAnim">
+        <pc:chgData name="Yang Zonghan" userId="02d2eaccc4506086" providerId="LiveId" clId="{DD3F9741-BFC9-448B-B80E-2646DC010363}" dt="2020-01-03T19:41:57.663" v="648"/>
+        <pc:sldMkLst>
+          <pc:docMk/>
+          <pc:sldMk cId="1864698801" sldId="262"/>
+        </pc:sldMkLst>
+        <pc:spChg chg="add mod">
+          <ac:chgData name="Yang Zonghan" userId="02d2eaccc4506086" providerId="LiveId" clId="{DD3F9741-BFC9-448B-B80E-2646DC010363}" dt="2020-01-03T19:41:51.918" v="646" actId="164"/>
+          <ac:spMkLst>
+            <pc:docMk/>
+            <pc:sldMk cId="1864698801" sldId="262"/>
+            <ac:spMk id="4" creationId="{631144BF-0688-4282-AE6A-3DFB5FA3B69B}"/>
+          </ac:spMkLst>
+        </pc:spChg>
+        <pc:spChg chg="add mod">
+          <ac:chgData name="Yang Zonghan" userId="02d2eaccc4506086" providerId="LiveId" clId="{DD3F9741-BFC9-448B-B80E-2646DC010363}" dt="2020-01-03T19:41:51.918" v="646" actId="164"/>
+          <ac:spMkLst>
+            <pc:docMk/>
+            <pc:sldMk cId="1864698801" sldId="262"/>
+            <ac:spMk id="6" creationId="{D925F9C6-1093-4927-A92C-7429B7FA920E}"/>
+          </ac:spMkLst>
+        </pc:spChg>
+        <pc:spChg chg="add mod">
+          <ac:chgData name="Yang Zonghan" userId="02d2eaccc4506086" providerId="LiveId" clId="{DD3F9741-BFC9-448B-B80E-2646DC010363}" dt="2020-01-03T19:41:51.918" v="646" actId="164"/>
+          <ac:spMkLst>
+            <pc:docMk/>
+            <pc:sldMk cId="1864698801" sldId="262"/>
+            <ac:spMk id="8" creationId="{A1C1185D-C88E-49EA-8718-E4847BD27A74}"/>
+          </ac:spMkLst>
+        </pc:spChg>
+        <pc:spChg chg="add mod">
+          <ac:chgData name="Yang Zonghan" userId="02d2eaccc4506086" providerId="LiveId" clId="{DD3F9741-BFC9-448B-B80E-2646DC010363}" dt="2020-01-03T19:41:51.918" v="646" actId="164"/>
+          <ac:spMkLst>
+            <pc:docMk/>
+            <pc:sldMk cId="1864698801" sldId="262"/>
+            <ac:spMk id="9" creationId="{721C1ADF-920E-43DB-92E1-FBE707F5E3DB}"/>
+          </ac:spMkLst>
+        </pc:spChg>
+        <pc:spChg chg="add mod">
+          <ac:chgData name="Yang Zonghan" userId="02d2eaccc4506086" providerId="LiveId" clId="{DD3F9741-BFC9-448B-B80E-2646DC010363}" dt="2020-01-03T19:41:51.918" v="646" actId="164"/>
+          <ac:spMkLst>
+            <pc:docMk/>
+            <pc:sldMk cId="1864698801" sldId="262"/>
+            <ac:spMk id="10" creationId="{916CCC61-A6AC-4082-B546-E0EFCC16B8F5}"/>
+          </ac:spMkLst>
+        </pc:spChg>
+        <pc:spChg chg="add mod">
+          <ac:chgData name="Yang Zonghan" userId="02d2eaccc4506086" providerId="LiveId" clId="{DD3F9741-BFC9-448B-B80E-2646DC010363}" dt="2020-01-03T19:41:51.918" v="646" actId="164"/>
+          <ac:spMkLst>
+            <pc:docMk/>
+            <pc:sldMk cId="1864698801" sldId="262"/>
+            <ac:spMk id="11" creationId="{99F3CE93-568B-4AD5-887C-18A42DD48D20}"/>
+          </ac:spMkLst>
+        </pc:spChg>
+        <pc:spChg chg="add mod">
+          <ac:chgData name="Yang Zonghan" userId="02d2eaccc4506086" providerId="LiveId" clId="{DD3F9741-BFC9-448B-B80E-2646DC010363}" dt="2020-01-03T19:41:51.918" v="646" actId="164"/>
+          <ac:spMkLst>
+            <pc:docMk/>
+            <pc:sldMk cId="1864698801" sldId="262"/>
+            <ac:spMk id="12" creationId="{A2712AE8-7B8B-49A6-8B45-643E831E563D}"/>
+          </ac:spMkLst>
+        </pc:spChg>
+        <pc:grpChg chg="add mod">
+          <ac:chgData name="Yang Zonghan" userId="02d2eaccc4506086" providerId="LiveId" clId="{DD3F9741-BFC9-448B-B80E-2646DC010363}" dt="2020-01-03T19:41:51.918" v="646" actId="164"/>
+          <ac:grpSpMkLst>
+            <pc:docMk/>
+            <pc:sldMk cId="1864698801" sldId="262"/>
+            <ac:grpSpMk id="5" creationId="{097AB5B3-FAEB-4FD3-9437-D0B8E12CB439}"/>
+          </ac:grpSpMkLst>
+        </pc:grpChg>
+        <pc:picChg chg="mod">
+          <ac:chgData name="Yang Zonghan" userId="02d2eaccc4506086" providerId="LiveId" clId="{DD3F9741-BFC9-448B-B80E-2646DC010363}" dt="2020-01-03T19:41:51.918" v="646" actId="164"/>
+          <ac:picMkLst>
+            <pc:docMk/>
+            <pc:sldMk cId="1864698801" sldId="262"/>
+            <ac:picMk id="7" creationId="{B09729C8-52F3-4D4A-82C2-0AC3C4B32124}"/>
+          </ac:picMkLst>
+        </pc:picChg>
+      </pc:sldChg>
+      <pc:sldChg chg="modSp modAnim">
+        <pc:chgData name="Yang Zonghan" userId="02d2eaccc4506086" providerId="LiveId" clId="{DD3F9741-BFC9-448B-B80E-2646DC010363}" dt="2020-01-03T19:25:17.760" v="243"/>
+        <pc:sldMkLst>
+          <pc:docMk/>
+          <pc:sldMk cId="3254386110" sldId="263"/>
+        </pc:sldMkLst>
+        <pc:spChg chg="mod">
+          <ac:chgData name="Yang Zonghan" userId="02d2eaccc4506086" providerId="LiveId" clId="{DD3F9741-BFC9-448B-B80E-2646DC010363}" dt="2020-01-03T19:25:04.104" v="238" actId="27636"/>
+          <ac:spMkLst>
+            <pc:docMk/>
+            <pc:sldMk cId="3254386110" sldId="263"/>
+            <ac:spMk id="3" creationId="{DB31D762-B795-413D-809C-9D51E20595F5}"/>
+          </ac:spMkLst>
+        </pc:spChg>
+      </pc:sldChg>
+      <pc:sldChg chg="modSp">
+        <pc:chgData name="Yang Zonghan" userId="02d2eaccc4506086" providerId="LiveId" clId="{DD3F9741-BFC9-448B-B80E-2646DC010363}" dt="2020-01-03T19:32:21.866" v="444" actId="207"/>
+        <pc:sldMkLst>
+          <pc:docMk/>
+          <pc:sldMk cId="1072908354" sldId="264"/>
+        </pc:sldMkLst>
+        <pc:spChg chg="mod">
+          <ac:chgData name="Yang Zonghan" userId="02d2eaccc4506086" providerId="LiveId" clId="{DD3F9741-BFC9-448B-B80E-2646DC010363}" dt="2020-01-03T19:23:45.247" v="223" actId="1582"/>
+          <ac:spMkLst>
+            <pc:docMk/>
+            <pc:sldMk cId="1072908354" sldId="264"/>
+            <ac:spMk id="6" creationId="{D52D4BD9-61AE-4922-8C4A-F339F214EAE3}"/>
+          </ac:spMkLst>
+        </pc:spChg>
+        <pc:spChg chg="mod">
+          <ac:chgData name="Yang Zonghan" userId="02d2eaccc4506086" providerId="LiveId" clId="{DD3F9741-BFC9-448B-B80E-2646DC010363}" dt="2020-01-03T19:23:27.364" v="221" actId="208"/>
+          <ac:spMkLst>
+            <pc:docMk/>
+            <pc:sldMk cId="1072908354" sldId="264"/>
+            <ac:spMk id="7" creationId="{0CC904CA-AF40-4339-831C-14D027DCAB05}"/>
+          </ac:spMkLst>
+        </pc:spChg>
+        <pc:spChg chg="mod">
+          <ac:chgData name="Yang Zonghan" userId="02d2eaccc4506086" providerId="LiveId" clId="{DD3F9741-BFC9-448B-B80E-2646DC010363}" dt="2020-01-03T19:23:20.612" v="220" actId="208"/>
+          <ac:spMkLst>
+            <pc:docMk/>
+            <pc:sldMk cId="1072908354" sldId="264"/>
+            <ac:spMk id="11" creationId="{E1CD0B42-0BEB-4AF5-8AC4-A1FAC993E079}"/>
+          </ac:spMkLst>
+        </pc:spChg>
+        <pc:spChg chg="mod">
+          <ac:chgData name="Yang Zonghan" userId="02d2eaccc4506086" providerId="LiveId" clId="{DD3F9741-BFC9-448B-B80E-2646DC010363}" dt="2020-01-03T19:32:21.866" v="444" actId="207"/>
+          <ac:spMkLst>
+            <pc:docMk/>
+            <pc:sldMk cId="1072908354" sldId="264"/>
+            <ac:spMk id="14" creationId="{6A5B67B7-8230-4742-A25B-09E625BDF1E7}"/>
+          </ac:spMkLst>
+        </pc:spChg>
+      </pc:sldChg>
+      <pc:sldChg chg="modAnim">
+        <pc:chgData name="Yang Zonghan" userId="02d2eaccc4506086" providerId="LiveId" clId="{DD3F9741-BFC9-448B-B80E-2646DC010363}" dt="2020-01-03T19:25:38.133" v="248"/>
+        <pc:sldMkLst>
+          <pc:docMk/>
+          <pc:sldMk cId="1659185582" sldId="265"/>
+        </pc:sldMkLst>
+      </pc:sldChg>
+      <pc:sldChg chg="modSp modAnim">
+        <pc:chgData name="Yang Zonghan" userId="02d2eaccc4506086" providerId="LiveId" clId="{DD3F9741-BFC9-448B-B80E-2646DC010363}" dt="2020-01-03T19:44:39.120" v="664"/>
+        <pc:sldMkLst>
+          <pc:docMk/>
+          <pc:sldMk cId="3853558902" sldId="266"/>
+        </pc:sldMkLst>
+        <pc:spChg chg="mod">
+          <ac:chgData name="Yang Zonghan" userId="02d2eaccc4506086" providerId="LiveId" clId="{DD3F9741-BFC9-448B-B80E-2646DC010363}" dt="2020-01-03T19:17:30.432" v="66" actId="20577"/>
+          <ac:spMkLst>
+            <pc:docMk/>
+            <pc:sldMk cId="3853558902" sldId="266"/>
+            <ac:spMk id="3" creationId="{841FCF23-7C38-470B-BD5D-002B9BF67ED4}"/>
+          </ac:spMkLst>
+        </pc:spChg>
+      </pc:sldChg>
+      <pc:sldChg chg="modSp">
+        <pc:chgData name="Yang Zonghan" userId="02d2eaccc4506086" providerId="LiveId" clId="{DD3F9741-BFC9-448B-B80E-2646DC010363}" dt="2020-01-03T19:37:24.452" v="601" actId="404"/>
+        <pc:sldMkLst>
+          <pc:docMk/>
+          <pc:sldMk cId="785956181" sldId="267"/>
+        </pc:sldMkLst>
+        <pc:spChg chg="mod">
+          <ac:chgData name="Yang Zonghan" userId="02d2eaccc4506086" providerId="LiveId" clId="{DD3F9741-BFC9-448B-B80E-2646DC010363}" dt="2020-01-03T19:37:24.452" v="601" actId="404"/>
+          <ac:spMkLst>
+            <pc:docMk/>
+            <pc:sldMk cId="785956181" sldId="267"/>
+            <ac:spMk id="3" creationId="{A0300F69-90E9-4F3C-81C6-FC60BC9703A5}"/>
+          </ac:spMkLst>
+        </pc:spChg>
+      </pc:sldChg>
+      <pc:sldChg chg="addSp delSp modSp ord">
+        <pc:chgData name="Yang Zonghan" userId="02d2eaccc4506086" providerId="LiveId" clId="{DD3F9741-BFC9-448B-B80E-2646DC010363}" dt="2020-01-03T20:00:50.379" v="727" actId="1076"/>
+        <pc:sldMkLst>
+          <pc:docMk/>
+          <pc:sldMk cId="3016241835" sldId="268"/>
+        </pc:sldMkLst>
+        <pc:spChg chg="mod">
+          <ac:chgData name="Yang Zonghan" userId="02d2eaccc4506086" providerId="LiveId" clId="{DD3F9741-BFC9-448B-B80E-2646DC010363}" dt="2020-01-03T19:53:38.761" v="692"/>
+          <ac:spMkLst>
+            <pc:docMk/>
+            <pc:sldMk cId="3016241835" sldId="268"/>
+            <ac:spMk id="2" creationId="{580BD8D8-D3FC-4110-AA4D-203800567084}"/>
+          </ac:spMkLst>
+        </pc:spChg>
+        <pc:picChg chg="add del">
+          <ac:chgData name="Yang Zonghan" userId="02d2eaccc4506086" providerId="LiveId" clId="{DD3F9741-BFC9-448B-B80E-2646DC010363}" dt="2020-01-03T19:34:19.859" v="468"/>
+          <ac:picMkLst>
+            <pc:docMk/>
+            <pc:sldMk cId="3016241835" sldId="268"/>
+            <ac:picMk id="4" creationId="{34026815-89C3-441E-A740-29ABE8F66959}"/>
+          </ac:picMkLst>
+        </pc:picChg>
+        <pc:picChg chg="add del mod">
+          <ac:chgData name="Yang Zonghan" userId="02d2eaccc4506086" providerId="LiveId" clId="{DD3F9741-BFC9-448B-B80E-2646DC010363}" dt="2020-01-03T19:57:08.395" v="703" actId="478"/>
+          <ac:picMkLst>
+            <pc:docMk/>
+            <pc:sldMk cId="3016241835" sldId="268"/>
+            <ac:picMk id="6" creationId="{86438FE3-D7D1-4FA8-B26C-A0DA2F0F7AC5}"/>
+          </ac:picMkLst>
+        </pc:picChg>
+        <pc:picChg chg="add del mod">
+          <ac:chgData name="Yang Zonghan" userId="02d2eaccc4506086" providerId="LiveId" clId="{DD3F9741-BFC9-448B-B80E-2646DC010363}" dt="2020-01-03T19:59:18.802" v="711" actId="478"/>
+          <ac:picMkLst>
+            <pc:docMk/>
+            <pc:sldMk cId="3016241835" sldId="268"/>
+            <ac:picMk id="8" creationId="{A4C667EA-989E-4AEB-B4D1-93F76FD38E47}"/>
+          </ac:picMkLst>
+        </pc:picChg>
+        <pc:picChg chg="add del mod">
+          <ac:chgData name="Yang Zonghan" userId="02d2eaccc4506086" providerId="LiveId" clId="{DD3F9741-BFC9-448B-B80E-2646DC010363}" dt="2020-01-03T19:59:20.377" v="713"/>
+          <ac:picMkLst>
+            <pc:docMk/>
+            <pc:sldMk cId="3016241835" sldId="268"/>
+            <ac:picMk id="10" creationId="{9C9E460B-8B73-40D9-BFC9-F88C4A9C5046}"/>
+          </ac:picMkLst>
+        </pc:picChg>
+        <pc:picChg chg="add del mod">
+          <ac:chgData name="Yang Zonghan" userId="02d2eaccc4506086" providerId="LiveId" clId="{DD3F9741-BFC9-448B-B80E-2646DC010363}" dt="2020-01-03T19:59:36.698" v="718"/>
+          <ac:picMkLst>
+            <pc:docMk/>
+            <pc:sldMk cId="3016241835" sldId="268"/>
+            <ac:picMk id="11" creationId="{AEBDF0CC-8E8F-4B83-88A8-89E8D277E905}"/>
+          </ac:picMkLst>
+        </pc:picChg>
+        <pc:picChg chg="add mod">
+          <ac:chgData name="Yang Zonghan" userId="02d2eaccc4506086" providerId="LiveId" clId="{DD3F9741-BFC9-448B-B80E-2646DC010363}" dt="2020-01-03T20:00:50.379" v="727" actId="1076"/>
+          <ac:picMkLst>
+            <pc:docMk/>
+            <pc:sldMk cId="3016241835" sldId="268"/>
+            <ac:picMk id="12" creationId="{08692568-A005-4D51-B240-909E18576666}"/>
+          </ac:picMkLst>
+        </pc:picChg>
+      </pc:sldChg>
+      <pc:sldChg chg="addSp delSp modSp">
+        <pc:chgData name="Yang Zonghan" userId="02d2eaccc4506086" providerId="LiveId" clId="{DD3F9741-BFC9-448B-B80E-2646DC010363}" dt="2020-01-03T19:53:26.189" v="690" actId="1076"/>
+        <pc:sldMkLst>
+          <pc:docMk/>
+          <pc:sldMk cId="661229932" sldId="269"/>
+        </pc:sldMkLst>
+        <pc:spChg chg="add del mod">
+          <ac:chgData name="Yang Zonghan" userId="02d2eaccc4506086" providerId="LiveId" clId="{DD3F9741-BFC9-448B-B80E-2646DC010363}" dt="2020-01-03T19:48:43.492" v="681"/>
+          <ac:spMkLst>
+            <pc:docMk/>
+            <pc:sldMk cId="661229932" sldId="269"/>
+            <ac:spMk id="2" creationId="{4A906A39-5E95-4677-AC74-FB3581AEBA87}"/>
+          </ac:spMkLst>
+        </pc:spChg>
+        <pc:spChg chg="add del mod">
+          <ac:chgData name="Yang Zonghan" userId="02d2eaccc4506086" providerId="LiveId" clId="{DD3F9741-BFC9-448B-B80E-2646DC010363}" dt="2020-01-03T19:51:03.138" v="684" actId="478"/>
+          <ac:spMkLst>
+            <pc:docMk/>
+            <pc:sldMk cId="661229932" sldId="269"/>
+            <ac:spMk id="7" creationId="{453F26AD-3A6E-4FDE-89B7-A1BD12F9359A}"/>
+          </ac:spMkLst>
+        </pc:spChg>
+        <pc:spChg chg="mod">
+          <ac:chgData name="Yang Zonghan" userId="02d2eaccc4506086" providerId="LiveId" clId="{DD3F9741-BFC9-448B-B80E-2646DC010363}" dt="2020-01-03T19:47:09.870" v="680" actId="207"/>
+          <ac:spMkLst>
+            <pc:docMk/>
+            <pc:sldMk cId="661229932" sldId="269"/>
+            <ac:spMk id="10" creationId="{0BA70AC1-DE70-43FA-9E0E-1AB38927C966}"/>
+          </ac:spMkLst>
+        </pc:spChg>
+        <pc:picChg chg="add del mod modCrop">
+          <ac:chgData name="Yang Zonghan" userId="02d2eaccc4506086" providerId="LiveId" clId="{DD3F9741-BFC9-448B-B80E-2646DC010363}" dt="2020-01-03T19:48:52.210" v="683" actId="478"/>
+          <ac:picMkLst>
+            <pc:docMk/>
+            <pc:sldMk cId="661229932" sldId="269"/>
+            <ac:picMk id="4" creationId="{A1BA63D6-D9C2-40C7-81E2-98336EAD620D}"/>
+          </ac:picMkLst>
+        </pc:picChg>
+        <pc:picChg chg="add del mod modCrop">
+          <ac:chgData name="Yang Zonghan" userId="02d2eaccc4506086" providerId="LiveId" clId="{DD3F9741-BFC9-448B-B80E-2646DC010363}" dt="2020-01-03T19:34:04.598" v="463"/>
+          <ac:picMkLst>
+            <pc:docMk/>
+            <pc:sldMk cId="661229932" sldId="269"/>
+            <ac:picMk id="6" creationId="{E9029D3D-37AA-44E5-B0D7-270910861C5A}"/>
+          </ac:picMkLst>
+        </pc:picChg>
+        <pc:picChg chg="add mod">
+          <ac:chgData name="Yang Zonghan" userId="02d2eaccc4506086" providerId="LiveId" clId="{DD3F9741-BFC9-448B-B80E-2646DC010363}" dt="2020-01-03T19:53:26.189" v="690" actId="1076"/>
+          <ac:picMkLst>
+            <pc:docMk/>
+            <pc:sldMk cId="661229932" sldId="269"/>
+            <ac:picMk id="11" creationId="{A7FB08EB-A8B0-42AA-9E38-3EF6B95EF16A}"/>
+          </ac:picMkLst>
+        </pc:picChg>
+        <pc:picChg chg="del">
+          <ac:chgData name="Yang Zonghan" userId="02d2eaccc4506086" providerId="LiveId" clId="{DD3F9741-BFC9-448B-B80E-2646DC010363}" dt="2020-01-03T19:33:23.367" v="445"/>
+          <ac:picMkLst>
+            <pc:docMk/>
+            <pc:sldMk cId="661229932" sldId="269"/>
+            <ac:picMk id="12" creationId="{7216BEAA-FC0D-4594-83FC-7756986FF0CF}"/>
+          </ac:picMkLst>
+        </pc:picChg>
+      </pc:sldChg>
+      <pc:sldChg chg="modAnim">
+        <pc:chgData name="Yang Zonghan" userId="02d2eaccc4506086" providerId="LiveId" clId="{DD3F9741-BFC9-448B-B80E-2646DC010363}" dt="2020-01-03T19:42:39.888" v="653"/>
+        <pc:sldMkLst>
+          <pc:docMk/>
+          <pc:sldMk cId="2025300377" sldId="273"/>
+        </pc:sldMkLst>
+      </pc:sldChg>
+      <pc:sldChg chg="modSp modAnim">
+        <pc:chgData name="Yang Zonghan" userId="02d2eaccc4506086" providerId="LiveId" clId="{DD3F9741-BFC9-448B-B80E-2646DC010363}" dt="2020-01-03T19:38:05.165" v="611"/>
+        <pc:sldMkLst>
+          <pc:docMk/>
+          <pc:sldMk cId="1499583885" sldId="275"/>
+        </pc:sldMkLst>
+        <pc:spChg chg="mod">
+          <ac:chgData name="Yang Zonghan" userId="02d2eaccc4506086" providerId="LiveId" clId="{DD3F9741-BFC9-448B-B80E-2646DC010363}" dt="2020-01-03T19:17:55.442" v="68" actId="948"/>
+          <ac:spMkLst>
+            <pc:docMk/>
+            <pc:sldMk cId="1499583885" sldId="275"/>
+            <ac:spMk id="3" creationId="{DA9DA14A-AB55-40E2-9A7B-4F8BB177AB81}"/>
+          </ac:spMkLst>
+        </pc:spChg>
+      </pc:sldChg>
+      <pc:sldChg chg="addSp delSp modSp ord">
+        <pc:chgData name="Yang Zonghan" userId="02d2eaccc4506086" providerId="LiveId" clId="{DD3F9741-BFC9-448B-B80E-2646DC010363}" dt="2020-01-03T19:40:35.289" v="632" actId="1076"/>
+        <pc:sldMkLst>
+          <pc:docMk/>
+          <pc:sldMk cId="191399260" sldId="277"/>
+        </pc:sldMkLst>
+        <pc:spChg chg="add del mod">
+          <ac:chgData name="Yang Zonghan" userId="02d2eaccc4506086" providerId="LiveId" clId="{DD3F9741-BFC9-448B-B80E-2646DC010363}" dt="2020-01-03T19:34:05.393" v="464"/>
+          <ac:spMkLst>
+            <pc:docMk/>
+            <pc:sldMk cId="191399260" sldId="277"/>
+            <ac:spMk id="3" creationId="{408173E7-68CC-4FD0-AB95-7CFAA96E897A}"/>
+          </ac:spMkLst>
+        </pc:spChg>
+        <pc:spChg chg="add del mod">
+          <ac:chgData name="Yang Zonghan" userId="02d2eaccc4506086" providerId="LiveId" clId="{DD3F9741-BFC9-448B-B80E-2646DC010363}" dt="2020-01-03T19:34:22.824" v="470"/>
+          <ac:spMkLst>
+            <pc:docMk/>
+            <pc:sldMk cId="191399260" sldId="277"/>
+            <ac:spMk id="6" creationId="{5CC6BDD7-1970-4C81-8356-574264304390}"/>
+          </ac:spMkLst>
+        </pc:spChg>
+        <pc:spChg chg="add mod">
+          <ac:chgData name="Yang Zonghan" userId="02d2eaccc4506086" providerId="LiveId" clId="{DD3F9741-BFC9-448B-B80E-2646DC010363}" dt="2020-01-03T19:40:24.596" v="631" actId="255"/>
+          <ac:spMkLst>
+            <pc:docMk/>
+            <pc:sldMk cId="191399260" sldId="277"/>
+            <ac:spMk id="9" creationId="{011F73F6-610F-41CD-B33D-79CD50F2E60B}"/>
+          </ac:spMkLst>
+        </pc:spChg>
+        <pc:spChg chg="add mod">
+          <ac:chgData name="Yang Zonghan" userId="02d2eaccc4506086" providerId="LiveId" clId="{DD3F9741-BFC9-448B-B80E-2646DC010363}" dt="2020-01-03T19:40:24.596" v="631" actId="255"/>
+          <ac:spMkLst>
+            <pc:docMk/>
+            <pc:sldMk cId="191399260" sldId="277"/>
+            <ac:spMk id="10" creationId="{884D54A9-40B4-48A6-8CE6-941975EC1BEB}"/>
+          </ac:spMkLst>
+        </pc:spChg>
+        <pc:spChg chg="add mod">
+          <ac:chgData name="Yang Zonghan" userId="02d2eaccc4506086" providerId="LiveId" clId="{DD3F9741-BFC9-448B-B80E-2646DC010363}" dt="2020-01-03T19:40:24.596" v="631" actId="255"/>
+          <ac:spMkLst>
+            <pc:docMk/>
+            <pc:sldMk cId="191399260" sldId="277"/>
+            <ac:spMk id="11" creationId="{C6B2CEE5-73F0-4BA1-AFB7-C484E78E7196}"/>
+          </ac:spMkLst>
+        </pc:spChg>
+        <pc:spChg chg="add mod">
+          <ac:chgData name="Yang Zonghan" userId="02d2eaccc4506086" providerId="LiveId" clId="{DD3F9741-BFC9-448B-B80E-2646DC010363}" dt="2020-01-03T19:40:35.289" v="632" actId="1076"/>
+          <ac:spMkLst>
+            <pc:docMk/>
+            <pc:sldMk cId="191399260" sldId="277"/>
+            <ac:spMk id="12" creationId="{494B3566-A9C2-4751-8B1A-908FA7531817}"/>
+          </ac:spMkLst>
+        </pc:spChg>
+        <pc:picChg chg="add del">
+          <ac:chgData name="Yang Zonghan" userId="02d2eaccc4506086" providerId="LiveId" clId="{DD3F9741-BFC9-448B-B80E-2646DC010363}" dt="2020-01-03T19:34:21.931" v="469" actId="478"/>
+          <ac:picMkLst>
+            <pc:docMk/>
+            <pc:sldMk cId="191399260" sldId="277"/>
+            <ac:picMk id="5" creationId="{4E87A44F-FBC5-4D6F-AA66-DCFC29ACBB9F}"/>
+          </ac:picMkLst>
+        </pc:picChg>
+        <pc:picChg chg="add mod">
+          <ac:chgData name="Yang Zonghan" userId="02d2eaccc4506086" providerId="LiveId" clId="{DD3F9741-BFC9-448B-B80E-2646DC010363}" dt="2020-01-03T19:40:24.596" v="631" actId="255"/>
+          <ac:picMkLst>
+            <pc:docMk/>
+            <pc:sldMk cId="191399260" sldId="277"/>
+            <ac:picMk id="7" creationId="{58A839B2-F0D3-4935-97BB-C988801E9043}"/>
+          </ac:picMkLst>
+        </pc:picChg>
+        <pc:picChg chg="add del">
+          <ac:chgData name="Yang Zonghan" userId="02d2eaccc4506086" providerId="LiveId" clId="{DD3F9741-BFC9-448B-B80E-2646DC010363}" dt="2020-01-03T19:34:58.966" v="475" actId="478"/>
+          <ac:picMkLst>
+            <pc:docMk/>
+            <pc:sldMk cId="191399260" sldId="277"/>
+            <ac:picMk id="8" creationId="{3CACFA3E-FEE4-4980-89AE-1113FEC93540}"/>
+          </ac:picMkLst>
+        </pc:picChg>
+      </pc:sldChg>
+      <pc:sldChg chg="addSp delSp modSp add">
+        <pc:chgData name="Yang Zonghan" userId="02d2eaccc4506086" providerId="LiveId" clId="{DD3F9741-BFC9-448B-B80E-2646DC010363}" dt="2020-01-03T19:45:30.045" v="679" actId="1076"/>
+        <pc:sldMkLst>
+          <pc:docMk/>
+          <pc:sldMk cId="610071424" sldId="278"/>
+        </pc:sldMkLst>
+        <pc:spChg chg="mod">
+          <ac:chgData name="Yang Zonghan" userId="02d2eaccc4506086" providerId="LiveId" clId="{DD3F9741-BFC9-448B-B80E-2646DC010363}" dt="2020-01-03T19:45:22.355" v="677" actId="20577"/>
+          <ac:spMkLst>
+            <pc:docMk/>
+            <pc:sldMk cId="610071424" sldId="278"/>
+            <ac:spMk id="3" creationId="{841FCF23-7C38-470B-BD5D-002B9BF67ED4}"/>
+          </ac:spMkLst>
+        </pc:spChg>
+        <pc:picChg chg="add mod">
+          <ac:chgData name="Yang Zonghan" userId="02d2eaccc4506086" providerId="LiveId" clId="{DD3F9741-BFC9-448B-B80E-2646DC010363}" dt="2020-01-03T19:45:30.045" v="679" actId="1076"/>
+          <ac:picMkLst>
+            <pc:docMk/>
+            <pc:sldMk cId="610071424" sldId="278"/>
+            <ac:picMk id="5" creationId="{4806BB42-9334-4710-A2D5-B6C6E48F9A3E}"/>
+          </ac:picMkLst>
+        </pc:picChg>
+        <pc:picChg chg="del">
+          <ac:chgData name="Yang Zonghan" userId="02d2eaccc4506086" providerId="LiveId" clId="{DD3F9741-BFC9-448B-B80E-2646DC010363}" dt="2020-01-03T19:15:35.129" v="35" actId="478"/>
+          <ac:picMkLst>
+            <pc:docMk/>
+            <pc:sldMk cId="610071424" sldId="278"/>
+            <ac:picMk id="11" creationId="{B3007E43-A4FE-40C6-BF5A-7B65F19D54B3}"/>
+          </ac:picMkLst>
+        </pc:picChg>
+      </pc:sldChg>
+      <pc:sldChg chg="addSp delSp modSp add">
+        <pc:chgData name="Yang Zonghan" userId="02d2eaccc4506086" providerId="LiveId" clId="{DD3F9741-BFC9-448B-B80E-2646DC010363}" dt="2020-01-03T19:44:02.270" v="655" actId="1076"/>
+        <pc:sldMkLst>
+          <pc:docMk/>
+          <pc:sldMk cId="990398557" sldId="279"/>
+        </pc:sldMkLst>
+        <pc:spChg chg="mod">
+          <ac:chgData name="Yang Zonghan" userId="02d2eaccc4506086" providerId="LiveId" clId="{DD3F9741-BFC9-448B-B80E-2646DC010363}" dt="2020-01-03T19:39:16.698" v="619"/>
+          <ac:spMkLst>
+            <pc:docMk/>
+            <pc:sldMk cId="990398557" sldId="279"/>
+            <ac:spMk id="2" creationId="{E5E13386-36E6-49AE-8DBD-3F92E9A2FEA4}"/>
+          </ac:spMkLst>
+        </pc:spChg>
+        <pc:spChg chg="add mod">
+          <ac:chgData name="Yang Zonghan" userId="02d2eaccc4506086" providerId="LiveId" clId="{DD3F9741-BFC9-448B-B80E-2646DC010363}" dt="2020-01-03T19:38:54.993" v="616" actId="2711"/>
+          <ac:spMkLst>
+            <pc:docMk/>
+            <pc:sldMk cId="990398557" sldId="279"/>
+            <ac:spMk id="13" creationId="{3B404324-9691-4C63-903A-186CD5FB1765}"/>
+          </ac:spMkLst>
+        </pc:spChg>
+        <pc:spChg chg="add mod">
+          <ac:chgData name="Yang Zonghan" userId="02d2eaccc4506086" providerId="LiveId" clId="{DD3F9741-BFC9-448B-B80E-2646DC010363}" dt="2020-01-03T19:31:23.570" v="433" actId="1076"/>
+          <ac:spMkLst>
+            <pc:docMk/>
+            <pc:sldMk cId="990398557" sldId="279"/>
+            <ac:spMk id="20" creationId="{DB4F3881-A8F1-46AE-A7B3-B6B6DB3A948B}"/>
+          </ac:spMkLst>
+        </pc:spChg>
+        <pc:spChg chg="add del">
+          <ac:chgData name="Yang Zonghan" userId="02d2eaccc4506086" providerId="LiveId" clId="{DD3F9741-BFC9-448B-B80E-2646DC010363}" dt="2020-01-03T19:26:46.846" v="271"/>
+          <ac:spMkLst>
+            <pc:docMk/>
+            <pc:sldMk cId="990398557" sldId="279"/>
+            <ac:spMk id="60" creationId="{E708DE90-2A56-45DD-B6BC-6D639A0381B0}"/>
+          </ac:spMkLst>
+        </pc:spChg>
+        <pc:spChg chg="add del">
+          <ac:chgData name="Yang Zonghan" userId="02d2eaccc4506086" providerId="LiveId" clId="{DD3F9741-BFC9-448B-B80E-2646DC010363}" dt="2020-01-03T19:26:46.846" v="271"/>
+          <ac:spMkLst>
+            <pc:docMk/>
+            <pc:sldMk cId="990398557" sldId="279"/>
+            <ac:spMk id="61" creationId="{91C5CEC7-3A66-4A28-B18D-31FEB31BA445}"/>
+          </ac:spMkLst>
+        </pc:spChg>
+        <pc:spChg chg="add del">
+          <ac:chgData name="Yang Zonghan" userId="02d2eaccc4506086" providerId="LiveId" clId="{DD3F9741-BFC9-448B-B80E-2646DC010363}" dt="2020-01-03T19:26:46.846" v="271"/>
+          <ac:spMkLst>
+            <pc:docMk/>
+            <pc:sldMk cId="990398557" sldId="279"/>
+            <ac:spMk id="62" creationId="{60813199-AD21-439D-A473-DECE3FA313D3}"/>
+          </ac:spMkLst>
+        </pc:spChg>
+        <pc:spChg chg="add del">
+          <ac:chgData name="Yang Zonghan" userId="02d2eaccc4506086" providerId="LiveId" clId="{DD3F9741-BFC9-448B-B80E-2646DC010363}" dt="2020-01-03T19:26:46.846" v="271"/>
+          <ac:spMkLst>
+            <pc:docMk/>
+            <pc:sldMk cId="990398557" sldId="279"/>
+            <ac:spMk id="63" creationId="{7750BCE5-57D1-4F95-8E57-579111D59736}"/>
+          </ac:spMkLst>
+        </pc:spChg>
+        <pc:spChg chg="add del">
+          <ac:chgData name="Yang Zonghan" userId="02d2eaccc4506086" providerId="LiveId" clId="{DD3F9741-BFC9-448B-B80E-2646DC010363}" dt="2020-01-03T19:26:46.846" v="271"/>
+          <ac:spMkLst>
+            <pc:docMk/>
+            <pc:sldMk cId="990398557" sldId="279"/>
+            <ac:spMk id="64" creationId="{0C1BA952-A686-4003-9845-54157C941512}"/>
+          </ac:spMkLst>
+        </pc:spChg>
+        <pc:spChg chg="add del">
+          <ac:chgData name="Yang Zonghan" userId="02d2eaccc4506086" providerId="LiveId" clId="{DD3F9741-BFC9-448B-B80E-2646DC010363}" dt="2020-01-03T19:26:46.846" v="271"/>
+          <ac:spMkLst>
+            <pc:docMk/>
+            <pc:sldMk cId="990398557" sldId="279"/>
+            <ac:spMk id="65" creationId="{D00336E3-28EC-4047-8445-3441BC9DBC87}"/>
+          </ac:spMkLst>
+        </pc:spChg>
+        <pc:spChg chg="add del">
+          <ac:chgData name="Yang Zonghan" userId="02d2eaccc4506086" providerId="LiveId" clId="{DD3F9741-BFC9-448B-B80E-2646DC010363}" dt="2020-01-03T19:26:46.846" v="271"/>
+          <ac:spMkLst>
+            <pc:docMk/>
+            <pc:sldMk cId="990398557" sldId="279"/>
+            <ac:spMk id="66" creationId="{22C46B7A-A0D5-455B-A087-B9E23A71B22E}"/>
+          </ac:spMkLst>
+        </pc:spChg>
+        <pc:spChg chg="add del">
+          <ac:chgData name="Yang Zonghan" userId="02d2eaccc4506086" providerId="LiveId" clId="{DD3F9741-BFC9-448B-B80E-2646DC010363}" dt="2020-01-03T19:26:46.846" v="271"/>
+          <ac:spMkLst>
+            <pc:docMk/>
+            <pc:sldMk cId="990398557" sldId="279"/>
+            <ac:spMk id="67" creationId="{4AF60692-DB01-4550-A1C4-820A906E2B4F}"/>
+          </ac:spMkLst>
+        </pc:spChg>
+        <pc:spChg chg="add del">
+          <ac:chgData name="Yang Zonghan" userId="02d2eaccc4506086" providerId="LiveId" clId="{DD3F9741-BFC9-448B-B80E-2646DC010363}" dt="2020-01-03T19:26:46.846" v="271"/>
+          <ac:spMkLst>
+            <pc:docMk/>
+            <pc:sldMk cId="990398557" sldId="279"/>
+            <ac:spMk id="68" creationId="{701B3359-BE3D-4B56-A78C-A10ECE7A1A9B}"/>
+          </ac:spMkLst>
+        </pc:spChg>
+        <pc:spChg chg="add del">
+          <ac:chgData name="Yang Zonghan" userId="02d2eaccc4506086" providerId="LiveId" clId="{DD3F9741-BFC9-448B-B80E-2646DC010363}" dt="2020-01-03T19:26:46.846" v="271"/>
+          <ac:spMkLst>
+            <pc:docMk/>
+            <pc:sldMk cId="990398557" sldId="279"/>
+            <ac:spMk id="69" creationId="{FA9604D9-BC6F-4EF7-8A86-75A95DA0A0FB}"/>
+          </ac:spMkLst>
+        </pc:spChg>
+        <pc:spChg chg="del">
+          <ac:chgData name="Yang Zonghan" userId="02d2eaccc4506086" providerId="LiveId" clId="{DD3F9741-BFC9-448B-B80E-2646DC010363}" dt="2020-01-03T19:26:31.897" v="269" actId="478"/>
+          <ac:spMkLst>
+            <pc:docMk/>
+            <pc:sldMk cId="990398557" sldId="279"/>
+            <ac:spMk id="70" creationId="{81CDB1EA-7D53-471E-808C-40CD9186FD0A}"/>
+          </ac:spMkLst>
+        </pc:spChg>
+        <pc:spChg chg="add del">
+          <ac:chgData name="Yang Zonghan" userId="02d2eaccc4506086" providerId="LiveId" clId="{DD3F9741-BFC9-448B-B80E-2646DC010363}" dt="2020-01-03T19:26:46.846" v="271"/>
+          <ac:spMkLst>
+            <pc:docMk/>
+            <pc:sldMk cId="990398557" sldId="279"/>
+            <ac:spMk id="72" creationId="{0167A117-AEB6-4398-9C25-54B4059A1311}"/>
+          </ac:spMkLst>
+        </pc:spChg>
+        <pc:spChg chg="add del">
+          <ac:chgData name="Yang Zonghan" userId="02d2eaccc4506086" providerId="LiveId" clId="{DD3F9741-BFC9-448B-B80E-2646DC010363}" dt="2020-01-03T19:26:46.846" v="271"/>
+          <ac:spMkLst>
+            <pc:docMk/>
+            <pc:sldMk cId="990398557" sldId="279"/>
+            <ac:spMk id="73" creationId="{524BD5B9-969D-4E61-B1ED-AD16DB555592}"/>
+          </ac:spMkLst>
+        </pc:spChg>
+        <pc:spChg chg="add del">
+          <ac:chgData name="Yang Zonghan" userId="02d2eaccc4506086" providerId="LiveId" clId="{DD3F9741-BFC9-448B-B80E-2646DC010363}" dt="2020-01-03T19:26:46.846" v="271"/>
+          <ac:spMkLst>
+            <pc:docMk/>
+            <pc:sldMk cId="990398557" sldId="279"/>
+            <ac:spMk id="74" creationId="{9D3365E8-7C6B-465E-8949-E8D0DF97BF25}"/>
+          </ac:spMkLst>
+        </pc:spChg>
+        <pc:spChg chg="del">
+          <ac:chgData name="Yang Zonghan" userId="02d2eaccc4506086" providerId="LiveId" clId="{DD3F9741-BFC9-448B-B80E-2646DC010363}" dt="2020-01-03T19:26:31.897" v="269" actId="478"/>
+          <ac:spMkLst>
+            <pc:docMk/>
+            <pc:sldMk cId="990398557" sldId="279"/>
+            <ac:spMk id="80" creationId="{5F3D7A93-2D40-4039-AD5F-A080683FABFA}"/>
+          </ac:spMkLst>
+        </pc:spChg>
+        <pc:spChg chg="del">
+          <ac:chgData name="Yang Zonghan" userId="02d2eaccc4506086" providerId="LiveId" clId="{DD3F9741-BFC9-448B-B80E-2646DC010363}" dt="2020-01-03T19:26:31.897" v="269" actId="478"/>
+          <ac:spMkLst>
+            <pc:docMk/>
+            <pc:sldMk cId="990398557" sldId="279"/>
+            <ac:spMk id="81" creationId="{8D7C79EF-D36A-45F9-8B23-0C2E1540CE42}"/>
+          </ac:spMkLst>
+        </pc:spChg>
+        <pc:spChg chg="add del">
+          <ac:chgData name="Yang Zonghan" userId="02d2eaccc4506086" providerId="LiveId" clId="{DD3F9741-BFC9-448B-B80E-2646DC010363}" dt="2020-01-03T19:26:46.846" v="271"/>
+          <ac:spMkLst>
+            <pc:docMk/>
+            <pc:sldMk cId="990398557" sldId="279"/>
+            <ac:spMk id="100" creationId="{E3E82F07-50BC-4E6A-A6B0-0CB565035D48}"/>
+          </ac:spMkLst>
+        </pc:spChg>
+        <pc:spChg chg="add del">
+          <ac:chgData name="Yang Zonghan" userId="02d2eaccc4506086" providerId="LiveId" clId="{DD3F9741-BFC9-448B-B80E-2646DC010363}" dt="2020-01-03T19:26:46.846" v="271"/>
+          <ac:spMkLst>
+            <pc:docMk/>
+            <pc:sldMk cId="990398557" sldId="279"/>
+            <ac:spMk id="112" creationId="{BD19CD66-FFC0-490B-AE1B-B8AFE5E89CEA}"/>
+          </ac:spMkLst>
+        </pc:spChg>
+        <pc:spChg chg="add del">
+          <ac:chgData name="Yang Zonghan" userId="02d2eaccc4506086" providerId="LiveId" clId="{DD3F9741-BFC9-448B-B80E-2646DC010363}" dt="2020-01-03T19:26:46.846" v="271"/>
+          <ac:spMkLst>
+            <pc:docMk/>
+            <pc:sldMk cId="990398557" sldId="279"/>
+            <ac:spMk id="113" creationId="{6E402F04-8452-47CF-B0C6-26405C4F9663}"/>
+          </ac:spMkLst>
+        </pc:spChg>
+        <pc:spChg chg="add del">
+          <ac:chgData name="Yang Zonghan" userId="02d2eaccc4506086" providerId="LiveId" clId="{DD3F9741-BFC9-448B-B80E-2646DC010363}" dt="2020-01-03T19:26:46.846" v="271"/>
+          <ac:spMkLst>
+            <pc:docMk/>
+            <pc:sldMk cId="990398557" sldId="279"/>
+            <ac:spMk id="115" creationId="{5C79A587-3B2B-4C59-98A2-7481F98F88FA}"/>
+          </ac:spMkLst>
+        </pc:spChg>
+        <pc:spChg chg="add del">
+          <ac:chgData name="Yang Zonghan" userId="02d2eaccc4506086" providerId="LiveId" clId="{DD3F9741-BFC9-448B-B80E-2646DC010363}" dt="2020-01-03T19:26:46.846" v="271"/>
+          <ac:spMkLst>
+            <pc:docMk/>
+            <pc:sldMk cId="990398557" sldId="279"/>
+            <ac:spMk id="117" creationId="{2EFCF262-0ACB-4A7C-A660-4C9CF78536E6}"/>
+          </ac:spMkLst>
+        </pc:spChg>
+        <pc:spChg chg="add del">
+          <ac:chgData name="Yang Zonghan" userId="02d2eaccc4506086" providerId="LiveId" clId="{DD3F9741-BFC9-448B-B80E-2646DC010363}" dt="2020-01-03T19:26:46.846" v="271"/>
+          <ac:spMkLst>
+            <pc:docMk/>
+            <pc:sldMk cId="990398557" sldId="279"/>
+            <ac:spMk id="119" creationId="{4DA25A72-3140-4525-87E2-FD2E7F278521}"/>
+          </ac:spMkLst>
+        </pc:spChg>
+        <pc:spChg chg="add del">
+          <ac:chgData name="Yang Zonghan" userId="02d2eaccc4506086" providerId="LiveId" clId="{DD3F9741-BFC9-448B-B80E-2646DC010363}" dt="2020-01-03T19:26:46.846" v="271"/>
+          <ac:spMkLst>
+            <pc:docMk/>
+            <pc:sldMk cId="990398557" sldId="279"/>
+            <ac:spMk id="122" creationId="{C8FA3FDF-88B4-4528-83E7-2D35B930013F}"/>
+          </ac:spMkLst>
+        </pc:spChg>
+        <pc:spChg chg="add del">
+          <ac:chgData name="Yang Zonghan" userId="02d2eaccc4506086" providerId="LiveId" clId="{DD3F9741-BFC9-448B-B80E-2646DC010363}" dt="2020-01-03T19:26:46.846" v="271"/>
+          <ac:spMkLst>
+            <pc:docMk/>
+            <pc:sldMk cId="990398557" sldId="279"/>
+            <ac:spMk id="124" creationId="{45E85B1E-E6D0-4635-BFB8-8CBE1EAA4C93}"/>
+          </ac:spMkLst>
+        </pc:spChg>
+        <pc:spChg chg="add del">
+          <ac:chgData name="Yang Zonghan" userId="02d2eaccc4506086" providerId="LiveId" clId="{DD3F9741-BFC9-448B-B80E-2646DC010363}" dt="2020-01-03T19:26:46.846" v="271"/>
+          <ac:spMkLst>
+            <pc:docMk/>
+            <pc:sldMk cId="990398557" sldId="279"/>
+            <ac:spMk id="128" creationId="{30E8E480-9FE1-42F6-8D7F-48EE7C22B72D}"/>
+          </ac:spMkLst>
+        </pc:spChg>
+        <pc:spChg chg="add del">
+          <ac:chgData name="Yang Zonghan" userId="02d2eaccc4506086" providerId="LiveId" clId="{DD3F9741-BFC9-448B-B80E-2646DC010363}" dt="2020-01-03T19:26:46.846" v="271"/>
+          <ac:spMkLst>
+            <pc:docMk/>
+            <pc:sldMk cId="990398557" sldId="279"/>
+            <ac:spMk id="129" creationId="{AB310C68-C342-4038-A1B7-D7AABFBD68E2}"/>
+          </ac:spMkLst>
+        </pc:spChg>
+        <pc:spChg chg="add mod">
+          <ac:chgData name="Yang Zonghan" userId="02d2eaccc4506086" providerId="LiveId" clId="{DD3F9741-BFC9-448B-B80E-2646DC010363}" dt="2020-01-03T19:38:43.684" v="614" actId="2711"/>
+          <ac:spMkLst>
+            <pc:docMk/>
+            <pc:sldMk cId="990398557" sldId="279"/>
+            <ac:spMk id="133" creationId="{E87FD504-1374-4AB0-82A1-6F32653C08E1}"/>
+          </ac:spMkLst>
+        </pc:spChg>
+        <pc:grpChg chg="del">
+          <ac:chgData name="Yang Zonghan" userId="02d2eaccc4506086" providerId="LiveId" clId="{DD3F9741-BFC9-448B-B80E-2646DC010363}" dt="2020-01-03T19:26:31.897" v="269" actId="478"/>
+          <ac:grpSpMkLst>
+            <pc:docMk/>
+            <pc:sldMk cId="990398557" sldId="279"/>
+            <ac:grpSpMk id="8" creationId="{E1C7496B-AB81-449B-92B4-166B74466CC3}"/>
+          </ac:grpSpMkLst>
+        </pc:grpChg>
+        <pc:grpChg chg="del">
+          <ac:chgData name="Yang Zonghan" userId="02d2eaccc4506086" providerId="LiveId" clId="{DD3F9741-BFC9-448B-B80E-2646DC010363}" dt="2020-01-03T19:26:31.897" v="269" actId="478"/>
+          <ac:grpSpMkLst>
+            <pc:docMk/>
+            <pc:sldMk cId="990398557" sldId="279"/>
+            <ac:grpSpMk id="9" creationId="{A7F363A9-8C1F-49FF-AB6E-02127D9CA0FA}"/>
+          </ac:grpSpMkLst>
+        </pc:grpChg>
+        <pc:grpChg chg="del">
+          <ac:chgData name="Yang Zonghan" userId="02d2eaccc4506086" providerId="LiveId" clId="{DD3F9741-BFC9-448B-B80E-2646DC010363}" dt="2020-01-03T19:26:31.897" v="269" actId="478"/>
+          <ac:grpSpMkLst>
+            <pc:docMk/>
+            <pc:sldMk cId="990398557" sldId="279"/>
+            <ac:grpSpMk id="21" creationId="{2B225794-1911-456B-8462-D0F4763F29AA}"/>
+          </ac:grpSpMkLst>
+        </pc:grpChg>
+        <pc:grpChg chg="del">
+          <ac:chgData name="Yang Zonghan" userId="02d2eaccc4506086" providerId="LiveId" clId="{DD3F9741-BFC9-448B-B80E-2646DC010363}" dt="2020-01-03T19:26:31.897" v="269" actId="478"/>
+          <ac:grpSpMkLst>
+            <pc:docMk/>
+            <pc:sldMk cId="990398557" sldId="279"/>
+            <ac:grpSpMk id="25" creationId="{8F1B78C3-5D83-4B3D-B908-E69C57A8688F}"/>
+          </ac:grpSpMkLst>
+        </pc:grpChg>
+        <pc:grpChg chg="del">
+          <ac:chgData name="Yang Zonghan" userId="02d2eaccc4506086" providerId="LiveId" clId="{DD3F9741-BFC9-448B-B80E-2646DC010363}" dt="2020-01-03T19:26:31.897" v="269" actId="478"/>
+          <ac:grpSpMkLst>
+            <pc:docMk/>
+            <pc:sldMk cId="990398557" sldId="279"/>
+            <ac:grpSpMk id="29" creationId="{21AEAB1E-947C-463C-A922-47CD1AF60344}"/>
+          </ac:grpSpMkLst>
+        </pc:grpChg>
+        <pc:picChg chg="add mod">
+          <ac:chgData name="Yang Zonghan" userId="02d2eaccc4506086" providerId="LiveId" clId="{DD3F9741-BFC9-448B-B80E-2646DC010363}" dt="2020-01-03T19:44:02.270" v="655" actId="1076"/>
+          <ac:picMkLst>
+            <pc:docMk/>
+            <pc:sldMk cId="990398557" sldId="279"/>
+            <ac:picMk id="4" creationId="{EFA3989A-699A-4FDD-BCFD-18BF58BE9794}"/>
+          </ac:picMkLst>
+        </pc:picChg>
+        <pc:cxnChg chg="del">
+          <ac:chgData name="Yang Zonghan" userId="02d2eaccc4506086" providerId="LiveId" clId="{DD3F9741-BFC9-448B-B80E-2646DC010363}" dt="2020-01-03T19:26:31.897" v="269" actId="478"/>
+          <ac:cxnSpMkLst>
+            <pc:docMk/>
+            <pc:sldMk cId="990398557" sldId="279"/>
+            <ac:cxnSpMk id="38" creationId="{77E78E83-5200-4269-A44C-42A5C88666E6}"/>
+          </ac:cxnSpMkLst>
+        </pc:cxnChg>
+        <pc:cxnChg chg="del">
+          <ac:chgData name="Yang Zonghan" userId="02d2eaccc4506086" providerId="LiveId" clId="{DD3F9741-BFC9-448B-B80E-2646DC010363}" dt="2020-01-03T19:26:31.897" v="269" actId="478"/>
+          <ac:cxnSpMkLst>
+            <pc:docMk/>
+            <pc:sldMk cId="990398557" sldId="279"/>
+            <ac:cxnSpMk id="39" creationId="{35E9BE8C-B657-49B1-B604-513C72628434}"/>
+          </ac:cxnSpMkLst>
+        </pc:cxnChg>
+        <pc:cxnChg chg="del">
+          <ac:chgData name="Yang Zonghan" userId="02d2eaccc4506086" providerId="LiveId" clId="{DD3F9741-BFC9-448B-B80E-2646DC010363}" dt="2020-01-03T19:26:31.897" v="269" actId="478"/>
+          <ac:cxnSpMkLst>
+            <pc:docMk/>
+            <pc:sldMk cId="990398557" sldId="279"/>
+            <ac:cxnSpMk id="41" creationId="{CC541CE0-4DC7-4FB5-95A9-815A7E6E0275}"/>
+          </ac:cxnSpMkLst>
+        </pc:cxnChg>
+        <pc:cxnChg chg="del">
+          <ac:chgData name="Yang Zonghan" userId="02d2eaccc4506086" providerId="LiveId" clId="{DD3F9741-BFC9-448B-B80E-2646DC010363}" dt="2020-01-03T19:26:31.897" v="269" actId="478"/>
+          <ac:cxnSpMkLst>
+            <pc:docMk/>
+            <pc:sldMk cId="990398557" sldId="279"/>
+            <ac:cxnSpMk id="42" creationId="{A3742EC9-A6E9-4C67-9EE9-732270A224C3}"/>
+          </ac:cxnSpMkLst>
+        </pc:cxnChg>
+        <pc:cxnChg chg="del">
+          <ac:chgData name="Yang Zonghan" userId="02d2eaccc4506086" providerId="LiveId" clId="{DD3F9741-BFC9-448B-B80E-2646DC010363}" dt="2020-01-03T19:26:31.897" v="269" actId="478"/>
+          <ac:cxnSpMkLst>
+            <pc:docMk/>
+            <pc:sldMk cId="990398557" sldId="279"/>
+            <ac:cxnSpMk id="43" creationId="{0CAB1752-C9B3-4345-A63E-BC2DEB268D21}"/>
+          </ac:cxnSpMkLst>
+        </pc:cxnChg>
+        <pc:cxnChg chg="del">
+          <ac:chgData name="Yang Zonghan" userId="02d2eaccc4506086" providerId="LiveId" clId="{DD3F9741-BFC9-448B-B80E-2646DC010363}" dt="2020-01-03T19:26:31.897" v="269" actId="478"/>
+          <ac:cxnSpMkLst>
+            <pc:docMk/>
+            <pc:sldMk cId="990398557" sldId="279"/>
+            <ac:cxnSpMk id="44" creationId="{94651CF6-22BF-4413-873B-EA75C4E155A9}"/>
+          </ac:cxnSpMkLst>
+        </pc:cxnChg>
+        <pc:cxnChg chg="del">
+          <ac:chgData name="Yang Zonghan" userId="02d2eaccc4506086" providerId="LiveId" clId="{DD3F9741-BFC9-448B-B80E-2646DC010363}" dt="2020-01-03T19:26:31.897" v="269" actId="478"/>
+          <ac:cxnSpMkLst>
+            <pc:docMk/>
+            <pc:sldMk cId="990398557" sldId="279"/>
+            <ac:cxnSpMk id="45" creationId="{BE91C085-AC3E-4BE0-9605-C2396B59B905}"/>
+          </ac:cxnSpMkLst>
+        </pc:cxnChg>
+        <pc:cxnChg chg="del">
+          <ac:chgData name="Yang Zonghan" userId="02d2eaccc4506086" providerId="LiveId" clId="{DD3F9741-BFC9-448B-B80E-2646DC010363}" dt="2020-01-03T19:26:31.897" v="269" actId="478"/>
+          <ac:cxnSpMkLst>
+            <pc:docMk/>
+            <pc:sldMk cId="990398557" sldId="279"/>
+            <ac:cxnSpMk id="46" creationId="{480AF7AF-9204-45A8-A233-F4B409C1C9EC}"/>
+          </ac:cxnSpMkLst>
+        </pc:cxnChg>
+        <pc:cxnChg chg="del">
+          <ac:chgData name="Yang Zonghan" userId="02d2eaccc4506086" providerId="LiveId" clId="{DD3F9741-BFC9-448B-B80E-2646DC010363}" dt="2020-01-03T19:26:31.897" v="269" actId="478"/>
+          <ac:cxnSpMkLst>
+            <pc:docMk/>
+            <pc:sldMk cId="990398557" sldId="279"/>
+            <ac:cxnSpMk id="48" creationId="{507EA728-3CD9-4516-BF3C-D17B68A08D8D}"/>
+          </ac:cxnSpMkLst>
+        </pc:cxnChg>
+        <pc:cxnChg chg="add del">
+          <ac:chgData name="Yang Zonghan" userId="02d2eaccc4506086" providerId="LiveId" clId="{DD3F9741-BFC9-448B-B80E-2646DC010363}" dt="2020-01-03T19:26:46.846" v="271"/>
+          <ac:cxnSpMkLst>
+            <pc:docMk/>
+            <pc:sldMk cId="990398557" sldId="279"/>
+            <ac:cxnSpMk id="49" creationId="{2E793BD4-2906-44AF-B1C8-5BED521B7FA4}"/>
+          </ac:cxnSpMkLst>
+        </pc:cxnChg>
+        <pc:cxnChg chg="add del">
+          <ac:chgData name="Yang Zonghan" userId="02d2eaccc4506086" providerId="LiveId" clId="{DD3F9741-BFC9-448B-B80E-2646DC010363}" dt="2020-01-03T19:26:46.846" v="271"/>
+          <ac:cxnSpMkLst>
+            <pc:docMk/>
+            <pc:sldMk cId="990398557" sldId="279"/>
+            <ac:cxnSpMk id="50" creationId="{543CA729-EC82-4376-869E-F94DE8037E1A}"/>
+          </ac:cxnSpMkLst>
+        </pc:cxnChg>
+        <pc:cxnChg chg="del">
+          <ac:chgData name="Yang Zonghan" userId="02d2eaccc4506086" providerId="LiveId" clId="{DD3F9741-BFC9-448B-B80E-2646DC010363}" dt="2020-01-03T19:26:31.897" v="269" actId="478"/>
+          <ac:cxnSpMkLst>
+            <pc:docMk/>
+            <pc:sldMk cId="990398557" sldId="279"/>
+            <ac:cxnSpMk id="51" creationId="{C6EAD5D4-8F27-4D6C-9D27-7D749F315E1F}"/>
+          </ac:cxnSpMkLst>
+        </pc:cxnChg>
+        <pc:cxnChg chg="del">
+          <ac:chgData name="Yang Zonghan" userId="02d2eaccc4506086" providerId="LiveId" clId="{DD3F9741-BFC9-448B-B80E-2646DC010363}" dt="2020-01-03T19:26:31.897" v="269" actId="478"/>
+          <ac:cxnSpMkLst>
+            <pc:docMk/>
+            <pc:sldMk cId="990398557" sldId="279"/>
+            <ac:cxnSpMk id="52" creationId="{3424D89E-2C33-441D-8025-EC0EFA5131F4}"/>
+          </ac:cxnSpMkLst>
+        </pc:cxnChg>
+        <pc:cxnChg chg="del">
+          <ac:chgData name="Yang Zonghan" userId="02d2eaccc4506086" providerId="LiveId" clId="{DD3F9741-BFC9-448B-B80E-2646DC010363}" dt="2020-01-03T19:26:31.897" v="269" actId="478"/>
+          <ac:cxnSpMkLst>
+            <pc:docMk/>
+            <pc:sldMk cId="990398557" sldId="279"/>
+            <ac:cxnSpMk id="53" creationId="{08407B9C-1EFB-40A2-BB0C-DCA66D5F5E75}"/>
+          </ac:cxnSpMkLst>
+        </pc:cxnChg>
+        <pc:cxnChg chg="del">
+          <ac:chgData name="Yang Zonghan" userId="02d2eaccc4506086" providerId="LiveId" clId="{DD3F9741-BFC9-448B-B80E-2646DC010363}" dt="2020-01-03T19:26:31.897" v="269" actId="478"/>
+          <ac:cxnSpMkLst>
+            <pc:docMk/>
+            <pc:sldMk cId="990398557" sldId="279"/>
+            <ac:cxnSpMk id="54" creationId="{5AF6DF53-B0EB-414D-A4F8-1A22F243C303}"/>
+          </ac:cxnSpMkLst>
+        </pc:cxnChg>
+        <pc:cxnChg chg="del">
+          <ac:chgData name="Yang Zonghan" userId="02d2eaccc4506086" providerId="LiveId" clId="{DD3F9741-BFC9-448B-B80E-2646DC010363}" dt="2020-01-03T19:26:31.897" v="269" actId="478"/>
+          <ac:cxnSpMkLst>
+            <pc:docMk/>
+            <pc:sldMk cId="990398557" sldId="279"/>
+            <ac:cxnSpMk id="55" creationId="{DF025B24-D401-406A-8ABC-4B923E4A30B2}"/>
+          </ac:cxnSpMkLst>
+        </pc:cxnChg>
+        <pc:cxnChg chg="del">
+          <ac:chgData name="Yang Zonghan" userId="02d2eaccc4506086" providerId="LiveId" clId="{DD3F9741-BFC9-448B-B80E-2646DC010363}" dt="2020-01-03T19:26:31.897" v="269" actId="478"/>
+          <ac:cxnSpMkLst>
+            <pc:docMk/>
+            <pc:sldMk cId="990398557" sldId="279"/>
+            <ac:cxnSpMk id="56" creationId="{EDB4D179-16F6-4E9B-ABA9-6BC2AD109C3B}"/>
+          </ac:cxnSpMkLst>
+        </pc:cxnChg>
+        <pc:cxnChg chg="del">
+          <ac:chgData name="Yang Zonghan" userId="02d2eaccc4506086" providerId="LiveId" clId="{DD3F9741-BFC9-448B-B80E-2646DC010363}" dt="2020-01-03T19:26:31.897" v="269" actId="478"/>
+          <ac:cxnSpMkLst>
+            <pc:docMk/>
+            <pc:sldMk cId="990398557" sldId="279"/>
+            <ac:cxnSpMk id="57" creationId="{D6C5BB08-4652-4F50-8145-247C419B24F9}"/>
+          </ac:cxnSpMkLst>
+        </pc:cxnChg>
+        <pc:cxnChg chg="del">
+          <ac:chgData name="Yang Zonghan" userId="02d2eaccc4506086" providerId="LiveId" clId="{DD3F9741-BFC9-448B-B80E-2646DC010363}" dt="2020-01-03T19:26:31.897" v="269" actId="478"/>
+          <ac:cxnSpMkLst>
+            <pc:docMk/>
+            <pc:sldMk cId="990398557" sldId="279"/>
+            <ac:cxnSpMk id="58" creationId="{C5950455-1ED9-4517-9625-BCBE15FE2385}"/>
+          </ac:cxnSpMkLst>
+        </pc:cxnChg>
+        <pc:cxnChg chg="del">
+          <ac:chgData name="Yang Zonghan" userId="02d2eaccc4506086" providerId="LiveId" clId="{DD3F9741-BFC9-448B-B80E-2646DC010363}" dt="2020-01-03T19:26:31.897" v="269" actId="478"/>
+          <ac:cxnSpMkLst>
+            <pc:docMk/>
+            <pc:sldMk cId="990398557" sldId="279"/>
+            <ac:cxnSpMk id="59" creationId="{63F181E1-E92D-4DA7-BC21-E268543ACF7D}"/>
+          </ac:cxnSpMkLst>
+        </pc:cxnChg>
+        <pc:cxnChg chg="del">
+          <ac:chgData name="Yang Zonghan" userId="02d2eaccc4506086" providerId="LiveId" clId="{DD3F9741-BFC9-448B-B80E-2646DC010363}" dt="2020-01-03T19:26:31.897" v="269" actId="478"/>
+          <ac:cxnSpMkLst>
+            <pc:docMk/>
+            <pc:sldMk cId="990398557" sldId="279"/>
+            <ac:cxnSpMk id="71" creationId="{5137013E-7994-4619-A5AA-148404A6D734}"/>
+          </ac:cxnSpMkLst>
+        </pc:cxnChg>
+        <pc:cxnChg chg="del">
+          <ac:chgData name="Yang Zonghan" userId="02d2eaccc4506086" providerId="LiveId" clId="{DD3F9741-BFC9-448B-B80E-2646DC010363}" dt="2020-01-03T19:26:31.897" v="269" actId="478"/>
+          <ac:cxnSpMkLst>
+            <pc:docMk/>
+            <pc:sldMk cId="990398557" sldId="279"/>
+            <ac:cxnSpMk id="75" creationId="{6A0596D2-9021-467D-A261-A98DDC65D3A8}"/>
+          </ac:cxnSpMkLst>
+        </pc:cxnChg>
+        <pc:cxnChg chg="del">
+          <ac:chgData name="Yang Zonghan" userId="02d2eaccc4506086" providerId="LiveId" clId="{DD3F9741-BFC9-448B-B80E-2646DC010363}" dt="2020-01-03T19:26:31.897" v="269" actId="478"/>
+          <ac:cxnSpMkLst>
+            <pc:docMk/>
+            <pc:sldMk cId="990398557" sldId="279"/>
+            <ac:cxnSpMk id="76" creationId="{8819510C-B71A-4D87-8891-CC6F4FC65209}"/>
+          </ac:cxnSpMkLst>
+        </pc:cxnChg>
+        <pc:cxnChg chg="add del">
+          <ac:chgData name="Yang Zonghan" userId="02d2eaccc4506086" providerId="LiveId" clId="{DD3F9741-BFC9-448B-B80E-2646DC010363}" dt="2020-01-03T19:26:46.846" v="271"/>
+          <ac:cxnSpMkLst>
+            <pc:docMk/>
+            <pc:sldMk cId="990398557" sldId="279"/>
+            <ac:cxnSpMk id="77" creationId="{735AB1FD-2240-42E8-976A-0C4B70E773F4}"/>
+          </ac:cxnSpMkLst>
+        </pc:cxnChg>
+        <pc:cxnChg chg="add del">
+          <ac:chgData name="Yang Zonghan" userId="02d2eaccc4506086" providerId="LiveId" clId="{DD3F9741-BFC9-448B-B80E-2646DC010363}" dt="2020-01-03T19:26:46.846" v="271"/>
+          <ac:cxnSpMkLst>
+            <pc:docMk/>
+            <pc:sldMk cId="990398557" sldId="279"/>
+            <ac:cxnSpMk id="78" creationId="{13E9383D-A03D-4C86-A78D-30BF2381F82B}"/>
+          </ac:cxnSpMkLst>
+        </pc:cxnChg>
+        <pc:cxnChg chg="del">
+          <ac:chgData name="Yang Zonghan" userId="02d2eaccc4506086" providerId="LiveId" clId="{DD3F9741-BFC9-448B-B80E-2646DC010363}" dt="2020-01-03T19:26:31.897" v="269" actId="478"/>
+          <ac:cxnSpMkLst>
+            <pc:docMk/>
+            <pc:sldMk cId="990398557" sldId="279"/>
+            <ac:cxnSpMk id="79" creationId="{0B91300B-3247-47A5-8334-9EFA9A41AC33}"/>
+          </ac:cxnSpMkLst>
+        </pc:cxnChg>
+        <pc:cxnChg chg="add del">
+          <ac:chgData name="Yang Zonghan" userId="02d2eaccc4506086" providerId="LiveId" clId="{DD3F9741-BFC9-448B-B80E-2646DC010363}" dt="2020-01-03T19:26:46.846" v="271"/>
+          <ac:cxnSpMkLst>
+            <pc:docMk/>
+            <pc:sldMk cId="990398557" sldId="279"/>
+            <ac:cxnSpMk id="82" creationId="{12F85031-9F94-4167-892C-6812FC41C523}"/>
+          </ac:cxnSpMkLst>
+        </pc:cxnChg>
+        <pc:cxnChg chg="add del">
+          <ac:chgData name="Yang Zonghan" userId="02d2eaccc4506086" providerId="LiveId" clId="{DD3F9741-BFC9-448B-B80E-2646DC010363}" dt="2020-01-03T19:26:46.846" v="271"/>
+          <ac:cxnSpMkLst>
+            <pc:docMk/>
+            <pc:sldMk cId="990398557" sldId="279"/>
+            <ac:cxnSpMk id="83" creationId="{63922B6A-B1F7-4270-85C1-38BA1975AC02}"/>
+          </ac:cxnSpMkLst>
+        </pc:cxnChg>
+        <pc:cxnChg chg="add del">
+          <ac:chgData name="Yang Zonghan" userId="02d2eaccc4506086" providerId="LiveId" clId="{DD3F9741-BFC9-448B-B80E-2646DC010363}" dt="2020-01-03T19:26:46.846" v="271"/>
+          <ac:cxnSpMkLst>
+            <pc:docMk/>
+            <pc:sldMk cId="990398557" sldId="279"/>
+            <ac:cxnSpMk id="84" creationId="{3B37F90B-173F-4075-90D4-445D16587FEA}"/>
+          </ac:cxnSpMkLst>
+        </pc:cxnChg>
+        <pc:cxnChg chg="add del">
+          <ac:chgData name="Yang Zonghan" userId="02d2eaccc4506086" providerId="LiveId" clId="{DD3F9741-BFC9-448B-B80E-2646DC010363}" dt="2020-01-03T19:26:46.846" v="271"/>
+          <ac:cxnSpMkLst>
+            <pc:docMk/>
+            <pc:sldMk cId="990398557" sldId="279"/>
+            <ac:cxnSpMk id="85" creationId="{B1242AE6-1B83-4104-8322-9D33221742AC}"/>
+          </ac:cxnSpMkLst>
+        </pc:cxnChg>
+        <pc:cxnChg chg="add del">
+          <ac:chgData name="Yang Zonghan" userId="02d2eaccc4506086" providerId="LiveId" clId="{DD3F9741-BFC9-448B-B80E-2646DC010363}" dt="2020-01-03T19:26:46.846" v="271"/>
+          <ac:cxnSpMkLst>
+            <pc:docMk/>
+            <pc:sldMk cId="990398557" sldId="279"/>
+            <ac:cxnSpMk id="86" creationId="{5F33165D-5092-4D1B-87F0-721B9B9CAE1C}"/>
+          </ac:cxnSpMkLst>
+        </pc:cxnChg>
+        <pc:cxnChg chg="add del">
+          <ac:chgData name="Yang Zonghan" userId="02d2eaccc4506086" providerId="LiveId" clId="{DD3F9741-BFC9-448B-B80E-2646DC010363}" dt="2020-01-03T19:26:46.846" v="271"/>
+          <ac:cxnSpMkLst>
+            <pc:docMk/>
+            <pc:sldMk cId="990398557" sldId="279"/>
+            <ac:cxnSpMk id="87" creationId="{499803B6-B0C3-4717-A222-11F089A91E02}"/>
+          </ac:cxnSpMkLst>
+        </pc:cxnChg>
+        <pc:cxnChg chg="add del">
+          <ac:chgData name="Yang Zonghan" userId="02d2eaccc4506086" providerId="LiveId" clId="{DD3F9741-BFC9-448B-B80E-2646DC010363}" dt="2020-01-03T19:26:46.846" v="271"/>
+          <ac:cxnSpMkLst>
+            <pc:docMk/>
+            <pc:sldMk cId="990398557" sldId="279"/>
+            <ac:cxnSpMk id="88" creationId="{6229F65E-1EF9-466A-B0B0-F7523FAF1B4A}"/>
+          </ac:cxnSpMkLst>
+        </pc:cxnChg>
+        <pc:cxnChg chg="add del">
+          <ac:chgData name="Yang Zonghan" userId="02d2eaccc4506086" providerId="LiveId" clId="{DD3F9741-BFC9-448B-B80E-2646DC010363}" dt="2020-01-03T19:26:46.846" v="271"/>
+          <ac:cxnSpMkLst>
+            <pc:docMk/>
+            <pc:sldMk cId="990398557" sldId="279"/>
+            <ac:cxnSpMk id="89" creationId="{8DEC395D-3440-46C7-A3E2-D84D113331F4}"/>
+          </ac:cxnSpMkLst>
+        </pc:cxnChg>
+        <pc:cxnChg chg="add del">
+          <ac:chgData name="Yang Zonghan" userId="02d2eaccc4506086" providerId="LiveId" clId="{DD3F9741-BFC9-448B-B80E-2646DC010363}" dt="2020-01-03T19:26:46.846" v="271"/>
+          <ac:cxnSpMkLst>
+            <pc:docMk/>
+            <pc:sldMk cId="990398557" sldId="279"/>
+            <ac:cxnSpMk id="90" creationId="{482EBAA3-F067-4557-86B2-CE7357627CDD}"/>
+          </ac:cxnSpMkLst>
+        </pc:cxnChg>
+        <pc:cxnChg chg="add del">
+          <ac:chgData name="Yang Zonghan" userId="02d2eaccc4506086" providerId="LiveId" clId="{DD3F9741-BFC9-448B-B80E-2646DC010363}" dt="2020-01-03T19:26:46.846" v="271"/>
+          <ac:cxnSpMkLst>
+            <pc:docMk/>
+            <pc:sldMk cId="990398557" sldId="279"/>
+            <ac:cxnSpMk id="91" creationId="{95D96067-0D66-4110-B5DB-D1C5EB755ECB}"/>
+          </ac:cxnSpMkLst>
+        </pc:cxnChg>
+        <pc:cxnChg chg="add del">
+          <ac:chgData name="Yang Zonghan" userId="02d2eaccc4506086" providerId="LiveId" clId="{DD3F9741-BFC9-448B-B80E-2646DC010363}" dt="2020-01-03T19:26:46.846" v="271"/>
+          <ac:cxnSpMkLst>
+            <pc:docMk/>
+            <pc:sldMk cId="990398557" sldId="279"/>
+            <ac:cxnSpMk id="92" creationId="{0C4B1357-F937-4840-8F89-3340562C0EEA}"/>
+          </ac:cxnSpMkLst>
+        </pc:cxnChg>
+        <pc:cxnChg chg="add del">
+          <ac:chgData name="Yang Zonghan" userId="02d2eaccc4506086" providerId="LiveId" clId="{DD3F9741-BFC9-448B-B80E-2646DC010363}" dt="2020-01-03T19:26:46.846" v="271"/>
+          <ac:cxnSpMkLst>
+            <pc:docMk/>
+            <pc:sldMk cId="990398557" sldId="279"/>
+            <ac:cxnSpMk id="93" creationId="{FEC76FB3-6419-4E30-8275-4ED9B0F373D6}"/>
+          </ac:cxnSpMkLst>
+        </pc:cxnChg>
+        <pc:cxnChg chg="add del">
+          <ac:chgData name="Yang Zonghan" userId="02d2eaccc4506086" providerId="LiveId" clId="{DD3F9741-BFC9-448B-B80E-2646DC010363}" dt="2020-01-03T19:26:46.846" v="271"/>
+          <ac:cxnSpMkLst>
+            <pc:docMk/>
+            <pc:sldMk cId="990398557" sldId="279"/>
+            <ac:cxnSpMk id="94" creationId="{4B77441F-5048-4706-A383-8A398878583A}"/>
+          </ac:cxnSpMkLst>
+        </pc:cxnChg>
+        <pc:cxnChg chg="add del">
+          <ac:chgData name="Yang Zonghan" userId="02d2eaccc4506086" providerId="LiveId" clId="{DD3F9741-BFC9-448B-B80E-2646DC010363}" dt="2020-01-03T19:26:46.846" v="271"/>
+          <ac:cxnSpMkLst>
+            <pc:docMk/>
+            <pc:sldMk cId="990398557" sldId="279"/>
+            <ac:cxnSpMk id="95" creationId="{B33113F9-D5CA-4D9C-982C-3A5259606BCA}"/>
+          </ac:cxnSpMkLst>
+        </pc:cxnChg>
+        <pc:cxnChg chg="add del">
+          <ac:chgData name="Yang Zonghan" userId="02d2eaccc4506086" providerId="LiveId" clId="{DD3F9741-BFC9-448B-B80E-2646DC010363}" dt="2020-01-03T19:26:46.846" v="271"/>
+          <ac:cxnSpMkLst>
+            <pc:docMk/>
+            <pc:sldMk cId="990398557" sldId="279"/>
+            <ac:cxnSpMk id="96" creationId="{421C7050-7A01-46AD-B476-B6FB7F732B48}"/>
+          </ac:cxnSpMkLst>
+        </pc:cxnChg>
+        <pc:cxnChg chg="add del">
+          <ac:chgData name="Yang Zonghan" userId="02d2eaccc4506086" providerId="LiveId" clId="{DD3F9741-BFC9-448B-B80E-2646DC010363}" dt="2020-01-03T19:26:46.846" v="271"/>
+          <ac:cxnSpMkLst>
+            <pc:docMk/>
+            <pc:sldMk cId="990398557" sldId="279"/>
+            <ac:cxnSpMk id="97" creationId="{8ABA7F24-4FAB-413E-80EB-34DB23B90A9A}"/>
+          </ac:cxnSpMkLst>
+        </pc:cxnChg>
+        <pc:cxnChg chg="add del">
+          <ac:chgData name="Yang Zonghan" userId="02d2eaccc4506086" providerId="LiveId" clId="{DD3F9741-BFC9-448B-B80E-2646DC010363}" dt="2020-01-03T19:26:46.846" v="271"/>
+          <ac:cxnSpMkLst>
+            <pc:docMk/>
+            <pc:sldMk cId="990398557" sldId="279"/>
+            <ac:cxnSpMk id="98" creationId="{CF74BA73-D4B0-44DA-A4ED-E5FE32C8AC73}"/>
+          </ac:cxnSpMkLst>
+        </pc:cxnChg>
+        <pc:cxnChg chg="add del">
+          <ac:chgData name="Yang Zonghan" userId="02d2eaccc4506086" providerId="LiveId" clId="{DD3F9741-BFC9-448B-B80E-2646DC010363}" dt="2020-01-03T19:26:46.846" v="271"/>
+          <ac:cxnSpMkLst>
+            <pc:docMk/>
+            <pc:sldMk cId="990398557" sldId="279"/>
+            <ac:cxnSpMk id="99" creationId="{67A4C0DD-F3D2-466B-B87F-84B2AD62D3F1}"/>
+          </ac:cxnSpMkLst>
+        </pc:cxnChg>
+        <pc:cxnChg chg="add del">
+          <ac:chgData name="Yang Zonghan" userId="02d2eaccc4506086" providerId="LiveId" clId="{DD3F9741-BFC9-448B-B80E-2646DC010363}" dt="2020-01-03T19:26:46.846" v="271"/>
+          <ac:cxnSpMkLst>
+            <pc:docMk/>
+            <pc:sldMk cId="990398557" sldId="279"/>
+            <ac:cxnSpMk id="101" creationId="{5211D248-4CB1-40A6-9521-3B4E635B5A73}"/>
+          </ac:cxnSpMkLst>
+        </pc:cxnChg>
+        <pc:cxnChg chg="add del">
+          <ac:chgData name="Yang Zonghan" userId="02d2eaccc4506086" providerId="LiveId" clId="{DD3F9741-BFC9-448B-B80E-2646DC010363}" dt="2020-01-03T19:26:46.846" v="271"/>
+          <ac:cxnSpMkLst>
+            <pc:docMk/>
+            <pc:sldMk cId="990398557" sldId="279"/>
+            <ac:cxnSpMk id="102" creationId="{A2BDF005-C97C-4745-811A-967A93694E92}"/>
+          </ac:cxnSpMkLst>
+        </pc:cxnChg>
+        <pc:cxnChg chg="add del">
+          <ac:chgData name="Yang Zonghan" userId="02d2eaccc4506086" providerId="LiveId" clId="{DD3F9741-BFC9-448B-B80E-2646DC010363}" dt="2020-01-03T19:26:46.846" v="271"/>
+          <ac:cxnSpMkLst>
+            <pc:docMk/>
+            <pc:sldMk cId="990398557" sldId="279"/>
+            <ac:cxnSpMk id="103" creationId="{6A70B81D-B8CD-49FA-8E7A-C83EAA2962C1}"/>
+          </ac:cxnSpMkLst>
+        </pc:cxnChg>
+        <pc:cxnChg chg="add del">
+          <ac:chgData name="Yang Zonghan" userId="02d2eaccc4506086" providerId="LiveId" clId="{DD3F9741-BFC9-448B-B80E-2646DC010363}" dt="2020-01-03T19:26:46.846" v="271"/>
+          <ac:cxnSpMkLst>
+            <pc:docMk/>
+            <pc:sldMk cId="990398557" sldId="279"/>
+            <ac:cxnSpMk id="104" creationId="{2F0A72B1-FD13-40F7-BDAD-5E8E13976203}"/>
+          </ac:cxnSpMkLst>
+        </pc:cxnChg>
+        <pc:cxnChg chg="add del">
+          <ac:chgData name="Yang Zonghan" userId="02d2eaccc4506086" providerId="LiveId" clId="{DD3F9741-BFC9-448B-B80E-2646DC010363}" dt="2020-01-03T19:26:46.846" v="271"/>
+          <ac:cxnSpMkLst>
+            <pc:docMk/>
+            <pc:sldMk cId="990398557" sldId="279"/>
+            <ac:cxnSpMk id="105" creationId="{BCBC8F91-F7E6-4769-ACCA-997B41AE8F64}"/>
+          </ac:cxnSpMkLst>
+        </pc:cxnChg>
+        <pc:cxnChg chg="add del">
+          <ac:chgData name="Yang Zonghan" userId="02d2eaccc4506086" providerId="LiveId" clId="{DD3F9741-BFC9-448B-B80E-2646DC010363}" dt="2020-01-03T19:26:46.846" v="271"/>
+          <ac:cxnSpMkLst>
+            <pc:docMk/>
+            <pc:sldMk cId="990398557" sldId="279"/>
+            <ac:cxnSpMk id="106" creationId="{BBBA7406-A935-4911-B029-7802CB63F907}"/>
+          </ac:cxnSpMkLst>
+        </pc:cxnChg>
+        <pc:cxnChg chg="add del">
+          <ac:chgData name="Yang Zonghan" userId="02d2eaccc4506086" providerId="LiveId" clId="{DD3F9741-BFC9-448B-B80E-2646DC010363}" dt="2020-01-03T19:26:46.846" v="271"/>
+          <ac:cxnSpMkLst>
+            <pc:docMk/>
+            <pc:sldMk cId="990398557" sldId="279"/>
+            <ac:cxnSpMk id="107" creationId="{5F42A744-DD01-436B-B40F-A08DF662845B}"/>
+          </ac:cxnSpMkLst>
+        </pc:cxnChg>
+        <pc:cxnChg chg="add del">
+          <ac:chgData name="Yang Zonghan" userId="02d2eaccc4506086" providerId="LiveId" clId="{DD3F9741-BFC9-448B-B80E-2646DC010363}" dt="2020-01-03T19:26:46.846" v="271"/>
+          <ac:cxnSpMkLst>
+            <pc:docMk/>
+            <pc:sldMk cId="990398557" sldId="279"/>
+            <ac:cxnSpMk id="108" creationId="{82BA9187-3F4E-4BC3-9876-F11E6E3E9555}"/>
+          </ac:cxnSpMkLst>
+        </pc:cxnChg>
+        <pc:cxnChg chg="add del">
+          <ac:chgData name="Yang Zonghan" userId="02d2eaccc4506086" providerId="LiveId" clId="{DD3F9741-BFC9-448B-B80E-2646DC010363}" dt="2020-01-03T19:26:46.846" v="271"/>
+          <ac:cxnSpMkLst>
+            <pc:docMk/>
+            <pc:sldMk cId="990398557" sldId="279"/>
+            <ac:cxnSpMk id="109" creationId="{F636406A-CAD5-458D-A250-8CFE132E7C29}"/>
+          </ac:cxnSpMkLst>
+        </pc:cxnChg>
+        <pc:cxnChg chg="add del">
+          <ac:chgData name="Yang Zonghan" userId="02d2eaccc4506086" providerId="LiveId" clId="{DD3F9741-BFC9-448B-B80E-2646DC010363}" dt="2020-01-03T19:26:46.846" v="271"/>
+          <ac:cxnSpMkLst>
+            <pc:docMk/>
+            <pc:sldMk cId="990398557" sldId="279"/>
+            <ac:cxnSpMk id="110" creationId="{22D7FC7F-AB63-4060-B4B0-DAF34161A0D7}"/>
+          </ac:cxnSpMkLst>
+        </pc:cxnChg>
+        <pc:cxnChg chg="add del">
+          <ac:chgData name="Yang Zonghan" userId="02d2eaccc4506086" providerId="LiveId" clId="{DD3F9741-BFC9-448B-B80E-2646DC010363}" dt="2020-01-03T19:26:46.846" v="271"/>
+          <ac:cxnSpMkLst>
+            <pc:docMk/>
+            <pc:sldMk cId="990398557" sldId="279"/>
+            <ac:cxnSpMk id="111" creationId="{479C8461-217F-4739-8CA5-B74C57A16DBB}"/>
+          </ac:cxnSpMkLst>
+        </pc:cxnChg>
+        <pc:cxnChg chg="add del">
+          <ac:chgData name="Yang Zonghan" userId="02d2eaccc4506086" providerId="LiveId" clId="{DD3F9741-BFC9-448B-B80E-2646DC010363}" dt="2020-01-03T19:26:46.846" v="271"/>
+          <ac:cxnSpMkLst>
+            <pc:docMk/>
+            <pc:sldMk cId="990398557" sldId="279"/>
+            <ac:cxnSpMk id="114" creationId="{8D2FB80E-C603-4295-B826-8659677A4793}"/>
+          </ac:cxnSpMkLst>
+        </pc:cxnChg>
+        <pc:cxnChg chg="add del">
+          <ac:chgData name="Yang Zonghan" userId="02d2eaccc4506086" providerId="LiveId" clId="{DD3F9741-BFC9-448B-B80E-2646DC010363}" dt="2020-01-03T19:26:46.846" v="271"/>
+          <ac:cxnSpMkLst>
+            <pc:docMk/>
+            <pc:sldMk cId="990398557" sldId="279"/>
+            <ac:cxnSpMk id="116" creationId="{65DBCF2C-CD27-4875-8C84-35CA4CB7C034}"/>
+          </ac:cxnSpMkLst>
+        </pc:cxnChg>
+        <pc:cxnChg chg="add del">
+          <ac:chgData name="Yang Zonghan" userId="02d2eaccc4506086" providerId="LiveId" clId="{DD3F9741-BFC9-448B-B80E-2646DC010363}" dt="2020-01-03T19:26:46.846" v="271"/>
+          <ac:cxnSpMkLst>
+            <pc:docMk/>
+            <pc:sldMk cId="990398557" sldId="279"/>
+            <ac:cxnSpMk id="118" creationId="{7A4E5160-6797-41CC-8B94-DC0BDA396489}"/>
+          </ac:cxnSpMkLst>
+        </pc:cxnChg>
+        <pc:cxnChg chg="add del">
+          <ac:chgData name="Yang Zonghan" userId="02d2eaccc4506086" providerId="LiveId" clId="{DD3F9741-BFC9-448B-B80E-2646DC010363}" dt="2020-01-03T19:26:46.846" v="271"/>
+          <ac:cxnSpMkLst>
+            <pc:docMk/>
+            <pc:sldMk cId="990398557" sldId="279"/>
+            <ac:cxnSpMk id="120" creationId="{9E2F46C7-5D3A-462D-A28D-7F27470C9832}"/>
+          </ac:cxnSpMkLst>
+        </pc:cxnChg>
+        <pc:cxnChg chg="add del">
+          <ac:chgData name="Yang Zonghan" userId="02d2eaccc4506086" providerId="LiveId" clId="{DD3F9741-BFC9-448B-B80E-2646DC010363}" dt="2020-01-03T19:26:46.846" v="271"/>
+          <ac:cxnSpMkLst>
+            <pc:docMk/>
+            <pc:sldMk cId="990398557" sldId="279"/>
+            <ac:cxnSpMk id="121" creationId="{2373E6D7-AD15-499E-A206-EAB26DBA6E72}"/>
+          </ac:cxnSpMkLst>
+        </pc:cxnChg>
+        <pc:cxnChg chg="add del">
+          <ac:chgData name="Yang Zonghan" userId="02d2eaccc4506086" providerId="LiveId" clId="{DD3F9741-BFC9-448B-B80E-2646DC010363}" dt="2020-01-03T19:26:46.846" v="271"/>
+          <ac:cxnSpMkLst>
+            <pc:docMk/>
+            <pc:sldMk cId="990398557" sldId="279"/>
+            <ac:cxnSpMk id="123" creationId="{9C96103B-0CB8-4250-AB71-6A3E9BBCE8A9}"/>
+          </ac:cxnSpMkLst>
+        </pc:cxnChg>
+        <pc:cxnChg chg="add del">
+          <ac:chgData name="Yang Zonghan" userId="02d2eaccc4506086" providerId="LiveId" clId="{DD3F9741-BFC9-448B-B80E-2646DC010363}" dt="2020-01-03T19:26:46.846" v="271"/>
+          <ac:cxnSpMkLst>
+            <pc:docMk/>
+            <pc:sldMk cId="990398557" sldId="279"/>
+            <ac:cxnSpMk id="125" creationId="{9405A3A8-52D0-42E1-BF6E-8132403BC476}"/>
+          </ac:cxnSpMkLst>
+        </pc:cxnChg>
+        <pc:cxnChg chg="add del">
+          <ac:chgData name="Yang Zonghan" userId="02d2eaccc4506086" providerId="LiveId" clId="{DD3F9741-BFC9-448B-B80E-2646DC010363}" dt="2020-01-03T19:26:46.846" v="271"/>
+          <ac:cxnSpMkLst>
+            <pc:docMk/>
+            <pc:sldMk cId="990398557" sldId="279"/>
+            <ac:cxnSpMk id="126" creationId="{CCF26E4E-0CB7-4498-8645-7F418C8588EA}"/>
+          </ac:cxnSpMkLst>
+        </pc:cxnChg>
+        <pc:cxnChg chg="add del">
+          <ac:chgData name="Yang Zonghan" userId="02d2eaccc4506086" providerId="LiveId" clId="{DD3F9741-BFC9-448B-B80E-2646DC010363}" dt="2020-01-03T19:26:46.846" v="271"/>
+          <ac:cxnSpMkLst>
+            <pc:docMk/>
+            <pc:sldMk cId="990398557" sldId="279"/>
+            <ac:cxnSpMk id="127" creationId="{E9416A0B-724D-4089-ABAD-D2D951855BC9}"/>
+          </ac:cxnSpMkLst>
+        </pc:cxnChg>
+        <pc:cxnChg chg="add mod">
+          <ac:chgData name="Yang Zonghan" userId="02d2eaccc4506086" providerId="LiveId" clId="{DD3F9741-BFC9-448B-B80E-2646DC010363}" dt="2020-01-03T19:31:17.524" v="431" actId="1076"/>
+          <ac:cxnSpMkLst>
+            <pc:docMk/>
+            <pc:sldMk cId="990398557" sldId="279"/>
+            <ac:cxnSpMk id="130" creationId="{6F57D06D-9DFA-4CC7-9BC1-7D24ECDC9611}"/>
+          </ac:cxnSpMkLst>
+        </pc:cxnChg>
+        <pc:cxnChg chg="add del mod">
+          <ac:chgData name="Yang Zonghan" userId="02d2eaccc4506086" providerId="LiveId" clId="{DD3F9741-BFC9-448B-B80E-2646DC010363}" dt="2020-01-03T19:28:17.747" v="376" actId="478"/>
+          <ac:cxnSpMkLst>
+            <pc:docMk/>
+            <pc:sldMk cId="990398557" sldId="279"/>
+            <ac:cxnSpMk id="131" creationId="{3DF94AC3-904C-4FFE-A29B-BFA07F5E81AB}"/>
+          </ac:cxnSpMkLst>
+        </pc:cxnChg>
+        <pc:cxnChg chg="add mod">
+          <ac:chgData name="Yang Zonghan" userId="02d2eaccc4506086" providerId="LiveId" clId="{DD3F9741-BFC9-448B-B80E-2646DC010363}" dt="2020-01-03T19:31:17.524" v="431" actId="1076"/>
+          <ac:cxnSpMkLst>
+            <pc:docMk/>
+            <pc:sldMk cId="990398557" sldId="279"/>
+            <ac:cxnSpMk id="132" creationId="{62715537-027E-420E-8869-786949D538BA}"/>
+          </ac:cxnSpMkLst>
+        </pc:cxnChg>
+      </pc:sldChg>
+      <pc:sldChg chg="add">
+        <pc:chgData name="Yang Zonghan" userId="02d2eaccc4506086" providerId="LiveId" clId="{DD3F9741-BFC9-448B-B80E-2646DC010363}" dt="2020-01-03T19:34:17.916" v="467"/>
+        <pc:sldMkLst>
+          <pc:docMk/>
+          <pc:sldMk cId="1736227221" sldId="280"/>
+        </pc:sldMkLst>
+      </pc:sldChg>
+    </pc:docChg>
+  </pc:docChgLst>
 </pc:chgInfo>
 </file>
 
@@ -2934,7 +4234,7 @@
           <a:p>
             <a:fld id="{E1C8FA00-7664-4979-A89E-ED27D6CB2041}" type="datetimeFigureOut">
               <a:rPr lang="zh-CN" altLang="en-US" smtClean="0"/>
-              <a:t>2020/1/3</a:t>
+              <a:t>2020/1/4</a:t>
             </a:fld>
             <a:endParaRPr lang="zh-CN" altLang="en-US"/>
           </a:p>
@@ -3104,7 +4404,7 @@
           <a:p>
             <a:fld id="{E1C8FA00-7664-4979-A89E-ED27D6CB2041}" type="datetimeFigureOut">
               <a:rPr lang="zh-CN" altLang="en-US" smtClean="0"/>
-              <a:t>2020/1/3</a:t>
+              <a:t>2020/1/4</a:t>
             </a:fld>
             <a:endParaRPr lang="zh-CN" altLang="en-US"/>
           </a:p>
@@ -3284,7 +4584,7 @@
           <a:p>
             <a:fld id="{E1C8FA00-7664-4979-A89E-ED27D6CB2041}" type="datetimeFigureOut">
               <a:rPr lang="zh-CN" altLang="en-US" smtClean="0"/>
-              <a:t>2020/1/3</a:t>
+              <a:t>2020/1/4</a:t>
             </a:fld>
             <a:endParaRPr lang="zh-CN" altLang="en-US"/>
           </a:p>
@@ -3454,7 +4754,7 @@
           <a:p>
             <a:fld id="{E1C8FA00-7664-4979-A89E-ED27D6CB2041}" type="datetimeFigureOut">
               <a:rPr lang="zh-CN" altLang="en-US" smtClean="0"/>
-              <a:t>2020/1/3</a:t>
+              <a:t>2020/1/4</a:t>
             </a:fld>
             <a:endParaRPr lang="zh-CN" altLang="en-US"/>
           </a:p>
@@ -3700,7 +5000,7 @@
           <a:p>
             <a:fld id="{E1C8FA00-7664-4979-A89E-ED27D6CB2041}" type="datetimeFigureOut">
               <a:rPr lang="zh-CN" altLang="en-US" smtClean="0"/>
-              <a:t>2020/1/3</a:t>
+              <a:t>2020/1/4</a:t>
             </a:fld>
             <a:endParaRPr lang="zh-CN" altLang="en-US"/>
           </a:p>
@@ -3932,7 +5232,7 @@
           <a:p>
             <a:fld id="{E1C8FA00-7664-4979-A89E-ED27D6CB2041}" type="datetimeFigureOut">
               <a:rPr lang="zh-CN" altLang="en-US" smtClean="0"/>
-              <a:t>2020/1/3</a:t>
+              <a:t>2020/1/4</a:t>
             </a:fld>
             <a:endParaRPr lang="zh-CN" altLang="en-US"/>
           </a:p>
@@ -4299,7 +5599,7 @@
           <a:p>
             <a:fld id="{E1C8FA00-7664-4979-A89E-ED27D6CB2041}" type="datetimeFigureOut">
               <a:rPr lang="zh-CN" altLang="en-US" smtClean="0"/>
-              <a:t>2020/1/3</a:t>
+              <a:t>2020/1/4</a:t>
             </a:fld>
             <a:endParaRPr lang="zh-CN" altLang="en-US"/>
           </a:p>
@@ -4417,7 +5717,7 @@
           <a:p>
             <a:fld id="{E1C8FA00-7664-4979-A89E-ED27D6CB2041}" type="datetimeFigureOut">
               <a:rPr lang="zh-CN" altLang="en-US" smtClean="0"/>
-              <a:t>2020/1/3</a:t>
+              <a:t>2020/1/4</a:t>
             </a:fld>
             <a:endParaRPr lang="zh-CN" altLang="en-US"/>
           </a:p>
@@ -4512,7 +5812,7 @@
           <a:p>
             <a:fld id="{E1C8FA00-7664-4979-A89E-ED27D6CB2041}" type="datetimeFigureOut">
               <a:rPr lang="zh-CN" altLang="en-US" smtClean="0"/>
-              <a:t>2020/1/3</a:t>
+              <a:t>2020/1/4</a:t>
             </a:fld>
             <a:endParaRPr lang="zh-CN" altLang="en-US"/>
           </a:p>
@@ -4789,7 +6089,7 @@
           <a:p>
             <a:fld id="{E1C8FA00-7664-4979-A89E-ED27D6CB2041}" type="datetimeFigureOut">
               <a:rPr lang="zh-CN" altLang="en-US" smtClean="0"/>
-              <a:t>2020/1/3</a:t>
+              <a:t>2020/1/4</a:t>
             </a:fld>
             <a:endParaRPr lang="zh-CN" altLang="en-US"/>
           </a:p>
@@ -5046,7 +6346,7 @@
           <a:p>
             <a:fld id="{E1C8FA00-7664-4979-A89E-ED27D6CB2041}" type="datetimeFigureOut">
               <a:rPr lang="zh-CN" altLang="en-US" smtClean="0"/>
-              <a:t>2020/1/3</a:t>
+              <a:t>2020/1/4</a:t>
             </a:fld>
             <a:endParaRPr lang="zh-CN" altLang="en-US"/>
           </a:p>
@@ -5259,7 +6559,7 @@
           <a:p>
             <a:fld id="{E1C8FA00-7664-4979-A89E-ED27D6CB2041}" type="datetimeFigureOut">
               <a:rPr lang="zh-CN" altLang="en-US" smtClean="0"/>
-              <a:t>2020/1/3</a:t>
+              <a:t>2020/1/4</a:t>
             </a:fld>
             <a:endParaRPr lang="zh-CN" altLang="en-US"/>
           </a:p>
@@ -5809,12 +7109,40 @@
         </p:spPr>
         <p:txBody>
           <a:bodyPr>
-            <a:normAutofit lnSpcReduction="10000"/>
+            <a:normAutofit/>
           </a:bodyPr>
           <a:lstStyle/>
           <a:p>
             <a:r>
               <a:rPr lang="en-US" altLang="zh-CN" dirty="0"/>
+              <a:t>Caches are slow</a:t>
+            </a:r>
+          </a:p>
+          <a:p>
+            <a:pPr lvl="1"/>
+            <a:r>
+              <a:rPr lang="en-US" altLang="zh-CN" sz="1800" dirty="0"/>
+              <a:t>Tag comparation plus RAM addressing is slow</a:t>
+            </a:r>
+          </a:p>
+          <a:p>
+            <a:pPr lvl="1"/>
+            <a:r>
+              <a:rPr lang="en-US" altLang="zh-CN" sz="1800" dirty="0"/>
+              <a:t>Caches are giant, so the path latency is large.</a:t>
+            </a:r>
+          </a:p>
+          <a:p>
+            <a:pPr lvl="1"/>
+            <a:r>
+              <a:rPr lang="en-US" altLang="zh-CN" sz="1800" dirty="0"/>
+              <a:t>If implement cache with combinational circuits, there will be 2 levels of slow combinational circuits.</a:t>
+            </a:r>
+            <a:endParaRPr lang="en-US" altLang="zh-CN" dirty="0"/>
+          </a:p>
+          <a:p>
+            <a:r>
+              <a:rPr lang="en-US" altLang="zh-CN" dirty="0"/>
               <a:t>ID is slow</a:t>
             </a:r>
           </a:p>
@@ -5842,40 +7170,13 @@
           <a:p>
             <a:r>
               <a:rPr lang="en-US" altLang="zh-CN" dirty="0"/>
-              <a:t>Caches are slow</a:t>
+              <a:t>Memory controller is slow</a:t>
             </a:r>
           </a:p>
           <a:p>
             <a:pPr lvl="1"/>
             <a:r>
-              <a:rPr lang="en-US" altLang="zh-CN" dirty="0"/>
-              <a:t>Tag comparation plus RAM addressing is slow</a:t>
-            </a:r>
-          </a:p>
-          <a:p>
-            <a:pPr lvl="1"/>
-            <a:r>
-              <a:rPr lang="en-US" altLang="zh-CN" dirty="0"/>
-              <a:t>Caches are giant, so the path latency is large.</a:t>
-            </a:r>
-          </a:p>
-          <a:p>
-            <a:pPr lvl="1"/>
-            <a:r>
-              <a:rPr lang="en-US" altLang="zh-CN" dirty="0"/>
-              <a:t>If implement cache with combinational circuits, there will be 2 levels of slow combinational circuits.</a:t>
-            </a:r>
-          </a:p>
-          <a:p>
-            <a:r>
-              <a:rPr lang="en-US" altLang="zh-CN" dirty="0"/>
-              <a:t>Memory controller is slow</a:t>
-            </a:r>
-          </a:p>
-          <a:p>
-            <a:pPr lvl="1"/>
-            <a:r>
-              <a:rPr lang="en-US" altLang="zh-CN" dirty="0"/>
+              <a:rPr lang="en-US" altLang="zh-CN" sz="2000" dirty="0"/>
               <a:t>Very complex sequential circuit</a:t>
             </a:r>
           </a:p>
@@ -5898,6 +7199,391 @@
   <p:clrMapOvr>
     <a:masterClrMapping/>
   </p:clrMapOvr>
+  <p:timing>
+    <p:tnLst>
+      <p:par>
+        <p:cTn id="1" dur="indefinite" restart="never" nodeType="tmRoot">
+          <p:childTnLst>
+            <p:seq concurrent="1" nextAc="seek">
+              <p:cTn id="2" dur="indefinite" nodeType="mainSeq">
+                <p:childTnLst>
+                  <p:par>
+                    <p:cTn id="3" fill="hold">
+                      <p:stCondLst>
+                        <p:cond delay="indefinite"/>
+                      </p:stCondLst>
+                      <p:childTnLst>
+                        <p:par>
+                          <p:cTn id="4" fill="hold">
+                            <p:stCondLst>
+                              <p:cond delay="0"/>
+                            </p:stCondLst>
+                            <p:childTnLst>
+                              <p:par>
+                                <p:cTn id="5" presetID="10" presetClass="entr" presetSubtype="0" fill="hold" nodeType="clickEffect">
+                                  <p:stCondLst>
+                                    <p:cond delay="0"/>
+                                  </p:stCondLst>
+                                  <p:childTnLst>
+                                    <p:set>
+                                      <p:cBhvr>
+                                        <p:cTn id="6" dur="1" fill="hold">
+                                          <p:stCondLst>
+                                            <p:cond delay="0"/>
+                                          </p:stCondLst>
+                                        </p:cTn>
+                                        <p:tgtEl>
+                                          <p:spTgt spid="3">
+                                            <p:txEl>
+                                              <p:pRg st="4" end="4"/>
+                                            </p:txEl>
+                                          </p:spTgt>
+                                        </p:tgtEl>
+                                        <p:attrNameLst>
+                                          <p:attrName>style.visibility</p:attrName>
+                                        </p:attrNameLst>
+                                      </p:cBhvr>
+                                      <p:to>
+                                        <p:strVal val="visible"/>
+                                      </p:to>
+                                    </p:set>
+                                    <p:animEffect transition="in" filter="fade">
+                                      <p:cBhvr>
+                                        <p:cTn id="7" dur="500"/>
+                                        <p:tgtEl>
+                                          <p:spTgt spid="3">
+                                            <p:txEl>
+                                              <p:pRg st="4" end="4"/>
+                                            </p:txEl>
+                                          </p:spTgt>
+                                        </p:tgtEl>
+                                      </p:cBhvr>
+                                    </p:animEffect>
+                                  </p:childTnLst>
+                                </p:cTn>
+                              </p:par>
+                              <p:par>
+                                <p:cTn id="8" presetID="10" presetClass="entr" presetSubtype="0" fill="hold" nodeType="withEffect">
+                                  <p:stCondLst>
+                                    <p:cond delay="0"/>
+                                  </p:stCondLst>
+                                  <p:childTnLst>
+                                    <p:set>
+                                      <p:cBhvr>
+                                        <p:cTn id="9" dur="1" fill="hold">
+                                          <p:stCondLst>
+                                            <p:cond delay="0"/>
+                                          </p:stCondLst>
+                                        </p:cTn>
+                                        <p:tgtEl>
+                                          <p:spTgt spid="3">
+                                            <p:txEl>
+                                              <p:pRg st="5" end="5"/>
+                                            </p:txEl>
+                                          </p:spTgt>
+                                        </p:tgtEl>
+                                        <p:attrNameLst>
+                                          <p:attrName>style.visibility</p:attrName>
+                                        </p:attrNameLst>
+                                      </p:cBhvr>
+                                      <p:to>
+                                        <p:strVal val="visible"/>
+                                      </p:to>
+                                    </p:set>
+                                    <p:animEffect transition="in" filter="fade">
+                                      <p:cBhvr>
+                                        <p:cTn id="10" dur="500"/>
+                                        <p:tgtEl>
+                                          <p:spTgt spid="3">
+                                            <p:txEl>
+                                              <p:pRg st="5" end="5"/>
+                                            </p:txEl>
+                                          </p:spTgt>
+                                        </p:tgtEl>
+                                      </p:cBhvr>
+                                    </p:animEffect>
+                                  </p:childTnLst>
+                                </p:cTn>
+                              </p:par>
+                              <p:par>
+                                <p:cTn id="11" presetID="10" presetClass="entr" presetSubtype="0" fill="hold" nodeType="withEffect">
+                                  <p:stCondLst>
+                                    <p:cond delay="0"/>
+                                  </p:stCondLst>
+                                  <p:childTnLst>
+                                    <p:set>
+                                      <p:cBhvr>
+                                        <p:cTn id="12" dur="1" fill="hold">
+                                          <p:stCondLst>
+                                            <p:cond delay="0"/>
+                                          </p:stCondLst>
+                                        </p:cTn>
+                                        <p:tgtEl>
+                                          <p:spTgt spid="3">
+                                            <p:txEl>
+                                              <p:pRg st="6" end="6"/>
+                                            </p:txEl>
+                                          </p:spTgt>
+                                        </p:tgtEl>
+                                        <p:attrNameLst>
+                                          <p:attrName>style.visibility</p:attrName>
+                                        </p:attrNameLst>
+                                      </p:cBhvr>
+                                      <p:to>
+                                        <p:strVal val="visible"/>
+                                      </p:to>
+                                    </p:set>
+                                    <p:animEffect transition="in" filter="fade">
+                                      <p:cBhvr>
+                                        <p:cTn id="13" dur="500"/>
+                                        <p:tgtEl>
+                                          <p:spTgt spid="3">
+                                            <p:txEl>
+                                              <p:pRg st="6" end="6"/>
+                                            </p:txEl>
+                                          </p:spTgt>
+                                        </p:tgtEl>
+                                      </p:cBhvr>
+                                    </p:animEffect>
+                                  </p:childTnLst>
+                                </p:cTn>
+                              </p:par>
+                              <p:par>
+                                <p:cTn id="14" presetID="10" presetClass="entr" presetSubtype="0" fill="hold" nodeType="withEffect">
+                                  <p:stCondLst>
+                                    <p:cond delay="0"/>
+                                  </p:stCondLst>
+                                  <p:childTnLst>
+                                    <p:set>
+                                      <p:cBhvr>
+                                        <p:cTn id="15" dur="1" fill="hold">
+                                          <p:stCondLst>
+                                            <p:cond delay="0"/>
+                                          </p:stCondLst>
+                                        </p:cTn>
+                                        <p:tgtEl>
+                                          <p:spTgt spid="3">
+                                            <p:txEl>
+                                              <p:pRg st="7" end="7"/>
+                                            </p:txEl>
+                                          </p:spTgt>
+                                        </p:tgtEl>
+                                        <p:attrNameLst>
+                                          <p:attrName>style.visibility</p:attrName>
+                                        </p:attrNameLst>
+                                      </p:cBhvr>
+                                      <p:to>
+                                        <p:strVal val="visible"/>
+                                      </p:to>
+                                    </p:set>
+                                    <p:animEffect transition="in" filter="fade">
+                                      <p:cBhvr>
+                                        <p:cTn id="16" dur="500"/>
+                                        <p:tgtEl>
+                                          <p:spTgt spid="3">
+                                            <p:txEl>
+                                              <p:pRg st="7" end="7"/>
+                                            </p:txEl>
+                                          </p:spTgt>
+                                        </p:tgtEl>
+                                      </p:cBhvr>
+                                    </p:animEffect>
+                                  </p:childTnLst>
+                                </p:cTn>
+                              </p:par>
+                            </p:childTnLst>
+                          </p:cTn>
+                        </p:par>
+                      </p:childTnLst>
+                    </p:cTn>
+                  </p:par>
+                  <p:par>
+                    <p:cTn id="17" fill="hold">
+                      <p:stCondLst>
+                        <p:cond delay="indefinite"/>
+                      </p:stCondLst>
+                      <p:childTnLst>
+                        <p:par>
+                          <p:cTn id="18" fill="hold">
+                            <p:stCondLst>
+                              <p:cond delay="0"/>
+                            </p:stCondLst>
+                            <p:childTnLst>
+                              <p:par>
+                                <p:cTn id="19" presetID="10" presetClass="entr" presetSubtype="0" fill="hold" nodeType="clickEffect">
+                                  <p:stCondLst>
+                                    <p:cond delay="0"/>
+                                  </p:stCondLst>
+                                  <p:childTnLst>
+                                    <p:set>
+                                      <p:cBhvr>
+                                        <p:cTn id="20" dur="1" fill="hold">
+                                          <p:stCondLst>
+                                            <p:cond delay="0"/>
+                                          </p:stCondLst>
+                                        </p:cTn>
+                                        <p:tgtEl>
+                                          <p:spTgt spid="3">
+                                            <p:txEl>
+                                              <p:pRg st="8" end="8"/>
+                                            </p:txEl>
+                                          </p:spTgt>
+                                        </p:tgtEl>
+                                        <p:attrNameLst>
+                                          <p:attrName>style.visibility</p:attrName>
+                                        </p:attrNameLst>
+                                      </p:cBhvr>
+                                      <p:to>
+                                        <p:strVal val="visible"/>
+                                      </p:to>
+                                    </p:set>
+                                    <p:animEffect transition="in" filter="fade">
+                                      <p:cBhvr>
+                                        <p:cTn id="21" dur="500"/>
+                                        <p:tgtEl>
+                                          <p:spTgt spid="3">
+                                            <p:txEl>
+                                              <p:pRg st="8" end="8"/>
+                                            </p:txEl>
+                                          </p:spTgt>
+                                        </p:tgtEl>
+                                      </p:cBhvr>
+                                    </p:animEffect>
+                                  </p:childTnLst>
+                                </p:cTn>
+                              </p:par>
+                              <p:par>
+                                <p:cTn id="22" presetID="10" presetClass="entr" presetSubtype="0" fill="hold" nodeType="withEffect">
+                                  <p:stCondLst>
+                                    <p:cond delay="0"/>
+                                  </p:stCondLst>
+                                  <p:childTnLst>
+                                    <p:set>
+                                      <p:cBhvr>
+                                        <p:cTn id="23" dur="1" fill="hold">
+                                          <p:stCondLst>
+                                            <p:cond delay="0"/>
+                                          </p:stCondLst>
+                                        </p:cTn>
+                                        <p:tgtEl>
+                                          <p:spTgt spid="3">
+                                            <p:txEl>
+                                              <p:pRg st="9" end="9"/>
+                                            </p:txEl>
+                                          </p:spTgt>
+                                        </p:tgtEl>
+                                        <p:attrNameLst>
+                                          <p:attrName>style.visibility</p:attrName>
+                                        </p:attrNameLst>
+                                      </p:cBhvr>
+                                      <p:to>
+                                        <p:strVal val="visible"/>
+                                      </p:to>
+                                    </p:set>
+                                    <p:animEffect transition="in" filter="fade">
+                                      <p:cBhvr>
+                                        <p:cTn id="24" dur="500"/>
+                                        <p:tgtEl>
+                                          <p:spTgt spid="3">
+                                            <p:txEl>
+                                              <p:pRg st="9" end="9"/>
+                                            </p:txEl>
+                                          </p:spTgt>
+                                        </p:tgtEl>
+                                      </p:cBhvr>
+                                    </p:animEffect>
+                                  </p:childTnLst>
+                                </p:cTn>
+                              </p:par>
+                            </p:childTnLst>
+                          </p:cTn>
+                        </p:par>
+                      </p:childTnLst>
+                    </p:cTn>
+                  </p:par>
+                  <p:par>
+                    <p:cTn id="25" fill="hold">
+                      <p:stCondLst>
+                        <p:cond delay="indefinite"/>
+                      </p:stCondLst>
+                      <p:childTnLst>
+                        <p:par>
+                          <p:cTn id="26" fill="hold">
+                            <p:stCondLst>
+                              <p:cond delay="0"/>
+                            </p:stCondLst>
+                            <p:childTnLst>
+                              <p:par>
+                                <p:cTn id="27" presetID="10" presetClass="entr" presetSubtype="0" fill="hold" nodeType="clickEffect">
+                                  <p:stCondLst>
+                                    <p:cond delay="0"/>
+                                  </p:stCondLst>
+                                  <p:childTnLst>
+                                    <p:set>
+                                      <p:cBhvr>
+                                        <p:cTn id="28" dur="1" fill="hold">
+                                          <p:stCondLst>
+                                            <p:cond delay="0"/>
+                                          </p:stCondLst>
+                                        </p:cTn>
+                                        <p:tgtEl>
+                                          <p:spTgt spid="3">
+                                            <p:txEl>
+                                              <p:pRg st="10" end="10"/>
+                                            </p:txEl>
+                                          </p:spTgt>
+                                        </p:tgtEl>
+                                        <p:attrNameLst>
+                                          <p:attrName>style.visibility</p:attrName>
+                                        </p:attrNameLst>
+                                      </p:cBhvr>
+                                      <p:to>
+                                        <p:strVal val="visible"/>
+                                      </p:to>
+                                    </p:set>
+                                    <p:animEffect transition="in" filter="fade">
+                                      <p:cBhvr>
+                                        <p:cTn id="29" dur="500"/>
+                                        <p:tgtEl>
+                                          <p:spTgt spid="3">
+                                            <p:txEl>
+                                              <p:pRg st="10" end="10"/>
+                                            </p:txEl>
+                                          </p:spTgt>
+                                        </p:tgtEl>
+                                      </p:cBhvr>
+                                    </p:animEffect>
+                                  </p:childTnLst>
+                                </p:cTn>
+                              </p:par>
+                            </p:childTnLst>
+                          </p:cTn>
+                        </p:par>
+                      </p:childTnLst>
+                    </p:cTn>
+                  </p:par>
+                </p:childTnLst>
+              </p:cTn>
+              <p:prevCondLst>
+                <p:cond evt="onPrev" delay="0">
+                  <p:tgtEl>
+                    <p:sldTgt/>
+                  </p:tgtEl>
+                </p:cond>
+              </p:prevCondLst>
+              <p:nextCondLst>
+                <p:cond evt="onNext" delay="0">
+                  <p:tgtEl>
+                    <p:sldTgt/>
+                  </p:tgtEl>
+                </p:cond>
+              </p:nextCondLst>
+            </p:seq>
+          </p:childTnLst>
+        </p:cTn>
+      </p:par>
+    </p:tnLst>
+  </p:timing>
 </p:sld>
 </file>
 
@@ -6051,6 +7737,427 @@
   <p:clrMapOvr>
     <a:masterClrMapping/>
   </p:clrMapOvr>
+  <p:timing>
+    <p:tnLst>
+      <p:par>
+        <p:cTn id="1" dur="indefinite" restart="never" nodeType="tmRoot">
+          <p:childTnLst>
+            <p:seq concurrent="1" nextAc="seek">
+              <p:cTn id="2" dur="indefinite" nodeType="mainSeq">
+                <p:childTnLst>
+                  <p:par>
+                    <p:cTn id="3" fill="hold">
+                      <p:stCondLst>
+                        <p:cond delay="indefinite"/>
+                      </p:stCondLst>
+                      <p:childTnLst>
+                        <p:par>
+                          <p:cTn id="4" fill="hold">
+                            <p:stCondLst>
+                              <p:cond delay="0"/>
+                            </p:stCondLst>
+                            <p:childTnLst>
+                              <p:par>
+                                <p:cTn id="5" presetID="10" presetClass="entr" presetSubtype="0" fill="hold" nodeType="clickEffect">
+                                  <p:stCondLst>
+                                    <p:cond delay="0"/>
+                                  </p:stCondLst>
+                                  <p:childTnLst>
+                                    <p:set>
+                                      <p:cBhvr>
+                                        <p:cTn id="6" dur="1" fill="hold">
+                                          <p:stCondLst>
+                                            <p:cond delay="0"/>
+                                          </p:stCondLst>
+                                        </p:cTn>
+                                        <p:tgtEl>
+                                          <p:spTgt spid="3">
+                                            <p:txEl>
+                                              <p:pRg st="3" end="3"/>
+                                            </p:txEl>
+                                          </p:spTgt>
+                                        </p:tgtEl>
+                                        <p:attrNameLst>
+                                          <p:attrName>style.visibility</p:attrName>
+                                        </p:attrNameLst>
+                                      </p:cBhvr>
+                                      <p:to>
+                                        <p:strVal val="visible"/>
+                                      </p:to>
+                                    </p:set>
+                                    <p:animEffect transition="in" filter="fade">
+                                      <p:cBhvr>
+                                        <p:cTn id="7" dur="500"/>
+                                        <p:tgtEl>
+                                          <p:spTgt spid="3">
+                                            <p:txEl>
+                                              <p:pRg st="3" end="3"/>
+                                            </p:txEl>
+                                          </p:spTgt>
+                                        </p:tgtEl>
+                                      </p:cBhvr>
+                                    </p:animEffect>
+                                  </p:childTnLst>
+                                </p:cTn>
+                              </p:par>
+                              <p:par>
+                                <p:cTn id="8" presetID="10" presetClass="entr" presetSubtype="0" fill="hold" nodeType="withEffect">
+                                  <p:stCondLst>
+                                    <p:cond delay="0"/>
+                                  </p:stCondLst>
+                                  <p:childTnLst>
+                                    <p:set>
+                                      <p:cBhvr>
+                                        <p:cTn id="9" dur="1" fill="hold">
+                                          <p:stCondLst>
+                                            <p:cond delay="0"/>
+                                          </p:stCondLst>
+                                        </p:cTn>
+                                        <p:tgtEl>
+                                          <p:spTgt spid="3">
+                                            <p:txEl>
+                                              <p:pRg st="4" end="4"/>
+                                            </p:txEl>
+                                          </p:spTgt>
+                                        </p:tgtEl>
+                                        <p:attrNameLst>
+                                          <p:attrName>style.visibility</p:attrName>
+                                        </p:attrNameLst>
+                                      </p:cBhvr>
+                                      <p:to>
+                                        <p:strVal val="visible"/>
+                                      </p:to>
+                                    </p:set>
+                                    <p:animEffect transition="in" filter="fade">
+                                      <p:cBhvr>
+                                        <p:cTn id="10" dur="500"/>
+                                        <p:tgtEl>
+                                          <p:spTgt spid="3">
+                                            <p:txEl>
+                                              <p:pRg st="4" end="4"/>
+                                            </p:txEl>
+                                          </p:spTgt>
+                                        </p:tgtEl>
+                                      </p:cBhvr>
+                                    </p:animEffect>
+                                  </p:childTnLst>
+                                </p:cTn>
+                              </p:par>
+                            </p:childTnLst>
+                          </p:cTn>
+                        </p:par>
+                      </p:childTnLst>
+                    </p:cTn>
+                  </p:par>
+                  <p:par>
+                    <p:cTn id="11" fill="hold">
+                      <p:stCondLst>
+                        <p:cond delay="indefinite"/>
+                      </p:stCondLst>
+                      <p:childTnLst>
+                        <p:par>
+                          <p:cTn id="12" fill="hold">
+                            <p:stCondLst>
+                              <p:cond delay="0"/>
+                            </p:stCondLst>
+                            <p:childTnLst>
+                              <p:par>
+                                <p:cTn id="13" presetID="10" presetClass="entr" presetSubtype="0" fill="hold" nodeType="clickEffect">
+                                  <p:stCondLst>
+                                    <p:cond delay="0"/>
+                                  </p:stCondLst>
+                                  <p:childTnLst>
+                                    <p:set>
+                                      <p:cBhvr>
+                                        <p:cTn id="14" dur="1" fill="hold">
+                                          <p:stCondLst>
+                                            <p:cond delay="0"/>
+                                          </p:stCondLst>
+                                        </p:cTn>
+                                        <p:tgtEl>
+                                          <p:spTgt spid="3">
+                                            <p:txEl>
+                                              <p:pRg st="5" end="5"/>
+                                            </p:txEl>
+                                          </p:spTgt>
+                                        </p:tgtEl>
+                                        <p:attrNameLst>
+                                          <p:attrName>style.visibility</p:attrName>
+                                        </p:attrNameLst>
+                                      </p:cBhvr>
+                                      <p:to>
+                                        <p:strVal val="visible"/>
+                                      </p:to>
+                                    </p:set>
+                                    <p:animEffect transition="in" filter="fade">
+                                      <p:cBhvr>
+                                        <p:cTn id="15" dur="500"/>
+                                        <p:tgtEl>
+                                          <p:spTgt spid="3">
+                                            <p:txEl>
+                                              <p:pRg st="5" end="5"/>
+                                            </p:txEl>
+                                          </p:spTgt>
+                                        </p:tgtEl>
+                                      </p:cBhvr>
+                                    </p:animEffect>
+                                  </p:childTnLst>
+                                </p:cTn>
+                              </p:par>
+                            </p:childTnLst>
+                          </p:cTn>
+                        </p:par>
+                      </p:childTnLst>
+                    </p:cTn>
+                  </p:par>
+                  <p:par>
+                    <p:cTn id="16" fill="hold">
+                      <p:stCondLst>
+                        <p:cond delay="indefinite"/>
+                      </p:stCondLst>
+                      <p:childTnLst>
+                        <p:par>
+                          <p:cTn id="17" fill="hold">
+                            <p:stCondLst>
+                              <p:cond delay="0"/>
+                            </p:stCondLst>
+                            <p:childTnLst>
+                              <p:par>
+                                <p:cTn id="18" presetID="10" presetClass="entr" presetSubtype="0" fill="hold" nodeType="clickEffect">
+                                  <p:stCondLst>
+                                    <p:cond delay="0"/>
+                                  </p:stCondLst>
+                                  <p:childTnLst>
+                                    <p:set>
+                                      <p:cBhvr>
+                                        <p:cTn id="19" dur="1" fill="hold">
+                                          <p:stCondLst>
+                                            <p:cond delay="0"/>
+                                          </p:stCondLst>
+                                        </p:cTn>
+                                        <p:tgtEl>
+                                          <p:spTgt spid="3">
+                                            <p:txEl>
+                                              <p:pRg st="6" end="6"/>
+                                            </p:txEl>
+                                          </p:spTgt>
+                                        </p:tgtEl>
+                                        <p:attrNameLst>
+                                          <p:attrName>style.visibility</p:attrName>
+                                        </p:attrNameLst>
+                                      </p:cBhvr>
+                                      <p:to>
+                                        <p:strVal val="visible"/>
+                                      </p:to>
+                                    </p:set>
+                                    <p:animEffect transition="in" filter="fade">
+                                      <p:cBhvr>
+                                        <p:cTn id="20" dur="500"/>
+                                        <p:tgtEl>
+                                          <p:spTgt spid="3">
+                                            <p:txEl>
+                                              <p:pRg st="6" end="6"/>
+                                            </p:txEl>
+                                          </p:spTgt>
+                                        </p:tgtEl>
+                                      </p:cBhvr>
+                                    </p:animEffect>
+                                  </p:childTnLst>
+                                </p:cTn>
+                              </p:par>
+                            </p:childTnLst>
+                          </p:cTn>
+                        </p:par>
+                      </p:childTnLst>
+                    </p:cTn>
+                  </p:par>
+                  <p:par>
+                    <p:cTn id="21" fill="hold">
+                      <p:stCondLst>
+                        <p:cond delay="indefinite"/>
+                      </p:stCondLst>
+                      <p:childTnLst>
+                        <p:par>
+                          <p:cTn id="22" fill="hold">
+                            <p:stCondLst>
+                              <p:cond delay="0"/>
+                            </p:stCondLst>
+                            <p:childTnLst>
+                              <p:par>
+                                <p:cTn id="23" presetID="10" presetClass="entr" presetSubtype="0" fill="hold" nodeType="clickEffect">
+                                  <p:stCondLst>
+                                    <p:cond delay="0"/>
+                                  </p:stCondLst>
+                                  <p:childTnLst>
+                                    <p:set>
+                                      <p:cBhvr>
+                                        <p:cTn id="24" dur="1" fill="hold">
+                                          <p:stCondLst>
+                                            <p:cond delay="0"/>
+                                          </p:stCondLst>
+                                        </p:cTn>
+                                        <p:tgtEl>
+                                          <p:spTgt spid="3">
+                                            <p:txEl>
+                                              <p:pRg st="7" end="7"/>
+                                            </p:txEl>
+                                          </p:spTgt>
+                                        </p:tgtEl>
+                                        <p:attrNameLst>
+                                          <p:attrName>style.visibility</p:attrName>
+                                        </p:attrNameLst>
+                                      </p:cBhvr>
+                                      <p:to>
+                                        <p:strVal val="visible"/>
+                                      </p:to>
+                                    </p:set>
+                                    <p:animEffect transition="in" filter="fade">
+                                      <p:cBhvr>
+                                        <p:cTn id="25" dur="500"/>
+                                        <p:tgtEl>
+                                          <p:spTgt spid="3">
+                                            <p:txEl>
+                                              <p:pRg st="7" end="7"/>
+                                            </p:txEl>
+                                          </p:spTgt>
+                                        </p:tgtEl>
+                                      </p:cBhvr>
+                                    </p:animEffect>
+                                  </p:childTnLst>
+                                </p:cTn>
+                              </p:par>
+                            </p:childTnLst>
+                          </p:cTn>
+                        </p:par>
+                      </p:childTnLst>
+                    </p:cTn>
+                  </p:par>
+                  <p:par>
+                    <p:cTn id="26" fill="hold">
+                      <p:stCondLst>
+                        <p:cond delay="indefinite"/>
+                      </p:stCondLst>
+                      <p:childTnLst>
+                        <p:par>
+                          <p:cTn id="27" fill="hold">
+                            <p:stCondLst>
+                              <p:cond delay="0"/>
+                            </p:stCondLst>
+                            <p:childTnLst>
+                              <p:par>
+                                <p:cTn id="28" presetID="10" presetClass="entr" presetSubtype="0" fill="hold" nodeType="clickEffect">
+                                  <p:stCondLst>
+                                    <p:cond delay="0"/>
+                                  </p:stCondLst>
+                                  <p:childTnLst>
+                                    <p:set>
+                                      <p:cBhvr>
+                                        <p:cTn id="29" dur="1" fill="hold">
+                                          <p:stCondLst>
+                                            <p:cond delay="0"/>
+                                          </p:stCondLst>
+                                        </p:cTn>
+                                        <p:tgtEl>
+                                          <p:spTgt spid="3">
+                                            <p:txEl>
+                                              <p:pRg st="8" end="8"/>
+                                            </p:txEl>
+                                          </p:spTgt>
+                                        </p:tgtEl>
+                                        <p:attrNameLst>
+                                          <p:attrName>style.visibility</p:attrName>
+                                        </p:attrNameLst>
+                                      </p:cBhvr>
+                                      <p:to>
+                                        <p:strVal val="visible"/>
+                                      </p:to>
+                                    </p:set>
+                                    <p:animEffect transition="in" filter="fade">
+                                      <p:cBhvr>
+                                        <p:cTn id="30" dur="500"/>
+                                        <p:tgtEl>
+                                          <p:spTgt spid="3">
+                                            <p:txEl>
+                                              <p:pRg st="8" end="8"/>
+                                            </p:txEl>
+                                          </p:spTgt>
+                                        </p:tgtEl>
+                                      </p:cBhvr>
+                                    </p:animEffect>
+                                  </p:childTnLst>
+                                </p:cTn>
+                              </p:par>
+                              <p:par>
+                                <p:cTn id="31" presetID="10" presetClass="entr" presetSubtype="0" fill="hold" nodeType="withEffect">
+                                  <p:stCondLst>
+                                    <p:cond delay="0"/>
+                                  </p:stCondLst>
+                                  <p:childTnLst>
+                                    <p:set>
+                                      <p:cBhvr>
+                                        <p:cTn id="32" dur="1" fill="hold">
+                                          <p:stCondLst>
+                                            <p:cond delay="0"/>
+                                          </p:stCondLst>
+                                        </p:cTn>
+                                        <p:tgtEl>
+                                          <p:spTgt spid="3">
+                                            <p:txEl>
+                                              <p:pRg st="9" end="9"/>
+                                            </p:txEl>
+                                          </p:spTgt>
+                                        </p:tgtEl>
+                                        <p:attrNameLst>
+                                          <p:attrName>style.visibility</p:attrName>
+                                        </p:attrNameLst>
+                                      </p:cBhvr>
+                                      <p:to>
+                                        <p:strVal val="visible"/>
+                                      </p:to>
+                                    </p:set>
+                                    <p:animEffect transition="in" filter="fade">
+                                      <p:cBhvr>
+                                        <p:cTn id="33" dur="500"/>
+                                        <p:tgtEl>
+                                          <p:spTgt spid="3">
+                                            <p:txEl>
+                                              <p:pRg st="9" end="9"/>
+                                            </p:txEl>
+                                          </p:spTgt>
+                                        </p:tgtEl>
+                                      </p:cBhvr>
+                                    </p:animEffect>
+                                  </p:childTnLst>
+                                </p:cTn>
+                              </p:par>
+                            </p:childTnLst>
+                          </p:cTn>
+                        </p:par>
+                      </p:childTnLst>
+                    </p:cTn>
+                  </p:par>
+                </p:childTnLst>
+              </p:cTn>
+              <p:prevCondLst>
+                <p:cond evt="onPrev" delay="0">
+                  <p:tgtEl>
+                    <p:sldTgt/>
+                  </p:tgtEl>
+                </p:cond>
+              </p:prevCondLst>
+              <p:nextCondLst>
+                <p:cond evt="onNext" delay="0">
+                  <p:tgtEl>
+                    <p:sldTgt/>
+                  </p:tgtEl>
+                </p:cond>
+              </p:nextCondLst>
+            </p:seq>
+          </p:childTnLst>
+        </p:cTn>
+      </p:par>
+    </p:tnLst>
+  </p:timing>
 </p:sld>
 </file>
 
@@ -8012,6 +10119,386 @@
           <p:cNvPr id="2" name="标题 1">
             <a:extLst>
               <a:ext uri="{FF2B5EF4-FFF2-40B4-BE49-F238E27FC236}">
+                <a16:creationId xmlns:a16="http://schemas.microsoft.com/office/drawing/2014/main" id="{E5E13386-36E6-49AE-8DBD-3F92E9A2FEA4}"/>
+              </a:ext>
+            </a:extLst>
+          </p:cNvPr>
+          <p:cNvSpPr>
+            <a:spLocks noGrp="1"/>
+          </p:cNvSpPr>
+          <p:nvPr>
+            <p:ph type="title"/>
+          </p:nvPr>
+        </p:nvSpPr>
+        <p:spPr>
+          <a:xfrm>
+            <a:off x="838200" y="365125"/>
+            <a:ext cx="10515600" cy="1325563"/>
+          </a:xfrm>
+        </p:spPr>
+        <p:txBody>
+          <a:bodyPr/>
+          <a:lstStyle/>
+          <a:p>
+            <a:r>
+              <a:rPr lang="en-US" altLang="zh-CN" dirty="0"/>
+              <a:t>Modularization design of </a:t>
+            </a:r>
+            <a:r>
+              <a:rPr lang="en-US" altLang="zh-CN" dirty="0">
+                <a:solidFill>
+                  <a:schemeClr val="accent6">
+                    <a:lumMod val="75000"/>
+                  </a:schemeClr>
+                </a:solidFill>
+              </a:rPr>
+              <a:t>EVERYTHING</a:t>
+            </a:r>
+            <a:r>
+              <a:rPr lang="en-US" altLang="zh-CN" dirty="0"/>
+              <a:t>!</a:t>
+            </a:r>
+            <a:endParaRPr lang="zh-CN" altLang="en-US" dirty="0"/>
+          </a:p>
+        </p:txBody>
+      </p:sp>
+      <p:pic>
+        <p:nvPicPr>
+          <p:cNvPr id="4" name="图片 3">
+            <a:extLst>
+              <a:ext uri="{FF2B5EF4-FFF2-40B4-BE49-F238E27FC236}">
+                <a16:creationId xmlns:a16="http://schemas.microsoft.com/office/drawing/2014/main" id="{EFA3989A-699A-4FDD-BCFD-18BF58BE9794}"/>
+              </a:ext>
+            </a:extLst>
+          </p:cNvPr>
+          <p:cNvPicPr>
+            <a:picLocks noChangeAspect="1"/>
+          </p:cNvPicPr>
+          <p:nvPr/>
+        </p:nvPicPr>
+        <p:blipFill>
+          <a:blip r:embed="rId2">
+            <a:extLst>
+              <a:ext uri="{28A0092B-C50C-407E-A947-70E740481C1C}">
+                <a14:useLocalDpi xmlns:a14="http://schemas.microsoft.com/office/drawing/2010/main" val="0"/>
+              </a:ext>
+            </a:extLst>
+          </a:blip>
+          <a:stretch>
+            <a:fillRect/>
+          </a:stretch>
+        </p:blipFill>
+        <p:spPr>
+          <a:xfrm>
+            <a:off x="5584172" y="2265353"/>
+            <a:ext cx="5915456" cy="3197451"/>
+          </a:xfrm>
+          <a:prstGeom prst="rect">
+            <a:avLst/>
+          </a:prstGeom>
+        </p:spPr>
+      </p:pic>
+      <p:sp>
+        <p:nvSpPr>
+          <p:cNvPr id="13" name="矩形: 圆角 12">
+            <a:extLst>
+              <a:ext uri="{FF2B5EF4-FFF2-40B4-BE49-F238E27FC236}">
+                <a16:creationId xmlns:a16="http://schemas.microsoft.com/office/drawing/2014/main" id="{3B404324-9691-4C63-903A-186CD5FB1765}"/>
+              </a:ext>
+            </a:extLst>
+          </p:cNvPr>
+          <p:cNvSpPr/>
+          <p:nvPr/>
+        </p:nvSpPr>
+        <p:spPr>
+          <a:xfrm>
+            <a:off x="838200" y="2082473"/>
+            <a:ext cx="3645801" cy="1781606"/>
+          </a:xfrm>
+          <a:prstGeom prst="roundRect">
+            <a:avLst/>
+          </a:prstGeom>
+        </p:spPr>
+        <p:style>
+          <a:lnRef idx="2">
+            <a:schemeClr val="accent1">
+              <a:shade val="50000"/>
+            </a:schemeClr>
+          </a:lnRef>
+          <a:fillRef idx="1">
+            <a:schemeClr val="accent1"/>
+          </a:fillRef>
+          <a:effectRef idx="0">
+            <a:schemeClr val="accent1"/>
+          </a:effectRef>
+          <a:fontRef idx="minor">
+            <a:schemeClr val="lt1"/>
+          </a:fontRef>
+        </p:style>
+        <p:txBody>
+          <a:bodyPr rtlCol="0" anchor="ctr"/>
+          <a:lstStyle/>
+          <a:p>
+            <a:pPr algn="ctr"/>
+            <a:r>
+              <a:rPr lang="en-US" altLang="zh-CN" sz="3600" dirty="0" err="1">
+                <a:latin typeface="Ubuntu" panose="020B0504030602030204" pitchFamily="34" charset="0"/>
+              </a:rPr>
+              <a:t>Alei’s</a:t>
+            </a:r>
+            <a:r>
+              <a:rPr lang="en-US" altLang="zh-CN" sz="3600" dirty="0">
+                <a:latin typeface="Ubuntu" panose="020B0504030602030204" pitchFamily="34" charset="0"/>
+              </a:rPr>
+              <a:t> Magic</a:t>
+            </a:r>
+            <a:endParaRPr lang="zh-CN" altLang="en-US" sz="3600" dirty="0">
+              <a:latin typeface="Ubuntu" panose="020B0504030602030204" pitchFamily="34" charset="0"/>
+            </a:endParaRPr>
+          </a:p>
+        </p:txBody>
+      </p:sp>
+      <p:cxnSp>
+        <p:nvCxnSpPr>
+          <p:cNvPr id="130" name="直接箭头连接符 129">
+            <a:extLst>
+              <a:ext uri="{FF2B5EF4-FFF2-40B4-BE49-F238E27FC236}">
+                <a16:creationId xmlns:a16="http://schemas.microsoft.com/office/drawing/2014/main" id="{6F57D06D-9DFA-4CC7-9BC1-7D24ECDC9611}"/>
+              </a:ext>
+            </a:extLst>
+          </p:cNvPr>
+          <p:cNvCxnSpPr>
+            <a:cxnSpLocks/>
+          </p:cNvCxnSpPr>
+          <p:nvPr/>
+        </p:nvCxnSpPr>
+        <p:spPr>
+          <a:xfrm flipV="1">
+            <a:off x="1663260" y="3864079"/>
+            <a:ext cx="0" cy="957514"/>
+          </a:xfrm>
+          <a:prstGeom prst="straightConnector1">
+            <a:avLst/>
+          </a:prstGeom>
+          <a:ln w="50800">
+            <a:tailEnd type="triangle"/>
+          </a:ln>
+        </p:spPr>
+        <p:style>
+          <a:lnRef idx="1">
+            <a:schemeClr val="accent1"/>
+          </a:lnRef>
+          <a:fillRef idx="0">
+            <a:schemeClr val="accent1"/>
+          </a:fillRef>
+          <a:effectRef idx="0">
+            <a:schemeClr val="accent1"/>
+          </a:effectRef>
+          <a:fontRef idx="minor">
+            <a:schemeClr val="tx1"/>
+          </a:fontRef>
+        </p:style>
+      </p:cxnSp>
+      <p:cxnSp>
+        <p:nvCxnSpPr>
+          <p:cNvPr id="132" name="直接箭头连接符 131">
+            <a:extLst>
+              <a:ext uri="{FF2B5EF4-FFF2-40B4-BE49-F238E27FC236}">
+                <a16:creationId xmlns:a16="http://schemas.microsoft.com/office/drawing/2014/main" id="{62715537-027E-420E-8869-786949D538BA}"/>
+              </a:ext>
+            </a:extLst>
+          </p:cNvPr>
+          <p:cNvCxnSpPr>
+            <a:cxnSpLocks/>
+          </p:cNvCxnSpPr>
+          <p:nvPr/>
+        </p:nvCxnSpPr>
+        <p:spPr>
+          <a:xfrm>
+            <a:off x="3580551" y="3864079"/>
+            <a:ext cx="0" cy="957514"/>
+          </a:xfrm>
+          <a:prstGeom prst="straightConnector1">
+            <a:avLst/>
+          </a:prstGeom>
+          <a:ln w="50800">
+            <a:tailEnd type="triangle"/>
+          </a:ln>
+        </p:spPr>
+        <p:style>
+          <a:lnRef idx="1">
+            <a:schemeClr val="accent1"/>
+          </a:lnRef>
+          <a:fillRef idx="0">
+            <a:schemeClr val="accent1"/>
+          </a:fillRef>
+          <a:effectRef idx="0">
+            <a:schemeClr val="accent1"/>
+          </a:effectRef>
+          <a:fontRef idx="minor">
+            <a:schemeClr val="tx1"/>
+          </a:fontRef>
+        </p:style>
+      </p:cxnSp>
+      <p:sp>
+        <p:nvSpPr>
+          <p:cNvPr id="20" name="文本框 19">
+            <a:extLst>
+              <a:ext uri="{FF2B5EF4-FFF2-40B4-BE49-F238E27FC236}">
+                <a16:creationId xmlns:a16="http://schemas.microsoft.com/office/drawing/2014/main" id="{DB4F3881-A8F1-46AE-A7B3-B6B6DB3A948B}"/>
+              </a:ext>
+            </a:extLst>
+          </p:cNvPr>
+          <p:cNvSpPr txBox="1"/>
+          <p:nvPr/>
+        </p:nvSpPr>
+        <p:spPr>
+          <a:xfrm>
+            <a:off x="1053755" y="5190925"/>
+            <a:ext cx="1219010" cy="369332"/>
+          </a:xfrm>
+          <a:prstGeom prst="rect">
+            <a:avLst/>
+          </a:prstGeom>
+          <a:noFill/>
+        </p:spPr>
+        <p:txBody>
+          <a:bodyPr wrap="square" rtlCol="0">
+            <a:spAutoFit/>
+          </a:bodyPr>
+          <a:lstStyle/>
+          <a:p>
+            <a:pPr algn="ctr"/>
+            <a:r>
+              <a:rPr lang="en-US" altLang="zh-CN" dirty="0" err="1"/>
+              <a:t>bulgarian.c</a:t>
+            </a:r>
+            <a:endParaRPr lang="zh-CN" altLang="en-US" dirty="0"/>
+          </a:p>
+        </p:txBody>
+      </p:sp>
+      <p:sp>
+        <p:nvSpPr>
+          <p:cNvPr id="133" name="文本框 132">
+            <a:extLst>
+              <a:ext uri="{FF2B5EF4-FFF2-40B4-BE49-F238E27FC236}">
+                <a16:creationId xmlns:a16="http://schemas.microsoft.com/office/drawing/2014/main" id="{E87FD504-1374-4AB0-82A1-6F32653C08E1}"/>
+              </a:ext>
+            </a:extLst>
+          </p:cNvPr>
+          <p:cNvSpPr txBox="1"/>
+          <p:nvPr/>
+        </p:nvSpPr>
+        <p:spPr>
+          <a:xfrm>
+            <a:off x="2661100" y="4821593"/>
+            <a:ext cx="2003621" cy="1477328"/>
+          </a:xfrm>
+          <a:prstGeom prst="rect">
+            <a:avLst/>
+          </a:prstGeom>
+        </p:spPr>
+        <p:style>
+          <a:lnRef idx="2">
+            <a:schemeClr val="dk1">
+              <a:shade val="50000"/>
+            </a:schemeClr>
+          </a:lnRef>
+          <a:fillRef idx="1">
+            <a:schemeClr val="dk1"/>
+          </a:fillRef>
+          <a:effectRef idx="0">
+            <a:schemeClr val="dk1"/>
+          </a:effectRef>
+          <a:fontRef idx="minor">
+            <a:schemeClr val="lt1"/>
+          </a:fontRef>
+        </p:style>
+        <p:txBody>
+          <a:bodyPr wrap="square" rtlCol="0">
+            <a:spAutoFit/>
+          </a:bodyPr>
+          <a:lstStyle/>
+          <a:p>
+            <a:r>
+              <a:rPr lang="en-US" altLang="zh-CN" dirty="0">
+                <a:latin typeface="Ubuntu Mono" panose="020B0509030602030204" pitchFamily="49" charset="0"/>
+              </a:rPr>
+              <a:t>Let's start!</a:t>
+            </a:r>
+          </a:p>
+          <a:p>
+            <a:r>
+              <a:rPr lang="en-US" altLang="zh-CN" dirty="0">
+                <a:latin typeface="Ubuntu Mono" panose="020B0509030602030204" pitchFamily="49" charset="0"/>
+              </a:rPr>
+              <a:t>5</a:t>
+            </a:r>
+          </a:p>
+          <a:p>
+            <a:r>
+              <a:rPr lang="en-US" altLang="zh-CN" dirty="0">
+                <a:latin typeface="Ubuntu Mono" panose="020B0509030602030204" pitchFamily="49" charset="0"/>
+              </a:rPr>
+              <a:t>5 5 1 6 193</a:t>
+            </a:r>
+          </a:p>
+          <a:p>
+            <a:r>
+              <a:rPr lang="en-US" altLang="zh-CN" dirty="0">
+                <a:latin typeface="Ubuntu Mono" panose="020B0509030602030204" pitchFamily="49" charset="0"/>
+              </a:rPr>
+              <a:t>step 1:</a:t>
+            </a:r>
+          </a:p>
+          <a:p>
+            <a:r>
+              <a:rPr lang="en-US" altLang="zh-CN" dirty="0">
+                <a:latin typeface="Ubuntu Mono" panose="020B0509030602030204" pitchFamily="49" charset="0"/>
+              </a:rPr>
+              <a:t>4 4 5 192 5 </a:t>
+            </a:r>
+            <a:endParaRPr lang="zh-CN" altLang="en-US" dirty="0">
+              <a:latin typeface="Ubuntu Mono" panose="020B0509030602030204" pitchFamily="49" charset="0"/>
+            </a:endParaRPr>
+          </a:p>
+        </p:txBody>
+      </p:sp>
+    </p:spTree>
+    <p:extLst>
+      <p:ext uri="{BB962C8B-B14F-4D97-AF65-F5344CB8AC3E}">
+        <p14:creationId xmlns:p14="http://schemas.microsoft.com/office/powerpoint/2010/main" val="990398557"/>
+      </p:ext>
+    </p:extLst>
+  </p:cSld>
+  <p:clrMapOvr>
+    <a:masterClrMapping/>
+  </p:clrMapOvr>
+</p:sld>
+</file>
+
+<file path=ppt/slides/slide14.xml><?xml version="1.0" encoding="utf-8"?>
+<p:sld xmlns:a="http://schemas.openxmlformats.org/drawingml/2006/main" xmlns:r="http://schemas.openxmlformats.org/officeDocument/2006/relationships" xmlns:p="http://schemas.openxmlformats.org/presentationml/2006/main">
+  <p:cSld>
+    <p:spTree>
+      <p:nvGrpSpPr>
+        <p:cNvPr id="1" name=""/>
+        <p:cNvGrpSpPr/>
+        <p:nvPr/>
+      </p:nvGrpSpPr>
+      <p:grpSpPr>
+        <a:xfrm>
+          <a:off x="0" y="0"/>
+          <a:ext cx="0" cy="0"/>
+          <a:chOff x="0" y="0"/>
+          <a:chExt cx="0" cy="0"/>
+        </a:xfrm>
+      </p:grpSpPr>
+      <p:sp>
+        <p:nvSpPr>
+          <p:cNvPr id="2" name="标题 1">
+            <a:extLst>
+              <a:ext uri="{FF2B5EF4-FFF2-40B4-BE49-F238E27FC236}">
                 <a16:creationId xmlns:a16="http://schemas.microsoft.com/office/drawing/2014/main" id="{22D7E4E1-9E74-4476-875F-685BCA16A20E}"/>
               </a:ext>
             </a:extLst>
@@ -8146,10 +10633,345 @@
   <p:clrMapOvr>
     <a:masterClrMapping/>
   </p:clrMapOvr>
+  <p:timing>
+    <p:tnLst>
+      <p:par>
+        <p:cTn id="1" dur="indefinite" restart="never" nodeType="tmRoot">
+          <p:childTnLst>
+            <p:seq concurrent="1" nextAc="seek">
+              <p:cTn id="2" dur="indefinite" nodeType="mainSeq">
+                <p:childTnLst>
+                  <p:par>
+                    <p:cTn id="3" fill="hold">
+                      <p:stCondLst>
+                        <p:cond delay="indefinite"/>
+                      </p:stCondLst>
+                      <p:childTnLst>
+                        <p:par>
+                          <p:cTn id="4" fill="hold">
+                            <p:stCondLst>
+                              <p:cond delay="0"/>
+                            </p:stCondLst>
+                            <p:childTnLst>
+                              <p:par>
+                                <p:cTn id="5" presetID="10" presetClass="entr" presetSubtype="0" fill="hold" nodeType="clickEffect">
+                                  <p:stCondLst>
+                                    <p:cond delay="0"/>
+                                  </p:stCondLst>
+                                  <p:childTnLst>
+                                    <p:set>
+                                      <p:cBhvr>
+                                        <p:cTn id="6" dur="1" fill="hold">
+                                          <p:stCondLst>
+                                            <p:cond delay="0"/>
+                                          </p:stCondLst>
+                                        </p:cTn>
+                                        <p:tgtEl>
+                                          <p:spTgt spid="3">
+                                            <p:txEl>
+                                              <p:pRg st="4" end="4"/>
+                                            </p:txEl>
+                                          </p:spTgt>
+                                        </p:tgtEl>
+                                        <p:attrNameLst>
+                                          <p:attrName>style.visibility</p:attrName>
+                                        </p:attrNameLst>
+                                      </p:cBhvr>
+                                      <p:to>
+                                        <p:strVal val="visible"/>
+                                      </p:to>
+                                    </p:set>
+                                    <p:animEffect transition="in" filter="fade">
+                                      <p:cBhvr>
+                                        <p:cTn id="7" dur="500"/>
+                                        <p:tgtEl>
+                                          <p:spTgt spid="3">
+                                            <p:txEl>
+                                              <p:pRg st="4" end="4"/>
+                                            </p:txEl>
+                                          </p:spTgt>
+                                        </p:tgtEl>
+                                      </p:cBhvr>
+                                    </p:animEffect>
+                                  </p:childTnLst>
+                                </p:cTn>
+                              </p:par>
+                            </p:childTnLst>
+                          </p:cTn>
+                        </p:par>
+                      </p:childTnLst>
+                    </p:cTn>
+                  </p:par>
+                  <p:par>
+                    <p:cTn id="8" fill="hold">
+                      <p:stCondLst>
+                        <p:cond delay="indefinite"/>
+                      </p:stCondLst>
+                      <p:childTnLst>
+                        <p:par>
+                          <p:cTn id="9" fill="hold">
+                            <p:stCondLst>
+                              <p:cond delay="0"/>
+                            </p:stCondLst>
+                            <p:childTnLst>
+                              <p:par>
+                                <p:cTn id="10" presetID="10" presetClass="entr" presetSubtype="0" fill="hold" nodeType="clickEffect">
+                                  <p:stCondLst>
+                                    <p:cond delay="0"/>
+                                  </p:stCondLst>
+                                  <p:childTnLst>
+                                    <p:set>
+                                      <p:cBhvr>
+                                        <p:cTn id="11" dur="1" fill="hold">
+                                          <p:stCondLst>
+                                            <p:cond delay="0"/>
+                                          </p:stCondLst>
+                                        </p:cTn>
+                                        <p:tgtEl>
+                                          <p:spTgt spid="3">
+                                            <p:txEl>
+                                              <p:pRg st="5" end="5"/>
+                                            </p:txEl>
+                                          </p:spTgt>
+                                        </p:tgtEl>
+                                        <p:attrNameLst>
+                                          <p:attrName>style.visibility</p:attrName>
+                                        </p:attrNameLst>
+                                      </p:cBhvr>
+                                      <p:to>
+                                        <p:strVal val="visible"/>
+                                      </p:to>
+                                    </p:set>
+                                    <p:animEffect transition="in" filter="fade">
+                                      <p:cBhvr>
+                                        <p:cTn id="12" dur="500"/>
+                                        <p:tgtEl>
+                                          <p:spTgt spid="3">
+                                            <p:txEl>
+                                              <p:pRg st="5" end="5"/>
+                                            </p:txEl>
+                                          </p:spTgt>
+                                        </p:tgtEl>
+                                      </p:cBhvr>
+                                    </p:animEffect>
+                                  </p:childTnLst>
+                                </p:cTn>
+                              </p:par>
+                            </p:childTnLst>
+                          </p:cTn>
+                        </p:par>
+                      </p:childTnLst>
+                    </p:cTn>
+                  </p:par>
+                  <p:par>
+                    <p:cTn id="13" fill="hold">
+                      <p:stCondLst>
+                        <p:cond delay="indefinite"/>
+                      </p:stCondLst>
+                      <p:childTnLst>
+                        <p:par>
+                          <p:cTn id="14" fill="hold">
+                            <p:stCondLst>
+                              <p:cond delay="0"/>
+                            </p:stCondLst>
+                            <p:childTnLst>
+                              <p:par>
+                                <p:cTn id="15" presetID="10" presetClass="entr" presetSubtype="0" fill="hold" nodeType="clickEffect">
+                                  <p:stCondLst>
+                                    <p:cond delay="0"/>
+                                  </p:stCondLst>
+                                  <p:childTnLst>
+                                    <p:set>
+                                      <p:cBhvr>
+                                        <p:cTn id="16" dur="1" fill="hold">
+                                          <p:stCondLst>
+                                            <p:cond delay="0"/>
+                                          </p:stCondLst>
+                                        </p:cTn>
+                                        <p:tgtEl>
+                                          <p:spTgt spid="3">
+                                            <p:txEl>
+                                              <p:pRg st="6" end="6"/>
+                                            </p:txEl>
+                                          </p:spTgt>
+                                        </p:tgtEl>
+                                        <p:attrNameLst>
+                                          <p:attrName>style.visibility</p:attrName>
+                                        </p:attrNameLst>
+                                      </p:cBhvr>
+                                      <p:to>
+                                        <p:strVal val="visible"/>
+                                      </p:to>
+                                    </p:set>
+                                    <p:animEffect transition="in" filter="fade">
+                                      <p:cBhvr>
+                                        <p:cTn id="17" dur="500"/>
+                                        <p:tgtEl>
+                                          <p:spTgt spid="3">
+                                            <p:txEl>
+                                              <p:pRg st="6" end="6"/>
+                                            </p:txEl>
+                                          </p:spTgt>
+                                        </p:tgtEl>
+                                      </p:cBhvr>
+                                    </p:animEffect>
+                                  </p:childTnLst>
+                                </p:cTn>
+                              </p:par>
+                            </p:childTnLst>
+                          </p:cTn>
+                        </p:par>
+                      </p:childTnLst>
+                    </p:cTn>
+                  </p:par>
+                  <p:par>
+                    <p:cTn id="18" fill="hold">
+                      <p:stCondLst>
+                        <p:cond delay="indefinite"/>
+                      </p:stCondLst>
+                      <p:childTnLst>
+                        <p:par>
+                          <p:cTn id="19" fill="hold">
+                            <p:stCondLst>
+                              <p:cond delay="0"/>
+                            </p:stCondLst>
+                            <p:childTnLst>
+                              <p:par>
+                                <p:cTn id="20" presetID="10" presetClass="entr" presetSubtype="0" fill="hold" nodeType="clickEffect">
+                                  <p:stCondLst>
+                                    <p:cond delay="0"/>
+                                  </p:stCondLst>
+                                  <p:childTnLst>
+                                    <p:set>
+                                      <p:cBhvr>
+                                        <p:cTn id="21" dur="1" fill="hold">
+                                          <p:stCondLst>
+                                            <p:cond delay="0"/>
+                                          </p:stCondLst>
+                                        </p:cTn>
+                                        <p:tgtEl>
+                                          <p:spTgt spid="3">
+                                            <p:txEl>
+                                              <p:pRg st="7" end="7"/>
+                                            </p:txEl>
+                                          </p:spTgt>
+                                        </p:tgtEl>
+                                        <p:attrNameLst>
+                                          <p:attrName>style.visibility</p:attrName>
+                                        </p:attrNameLst>
+                                      </p:cBhvr>
+                                      <p:to>
+                                        <p:strVal val="visible"/>
+                                      </p:to>
+                                    </p:set>
+                                    <p:animEffect transition="in" filter="fade">
+                                      <p:cBhvr>
+                                        <p:cTn id="22" dur="500"/>
+                                        <p:tgtEl>
+                                          <p:spTgt spid="3">
+                                            <p:txEl>
+                                              <p:pRg st="7" end="7"/>
+                                            </p:txEl>
+                                          </p:spTgt>
+                                        </p:tgtEl>
+                                      </p:cBhvr>
+                                    </p:animEffect>
+                                  </p:childTnLst>
+                                </p:cTn>
+                              </p:par>
+                            </p:childTnLst>
+                          </p:cTn>
+                        </p:par>
+                      </p:childTnLst>
+                    </p:cTn>
+                  </p:par>
+                  <p:par>
+                    <p:cTn id="23" fill="hold">
+                      <p:stCondLst>
+                        <p:cond delay="indefinite"/>
+                      </p:stCondLst>
+                      <p:childTnLst>
+                        <p:par>
+                          <p:cTn id="24" fill="hold">
+                            <p:stCondLst>
+                              <p:cond delay="0"/>
+                            </p:stCondLst>
+                            <p:childTnLst>
+                              <p:par>
+                                <p:cTn id="25" presetID="10" presetClass="entr" presetSubtype="0" fill="hold" nodeType="clickEffect">
+                                  <p:stCondLst>
+                                    <p:cond delay="0"/>
+                                  </p:stCondLst>
+                                  <p:childTnLst>
+                                    <p:set>
+                                      <p:cBhvr>
+                                        <p:cTn id="26" dur="1" fill="hold">
+                                          <p:stCondLst>
+                                            <p:cond delay="0"/>
+                                          </p:stCondLst>
+                                        </p:cTn>
+                                        <p:tgtEl>
+                                          <p:spTgt spid="3">
+                                            <p:txEl>
+                                              <p:pRg st="8" end="8"/>
+                                            </p:txEl>
+                                          </p:spTgt>
+                                        </p:tgtEl>
+                                        <p:attrNameLst>
+                                          <p:attrName>style.visibility</p:attrName>
+                                        </p:attrNameLst>
+                                      </p:cBhvr>
+                                      <p:to>
+                                        <p:strVal val="visible"/>
+                                      </p:to>
+                                    </p:set>
+                                    <p:animEffect transition="in" filter="fade">
+                                      <p:cBhvr>
+                                        <p:cTn id="27" dur="500"/>
+                                        <p:tgtEl>
+                                          <p:spTgt spid="3">
+                                            <p:txEl>
+                                              <p:pRg st="8" end="8"/>
+                                            </p:txEl>
+                                          </p:spTgt>
+                                        </p:tgtEl>
+                                      </p:cBhvr>
+                                    </p:animEffect>
+                                  </p:childTnLst>
+                                </p:cTn>
+                              </p:par>
+                            </p:childTnLst>
+                          </p:cTn>
+                        </p:par>
+                      </p:childTnLst>
+                    </p:cTn>
+                  </p:par>
+                </p:childTnLst>
+              </p:cTn>
+              <p:prevCondLst>
+                <p:cond evt="onPrev" delay="0">
+                  <p:tgtEl>
+                    <p:sldTgt/>
+                  </p:tgtEl>
+                </p:cond>
+              </p:prevCondLst>
+              <p:nextCondLst>
+                <p:cond evt="onNext" delay="0">
+                  <p:tgtEl>
+                    <p:sldTgt/>
+                  </p:tgtEl>
+                </p:cond>
+              </p:nextCondLst>
+            </p:seq>
+          </p:childTnLst>
+        </p:cTn>
+      </p:par>
+    </p:tnLst>
+  </p:timing>
 </p:sld>
 </file>
 
-<file path=ppt/slides/slide14.xml><?xml version="1.0" encoding="utf-8"?>
+<file path=ppt/slides/slide15.xml><?xml version="1.0" encoding="utf-8"?>
 <p:sld xmlns:a="http://schemas.openxmlformats.org/drawingml/2006/main" xmlns:r="http://schemas.openxmlformats.org/officeDocument/2006/relationships" xmlns:p="http://schemas.openxmlformats.org/presentationml/2006/main">
   <p:cSld>
     <p:spTree>
@@ -8315,16 +11137,10 @@
                 </a:pPr>
                 <a:r>
                   <a:rPr lang="en-US" altLang="zh-CN" dirty="0"/>
-                  <a:t>Very many (about</a:t>
+                  <a:t>About </a:t>
                 </a:r>
                 <a14:m>
                   <m:oMath xmlns:m="http://schemas.openxmlformats.org/officeDocument/2006/math">
-                    <m:r>
-                      <a:rPr lang="en-US" altLang="zh-CN">
-                        <a:latin typeface="Cambria Math" panose="02040503050406030204" pitchFamily="18" charset="0"/>
-                      </a:rPr>
-                      <m:t> </m:t>
-                    </m:r>
                     <m:r>
                       <a:rPr lang="en-US" altLang="zh-CN" i="1">
                         <a:latin typeface="Cambria Math" panose="02040503050406030204" pitchFamily="18" charset="0"/>
@@ -8360,7 +11176,7 @@
                 </a14:m>
                 <a:r>
                   <a:rPr lang="en-US" altLang="zh-CN" dirty="0"/>
-                  <a:t>) instructions</a:t>
+                  <a:t> instructions</a:t>
                 </a:r>
               </a:p>
               <a:p>
@@ -8497,10 +11313,774 @@
   <p:clrMapOvr>
     <a:masterClrMapping/>
   </p:clrMapOvr>
+  <p:timing>
+    <p:tnLst>
+      <p:par>
+        <p:cTn id="1" dur="indefinite" restart="never" nodeType="tmRoot">
+          <p:childTnLst>
+            <p:seq concurrent="1" nextAc="seek">
+              <p:cTn id="2" dur="indefinite" nodeType="mainSeq">
+                <p:childTnLst>
+                  <p:par>
+                    <p:cTn id="3" fill="hold">
+                      <p:stCondLst>
+                        <p:cond delay="indefinite"/>
+                      </p:stCondLst>
+                      <p:childTnLst>
+                        <p:par>
+                          <p:cTn id="4" fill="hold">
+                            <p:stCondLst>
+                              <p:cond delay="0"/>
+                            </p:stCondLst>
+                            <p:childTnLst>
+                              <p:par>
+                                <p:cTn id="5" presetID="10" presetClass="entr" presetSubtype="0" fill="hold" nodeType="clickEffect">
+                                  <p:stCondLst>
+                                    <p:cond delay="0"/>
+                                  </p:stCondLst>
+                                  <p:childTnLst>
+                                    <p:set>
+                                      <p:cBhvr>
+                                        <p:cTn id="6" dur="1" fill="hold">
+                                          <p:stCondLst>
+                                            <p:cond delay="0"/>
+                                          </p:stCondLst>
+                                        </p:cTn>
+                                        <p:tgtEl>
+                                          <p:spTgt spid="3">
+                                            <p:txEl>
+                                              <p:pRg st="2" end="2"/>
+                                            </p:txEl>
+                                          </p:spTgt>
+                                        </p:tgtEl>
+                                        <p:attrNameLst>
+                                          <p:attrName>style.visibility</p:attrName>
+                                        </p:attrNameLst>
+                                      </p:cBhvr>
+                                      <p:to>
+                                        <p:strVal val="visible"/>
+                                      </p:to>
+                                    </p:set>
+                                    <p:animEffect transition="in" filter="fade">
+                                      <p:cBhvr>
+                                        <p:cTn id="7" dur="500"/>
+                                        <p:tgtEl>
+                                          <p:spTgt spid="3">
+                                            <p:txEl>
+                                              <p:pRg st="2" end="2"/>
+                                            </p:txEl>
+                                          </p:spTgt>
+                                        </p:tgtEl>
+                                      </p:cBhvr>
+                                    </p:animEffect>
+                                  </p:childTnLst>
+                                </p:cTn>
+                              </p:par>
+                              <p:par>
+                                <p:cTn id="8" presetID="10" presetClass="entr" presetSubtype="0" fill="hold" nodeType="withEffect">
+                                  <p:stCondLst>
+                                    <p:cond delay="0"/>
+                                  </p:stCondLst>
+                                  <p:childTnLst>
+                                    <p:set>
+                                      <p:cBhvr>
+                                        <p:cTn id="9" dur="1" fill="hold">
+                                          <p:stCondLst>
+                                            <p:cond delay="0"/>
+                                          </p:stCondLst>
+                                        </p:cTn>
+                                        <p:tgtEl>
+                                          <p:spTgt spid="11"/>
+                                        </p:tgtEl>
+                                        <p:attrNameLst>
+                                          <p:attrName>style.visibility</p:attrName>
+                                        </p:attrNameLst>
+                                      </p:cBhvr>
+                                      <p:to>
+                                        <p:strVal val="visible"/>
+                                      </p:to>
+                                    </p:set>
+                                    <p:animEffect transition="in" filter="fade">
+                                      <p:cBhvr>
+                                        <p:cTn id="10" dur="500"/>
+                                        <p:tgtEl>
+                                          <p:spTgt spid="11"/>
+                                        </p:tgtEl>
+                                      </p:cBhvr>
+                                    </p:animEffect>
+                                  </p:childTnLst>
+                                </p:cTn>
+                              </p:par>
+                              <p:par>
+                                <p:cTn id="11" presetID="10" presetClass="entr" presetSubtype="0" fill="hold" nodeType="withEffect">
+                                  <p:stCondLst>
+                                    <p:cond delay="0"/>
+                                  </p:stCondLst>
+                                  <p:childTnLst>
+                                    <p:set>
+                                      <p:cBhvr>
+                                        <p:cTn id="12" dur="1" fill="hold">
+                                          <p:stCondLst>
+                                            <p:cond delay="0"/>
+                                          </p:stCondLst>
+                                        </p:cTn>
+                                        <p:tgtEl>
+                                          <p:spTgt spid="3">
+                                            <p:txEl>
+                                              <p:pRg st="3" end="3"/>
+                                            </p:txEl>
+                                          </p:spTgt>
+                                        </p:tgtEl>
+                                        <p:attrNameLst>
+                                          <p:attrName>style.visibility</p:attrName>
+                                        </p:attrNameLst>
+                                      </p:cBhvr>
+                                      <p:to>
+                                        <p:strVal val="visible"/>
+                                      </p:to>
+                                    </p:set>
+                                    <p:animEffect transition="in" filter="fade">
+                                      <p:cBhvr>
+                                        <p:cTn id="13" dur="500"/>
+                                        <p:tgtEl>
+                                          <p:spTgt spid="3">
+                                            <p:txEl>
+                                              <p:pRg st="3" end="3"/>
+                                            </p:txEl>
+                                          </p:spTgt>
+                                        </p:tgtEl>
+                                      </p:cBhvr>
+                                    </p:animEffect>
+                                  </p:childTnLst>
+                                </p:cTn>
+                              </p:par>
+                              <p:par>
+                                <p:cTn id="14" presetID="10" presetClass="entr" presetSubtype="0" fill="hold" nodeType="withEffect">
+                                  <p:stCondLst>
+                                    <p:cond delay="0"/>
+                                  </p:stCondLst>
+                                  <p:childTnLst>
+                                    <p:set>
+                                      <p:cBhvr>
+                                        <p:cTn id="15" dur="1" fill="hold">
+                                          <p:stCondLst>
+                                            <p:cond delay="0"/>
+                                          </p:stCondLst>
+                                        </p:cTn>
+                                        <p:tgtEl>
+                                          <p:spTgt spid="3">
+                                            <p:txEl>
+                                              <p:pRg st="4" end="4"/>
+                                            </p:txEl>
+                                          </p:spTgt>
+                                        </p:tgtEl>
+                                        <p:attrNameLst>
+                                          <p:attrName>style.visibility</p:attrName>
+                                        </p:attrNameLst>
+                                      </p:cBhvr>
+                                      <p:to>
+                                        <p:strVal val="visible"/>
+                                      </p:to>
+                                    </p:set>
+                                    <p:animEffect transition="in" filter="fade">
+                                      <p:cBhvr>
+                                        <p:cTn id="16" dur="500"/>
+                                        <p:tgtEl>
+                                          <p:spTgt spid="3">
+                                            <p:txEl>
+                                              <p:pRg st="4" end="4"/>
+                                            </p:txEl>
+                                          </p:spTgt>
+                                        </p:tgtEl>
+                                      </p:cBhvr>
+                                    </p:animEffect>
+                                  </p:childTnLst>
+                                </p:cTn>
+                              </p:par>
+                            </p:childTnLst>
+                          </p:cTn>
+                        </p:par>
+                      </p:childTnLst>
+                    </p:cTn>
+                  </p:par>
+                  <p:par>
+                    <p:cTn id="17" fill="hold">
+                      <p:stCondLst>
+                        <p:cond delay="indefinite"/>
+                      </p:stCondLst>
+                      <p:childTnLst>
+                        <p:par>
+                          <p:cTn id="18" fill="hold">
+                            <p:stCondLst>
+                              <p:cond delay="0"/>
+                            </p:stCondLst>
+                            <p:childTnLst>
+                              <p:par>
+                                <p:cTn id="19" presetID="10" presetClass="entr" presetSubtype="0" fill="hold" nodeType="clickEffect">
+                                  <p:stCondLst>
+                                    <p:cond delay="0"/>
+                                  </p:stCondLst>
+                                  <p:childTnLst>
+                                    <p:set>
+                                      <p:cBhvr>
+                                        <p:cTn id="20" dur="1" fill="hold">
+                                          <p:stCondLst>
+                                            <p:cond delay="0"/>
+                                          </p:stCondLst>
+                                        </p:cTn>
+                                        <p:tgtEl>
+                                          <p:spTgt spid="3">
+                                            <p:txEl>
+                                              <p:pRg st="5" end="5"/>
+                                            </p:txEl>
+                                          </p:spTgt>
+                                        </p:tgtEl>
+                                        <p:attrNameLst>
+                                          <p:attrName>style.visibility</p:attrName>
+                                        </p:attrNameLst>
+                                      </p:cBhvr>
+                                      <p:to>
+                                        <p:strVal val="visible"/>
+                                      </p:to>
+                                    </p:set>
+                                    <p:animEffect transition="in" filter="fade">
+                                      <p:cBhvr>
+                                        <p:cTn id="21" dur="500"/>
+                                        <p:tgtEl>
+                                          <p:spTgt spid="3">
+                                            <p:txEl>
+                                              <p:pRg st="5" end="5"/>
+                                            </p:txEl>
+                                          </p:spTgt>
+                                        </p:tgtEl>
+                                      </p:cBhvr>
+                                    </p:animEffect>
+                                  </p:childTnLst>
+                                </p:cTn>
+                              </p:par>
+                            </p:childTnLst>
+                          </p:cTn>
+                        </p:par>
+                      </p:childTnLst>
+                    </p:cTn>
+                  </p:par>
+                </p:childTnLst>
+              </p:cTn>
+              <p:prevCondLst>
+                <p:cond evt="onPrev" delay="0">
+                  <p:tgtEl>
+                    <p:sldTgt/>
+                  </p:tgtEl>
+                </p:cond>
+              </p:prevCondLst>
+              <p:nextCondLst>
+                <p:cond evt="onNext" delay="0">
+                  <p:tgtEl>
+                    <p:sldTgt/>
+                  </p:tgtEl>
+                </p:cond>
+              </p:nextCondLst>
+            </p:seq>
+          </p:childTnLst>
+        </p:cTn>
+      </p:par>
+    </p:tnLst>
+  </p:timing>
 </p:sld>
 </file>
 
-<file path=ppt/slides/slide15.xml><?xml version="1.0" encoding="utf-8"?>
+<file path=ppt/slides/slide16.xml><?xml version="1.0" encoding="utf-8"?>
+<p:sld xmlns:a="http://schemas.openxmlformats.org/drawingml/2006/main" xmlns:r="http://schemas.openxmlformats.org/officeDocument/2006/relationships" xmlns:p="http://schemas.openxmlformats.org/presentationml/2006/main">
+  <p:cSld>
+    <p:spTree>
+      <p:nvGrpSpPr>
+        <p:cNvPr id="1" name=""/>
+        <p:cNvGrpSpPr/>
+        <p:nvPr/>
+      </p:nvGrpSpPr>
+      <p:grpSpPr>
+        <a:xfrm>
+          <a:off x="0" y="0"/>
+          <a:ext cx="0" cy="0"/>
+          <a:chOff x="0" y="0"/>
+          <a:chExt cx="0" cy="0"/>
+        </a:xfrm>
+      </p:grpSpPr>
+      <p:sp>
+        <p:nvSpPr>
+          <p:cNvPr id="2" name="标题 1">
+            <a:extLst>
+              <a:ext uri="{FF2B5EF4-FFF2-40B4-BE49-F238E27FC236}">
+                <a16:creationId xmlns:a16="http://schemas.microsoft.com/office/drawing/2014/main" id="{E325FF4C-8159-4E20-9A36-AA968DB62936}"/>
+              </a:ext>
+            </a:extLst>
+          </p:cNvPr>
+          <p:cNvSpPr>
+            <a:spLocks noGrp="1"/>
+          </p:cNvSpPr>
+          <p:nvPr>
+            <p:ph type="title"/>
+          </p:nvPr>
+        </p:nvSpPr>
+        <p:spPr/>
+        <p:txBody>
+          <a:bodyPr/>
+          <a:lstStyle/>
+          <a:p>
+            <a:r>
+              <a:rPr lang="en-US" altLang="zh-CN" dirty="0"/>
+              <a:t>My result</a:t>
+            </a:r>
+            <a:endParaRPr lang="zh-CN" altLang="en-US" dirty="0"/>
+          </a:p>
+        </p:txBody>
+      </p:sp>
+      <mc:AlternateContent xmlns:mc="http://schemas.openxmlformats.org/markup-compatibility/2006">
+        <mc:Choice xmlns:a14="http://schemas.microsoft.com/office/drawing/2010/main" Requires="a14">
+          <p:sp>
+            <p:nvSpPr>
+              <p:cNvPr id="3" name="内容占位符 2">
+                <a:extLst>
+                  <a:ext uri="{FF2B5EF4-FFF2-40B4-BE49-F238E27FC236}">
+                    <a16:creationId xmlns:a16="http://schemas.microsoft.com/office/drawing/2014/main" id="{841FCF23-7C38-470B-BD5D-002B9BF67ED4}"/>
+                  </a:ext>
+                </a:extLst>
+              </p:cNvPr>
+              <p:cNvSpPr>
+                <a:spLocks noGrp="1"/>
+              </p:cNvSpPr>
+              <p:nvPr>
+                <p:ph idx="1"/>
+              </p:nvPr>
+            </p:nvSpPr>
+            <p:spPr>
+              <a:xfrm>
+                <a:off x="838200" y="1825625"/>
+                <a:ext cx="9420778" cy="4351338"/>
+              </a:xfrm>
+            </p:spPr>
+            <p:txBody>
+              <a:bodyPr/>
+              <a:lstStyle/>
+              <a:p>
+                <a:pPr>
+                  <a:lnSpc>
+                    <a:spcPct val="120000"/>
+                  </a:lnSpc>
+                </a:pPr>
+                <a:r>
+                  <a:rPr lang="en-US" altLang="zh-CN" dirty="0"/>
+                  <a:t>Running </a:t>
+                </a:r>
+                <a:r>
+                  <a:rPr lang="en-US" altLang="zh-CN" dirty="0" err="1"/>
+                  <a:t>piljs.c</a:t>
+                </a:r>
+                <a:r>
+                  <a:rPr lang="en-US" altLang="zh-CN" dirty="0"/>
+                  <a:t> @210 MHz using </a:t>
+                </a:r>
+                <a14:m>
+                  <m:oMath xmlns:m="http://schemas.openxmlformats.org/officeDocument/2006/math">
+                    <m:r>
+                      <a:rPr lang="en-US" altLang="zh-CN" i="1" dirty="0">
+                        <a:latin typeface="Cambria Math" panose="02040503050406030204" pitchFamily="18" charset="0"/>
+                      </a:rPr>
+                      <m:t>0.</m:t>
+                    </m:r>
+                    <m:r>
+                      <a:rPr lang="en-US" altLang="zh-CN" b="0" i="1" dirty="0" smtClean="0">
+                        <a:latin typeface="Cambria Math" panose="02040503050406030204" pitchFamily="18" charset="0"/>
+                      </a:rPr>
+                      <m:t>0</m:t>
+                    </m:r>
+                    <m:r>
+                      <a:rPr lang="en-US" altLang="zh-CN" i="1" dirty="0">
+                        <a:latin typeface="Cambria Math" panose="02040503050406030204" pitchFamily="18" charset="0"/>
+                      </a:rPr>
+                      <m:t>4</m:t>
+                    </m:r>
+                    <m:r>
+                      <a:rPr lang="en-US" altLang="zh-CN" b="0" i="1" dirty="0" smtClean="0">
+                        <a:latin typeface="Cambria Math" panose="02040503050406030204" pitchFamily="18" charset="0"/>
+                      </a:rPr>
+                      <m:t>6875</m:t>
+                    </m:r>
+                    <m:r>
+                      <a:rPr lang="en-US" altLang="zh-CN" i="1" dirty="0">
+                        <a:latin typeface="Cambria Math" panose="02040503050406030204" pitchFamily="18" charset="0"/>
+                      </a:rPr>
+                      <m:t>=</m:t>
+                    </m:r>
+                    <m:f>
+                      <m:fPr>
+                        <m:ctrlPr>
+                          <a:rPr lang="en-US" altLang="zh-CN" b="0" i="1" dirty="0" smtClean="0">
+                            <a:latin typeface="Cambria Math" panose="02040503050406030204" pitchFamily="18" charset="0"/>
+                          </a:rPr>
+                        </m:ctrlPr>
+                      </m:fPr>
+                      <m:num>
+                        <m:r>
+                          <a:rPr lang="en-US" altLang="zh-CN" b="0" i="1" dirty="0" smtClean="0">
+                            <a:latin typeface="Cambria Math" panose="02040503050406030204" pitchFamily="18" charset="0"/>
+                          </a:rPr>
+                          <m:t>1</m:t>
+                        </m:r>
+                      </m:num>
+                      <m:den>
+                        <m:r>
+                          <a:rPr lang="en-US" altLang="zh-CN" b="0" i="1" dirty="0" smtClean="0">
+                            <a:latin typeface="Cambria Math" panose="02040503050406030204" pitchFamily="18" charset="0"/>
+                          </a:rPr>
+                          <m:t>21.33</m:t>
+                        </m:r>
+                      </m:den>
+                    </m:f>
+                  </m:oMath>
+                </a14:m>
+                <a:r>
+                  <a:rPr lang="en-US" altLang="zh-CN" dirty="0"/>
+                  <a:t> s.</a:t>
+                </a:r>
+              </a:p>
+            </p:txBody>
+          </p:sp>
+        </mc:Choice>
+        <mc:Fallback>
+          <p:sp>
+            <p:nvSpPr>
+              <p:cNvPr id="3" name="内容占位符 2">
+                <a:extLst>
+                  <a:ext uri="{FF2B5EF4-FFF2-40B4-BE49-F238E27FC236}">
+                    <a16:creationId xmlns:a16="http://schemas.microsoft.com/office/drawing/2014/main" id="{841FCF23-7C38-470B-BD5D-002B9BF67ED4}"/>
+                  </a:ext>
+                </a:extLst>
+              </p:cNvPr>
+              <p:cNvSpPr>
+                <a:spLocks noGrp="1" noRot="1" noChangeAspect="1" noMove="1" noResize="1" noEditPoints="1" noAdjustHandles="1" noChangeArrowheads="1" noChangeShapeType="1" noTextEdit="1"/>
+              </p:cNvSpPr>
+              <p:nvPr>
+                <p:ph idx="1"/>
+              </p:nvPr>
+            </p:nvSpPr>
+            <p:spPr>
+              <a:xfrm>
+                <a:off x="838200" y="1825625"/>
+                <a:ext cx="9420778" cy="4351338"/>
+              </a:xfrm>
+              <a:blipFill>
+                <a:blip r:embed="rId2"/>
+                <a:stretch>
+                  <a:fillRect l="-1165"/>
+                </a:stretch>
+              </a:blipFill>
+            </p:spPr>
+            <p:txBody>
+              <a:bodyPr/>
+              <a:lstStyle/>
+              <a:p>
+                <a:r>
+                  <a:rPr lang="zh-CN" altLang="en-US">
+                    <a:noFill/>
+                  </a:rPr>
+                  <a:t> </a:t>
+                </a:r>
+              </a:p>
+            </p:txBody>
+          </p:sp>
+        </mc:Fallback>
+      </mc:AlternateContent>
+      <p:pic>
+        <p:nvPicPr>
+          <p:cNvPr id="5" name="图片 4">
+            <a:extLst>
+              <a:ext uri="{FF2B5EF4-FFF2-40B4-BE49-F238E27FC236}">
+                <a16:creationId xmlns:a16="http://schemas.microsoft.com/office/drawing/2014/main" id="{4806BB42-9334-4710-A2D5-B6C6E48F9A3E}"/>
+              </a:ext>
+            </a:extLst>
+          </p:cNvPr>
+          <p:cNvPicPr>
+            <a:picLocks noChangeAspect="1"/>
+          </p:cNvPicPr>
+          <p:nvPr/>
+        </p:nvPicPr>
+        <p:blipFill>
+          <a:blip r:embed="rId3">
+            <a:extLst>
+              <a:ext uri="{28A0092B-C50C-407E-A947-70E740481C1C}">
+                <a14:useLocalDpi xmlns:a14="http://schemas.microsoft.com/office/drawing/2010/main" val="0"/>
+              </a:ext>
+            </a:extLst>
+          </a:blip>
+          <a:stretch>
+            <a:fillRect/>
+          </a:stretch>
+        </p:blipFill>
+        <p:spPr>
+          <a:xfrm>
+            <a:off x="3122456" y="2874854"/>
+            <a:ext cx="5947088" cy="3561681"/>
+          </a:xfrm>
+          <a:prstGeom prst="rect">
+            <a:avLst/>
+          </a:prstGeom>
+        </p:spPr>
+      </p:pic>
+    </p:spTree>
+    <p:extLst>
+      <p:ext uri="{BB962C8B-B14F-4D97-AF65-F5344CB8AC3E}">
+        <p14:creationId xmlns:p14="http://schemas.microsoft.com/office/powerpoint/2010/main" val="610071424"/>
+      </p:ext>
+    </p:extLst>
+  </p:cSld>
+  <p:clrMapOvr>
+    <a:masterClrMapping/>
+  </p:clrMapOvr>
+</p:sld>
+</file>
+
+<file path=ppt/slides/slide17.xml><?xml version="1.0" encoding="utf-8"?>
+<p:sld xmlns:a="http://schemas.openxmlformats.org/drawingml/2006/main" xmlns:r="http://schemas.openxmlformats.org/officeDocument/2006/relationships" xmlns:p="http://schemas.openxmlformats.org/presentationml/2006/main">
+  <p:cSld>
+    <p:spTree>
+      <p:nvGrpSpPr>
+        <p:cNvPr id="1" name=""/>
+        <p:cNvGrpSpPr/>
+        <p:nvPr/>
+      </p:nvGrpSpPr>
+      <p:grpSpPr>
+        <a:xfrm>
+          <a:off x="0" y="0"/>
+          <a:ext cx="0" cy="0"/>
+          <a:chOff x="0" y="0"/>
+          <a:chExt cx="0" cy="0"/>
+        </a:xfrm>
+      </p:grpSpPr>
+      <p:sp>
+        <p:nvSpPr>
+          <p:cNvPr id="2" name="标题 1">
+            <a:extLst>
+              <a:ext uri="{FF2B5EF4-FFF2-40B4-BE49-F238E27FC236}">
+                <a16:creationId xmlns:a16="http://schemas.microsoft.com/office/drawing/2014/main" id="{178CBCED-9C68-40EF-AFCE-9B73289E0429}"/>
+              </a:ext>
+            </a:extLst>
+          </p:cNvPr>
+          <p:cNvSpPr>
+            <a:spLocks noGrp="1"/>
+          </p:cNvSpPr>
+          <p:nvPr>
+            <p:ph type="title"/>
+          </p:nvPr>
+        </p:nvSpPr>
+        <p:spPr/>
+        <p:txBody>
+          <a:bodyPr/>
+          <a:lstStyle/>
+          <a:p>
+            <a:r>
+              <a:rPr lang="en-US" altLang="zh-CN" dirty="0"/>
+              <a:t>Some jokes</a:t>
+            </a:r>
+            <a:endParaRPr lang="zh-CN" altLang="en-US" dirty="0"/>
+          </a:p>
+        </p:txBody>
+      </p:sp>
+      <p:pic>
+        <p:nvPicPr>
+          <p:cNvPr id="7" name="图片占位符 11">
+            <a:extLst>
+              <a:ext uri="{FF2B5EF4-FFF2-40B4-BE49-F238E27FC236}">
+                <a16:creationId xmlns:a16="http://schemas.microsoft.com/office/drawing/2014/main" id="{58A839B2-F0D3-4935-97BB-C988801E9043}"/>
+              </a:ext>
+            </a:extLst>
+          </p:cNvPr>
+          <p:cNvPicPr>
+            <a:picLocks noGrp="1" noChangeAspect="1"/>
+          </p:cNvPicPr>
+          <p:nvPr>
+            <p:ph idx="1"/>
+          </p:nvPr>
+        </p:nvPicPr>
+        <p:blipFill rotWithShape="1">
+          <a:blip r:embed="rId2">
+            <a:extLst>
+              <a:ext uri="{28A0092B-C50C-407E-A947-70E740481C1C}">
+                <a14:useLocalDpi xmlns:a14="http://schemas.microsoft.com/office/drawing/2010/main" val="0"/>
+              </a:ext>
+            </a:extLst>
+          </a:blip>
+          <a:srcRect l="-1" t="384" r="51" b="1391"/>
+          <a:stretch/>
+        </p:blipFill>
+        <p:spPr>
+          <a:xfrm>
+            <a:off x="3972050" y="1330826"/>
+            <a:ext cx="4136667" cy="4448057"/>
+          </a:xfrm>
+          <a:prstGeom prst="rect">
+            <a:avLst/>
+          </a:prstGeom>
+        </p:spPr>
+      </p:pic>
+      <p:sp>
+        <p:nvSpPr>
+          <p:cNvPr id="9" name="文本框 8">
+            <a:extLst>
+              <a:ext uri="{FF2B5EF4-FFF2-40B4-BE49-F238E27FC236}">
+                <a16:creationId xmlns:a16="http://schemas.microsoft.com/office/drawing/2014/main" id="{011F73F6-610F-41CD-B33D-79CD50F2E60B}"/>
+              </a:ext>
+            </a:extLst>
+          </p:cNvPr>
+          <p:cNvSpPr txBox="1"/>
+          <p:nvPr/>
+        </p:nvSpPr>
+        <p:spPr>
+          <a:xfrm>
+            <a:off x="4052250" y="4642296"/>
+            <a:ext cx="693010" cy="384721"/>
+          </a:xfrm>
+          <a:prstGeom prst="rect">
+            <a:avLst/>
+          </a:prstGeom>
+          <a:noFill/>
+        </p:spPr>
+        <p:txBody>
+          <a:bodyPr wrap="none" rtlCol="0">
+            <a:spAutoFit/>
+          </a:bodyPr>
+          <a:lstStyle/>
+          <a:p>
+            <a:r>
+              <a:rPr lang="en-US" altLang="zh-CN" sz="1900" dirty="0" err="1"/>
+              <a:t>gcd.c</a:t>
+            </a:r>
+            <a:endParaRPr lang="zh-CN" altLang="en-US" sz="1900" dirty="0"/>
+          </a:p>
+        </p:txBody>
+      </p:sp>
+      <p:sp>
+        <p:nvSpPr>
+          <p:cNvPr id="10" name="文本框 9">
+            <a:extLst>
+              <a:ext uri="{FF2B5EF4-FFF2-40B4-BE49-F238E27FC236}">
+                <a16:creationId xmlns:a16="http://schemas.microsoft.com/office/drawing/2014/main" id="{884D54A9-40B4-48A6-8CE6-941975EC1BEB}"/>
+              </a:ext>
+            </a:extLst>
+          </p:cNvPr>
+          <p:cNvSpPr txBox="1"/>
+          <p:nvPr/>
+        </p:nvSpPr>
+        <p:spPr>
+          <a:xfrm>
+            <a:off x="6472659" y="4964433"/>
+            <a:ext cx="865943" cy="384721"/>
+          </a:xfrm>
+          <a:prstGeom prst="rect">
+            <a:avLst/>
+          </a:prstGeom>
+          <a:noFill/>
+        </p:spPr>
+        <p:txBody>
+          <a:bodyPr wrap="none" rtlCol="0">
+            <a:spAutoFit/>
+          </a:bodyPr>
+          <a:lstStyle/>
+          <a:p>
+            <a:r>
+              <a:rPr lang="en-US" altLang="zh-CN" sz="1900" dirty="0" err="1"/>
+              <a:t>qsort.c</a:t>
+            </a:r>
+            <a:endParaRPr lang="zh-CN" altLang="en-US" sz="1900" dirty="0"/>
+          </a:p>
+        </p:txBody>
+      </p:sp>
+      <p:sp>
+        <p:nvSpPr>
+          <p:cNvPr id="11" name="文本框 10">
+            <a:extLst>
+              <a:ext uri="{FF2B5EF4-FFF2-40B4-BE49-F238E27FC236}">
+                <a16:creationId xmlns:a16="http://schemas.microsoft.com/office/drawing/2014/main" id="{C6B2CEE5-73F0-4BA1-AFB7-C484E78E7196}"/>
+              </a:ext>
+            </a:extLst>
+          </p:cNvPr>
+          <p:cNvSpPr txBox="1"/>
+          <p:nvPr/>
+        </p:nvSpPr>
+        <p:spPr>
+          <a:xfrm>
+            <a:off x="4985808" y="4992589"/>
+            <a:ext cx="1274964" cy="384721"/>
+          </a:xfrm>
+          <a:prstGeom prst="rect">
+            <a:avLst/>
+          </a:prstGeom>
+          <a:noFill/>
+        </p:spPr>
+        <p:txBody>
+          <a:bodyPr wrap="none" rtlCol="0">
+            <a:spAutoFit/>
+          </a:bodyPr>
+          <a:lstStyle/>
+          <a:p>
+            <a:r>
+              <a:rPr lang="en-US" altLang="zh-CN" sz="1900" dirty="0" err="1"/>
+              <a:t>bulgarian.c</a:t>
+            </a:r>
+            <a:endParaRPr lang="zh-CN" altLang="en-US" sz="1900" dirty="0"/>
+          </a:p>
+        </p:txBody>
+      </p:sp>
+      <p:sp>
+        <p:nvSpPr>
+          <p:cNvPr id="12" name="文本框 11">
+            <a:extLst>
+              <a:ext uri="{FF2B5EF4-FFF2-40B4-BE49-F238E27FC236}">
+                <a16:creationId xmlns:a16="http://schemas.microsoft.com/office/drawing/2014/main" id="{494B3566-A9C2-4751-8B1A-908FA7531817}"/>
+              </a:ext>
+            </a:extLst>
+          </p:cNvPr>
+          <p:cNvSpPr txBox="1"/>
+          <p:nvPr/>
+        </p:nvSpPr>
+        <p:spPr>
+          <a:xfrm>
+            <a:off x="6956311" y="5394162"/>
+            <a:ext cx="1245277" cy="384721"/>
+          </a:xfrm>
+          <a:prstGeom prst="rect">
+            <a:avLst/>
+          </a:prstGeom>
+          <a:noFill/>
+        </p:spPr>
+        <p:txBody>
+          <a:bodyPr wrap="none" rtlCol="0">
+            <a:spAutoFit/>
+          </a:bodyPr>
+          <a:lstStyle/>
+          <a:p>
+            <a:r>
+              <a:rPr lang="en-US" altLang="zh-CN" sz="1900" dirty="0" err="1"/>
+              <a:t>testsleep.c</a:t>
+            </a:r>
+            <a:endParaRPr lang="zh-CN" altLang="en-US" sz="1900" dirty="0"/>
+          </a:p>
+        </p:txBody>
+      </p:sp>
+    </p:spTree>
+    <p:extLst>
+      <p:ext uri="{BB962C8B-B14F-4D97-AF65-F5344CB8AC3E}">
+        <p14:creationId xmlns:p14="http://schemas.microsoft.com/office/powerpoint/2010/main" val="191399260"/>
+      </p:ext>
+    </p:extLst>
+  </p:cSld>
+  <p:clrMapOvr>
+    <a:masterClrMapping/>
+  </p:clrMapOvr>
+</p:sld>
+</file>
+
+<file path=ppt/slides/slide18.xml><?xml version="1.0" encoding="utf-8"?>
 <p:sld xmlns:a="http://schemas.openxmlformats.org/drawingml/2006/main" xmlns:r="http://schemas.openxmlformats.org/officeDocument/2006/relationships" xmlns:p="http://schemas.openxmlformats.org/presentationml/2006/main">
   <p:cSld>
     <p:spTree>
@@ -8609,12 +12189,12 @@
           <a:p>
             <a:pPr lvl="2">
               <a:lnSpc>
-                <a:spcPct val="110000"/>
+                <a:spcPct val="150000"/>
               </a:lnSpc>
             </a:pPr>
             <a:r>
               <a:rPr lang="en-US" altLang="zh-CN" sz="1800" dirty="0"/>
-              <a:t>I create a test to infer this problem</a:t>
+              <a:t>I created a test to infer this problem</a:t>
             </a:r>
           </a:p>
           <a:p>
@@ -8782,10 +12362,449 @@
   <p:clrMapOvr>
     <a:masterClrMapping/>
   </p:clrMapOvr>
+  <p:timing>
+    <p:tnLst>
+      <p:par>
+        <p:cTn id="1" dur="indefinite" restart="never" nodeType="tmRoot">
+          <p:childTnLst>
+            <p:seq concurrent="1" nextAc="seek">
+              <p:cTn id="2" dur="indefinite" nodeType="mainSeq">
+                <p:childTnLst>
+                  <p:par>
+                    <p:cTn id="3" fill="hold">
+                      <p:stCondLst>
+                        <p:cond delay="indefinite"/>
+                      </p:stCondLst>
+                      <p:childTnLst>
+                        <p:par>
+                          <p:cTn id="4" fill="hold">
+                            <p:stCondLst>
+                              <p:cond delay="0"/>
+                            </p:stCondLst>
+                            <p:childTnLst>
+                              <p:par>
+                                <p:cTn id="5" presetID="10" presetClass="entr" presetSubtype="0" fill="hold" nodeType="clickEffect">
+                                  <p:stCondLst>
+                                    <p:cond delay="0"/>
+                                  </p:stCondLst>
+                                  <p:childTnLst>
+                                    <p:set>
+                                      <p:cBhvr>
+                                        <p:cTn id="6" dur="1" fill="hold">
+                                          <p:stCondLst>
+                                            <p:cond delay="0"/>
+                                          </p:stCondLst>
+                                        </p:cTn>
+                                        <p:tgtEl>
+                                          <p:spTgt spid="3">
+                                            <p:txEl>
+                                              <p:pRg st="1" end="1"/>
+                                            </p:txEl>
+                                          </p:spTgt>
+                                        </p:tgtEl>
+                                        <p:attrNameLst>
+                                          <p:attrName>style.visibility</p:attrName>
+                                        </p:attrNameLst>
+                                      </p:cBhvr>
+                                      <p:to>
+                                        <p:strVal val="visible"/>
+                                      </p:to>
+                                    </p:set>
+                                    <p:animEffect transition="in" filter="fade">
+                                      <p:cBhvr>
+                                        <p:cTn id="7" dur="500"/>
+                                        <p:tgtEl>
+                                          <p:spTgt spid="3">
+                                            <p:txEl>
+                                              <p:pRg st="1" end="1"/>
+                                            </p:txEl>
+                                          </p:spTgt>
+                                        </p:tgtEl>
+                                      </p:cBhvr>
+                                    </p:animEffect>
+                                  </p:childTnLst>
+                                </p:cTn>
+                              </p:par>
+                            </p:childTnLst>
+                          </p:cTn>
+                        </p:par>
+                      </p:childTnLst>
+                    </p:cTn>
+                  </p:par>
+                  <p:par>
+                    <p:cTn id="8" fill="hold">
+                      <p:stCondLst>
+                        <p:cond delay="indefinite"/>
+                      </p:stCondLst>
+                      <p:childTnLst>
+                        <p:par>
+                          <p:cTn id="9" fill="hold">
+                            <p:stCondLst>
+                              <p:cond delay="0"/>
+                            </p:stCondLst>
+                            <p:childTnLst>
+                              <p:par>
+                                <p:cTn id="10" presetID="10" presetClass="entr" presetSubtype="0" fill="hold" nodeType="clickEffect">
+                                  <p:stCondLst>
+                                    <p:cond delay="0"/>
+                                  </p:stCondLst>
+                                  <p:childTnLst>
+                                    <p:set>
+                                      <p:cBhvr>
+                                        <p:cTn id="11" dur="1" fill="hold">
+                                          <p:stCondLst>
+                                            <p:cond delay="0"/>
+                                          </p:stCondLst>
+                                        </p:cTn>
+                                        <p:tgtEl>
+                                          <p:spTgt spid="3">
+                                            <p:txEl>
+                                              <p:pRg st="2" end="2"/>
+                                            </p:txEl>
+                                          </p:spTgt>
+                                        </p:tgtEl>
+                                        <p:attrNameLst>
+                                          <p:attrName>style.visibility</p:attrName>
+                                        </p:attrNameLst>
+                                      </p:cBhvr>
+                                      <p:to>
+                                        <p:strVal val="visible"/>
+                                      </p:to>
+                                    </p:set>
+                                    <p:animEffect transition="in" filter="fade">
+                                      <p:cBhvr>
+                                        <p:cTn id="12" dur="500"/>
+                                        <p:tgtEl>
+                                          <p:spTgt spid="3">
+                                            <p:txEl>
+                                              <p:pRg st="2" end="2"/>
+                                            </p:txEl>
+                                          </p:spTgt>
+                                        </p:tgtEl>
+                                      </p:cBhvr>
+                                    </p:animEffect>
+                                  </p:childTnLst>
+                                </p:cTn>
+                              </p:par>
+                              <p:par>
+                                <p:cTn id="13" presetID="10" presetClass="entr" presetSubtype="0" fill="hold" nodeType="withEffect">
+                                  <p:stCondLst>
+                                    <p:cond delay="0"/>
+                                  </p:stCondLst>
+                                  <p:childTnLst>
+                                    <p:set>
+                                      <p:cBhvr>
+                                        <p:cTn id="14" dur="1" fill="hold">
+                                          <p:stCondLst>
+                                            <p:cond delay="0"/>
+                                          </p:stCondLst>
+                                        </p:cTn>
+                                        <p:tgtEl>
+                                          <p:spTgt spid="3">
+                                            <p:txEl>
+                                              <p:pRg st="3" end="3"/>
+                                            </p:txEl>
+                                          </p:spTgt>
+                                        </p:tgtEl>
+                                        <p:attrNameLst>
+                                          <p:attrName>style.visibility</p:attrName>
+                                        </p:attrNameLst>
+                                      </p:cBhvr>
+                                      <p:to>
+                                        <p:strVal val="visible"/>
+                                      </p:to>
+                                    </p:set>
+                                    <p:animEffect transition="in" filter="fade">
+                                      <p:cBhvr>
+                                        <p:cTn id="15" dur="500"/>
+                                        <p:tgtEl>
+                                          <p:spTgt spid="3">
+                                            <p:txEl>
+                                              <p:pRg st="3" end="3"/>
+                                            </p:txEl>
+                                          </p:spTgt>
+                                        </p:tgtEl>
+                                      </p:cBhvr>
+                                    </p:animEffect>
+                                  </p:childTnLst>
+                                </p:cTn>
+                              </p:par>
+                            </p:childTnLst>
+                          </p:cTn>
+                        </p:par>
+                      </p:childTnLst>
+                    </p:cTn>
+                  </p:par>
+                  <p:par>
+                    <p:cTn id="16" fill="hold">
+                      <p:stCondLst>
+                        <p:cond delay="indefinite"/>
+                      </p:stCondLst>
+                      <p:childTnLst>
+                        <p:par>
+                          <p:cTn id="17" fill="hold">
+                            <p:stCondLst>
+                              <p:cond delay="0"/>
+                            </p:stCondLst>
+                            <p:childTnLst>
+                              <p:par>
+                                <p:cTn id="18" presetID="10" presetClass="entr" presetSubtype="0" fill="hold" nodeType="clickEffect">
+                                  <p:stCondLst>
+                                    <p:cond delay="0"/>
+                                  </p:stCondLst>
+                                  <p:childTnLst>
+                                    <p:set>
+                                      <p:cBhvr>
+                                        <p:cTn id="19" dur="1" fill="hold">
+                                          <p:stCondLst>
+                                            <p:cond delay="0"/>
+                                          </p:stCondLst>
+                                        </p:cTn>
+                                        <p:tgtEl>
+                                          <p:spTgt spid="3">
+                                            <p:txEl>
+                                              <p:pRg st="4" end="4"/>
+                                            </p:txEl>
+                                          </p:spTgt>
+                                        </p:tgtEl>
+                                        <p:attrNameLst>
+                                          <p:attrName>style.visibility</p:attrName>
+                                        </p:attrNameLst>
+                                      </p:cBhvr>
+                                      <p:to>
+                                        <p:strVal val="visible"/>
+                                      </p:to>
+                                    </p:set>
+                                    <p:animEffect transition="in" filter="fade">
+                                      <p:cBhvr>
+                                        <p:cTn id="20" dur="500"/>
+                                        <p:tgtEl>
+                                          <p:spTgt spid="3">
+                                            <p:txEl>
+                                              <p:pRg st="4" end="4"/>
+                                            </p:txEl>
+                                          </p:spTgt>
+                                        </p:tgtEl>
+                                      </p:cBhvr>
+                                    </p:animEffect>
+                                  </p:childTnLst>
+                                </p:cTn>
+                              </p:par>
+                            </p:childTnLst>
+                          </p:cTn>
+                        </p:par>
+                      </p:childTnLst>
+                    </p:cTn>
+                  </p:par>
+                  <p:par>
+                    <p:cTn id="21" fill="hold">
+                      <p:stCondLst>
+                        <p:cond delay="indefinite"/>
+                      </p:stCondLst>
+                      <p:childTnLst>
+                        <p:par>
+                          <p:cTn id="22" fill="hold">
+                            <p:stCondLst>
+                              <p:cond delay="0"/>
+                            </p:stCondLst>
+                            <p:childTnLst>
+                              <p:par>
+                                <p:cTn id="23" presetID="10" presetClass="entr" presetSubtype="0" fill="hold" nodeType="clickEffect">
+                                  <p:stCondLst>
+                                    <p:cond delay="0"/>
+                                  </p:stCondLst>
+                                  <p:childTnLst>
+                                    <p:set>
+                                      <p:cBhvr>
+                                        <p:cTn id="24" dur="1" fill="hold">
+                                          <p:stCondLst>
+                                            <p:cond delay="0"/>
+                                          </p:stCondLst>
+                                        </p:cTn>
+                                        <p:tgtEl>
+                                          <p:spTgt spid="3">
+                                            <p:txEl>
+                                              <p:pRg st="5" end="5"/>
+                                            </p:txEl>
+                                          </p:spTgt>
+                                        </p:tgtEl>
+                                        <p:attrNameLst>
+                                          <p:attrName>style.visibility</p:attrName>
+                                        </p:attrNameLst>
+                                      </p:cBhvr>
+                                      <p:to>
+                                        <p:strVal val="visible"/>
+                                      </p:to>
+                                    </p:set>
+                                    <p:animEffect transition="in" filter="fade">
+                                      <p:cBhvr>
+                                        <p:cTn id="25" dur="500"/>
+                                        <p:tgtEl>
+                                          <p:spTgt spid="3">
+                                            <p:txEl>
+                                              <p:pRg st="5" end="5"/>
+                                            </p:txEl>
+                                          </p:spTgt>
+                                        </p:tgtEl>
+                                      </p:cBhvr>
+                                    </p:animEffect>
+                                  </p:childTnLst>
+                                </p:cTn>
+                              </p:par>
+                            </p:childTnLst>
+                          </p:cTn>
+                        </p:par>
+                      </p:childTnLst>
+                    </p:cTn>
+                  </p:par>
+                  <p:par>
+                    <p:cTn id="26" fill="hold">
+                      <p:stCondLst>
+                        <p:cond delay="indefinite"/>
+                      </p:stCondLst>
+                      <p:childTnLst>
+                        <p:par>
+                          <p:cTn id="27" fill="hold">
+                            <p:stCondLst>
+                              <p:cond delay="0"/>
+                            </p:stCondLst>
+                            <p:childTnLst>
+                              <p:par>
+                                <p:cTn id="28" presetID="10" presetClass="entr" presetSubtype="0" fill="hold" nodeType="clickEffect">
+                                  <p:stCondLst>
+                                    <p:cond delay="0"/>
+                                  </p:stCondLst>
+                                  <p:childTnLst>
+                                    <p:set>
+                                      <p:cBhvr>
+                                        <p:cTn id="29" dur="1" fill="hold">
+                                          <p:stCondLst>
+                                            <p:cond delay="0"/>
+                                          </p:stCondLst>
+                                        </p:cTn>
+                                        <p:tgtEl>
+                                          <p:spTgt spid="3">
+                                            <p:txEl>
+                                              <p:pRg st="6" end="6"/>
+                                            </p:txEl>
+                                          </p:spTgt>
+                                        </p:tgtEl>
+                                        <p:attrNameLst>
+                                          <p:attrName>style.visibility</p:attrName>
+                                        </p:attrNameLst>
+                                      </p:cBhvr>
+                                      <p:to>
+                                        <p:strVal val="visible"/>
+                                      </p:to>
+                                    </p:set>
+                                    <p:animEffect transition="in" filter="fade">
+                                      <p:cBhvr>
+                                        <p:cTn id="30" dur="500"/>
+                                        <p:tgtEl>
+                                          <p:spTgt spid="3">
+                                            <p:txEl>
+                                              <p:pRg st="6" end="6"/>
+                                            </p:txEl>
+                                          </p:spTgt>
+                                        </p:tgtEl>
+                                      </p:cBhvr>
+                                    </p:animEffect>
+                                  </p:childTnLst>
+                                </p:cTn>
+                              </p:par>
+                            </p:childTnLst>
+                          </p:cTn>
+                        </p:par>
+                      </p:childTnLst>
+                    </p:cTn>
+                  </p:par>
+                  <p:par>
+                    <p:cTn id="31" fill="hold">
+                      <p:stCondLst>
+                        <p:cond delay="indefinite"/>
+                      </p:stCondLst>
+                      <p:childTnLst>
+                        <p:par>
+                          <p:cTn id="32" fill="hold">
+                            <p:stCondLst>
+                              <p:cond delay="0"/>
+                            </p:stCondLst>
+                            <p:childTnLst>
+                              <p:par>
+                                <p:cTn id="33" presetID="10" presetClass="entr" presetSubtype="0" fill="hold" nodeType="clickEffect">
+                                  <p:stCondLst>
+                                    <p:cond delay="0"/>
+                                  </p:stCondLst>
+                                  <p:childTnLst>
+                                    <p:set>
+                                      <p:cBhvr>
+                                        <p:cTn id="34" dur="1" fill="hold">
+                                          <p:stCondLst>
+                                            <p:cond delay="0"/>
+                                          </p:stCondLst>
+                                        </p:cTn>
+                                        <p:tgtEl>
+                                          <p:spTgt spid="3">
+                                            <p:txEl>
+                                              <p:pRg st="7" end="7"/>
+                                            </p:txEl>
+                                          </p:spTgt>
+                                        </p:tgtEl>
+                                        <p:attrNameLst>
+                                          <p:attrName>style.visibility</p:attrName>
+                                        </p:attrNameLst>
+                                      </p:cBhvr>
+                                      <p:to>
+                                        <p:strVal val="visible"/>
+                                      </p:to>
+                                    </p:set>
+                                    <p:animEffect transition="in" filter="fade">
+                                      <p:cBhvr>
+                                        <p:cTn id="35" dur="500"/>
+                                        <p:tgtEl>
+                                          <p:spTgt spid="3">
+                                            <p:txEl>
+                                              <p:pRg st="7" end="7"/>
+                                            </p:txEl>
+                                          </p:spTgt>
+                                        </p:tgtEl>
+                                      </p:cBhvr>
+                                    </p:animEffect>
+                                  </p:childTnLst>
+                                </p:cTn>
+                              </p:par>
+                            </p:childTnLst>
+                          </p:cTn>
+                        </p:par>
+                      </p:childTnLst>
+                    </p:cTn>
+                  </p:par>
+                </p:childTnLst>
+              </p:cTn>
+              <p:prevCondLst>
+                <p:cond evt="onPrev" delay="0">
+                  <p:tgtEl>
+                    <p:sldTgt/>
+                  </p:tgtEl>
+                </p:cond>
+              </p:prevCondLst>
+              <p:nextCondLst>
+                <p:cond evt="onNext" delay="0">
+                  <p:tgtEl>
+                    <p:sldTgt/>
+                  </p:tgtEl>
+                </p:cond>
+              </p:nextCondLst>
+            </p:seq>
+          </p:childTnLst>
+        </p:cTn>
+      </p:par>
+    </p:tnLst>
+  </p:timing>
 </p:sld>
 </file>
 
-<file path=ppt/slides/slide16.xml><?xml version="1.0" encoding="utf-8"?>
+<file path=ppt/slides/slide19.xml><?xml version="1.0" encoding="utf-8"?>
 <p:sld xmlns:a="http://schemas.openxmlformats.org/drawingml/2006/main" xmlns:r="http://schemas.openxmlformats.org/officeDocument/2006/relationships" xmlns:p="http://schemas.openxmlformats.org/presentationml/2006/main">
   <p:cSld>
     <p:spTree>
@@ -8863,68 +12882,89 @@
           </a:bodyPr>
           <a:lstStyle/>
           <a:p>
-            <a:r>
-              <a:rPr lang="en-US" altLang="zh-CN" dirty="0" err="1"/>
-              <a:t>posedge</a:t>
-            </a:r>
-            <a:r>
-              <a:rPr lang="en-US" altLang="zh-CN" dirty="0"/>
-              <a:t> 0: </a:t>
-            </a:r>
-          </a:p>
-          <a:p>
-            <a:pPr lvl="1"/>
-            <a:r>
-              <a:rPr lang="en-US" altLang="zh-CN" dirty="0"/>
-              <a:t>MCTL send a request in order to access RAM or I/O.</a:t>
-            </a:r>
-          </a:p>
-          <a:p>
-            <a:r>
-              <a:rPr lang="en-US" altLang="zh-CN" dirty="0" err="1"/>
-              <a:t>posedge</a:t>
-            </a:r>
-            <a:r>
-              <a:rPr lang="en-US" altLang="zh-CN" dirty="0"/>
-              <a:t> of cycle 1:</a:t>
-            </a:r>
-          </a:p>
-          <a:p>
-            <a:pPr lvl="1"/>
-            <a:r>
-              <a:rPr lang="en-US" altLang="zh-CN" dirty="0"/>
-              <a:t> TOP access RAM or HCI by the higher 2 bits of address.</a:t>
-            </a:r>
-          </a:p>
-          <a:p>
-            <a:r>
-              <a:rPr lang="en-US" altLang="zh-CN" dirty="0" err="1"/>
-              <a:t>posedge</a:t>
-            </a:r>
-            <a:r>
-              <a:rPr lang="en-US" altLang="zh-CN" dirty="0"/>
-              <a:t> of cycle 2: </a:t>
-            </a:r>
-          </a:p>
-          <a:p>
-            <a:pPr lvl="1"/>
-            <a:r>
-              <a:rPr lang="en-US" altLang="zh-CN" dirty="0"/>
-              <a:t>TOP return the data by the type REQUESTED IN CYCLE 1(should be 0)</a:t>
-            </a:r>
-          </a:p>
-          <a:p>
-            <a:r>
-              <a:rPr lang="en-US" altLang="zh-CN" dirty="0"/>
-              <a:t>Cause:</a:t>
-            </a:r>
-          </a:p>
-          <a:p>
             <a:pPr marL="0" indent="0">
               <a:buNone/>
             </a:pPr>
             <a:r>
-              <a:rPr lang="en-US" altLang="zh-CN" sz="1800" dirty="0">
+              <a:rPr lang="en-US" altLang="zh-CN" sz="2400" dirty="0"/>
+              <a:t>Misbehave of </a:t>
+            </a:r>
+            <a:r>
+              <a:rPr lang="en-US" altLang="zh-CN" sz="2400" dirty="0" err="1"/>
+              <a:t>riscv_top.v</a:t>
+            </a:r>
+            <a:r>
+              <a:rPr lang="en-US" altLang="zh-CN" sz="2400" dirty="0"/>
+              <a:t>:</a:t>
+            </a:r>
+          </a:p>
+          <a:p>
+            <a:r>
+              <a:rPr lang="en-US" altLang="zh-CN" sz="2400" dirty="0" err="1"/>
+              <a:t>posedge</a:t>
+            </a:r>
+            <a:r>
+              <a:rPr lang="en-US" altLang="zh-CN" sz="2400" dirty="0"/>
+              <a:t> 0: </a:t>
+            </a:r>
+          </a:p>
+          <a:p>
+            <a:pPr lvl="1"/>
+            <a:r>
+              <a:rPr lang="en-US" altLang="zh-CN" sz="2000" dirty="0"/>
+              <a:t>MCTL send a request in order to access RAM or I/O.</a:t>
+            </a:r>
+          </a:p>
+          <a:p>
+            <a:r>
+              <a:rPr lang="en-US" altLang="zh-CN" sz="2400" dirty="0" err="1"/>
+              <a:t>posedge</a:t>
+            </a:r>
+            <a:r>
+              <a:rPr lang="en-US" altLang="zh-CN" sz="2400" dirty="0"/>
+              <a:t> of cycle 1:</a:t>
+            </a:r>
+          </a:p>
+          <a:p>
+            <a:pPr lvl="1"/>
+            <a:r>
+              <a:rPr lang="en-US" altLang="zh-CN" sz="2000" dirty="0"/>
+              <a:t> TOP access RAM or HCI by the higher 2 bits of address.</a:t>
+            </a:r>
+          </a:p>
+          <a:p>
+            <a:r>
+              <a:rPr lang="en-US" altLang="zh-CN" sz="2400" dirty="0" err="1"/>
+              <a:t>posedge</a:t>
+            </a:r>
+            <a:r>
+              <a:rPr lang="en-US" altLang="zh-CN" sz="2400" dirty="0"/>
+              <a:t> of cycle 2: </a:t>
+            </a:r>
+          </a:p>
+          <a:p>
+            <a:pPr lvl="1"/>
+            <a:r>
+              <a:rPr lang="en-US" altLang="zh-CN" sz="2000" dirty="0"/>
+              <a:t>TOP return the data by the type </a:t>
+            </a:r>
+            <a:r>
+              <a:rPr lang="en-US" altLang="zh-CN" sz="2000" b="1" dirty="0"/>
+              <a:t>REQUESTED IN CYCLE 1(should be 0)</a:t>
+            </a:r>
+          </a:p>
+          <a:p>
+            <a:r>
+              <a:rPr lang="en-US" altLang="zh-CN" sz="2400" dirty="0"/>
+              <a:t>Cause:</a:t>
+            </a:r>
+          </a:p>
+          <a:p>
+            <a:pPr marL="0" indent="0">
+              <a:buNone/>
+            </a:pPr>
+            <a:r>
+              <a:rPr lang="en-US" altLang="zh-CN" sz="1600" dirty="0">
                 <a:solidFill>
                   <a:schemeClr val="accent1">
                     <a:lumMod val="75000"/>
@@ -8935,7 +12975,7 @@
               <a:t>assign </a:t>
             </a:r>
             <a:r>
-              <a:rPr lang="en-US" altLang="zh-CN" sz="1800" dirty="0" err="1">
+              <a:rPr lang="en-US" altLang="zh-CN" sz="1600" dirty="0" err="1">
                 <a:solidFill>
                   <a:schemeClr val="accent1">
                     <a:lumMod val="75000"/>
@@ -8946,7 +12986,7 @@
               <a:t>hci_io_en</a:t>
             </a:r>
             <a:r>
-              <a:rPr lang="en-US" altLang="zh-CN" sz="1800" dirty="0">
+              <a:rPr lang="en-US" altLang="zh-CN" sz="1600" dirty="0">
                 <a:solidFill>
                   <a:schemeClr val="accent1">
                     <a:lumMod val="75000"/>
@@ -8957,7 +12997,7 @@
               <a:t>    = (</a:t>
             </a:r>
             <a:r>
-              <a:rPr lang="en-US" altLang="zh-CN" sz="1800" dirty="0" err="1">
+              <a:rPr lang="en-US" altLang="zh-CN" sz="1600" dirty="0" err="1">
                 <a:solidFill>
                   <a:schemeClr val="accent1">
                     <a:lumMod val="75000"/>
@@ -8968,7 +13008,7 @@
               <a:t>cpumc_a</a:t>
             </a:r>
             <a:r>
-              <a:rPr lang="en-US" altLang="zh-CN" sz="1800" dirty="0">
+              <a:rPr lang="en-US" altLang="zh-CN" sz="1600" dirty="0">
                 <a:solidFill>
                   <a:schemeClr val="accent1">
                     <a:lumMod val="75000"/>
@@ -8981,18 +13021,18 @@
           </a:p>
           <a:p>
             <a:r>
-              <a:rPr lang="en-US" altLang="zh-CN" dirty="0"/>
+              <a:rPr lang="en-US" altLang="zh-CN" sz="2400" dirty="0"/>
               <a:t>Solution</a:t>
             </a:r>
           </a:p>
           <a:p>
             <a:pPr lvl="1"/>
             <a:r>
-              <a:rPr lang="en-US" altLang="zh-CN" dirty="0"/>
+              <a:rPr lang="en-US" altLang="zh-CN" sz="2000" dirty="0"/>
               <a:t>Use sequential circuits to refresh </a:t>
             </a:r>
             <a:r>
-              <a:rPr lang="en-US" altLang="zh-CN" dirty="0" err="1">
+              <a:rPr lang="en-US" altLang="zh-CN" sz="2000" dirty="0" err="1">
                 <a:solidFill>
                   <a:schemeClr val="accent1">
                     <a:lumMod val="75000"/>
@@ -9003,12 +13043,12 @@
               <a:t>hci_io_en</a:t>
             </a:r>
             <a:r>
-              <a:rPr lang="en-US" altLang="zh-CN" dirty="0">
+              <a:rPr lang="en-US" altLang="zh-CN" sz="2000" dirty="0">
                 <a:latin typeface="Ubuntu Mono" panose="020B0509030602030204" pitchFamily="49" charset="0"/>
               </a:rPr>
               <a:t>.</a:t>
             </a:r>
-            <a:endParaRPr lang="zh-CN" altLang="en-US" dirty="0"/>
+            <a:endParaRPr lang="zh-CN" altLang="en-US" sz="2000" dirty="0"/>
           </a:p>
         </p:txBody>
       </p:sp>
@@ -9016,425 +13056,6 @@
     <p:extLst>
       <p:ext uri="{BB962C8B-B14F-4D97-AF65-F5344CB8AC3E}">
         <p14:creationId xmlns:p14="http://schemas.microsoft.com/office/powerpoint/2010/main" val="785956181"/>
-      </p:ext>
-    </p:extLst>
-  </p:cSld>
-  <p:clrMapOvr>
-    <a:masterClrMapping/>
-  </p:clrMapOvr>
-</p:sld>
-</file>
-
-<file path=ppt/slides/slide17.xml><?xml version="1.0" encoding="utf-8"?>
-<p:sld xmlns:a="http://schemas.openxmlformats.org/drawingml/2006/main" xmlns:r="http://schemas.openxmlformats.org/officeDocument/2006/relationships" xmlns:p="http://schemas.openxmlformats.org/presentationml/2006/main">
-  <p:cSld>
-    <p:spTree>
-      <p:nvGrpSpPr>
-        <p:cNvPr id="1" name=""/>
-        <p:cNvGrpSpPr/>
-        <p:nvPr/>
-      </p:nvGrpSpPr>
-      <p:grpSpPr>
-        <a:xfrm>
-          <a:off x="0" y="0"/>
-          <a:ext cx="0" cy="0"/>
-          <a:chOff x="0" y="0"/>
-          <a:chExt cx="0" cy="0"/>
-        </a:xfrm>
-      </p:grpSpPr>
-      <p:sp>
-        <p:nvSpPr>
-          <p:cNvPr id="2" name="标题 1">
-            <a:extLst>
-              <a:ext uri="{FF2B5EF4-FFF2-40B4-BE49-F238E27FC236}">
-                <a16:creationId xmlns:a16="http://schemas.microsoft.com/office/drawing/2014/main" id="{2A6A608F-0D9D-4592-9E00-B94474111A13}"/>
-              </a:ext>
-            </a:extLst>
-          </p:cNvPr>
-          <p:cNvSpPr>
-            <a:spLocks noGrp="1"/>
-          </p:cNvSpPr>
-          <p:nvPr>
-            <p:ph type="title"/>
-          </p:nvPr>
-        </p:nvSpPr>
-        <p:spPr/>
-        <p:txBody>
-          <a:bodyPr/>
-          <a:lstStyle/>
-          <a:p>
-            <a:r>
-              <a:rPr lang="en-US" altLang="zh-CN" dirty="0"/>
-              <a:t>Problems in </a:t>
-            </a:r>
-            <a:r>
-              <a:rPr lang="en-US" altLang="zh-CN" dirty="0" err="1"/>
-              <a:t>pi.c</a:t>
-            </a:r>
-            <a:endParaRPr lang="zh-CN" altLang="en-US" dirty="0"/>
-          </a:p>
-        </p:txBody>
-      </p:sp>
-      <p:sp>
-        <p:nvSpPr>
-          <p:cNvPr id="3" name="内容占位符 2">
-            <a:extLst>
-              <a:ext uri="{FF2B5EF4-FFF2-40B4-BE49-F238E27FC236}">
-                <a16:creationId xmlns:a16="http://schemas.microsoft.com/office/drawing/2014/main" id="{A0300F69-90E9-4F3C-81C6-FC60BC9703A5}"/>
-              </a:ext>
-            </a:extLst>
-          </p:cNvPr>
-          <p:cNvSpPr>
-            <a:spLocks noGrp="1"/>
-          </p:cNvSpPr>
-          <p:nvPr>
-            <p:ph idx="1"/>
-          </p:nvPr>
-        </p:nvSpPr>
-        <p:spPr>
-          <a:xfrm>
-            <a:off x="838200" y="1825624"/>
-            <a:ext cx="10515600" cy="4537075"/>
-          </a:xfrm>
-        </p:spPr>
-        <p:txBody>
-          <a:bodyPr>
-            <a:normAutofit/>
-          </a:bodyPr>
-          <a:lstStyle/>
-          <a:p>
-            <a:r>
-              <a:rPr lang="en-US" altLang="zh-CN" dirty="0">
-                <a:solidFill>
-                  <a:srgbClr val="FF0000"/>
-                </a:solidFill>
-              </a:rPr>
-              <a:t>WRONG ANSWER</a:t>
-            </a:r>
-          </a:p>
-          <a:p>
-            <a:r>
-              <a:rPr lang="en-US" altLang="zh-CN" dirty="0"/>
-              <a:t>31415926535897932384626433832795</a:t>
-            </a:r>
-            <a:r>
-              <a:rPr lang="en-US" altLang="zh-CN" dirty="0">
-                <a:solidFill>
-                  <a:srgbClr val="FF0000"/>
-                </a:solidFill>
-              </a:rPr>
-              <a:t>0</a:t>
-            </a:r>
-            <a:r>
-              <a:rPr lang="en-US" altLang="zh-CN" dirty="0"/>
-              <a:t>288…</a:t>
-            </a:r>
-          </a:p>
-          <a:p>
-            <a:endParaRPr lang="en-US" altLang="zh-CN" dirty="0"/>
-          </a:p>
-          <a:p>
-            <a:r>
-              <a:rPr lang="en-US" altLang="zh-CN" dirty="0"/>
-              <a:t>The original program uses </a:t>
-            </a:r>
-            <a:r>
-              <a:rPr lang="en-US" altLang="zh-CN" dirty="0">
-                <a:latin typeface="Ubuntu Mono" panose="020B0509030602030204" pitchFamily="49" charset="0"/>
-              </a:rPr>
-              <a:t>%04d.</a:t>
-            </a:r>
-          </a:p>
-          <a:p>
-            <a:r>
-              <a:rPr lang="en-US" altLang="zh-CN" dirty="0"/>
-              <a:t>But our source uses </a:t>
-            </a:r>
-            <a:r>
-              <a:rPr lang="en-US" altLang="zh-CN" dirty="0" err="1">
-                <a:latin typeface="Ubuntu Mono" panose="020B0509030602030204" pitchFamily="49" charset="0"/>
-              </a:rPr>
-              <a:t>outl</a:t>
-            </a:r>
-            <a:r>
-              <a:rPr lang="en-US" altLang="zh-CN" dirty="0">
-                <a:latin typeface="Ubuntu Mono" panose="020B0509030602030204" pitchFamily="49" charset="0"/>
-              </a:rPr>
-              <a:t>().</a:t>
-            </a:r>
-          </a:p>
-          <a:p>
-            <a:r>
-              <a:rPr lang="en-US" altLang="zh-CN" dirty="0"/>
-              <a:t>That is different.</a:t>
-            </a:r>
-            <a:endParaRPr lang="zh-CN" altLang="en-US" dirty="0"/>
-          </a:p>
-        </p:txBody>
-      </p:sp>
-    </p:spTree>
-    <p:extLst>
-      <p:ext uri="{BB962C8B-B14F-4D97-AF65-F5344CB8AC3E}">
-        <p14:creationId xmlns:p14="http://schemas.microsoft.com/office/powerpoint/2010/main" val="428434720"/>
-      </p:ext>
-    </p:extLst>
-  </p:cSld>
-  <p:clrMapOvr>
-    <a:masterClrMapping/>
-  </p:clrMapOvr>
-</p:sld>
-</file>
-
-<file path=ppt/slides/slide18.xml><?xml version="1.0" encoding="utf-8"?>
-<p:sld xmlns:a="http://schemas.openxmlformats.org/drawingml/2006/main" xmlns:r="http://schemas.openxmlformats.org/officeDocument/2006/relationships" xmlns:p="http://schemas.openxmlformats.org/presentationml/2006/main">
-  <p:cSld>
-    <p:spTree>
-      <p:nvGrpSpPr>
-        <p:cNvPr id="1" name=""/>
-        <p:cNvGrpSpPr/>
-        <p:nvPr/>
-      </p:nvGrpSpPr>
-      <p:grpSpPr>
-        <a:xfrm>
-          <a:off x="0" y="0"/>
-          <a:ext cx="0" cy="0"/>
-          <a:chOff x="0" y="0"/>
-          <a:chExt cx="0" cy="0"/>
-        </a:xfrm>
-      </p:grpSpPr>
-      <p:sp>
-        <p:nvSpPr>
-          <p:cNvPr id="2" name="标题 1">
-            <a:extLst>
-              <a:ext uri="{FF2B5EF4-FFF2-40B4-BE49-F238E27FC236}">
-                <a16:creationId xmlns:a16="http://schemas.microsoft.com/office/drawing/2014/main" id="{2A6A608F-0D9D-4592-9E00-B94474111A13}"/>
-              </a:ext>
-            </a:extLst>
-          </p:cNvPr>
-          <p:cNvSpPr>
-            <a:spLocks noGrp="1"/>
-          </p:cNvSpPr>
-          <p:nvPr>
-            <p:ph type="title"/>
-          </p:nvPr>
-        </p:nvSpPr>
-        <p:spPr/>
-        <p:txBody>
-          <a:bodyPr/>
-          <a:lstStyle/>
-          <a:p>
-            <a:r>
-              <a:rPr lang="en-US" altLang="zh-CN" dirty="0"/>
-              <a:t>Problems in UART buffer</a:t>
-            </a:r>
-            <a:endParaRPr lang="zh-CN" altLang="en-US" dirty="0"/>
-          </a:p>
-        </p:txBody>
-      </p:sp>
-      <p:sp>
-        <p:nvSpPr>
-          <p:cNvPr id="3" name="内容占位符 2">
-            <a:extLst>
-              <a:ext uri="{FF2B5EF4-FFF2-40B4-BE49-F238E27FC236}">
-                <a16:creationId xmlns:a16="http://schemas.microsoft.com/office/drawing/2014/main" id="{A0300F69-90E9-4F3C-81C6-FC60BC9703A5}"/>
-              </a:ext>
-            </a:extLst>
-          </p:cNvPr>
-          <p:cNvSpPr>
-            <a:spLocks noGrp="1"/>
-          </p:cNvSpPr>
-          <p:nvPr>
-            <p:ph idx="1"/>
-          </p:nvPr>
-        </p:nvSpPr>
-        <p:spPr>
-          <a:xfrm>
-            <a:off x="838200" y="1825624"/>
-            <a:ext cx="10515600" cy="4537075"/>
-          </a:xfrm>
-        </p:spPr>
-        <p:txBody>
-          <a:bodyPr>
-            <a:normAutofit/>
-          </a:bodyPr>
-          <a:lstStyle/>
-          <a:p>
-            <a:r>
-              <a:rPr lang="en-US" altLang="zh-CN" dirty="0"/>
-              <a:t>Buffer size is too small.</a:t>
-            </a:r>
-          </a:p>
-          <a:p>
-            <a:r>
-              <a:rPr lang="en-US" altLang="zh-CN" dirty="0"/>
-              <a:t>I didn’t read the code but as it’s commented in C source, the improvement was not introduced in UART codes.</a:t>
-            </a:r>
-          </a:p>
-          <a:p>
-            <a:endParaRPr lang="en-US" altLang="zh-CN" dirty="0"/>
-          </a:p>
-          <a:p>
-            <a:endParaRPr lang="en-US" altLang="zh-CN" dirty="0"/>
-          </a:p>
-          <a:p>
-            <a:endParaRPr lang="en-US" altLang="zh-CN" dirty="0"/>
-          </a:p>
-          <a:p>
-            <a:endParaRPr lang="en-US" altLang="zh-CN" dirty="0"/>
-          </a:p>
-          <a:p>
-            <a:r>
-              <a:rPr lang="en-US" altLang="zh-CN" dirty="0"/>
-              <a:t>Question: Is SLEEP the </a:t>
-            </a:r>
-            <a:r>
-              <a:rPr lang="en-US" altLang="zh-CN" i="1" dirty="0"/>
-              <a:t>best</a:t>
-            </a:r>
-            <a:r>
-              <a:rPr lang="en-US" altLang="zh-CN" dirty="0"/>
-              <a:t> way to prevent HW drawback?</a:t>
-            </a:r>
-          </a:p>
-          <a:p>
-            <a:endParaRPr lang="zh-CN" altLang="en-US" dirty="0"/>
-          </a:p>
-        </p:txBody>
-      </p:sp>
-      <p:pic>
-        <p:nvPicPr>
-          <p:cNvPr id="7" name="图片 6">
-            <a:extLst>
-              <a:ext uri="{FF2B5EF4-FFF2-40B4-BE49-F238E27FC236}">
-                <a16:creationId xmlns:a16="http://schemas.microsoft.com/office/drawing/2014/main" id="{17D567B1-F177-440E-AD09-88069ECF374D}"/>
-              </a:ext>
-            </a:extLst>
-          </p:cNvPr>
-          <p:cNvPicPr>
-            <a:picLocks noChangeAspect="1"/>
-          </p:cNvPicPr>
-          <p:nvPr/>
-        </p:nvPicPr>
-        <p:blipFill>
-          <a:blip r:embed="rId2">
-            <a:extLst>
-              <a:ext uri="{28A0092B-C50C-407E-A947-70E740481C1C}">
-                <a14:useLocalDpi xmlns:a14="http://schemas.microsoft.com/office/drawing/2010/main" val="0"/>
-              </a:ext>
-            </a:extLst>
-          </a:blip>
-          <a:stretch>
-            <a:fillRect/>
-          </a:stretch>
-        </p:blipFill>
-        <p:spPr>
-          <a:xfrm>
-            <a:off x="3233155" y="3569163"/>
-            <a:ext cx="5725689" cy="1294079"/>
-          </a:xfrm>
-          <a:prstGeom prst="rect">
-            <a:avLst/>
-          </a:prstGeom>
-        </p:spPr>
-      </p:pic>
-    </p:spTree>
-    <p:extLst>
-      <p:ext uri="{BB962C8B-B14F-4D97-AF65-F5344CB8AC3E}">
-        <p14:creationId xmlns:p14="http://schemas.microsoft.com/office/powerpoint/2010/main" val="874324506"/>
-      </p:ext>
-    </p:extLst>
-  </p:cSld>
-  <p:clrMapOvr>
-    <a:masterClrMapping/>
-  </p:clrMapOvr>
-</p:sld>
-</file>
-
-<file path=ppt/slides/slide19.xml><?xml version="1.0" encoding="utf-8"?>
-<p:sld xmlns:a="http://schemas.openxmlformats.org/drawingml/2006/main" xmlns:r="http://schemas.openxmlformats.org/officeDocument/2006/relationships" xmlns:p="http://schemas.openxmlformats.org/presentationml/2006/main">
-  <p:cSld>
-    <p:spTree>
-      <p:nvGrpSpPr>
-        <p:cNvPr id="1" name=""/>
-        <p:cNvGrpSpPr/>
-        <p:nvPr/>
-      </p:nvGrpSpPr>
-      <p:grpSpPr>
-        <a:xfrm>
-          <a:off x="0" y="0"/>
-          <a:ext cx="0" cy="0"/>
-          <a:chOff x="0" y="0"/>
-          <a:chExt cx="0" cy="0"/>
-        </a:xfrm>
-      </p:grpSpPr>
-      <p:sp>
-        <p:nvSpPr>
-          <p:cNvPr id="2" name="标题 1">
-            <a:extLst>
-              <a:ext uri="{FF2B5EF4-FFF2-40B4-BE49-F238E27FC236}">
-                <a16:creationId xmlns:a16="http://schemas.microsoft.com/office/drawing/2014/main" id="{178CBCED-9C68-40EF-AFCE-9B73289E0429}"/>
-              </a:ext>
-            </a:extLst>
-          </p:cNvPr>
-          <p:cNvSpPr>
-            <a:spLocks noGrp="1"/>
-          </p:cNvSpPr>
-          <p:nvPr>
-            <p:ph type="title"/>
-          </p:nvPr>
-        </p:nvSpPr>
-        <p:spPr/>
-        <p:txBody>
-          <a:bodyPr/>
-          <a:lstStyle/>
-          <a:p>
-            <a:r>
-              <a:rPr lang="en-US" altLang="zh-CN" dirty="0"/>
-              <a:t>Some jokes</a:t>
-            </a:r>
-            <a:endParaRPr lang="zh-CN" altLang="en-US" dirty="0"/>
-          </a:p>
-        </p:txBody>
-      </p:sp>
-      <p:pic>
-        <p:nvPicPr>
-          <p:cNvPr id="5" name="内容占位符 4">
-            <a:extLst>
-              <a:ext uri="{FF2B5EF4-FFF2-40B4-BE49-F238E27FC236}">
-                <a16:creationId xmlns:a16="http://schemas.microsoft.com/office/drawing/2014/main" id="{4E87A44F-FBC5-4D6F-AA66-DCFC29ACBB9F}"/>
-              </a:ext>
-            </a:extLst>
-          </p:cNvPr>
-          <p:cNvPicPr>
-            <a:picLocks noGrp="1" noChangeAspect="1"/>
-          </p:cNvPicPr>
-          <p:nvPr>
-            <p:ph idx="1"/>
-          </p:nvPr>
-        </p:nvPicPr>
-        <p:blipFill>
-          <a:blip r:embed="rId2">
-            <a:extLst>
-              <a:ext uri="{28A0092B-C50C-407E-A947-70E740481C1C}">
-                <a14:useLocalDpi xmlns:a14="http://schemas.microsoft.com/office/drawing/2010/main" val="0"/>
-              </a:ext>
-            </a:extLst>
-          </a:blip>
-          <a:stretch>
-            <a:fillRect/>
-          </a:stretch>
-        </p:blipFill>
-        <p:spPr>
-          <a:xfrm>
-            <a:off x="4306045" y="1690688"/>
-            <a:ext cx="3579909" cy="4351338"/>
-          </a:xfrm>
-        </p:spPr>
-      </p:pic>
-    </p:spTree>
-    <p:extLst>
-      <p:ext uri="{BB962C8B-B14F-4D97-AF65-F5344CB8AC3E}">
-        <p14:creationId xmlns:p14="http://schemas.microsoft.com/office/powerpoint/2010/main" val="191399260"/>
       </p:ext>
     </p:extLst>
   </p:cSld>
@@ -9787,6 +13408,425 @@
           <p:cNvPr id="2" name="标题 1">
             <a:extLst>
               <a:ext uri="{FF2B5EF4-FFF2-40B4-BE49-F238E27FC236}">
+                <a16:creationId xmlns:a16="http://schemas.microsoft.com/office/drawing/2014/main" id="{2A6A608F-0D9D-4592-9E00-B94474111A13}"/>
+              </a:ext>
+            </a:extLst>
+          </p:cNvPr>
+          <p:cNvSpPr>
+            <a:spLocks noGrp="1"/>
+          </p:cNvSpPr>
+          <p:nvPr>
+            <p:ph type="title"/>
+          </p:nvPr>
+        </p:nvSpPr>
+        <p:spPr/>
+        <p:txBody>
+          <a:bodyPr/>
+          <a:lstStyle/>
+          <a:p>
+            <a:r>
+              <a:rPr lang="en-US" altLang="zh-CN" dirty="0"/>
+              <a:t>Problems in </a:t>
+            </a:r>
+            <a:r>
+              <a:rPr lang="en-US" altLang="zh-CN" dirty="0" err="1"/>
+              <a:t>pi.c</a:t>
+            </a:r>
+            <a:endParaRPr lang="zh-CN" altLang="en-US" dirty="0"/>
+          </a:p>
+        </p:txBody>
+      </p:sp>
+      <p:sp>
+        <p:nvSpPr>
+          <p:cNvPr id="3" name="内容占位符 2">
+            <a:extLst>
+              <a:ext uri="{FF2B5EF4-FFF2-40B4-BE49-F238E27FC236}">
+                <a16:creationId xmlns:a16="http://schemas.microsoft.com/office/drawing/2014/main" id="{A0300F69-90E9-4F3C-81C6-FC60BC9703A5}"/>
+              </a:ext>
+            </a:extLst>
+          </p:cNvPr>
+          <p:cNvSpPr>
+            <a:spLocks noGrp="1"/>
+          </p:cNvSpPr>
+          <p:nvPr>
+            <p:ph idx="1"/>
+          </p:nvPr>
+        </p:nvSpPr>
+        <p:spPr>
+          <a:xfrm>
+            <a:off x="838200" y="1825624"/>
+            <a:ext cx="10515600" cy="4537075"/>
+          </a:xfrm>
+        </p:spPr>
+        <p:txBody>
+          <a:bodyPr>
+            <a:normAutofit/>
+          </a:bodyPr>
+          <a:lstStyle/>
+          <a:p>
+            <a:r>
+              <a:rPr lang="en-US" altLang="zh-CN" dirty="0">
+                <a:solidFill>
+                  <a:srgbClr val="FF0000"/>
+                </a:solidFill>
+              </a:rPr>
+              <a:t>WRONG ANSWER</a:t>
+            </a:r>
+          </a:p>
+          <a:p>
+            <a:r>
+              <a:rPr lang="en-US" altLang="zh-CN" dirty="0"/>
+              <a:t>31415926535897932384626433832795</a:t>
+            </a:r>
+            <a:r>
+              <a:rPr lang="en-US" altLang="zh-CN" dirty="0">
+                <a:solidFill>
+                  <a:srgbClr val="FF0000"/>
+                </a:solidFill>
+              </a:rPr>
+              <a:t>0</a:t>
+            </a:r>
+            <a:r>
+              <a:rPr lang="en-US" altLang="zh-CN" dirty="0"/>
+              <a:t>288…</a:t>
+            </a:r>
+          </a:p>
+          <a:p>
+            <a:endParaRPr lang="en-US" altLang="zh-CN" dirty="0"/>
+          </a:p>
+          <a:p>
+            <a:r>
+              <a:rPr lang="en-US" altLang="zh-CN" dirty="0"/>
+              <a:t>The original program uses </a:t>
+            </a:r>
+            <a:r>
+              <a:rPr lang="en-US" altLang="zh-CN" dirty="0">
+                <a:latin typeface="Ubuntu Mono" panose="020B0509030602030204" pitchFamily="49" charset="0"/>
+              </a:rPr>
+              <a:t>%04d.</a:t>
+            </a:r>
+          </a:p>
+          <a:p>
+            <a:r>
+              <a:rPr lang="en-US" altLang="zh-CN" dirty="0"/>
+              <a:t>But our source uses </a:t>
+            </a:r>
+            <a:r>
+              <a:rPr lang="en-US" altLang="zh-CN" dirty="0" err="1">
+                <a:latin typeface="Ubuntu Mono" panose="020B0509030602030204" pitchFamily="49" charset="0"/>
+              </a:rPr>
+              <a:t>outl</a:t>
+            </a:r>
+            <a:r>
+              <a:rPr lang="en-US" altLang="zh-CN" dirty="0">
+                <a:latin typeface="Ubuntu Mono" panose="020B0509030602030204" pitchFamily="49" charset="0"/>
+              </a:rPr>
+              <a:t>().</a:t>
+            </a:r>
+          </a:p>
+          <a:p>
+            <a:r>
+              <a:rPr lang="en-US" altLang="zh-CN" dirty="0"/>
+              <a:t>That is different.</a:t>
+            </a:r>
+            <a:endParaRPr lang="zh-CN" altLang="en-US" dirty="0"/>
+          </a:p>
+        </p:txBody>
+      </p:sp>
+    </p:spTree>
+    <p:extLst>
+      <p:ext uri="{BB962C8B-B14F-4D97-AF65-F5344CB8AC3E}">
+        <p14:creationId xmlns:p14="http://schemas.microsoft.com/office/powerpoint/2010/main" val="428434720"/>
+      </p:ext>
+    </p:extLst>
+  </p:cSld>
+  <p:clrMapOvr>
+    <a:masterClrMapping/>
+  </p:clrMapOvr>
+</p:sld>
+</file>
+
+<file path=ppt/slides/slide21.xml><?xml version="1.0" encoding="utf-8"?>
+<p:sld xmlns:a="http://schemas.openxmlformats.org/drawingml/2006/main" xmlns:r="http://schemas.openxmlformats.org/officeDocument/2006/relationships" xmlns:p="http://schemas.openxmlformats.org/presentationml/2006/main">
+  <p:cSld>
+    <p:spTree>
+      <p:nvGrpSpPr>
+        <p:cNvPr id="1" name=""/>
+        <p:cNvGrpSpPr/>
+        <p:nvPr/>
+      </p:nvGrpSpPr>
+      <p:grpSpPr>
+        <a:xfrm>
+          <a:off x="0" y="0"/>
+          <a:ext cx="0" cy="0"/>
+          <a:chOff x="0" y="0"/>
+          <a:chExt cx="0" cy="0"/>
+        </a:xfrm>
+      </p:grpSpPr>
+      <p:sp>
+        <p:nvSpPr>
+          <p:cNvPr id="2" name="标题 1">
+            <a:extLst>
+              <a:ext uri="{FF2B5EF4-FFF2-40B4-BE49-F238E27FC236}">
+                <a16:creationId xmlns:a16="http://schemas.microsoft.com/office/drawing/2014/main" id="{2A6A608F-0D9D-4592-9E00-B94474111A13}"/>
+              </a:ext>
+            </a:extLst>
+          </p:cNvPr>
+          <p:cNvSpPr>
+            <a:spLocks noGrp="1"/>
+          </p:cNvSpPr>
+          <p:nvPr>
+            <p:ph type="title"/>
+          </p:nvPr>
+        </p:nvSpPr>
+        <p:spPr/>
+        <p:txBody>
+          <a:bodyPr/>
+          <a:lstStyle/>
+          <a:p>
+            <a:r>
+              <a:rPr lang="en-US" altLang="zh-CN" dirty="0"/>
+              <a:t>Problems in UART buffer</a:t>
+            </a:r>
+            <a:endParaRPr lang="zh-CN" altLang="en-US" dirty="0"/>
+          </a:p>
+        </p:txBody>
+      </p:sp>
+      <p:sp>
+        <p:nvSpPr>
+          <p:cNvPr id="3" name="内容占位符 2">
+            <a:extLst>
+              <a:ext uri="{FF2B5EF4-FFF2-40B4-BE49-F238E27FC236}">
+                <a16:creationId xmlns:a16="http://schemas.microsoft.com/office/drawing/2014/main" id="{A0300F69-90E9-4F3C-81C6-FC60BC9703A5}"/>
+              </a:ext>
+            </a:extLst>
+          </p:cNvPr>
+          <p:cNvSpPr>
+            <a:spLocks noGrp="1"/>
+          </p:cNvSpPr>
+          <p:nvPr>
+            <p:ph idx="1"/>
+          </p:nvPr>
+        </p:nvSpPr>
+        <p:spPr>
+          <a:xfrm>
+            <a:off x="838200" y="1825624"/>
+            <a:ext cx="10515600" cy="4537075"/>
+          </a:xfrm>
+        </p:spPr>
+        <p:txBody>
+          <a:bodyPr>
+            <a:normAutofit/>
+          </a:bodyPr>
+          <a:lstStyle/>
+          <a:p>
+            <a:r>
+              <a:rPr lang="en-US" altLang="zh-CN" dirty="0"/>
+              <a:t>Buffer size is too small.</a:t>
+            </a:r>
+          </a:p>
+          <a:p>
+            <a:r>
+              <a:rPr lang="en-US" altLang="zh-CN" dirty="0"/>
+              <a:t>I didn’t read the code but as it’s commented in C source, the improvement was not introduced in UART codes.</a:t>
+            </a:r>
+          </a:p>
+          <a:p>
+            <a:endParaRPr lang="en-US" altLang="zh-CN" dirty="0"/>
+          </a:p>
+          <a:p>
+            <a:endParaRPr lang="en-US" altLang="zh-CN" dirty="0"/>
+          </a:p>
+          <a:p>
+            <a:endParaRPr lang="en-US" altLang="zh-CN" dirty="0"/>
+          </a:p>
+          <a:p>
+            <a:endParaRPr lang="en-US" altLang="zh-CN" dirty="0"/>
+          </a:p>
+          <a:p>
+            <a:r>
+              <a:rPr lang="en-US" altLang="zh-CN" dirty="0"/>
+              <a:t>Question: Is SLEEP the </a:t>
+            </a:r>
+            <a:r>
+              <a:rPr lang="en-US" altLang="zh-CN" i="1" dirty="0"/>
+              <a:t>best</a:t>
+            </a:r>
+            <a:r>
+              <a:rPr lang="en-US" altLang="zh-CN" dirty="0"/>
+              <a:t> way to prevent HW drawback?</a:t>
+            </a:r>
+          </a:p>
+          <a:p>
+            <a:endParaRPr lang="zh-CN" altLang="en-US" dirty="0"/>
+          </a:p>
+        </p:txBody>
+      </p:sp>
+      <p:pic>
+        <p:nvPicPr>
+          <p:cNvPr id="7" name="图片 6">
+            <a:extLst>
+              <a:ext uri="{FF2B5EF4-FFF2-40B4-BE49-F238E27FC236}">
+                <a16:creationId xmlns:a16="http://schemas.microsoft.com/office/drawing/2014/main" id="{17D567B1-F177-440E-AD09-88069ECF374D}"/>
+              </a:ext>
+            </a:extLst>
+          </p:cNvPr>
+          <p:cNvPicPr>
+            <a:picLocks noChangeAspect="1"/>
+          </p:cNvPicPr>
+          <p:nvPr/>
+        </p:nvPicPr>
+        <p:blipFill>
+          <a:blip r:embed="rId2">
+            <a:extLst>
+              <a:ext uri="{28A0092B-C50C-407E-A947-70E740481C1C}">
+                <a14:useLocalDpi xmlns:a14="http://schemas.microsoft.com/office/drawing/2010/main" val="0"/>
+              </a:ext>
+            </a:extLst>
+          </a:blip>
+          <a:stretch>
+            <a:fillRect/>
+          </a:stretch>
+        </p:blipFill>
+        <p:spPr>
+          <a:xfrm>
+            <a:off x="3233155" y="3569163"/>
+            <a:ext cx="5725689" cy="1294079"/>
+          </a:xfrm>
+          <a:prstGeom prst="rect">
+            <a:avLst/>
+          </a:prstGeom>
+        </p:spPr>
+      </p:pic>
+    </p:spTree>
+    <p:extLst>
+      <p:ext uri="{BB962C8B-B14F-4D97-AF65-F5344CB8AC3E}">
+        <p14:creationId xmlns:p14="http://schemas.microsoft.com/office/powerpoint/2010/main" val="874324506"/>
+      </p:ext>
+    </p:extLst>
+  </p:cSld>
+  <p:clrMapOvr>
+    <a:masterClrMapping/>
+  </p:clrMapOvr>
+</p:sld>
+</file>
+
+<file path=ppt/slides/slide22.xml><?xml version="1.0" encoding="utf-8"?>
+<p:sld xmlns:a="http://schemas.openxmlformats.org/drawingml/2006/main" xmlns:r="http://schemas.openxmlformats.org/officeDocument/2006/relationships" xmlns:p="http://schemas.openxmlformats.org/presentationml/2006/main">
+  <p:cSld>
+    <p:spTree>
+      <p:nvGrpSpPr>
+        <p:cNvPr id="1" name=""/>
+        <p:cNvGrpSpPr/>
+        <p:nvPr/>
+      </p:nvGrpSpPr>
+      <p:grpSpPr>
+        <a:xfrm>
+          <a:off x="0" y="0"/>
+          <a:ext cx="0" cy="0"/>
+          <a:chOff x="0" y="0"/>
+          <a:chExt cx="0" cy="0"/>
+        </a:xfrm>
+      </p:grpSpPr>
+      <p:sp>
+        <p:nvSpPr>
+          <p:cNvPr id="2" name="标题 1">
+            <a:extLst>
+              <a:ext uri="{FF2B5EF4-FFF2-40B4-BE49-F238E27FC236}">
+                <a16:creationId xmlns:a16="http://schemas.microsoft.com/office/drawing/2014/main" id="{178CBCED-9C68-40EF-AFCE-9B73289E0429}"/>
+              </a:ext>
+            </a:extLst>
+          </p:cNvPr>
+          <p:cNvSpPr>
+            <a:spLocks noGrp="1"/>
+          </p:cNvSpPr>
+          <p:nvPr>
+            <p:ph type="title"/>
+          </p:nvPr>
+        </p:nvSpPr>
+        <p:spPr/>
+        <p:txBody>
+          <a:bodyPr/>
+          <a:lstStyle/>
+          <a:p>
+            <a:r>
+              <a:rPr lang="en-US" altLang="zh-CN" dirty="0"/>
+              <a:t>Some jokes</a:t>
+            </a:r>
+            <a:endParaRPr lang="zh-CN" altLang="en-US" dirty="0"/>
+          </a:p>
+        </p:txBody>
+      </p:sp>
+      <p:pic>
+        <p:nvPicPr>
+          <p:cNvPr id="5" name="内容占位符 4">
+            <a:extLst>
+              <a:ext uri="{FF2B5EF4-FFF2-40B4-BE49-F238E27FC236}">
+                <a16:creationId xmlns:a16="http://schemas.microsoft.com/office/drawing/2014/main" id="{4E87A44F-FBC5-4D6F-AA66-DCFC29ACBB9F}"/>
+              </a:ext>
+            </a:extLst>
+          </p:cNvPr>
+          <p:cNvPicPr>
+            <a:picLocks noGrp="1" noChangeAspect="1"/>
+          </p:cNvPicPr>
+          <p:nvPr>
+            <p:ph idx="1"/>
+          </p:nvPr>
+        </p:nvPicPr>
+        <p:blipFill>
+          <a:blip r:embed="rId2">
+            <a:extLst>
+              <a:ext uri="{28A0092B-C50C-407E-A947-70E740481C1C}">
+                <a14:useLocalDpi xmlns:a14="http://schemas.microsoft.com/office/drawing/2010/main" val="0"/>
+              </a:ext>
+            </a:extLst>
+          </a:blip>
+          <a:stretch>
+            <a:fillRect/>
+          </a:stretch>
+        </p:blipFill>
+        <p:spPr>
+          <a:xfrm>
+            <a:off x="4306045" y="1690688"/>
+            <a:ext cx="3579909" cy="4351338"/>
+          </a:xfrm>
+        </p:spPr>
+      </p:pic>
+    </p:spTree>
+    <p:extLst>
+      <p:ext uri="{BB962C8B-B14F-4D97-AF65-F5344CB8AC3E}">
+        <p14:creationId xmlns:p14="http://schemas.microsoft.com/office/powerpoint/2010/main" val="1736227221"/>
+      </p:ext>
+    </p:extLst>
+  </p:cSld>
+  <p:clrMapOvr>
+    <a:masterClrMapping/>
+  </p:clrMapOvr>
+</p:sld>
+</file>
+
+<file path=ppt/slides/slide23.xml><?xml version="1.0" encoding="utf-8"?>
+<p:sld xmlns:a="http://schemas.openxmlformats.org/drawingml/2006/main" xmlns:r="http://schemas.openxmlformats.org/officeDocument/2006/relationships" xmlns:p="http://schemas.openxmlformats.org/presentationml/2006/main">
+  <p:cSld>
+    <p:spTree>
+      <p:nvGrpSpPr>
+        <p:cNvPr id="1" name=""/>
+        <p:cNvGrpSpPr/>
+        <p:nvPr/>
+      </p:nvGrpSpPr>
+      <p:grpSpPr>
+        <a:xfrm>
+          <a:off x="0" y="0"/>
+          <a:ext cx="0" cy="0"/>
+          <a:chOff x="0" y="0"/>
+          <a:chExt cx="0" cy="0"/>
+        </a:xfrm>
+      </p:grpSpPr>
+      <p:sp>
+        <p:nvSpPr>
+          <p:cNvPr id="2" name="标题 1">
+            <a:extLst>
+              <a:ext uri="{FF2B5EF4-FFF2-40B4-BE49-F238E27FC236}">
                 <a16:creationId xmlns:a16="http://schemas.microsoft.com/office/drawing/2014/main" id="{580BD8D8-D3FC-4110-AA4D-203800567084}"/>
               </a:ext>
             </a:extLst>
@@ -9840,6 +13880,36 @@
           </a:p>
         </p:txBody>
       </p:sp>
+      <p:pic>
+        <p:nvPicPr>
+          <p:cNvPr id="12" name="图片 11">
+            <a:extLst>
+              <a:ext uri="{FF2B5EF4-FFF2-40B4-BE49-F238E27FC236}">
+                <a16:creationId xmlns:a16="http://schemas.microsoft.com/office/drawing/2014/main" id="{08692568-A005-4D51-B240-909E18576666}"/>
+              </a:ext>
+            </a:extLst>
+          </p:cNvPr>
+          <p:cNvPicPr>
+            <a:picLocks noChangeAspect="1"/>
+          </p:cNvPicPr>
+          <p:nvPr/>
+        </p:nvPicPr>
+        <p:blipFill>
+          <a:blip r:embed="rId2"/>
+          <a:stretch>
+            <a:fillRect/>
+          </a:stretch>
+        </p:blipFill>
+        <p:spPr>
+          <a:xfrm>
+            <a:off x="5329803" y="3082628"/>
+            <a:ext cx="1532394" cy="1276995"/>
+          </a:xfrm>
+          <a:prstGeom prst="rect">
+            <a:avLst/>
+          </a:prstGeom>
+        </p:spPr>
+      </p:pic>
     </p:spTree>
     <p:extLst>
       <p:ext uri="{BB962C8B-B14F-4D97-AF65-F5344CB8AC3E}">
@@ -9853,7 +13923,7 @@
 </p:sld>
 </file>
 
-<file path=ppt/slides/slide21.xml><?xml version="1.0" encoding="utf-8"?>
+<file path=ppt/slides/slide24.xml><?xml version="1.0" encoding="utf-8"?>
 <p:sld xmlns:a="http://schemas.openxmlformats.org/drawingml/2006/main" xmlns:r="http://schemas.openxmlformats.org/officeDocument/2006/relationships" xmlns:p="http://schemas.openxmlformats.org/presentationml/2006/main">
   <p:cSld>
     <p:spTree>
@@ -9901,40 +13971,6 @@
           </a:p>
         </p:txBody>
       </p:sp>
-      <p:pic>
-        <p:nvPicPr>
-          <p:cNvPr id="12" name="图片占位符 11">
-            <a:extLst>
-              <a:ext uri="{FF2B5EF4-FFF2-40B4-BE49-F238E27FC236}">
-                <a16:creationId xmlns:a16="http://schemas.microsoft.com/office/drawing/2014/main" id="{7216BEAA-FC0D-4594-83FC-7756986FF0CF}"/>
-              </a:ext>
-            </a:extLst>
-          </p:cNvPr>
-          <p:cNvPicPr>
-            <a:picLocks noGrp="1" noChangeAspect="1"/>
-          </p:cNvPicPr>
-          <p:nvPr>
-            <p:ph type="pic" idx="1"/>
-          </p:nvPr>
-        </p:nvPicPr>
-        <p:blipFill rotWithShape="1">
-          <a:blip r:embed="rId2">
-            <a:extLst>
-              <a:ext uri="{28A0092B-C50C-407E-A947-70E740481C1C}">
-                <a14:useLocalDpi xmlns:a14="http://schemas.microsoft.com/office/drawing/2010/main" val="0"/>
-              </a:ext>
-            </a:extLst>
-          </a:blip>
-          <a:srcRect l="-1" t="384" r="51" b="1391"/>
-          <a:stretch/>
-        </p:blipFill>
-        <p:spPr>
-          <a:xfrm>
-            <a:off x="6754546" y="1062489"/>
-            <a:ext cx="4322397" cy="4733022"/>
-          </a:xfrm>
-        </p:spPr>
-      </p:pic>
       <p:sp>
         <p:nvSpPr>
           <p:cNvPr id="10" name="文本占位符 9">
@@ -10045,7 +14081,7 @@
               <a:rPr lang="zh-CN" altLang="en-US" sz="2000" i="1" strike="sngStrike" dirty="0">
                 <a:solidFill>
                   <a:schemeClr val="bg1">
-                    <a:lumMod val="85000"/>
+                    <a:lumMod val="75000"/>
                   </a:schemeClr>
                 </a:solidFill>
               </a:rPr>
@@ -10080,6 +14116,42 @@
           </a:p>
         </p:txBody>
       </p:sp>
+      <p:pic>
+        <p:nvPicPr>
+          <p:cNvPr id="11" name="图片 10">
+            <a:extLst>
+              <a:ext uri="{FF2B5EF4-FFF2-40B4-BE49-F238E27FC236}">
+                <a16:creationId xmlns:a16="http://schemas.microsoft.com/office/drawing/2014/main" id="{A7FB08EB-A8B0-42AA-9E38-3EF6B95EF16A}"/>
+              </a:ext>
+            </a:extLst>
+          </p:cNvPr>
+          <p:cNvPicPr>
+            <a:picLocks noChangeAspect="1"/>
+          </p:cNvPicPr>
+          <p:nvPr/>
+        </p:nvPicPr>
+        <p:blipFill>
+          <a:blip r:embed="rId2">
+            <a:extLst>
+              <a:ext uri="{28A0092B-C50C-407E-A947-70E740481C1C}">
+                <a14:useLocalDpi xmlns:a14="http://schemas.microsoft.com/office/drawing/2010/main" val="0"/>
+              </a:ext>
+            </a:extLst>
+          </a:blip>
+          <a:stretch>
+            <a:fillRect/>
+          </a:stretch>
+        </p:blipFill>
+        <p:spPr>
+          <a:xfrm>
+            <a:off x="5267436" y="1784209"/>
+            <a:ext cx="6084776" cy="3289582"/>
+          </a:xfrm>
+          <a:prstGeom prst="rect">
+            <a:avLst/>
+          </a:prstGeom>
+        </p:spPr>
+      </p:pic>
     </p:spTree>
     <p:extLst>
       <p:ext uri="{BB962C8B-B14F-4D97-AF65-F5344CB8AC3E}">
@@ -10476,6 +14548,140 @@
   <p:clrMapOvr>
     <a:masterClrMapping/>
   </p:clrMapOvr>
+  <p:timing>
+    <p:tnLst>
+      <p:par>
+        <p:cTn id="1" dur="indefinite" restart="never" nodeType="tmRoot">
+          <p:childTnLst>
+            <p:seq concurrent="1" nextAc="seek">
+              <p:cTn id="2" dur="indefinite" nodeType="mainSeq">
+                <p:childTnLst>
+                  <p:par>
+                    <p:cTn id="3" fill="hold">
+                      <p:stCondLst>
+                        <p:cond delay="indefinite"/>
+                      </p:stCondLst>
+                      <p:childTnLst>
+                        <p:par>
+                          <p:cTn id="4" fill="hold">
+                            <p:stCondLst>
+                              <p:cond delay="0"/>
+                            </p:stCondLst>
+                            <p:childTnLst>
+                              <p:par>
+                                <p:cTn id="5" presetID="10" presetClass="entr" presetSubtype="0" fill="hold" nodeType="clickEffect">
+                                  <p:stCondLst>
+                                    <p:cond delay="0"/>
+                                  </p:stCondLst>
+                                  <p:childTnLst>
+                                    <p:set>
+                                      <p:cBhvr>
+                                        <p:cTn id="6" dur="1" fill="hold">
+                                          <p:stCondLst>
+                                            <p:cond delay="0"/>
+                                          </p:stCondLst>
+                                        </p:cTn>
+                                        <p:tgtEl>
+                                          <p:spTgt spid="3">
+                                            <p:txEl>
+                                              <p:pRg st="4" end="4"/>
+                                            </p:txEl>
+                                          </p:spTgt>
+                                        </p:tgtEl>
+                                        <p:attrNameLst>
+                                          <p:attrName>style.visibility</p:attrName>
+                                        </p:attrNameLst>
+                                      </p:cBhvr>
+                                      <p:to>
+                                        <p:strVal val="visible"/>
+                                      </p:to>
+                                    </p:set>
+                                    <p:animEffect transition="in" filter="fade">
+                                      <p:cBhvr>
+                                        <p:cTn id="7" dur="500"/>
+                                        <p:tgtEl>
+                                          <p:spTgt spid="3">
+                                            <p:txEl>
+                                              <p:pRg st="4" end="4"/>
+                                            </p:txEl>
+                                          </p:spTgt>
+                                        </p:tgtEl>
+                                      </p:cBhvr>
+                                    </p:animEffect>
+                                  </p:childTnLst>
+                                </p:cTn>
+                              </p:par>
+                              <p:par>
+                                <p:cTn id="8" presetID="10" presetClass="entr" presetSubtype="0" fill="hold" nodeType="withEffect">
+                                  <p:stCondLst>
+                                    <p:cond delay="0"/>
+                                  </p:stCondLst>
+                                  <p:childTnLst>
+                                    <p:set>
+                                      <p:cBhvr>
+                                        <p:cTn id="9" dur="1" fill="hold">
+                                          <p:stCondLst>
+                                            <p:cond delay="0"/>
+                                          </p:stCondLst>
+                                        </p:cTn>
+                                        <p:tgtEl>
+                                          <p:spTgt spid="3">
+                                            <p:txEl>
+                                              <p:pRg st="5" end="5"/>
+                                            </p:txEl>
+                                          </p:spTgt>
+                                        </p:tgtEl>
+                                        <p:attrNameLst>
+                                          <p:attrName>style.visibility</p:attrName>
+                                        </p:attrNameLst>
+                                      </p:cBhvr>
+                                      <p:to>
+                                        <p:strVal val="visible"/>
+                                      </p:to>
+                                    </p:set>
+                                    <p:animEffect transition="in" filter="fade">
+                                      <p:cBhvr>
+                                        <p:cTn id="10" dur="500"/>
+                                        <p:tgtEl>
+                                          <p:spTgt spid="3">
+                                            <p:txEl>
+                                              <p:pRg st="5" end="5"/>
+                                            </p:txEl>
+                                          </p:spTgt>
+                                        </p:tgtEl>
+                                      </p:cBhvr>
+                                    </p:animEffect>
+                                  </p:childTnLst>
+                                </p:cTn>
+                              </p:par>
+                            </p:childTnLst>
+                          </p:cTn>
+                        </p:par>
+                      </p:childTnLst>
+                    </p:cTn>
+                  </p:par>
+                </p:childTnLst>
+              </p:cTn>
+              <p:prevCondLst>
+                <p:cond evt="onPrev" delay="0">
+                  <p:tgtEl>
+                    <p:sldTgt/>
+                  </p:tgtEl>
+                </p:cond>
+              </p:prevCondLst>
+              <p:nextCondLst>
+                <p:cond evt="onNext" delay="0">
+                  <p:tgtEl>
+                    <p:sldTgt/>
+                  </p:tgtEl>
+                </p:cond>
+              </p:nextCondLst>
+            </p:seq>
+          </p:childTnLst>
+        </p:cTn>
+      </p:par>
+    </p:tnLst>
+  </p:timing>
 </p:sld>
 </file>
 
@@ -10542,12 +14748,14 @@
         </p:nvSpPr>
         <p:spPr>
           <a:xfrm>
-            <a:off x="838200" y="1825625"/>
-            <a:ext cx="10515600" cy="4232276"/>
+            <a:off x="838200" y="1825624"/>
+            <a:ext cx="10515600" cy="4380497"/>
           </a:xfrm>
         </p:spPr>
         <p:txBody>
-          <a:bodyPr/>
+          <a:bodyPr>
+            <a:normAutofit lnSpcReduction="10000"/>
+          </a:bodyPr>
           <a:lstStyle/>
           <a:p>
             <a:r>
@@ -10565,7 +14773,7 @@
             <a:pPr lvl="1"/>
             <a:r>
               <a:rPr lang="en-US" altLang="zh-CN" dirty="0"/>
-              <a:t>Clear data in it</a:t>
+              <a:t>Drop data in it</a:t>
             </a:r>
           </a:p>
           <a:p>
@@ -10578,7 +14786,30 @@
           <a:p>
             <a:r>
               <a:rPr lang="en-US" altLang="zh-CN" dirty="0"/>
-              <a:t>So every register we change in the combinational circuits CAN’T be a condition or don’t change in some paths, or it will lead to a latch.</a:t>
+              <a:t>So every register we change in the combinational circuits:</a:t>
+            </a:r>
+          </a:p>
+          <a:p>
+            <a:pPr lvl="1"/>
+            <a:r>
+              <a:rPr lang="en-US" altLang="zh-CN" dirty="0"/>
+              <a:t>CAN’T be a condition</a:t>
+            </a:r>
+          </a:p>
+          <a:p>
+            <a:pPr lvl="1"/>
+            <a:r>
+              <a:rPr lang="en-US" altLang="zh-CN" dirty="0"/>
+              <a:t>DOSEN’T change in some possible paths</a:t>
+            </a:r>
+          </a:p>
+          <a:p>
+            <a:pPr marL="0" indent="0">
+              <a:buNone/>
+            </a:pPr>
+            <a:r>
+              <a:rPr lang="en-US" altLang="zh-CN" dirty="0"/>
+              <a:t>   or it will lead to a latch.</a:t>
             </a:r>
           </a:p>
           <a:p>
@@ -10605,6 +14836,330 @@
   <p:clrMapOvr>
     <a:masterClrMapping/>
   </p:clrMapOvr>
+  <p:timing>
+    <p:tnLst>
+      <p:par>
+        <p:cTn id="1" dur="indefinite" restart="never" nodeType="tmRoot">
+          <p:childTnLst>
+            <p:seq concurrent="1" nextAc="seek">
+              <p:cTn id="2" dur="indefinite" nodeType="mainSeq">
+                <p:childTnLst>
+                  <p:par>
+                    <p:cTn id="3" fill="hold">
+                      <p:stCondLst>
+                        <p:cond delay="indefinite"/>
+                      </p:stCondLst>
+                      <p:childTnLst>
+                        <p:par>
+                          <p:cTn id="4" fill="hold">
+                            <p:stCondLst>
+                              <p:cond delay="0"/>
+                            </p:stCondLst>
+                            <p:childTnLst>
+                              <p:par>
+                                <p:cTn id="5" presetID="10" presetClass="entr" presetSubtype="0" fill="hold" nodeType="clickEffect">
+                                  <p:stCondLst>
+                                    <p:cond delay="0"/>
+                                  </p:stCondLst>
+                                  <p:childTnLst>
+                                    <p:set>
+                                      <p:cBhvr>
+                                        <p:cTn id="6" dur="1" fill="hold">
+                                          <p:stCondLst>
+                                            <p:cond delay="0"/>
+                                          </p:stCondLst>
+                                        </p:cTn>
+                                        <p:tgtEl>
+                                          <p:spTgt spid="3">
+                                            <p:txEl>
+                                              <p:pRg st="4" end="4"/>
+                                            </p:txEl>
+                                          </p:spTgt>
+                                        </p:tgtEl>
+                                        <p:attrNameLst>
+                                          <p:attrName>style.visibility</p:attrName>
+                                        </p:attrNameLst>
+                                      </p:cBhvr>
+                                      <p:to>
+                                        <p:strVal val="visible"/>
+                                      </p:to>
+                                    </p:set>
+                                    <p:animEffect transition="in" filter="fade">
+                                      <p:cBhvr>
+                                        <p:cTn id="7" dur="500"/>
+                                        <p:tgtEl>
+                                          <p:spTgt spid="3">
+                                            <p:txEl>
+                                              <p:pRg st="4" end="4"/>
+                                            </p:txEl>
+                                          </p:spTgt>
+                                        </p:tgtEl>
+                                      </p:cBhvr>
+                                    </p:animEffect>
+                                  </p:childTnLst>
+                                </p:cTn>
+                              </p:par>
+                              <p:par>
+                                <p:cTn id="8" presetID="10" presetClass="entr" presetSubtype="0" fill="hold" nodeType="withEffect">
+                                  <p:stCondLst>
+                                    <p:cond delay="0"/>
+                                  </p:stCondLst>
+                                  <p:childTnLst>
+                                    <p:set>
+                                      <p:cBhvr>
+                                        <p:cTn id="9" dur="1" fill="hold">
+                                          <p:stCondLst>
+                                            <p:cond delay="0"/>
+                                          </p:stCondLst>
+                                        </p:cTn>
+                                        <p:tgtEl>
+                                          <p:spTgt spid="3">
+                                            <p:txEl>
+                                              <p:pRg st="5" end="5"/>
+                                            </p:txEl>
+                                          </p:spTgt>
+                                        </p:tgtEl>
+                                        <p:attrNameLst>
+                                          <p:attrName>style.visibility</p:attrName>
+                                        </p:attrNameLst>
+                                      </p:cBhvr>
+                                      <p:to>
+                                        <p:strVal val="visible"/>
+                                      </p:to>
+                                    </p:set>
+                                    <p:animEffect transition="in" filter="fade">
+                                      <p:cBhvr>
+                                        <p:cTn id="10" dur="500"/>
+                                        <p:tgtEl>
+                                          <p:spTgt spid="3">
+                                            <p:txEl>
+                                              <p:pRg st="5" end="5"/>
+                                            </p:txEl>
+                                          </p:spTgt>
+                                        </p:tgtEl>
+                                      </p:cBhvr>
+                                    </p:animEffect>
+                                  </p:childTnLst>
+                                </p:cTn>
+                              </p:par>
+                              <p:par>
+                                <p:cTn id="11" presetID="10" presetClass="entr" presetSubtype="0" fill="hold" nodeType="withEffect">
+                                  <p:stCondLst>
+                                    <p:cond delay="0"/>
+                                  </p:stCondLst>
+                                  <p:childTnLst>
+                                    <p:set>
+                                      <p:cBhvr>
+                                        <p:cTn id="12" dur="1" fill="hold">
+                                          <p:stCondLst>
+                                            <p:cond delay="0"/>
+                                          </p:stCondLst>
+                                        </p:cTn>
+                                        <p:tgtEl>
+                                          <p:spTgt spid="3">
+                                            <p:txEl>
+                                              <p:pRg st="6" end="6"/>
+                                            </p:txEl>
+                                          </p:spTgt>
+                                        </p:tgtEl>
+                                        <p:attrNameLst>
+                                          <p:attrName>style.visibility</p:attrName>
+                                        </p:attrNameLst>
+                                      </p:cBhvr>
+                                      <p:to>
+                                        <p:strVal val="visible"/>
+                                      </p:to>
+                                    </p:set>
+                                    <p:animEffect transition="in" filter="fade">
+                                      <p:cBhvr>
+                                        <p:cTn id="13" dur="500"/>
+                                        <p:tgtEl>
+                                          <p:spTgt spid="3">
+                                            <p:txEl>
+                                              <p:pRg st="6" end="6"/>
+                                            </p:txEl>
+                                          </p:spTgt>
+                                        </p:tgtEl>
+                                      </p:cBhvr>
+                                    </p:animEffect>
+                                  </p:childTnLst>
+                                </p:cTn>
+                              </p:par>
+                              <p:par>
+                                <p:cTn id="14" presetID="10" presetClass="entr" presetSubtype="0" fill="hold" nodeType="withEffect">
+                                  <p:stCondLst>
+                                    <p:cond delay="0"/>
+                                  </p:stCondLst>
+                                  <p:childTnLst>
+                                    <p:set>
+                                      <p:cBhvr>
+                                        <p:cTn id="15" dur="1" fill="hold">
+                                          <p:stCondLst>
+                                            <p:cond delay="0"/>
+                                          </p:stCondLst>
+                                        </p:cTn>
+                                        <p:tgtEl>
+                                          <p:spTgt spid="3">
+                                            <p:txEl>
+                                              <p:pRg st="7" end="7"/>
+                                            </p:txEl>
+                                          </p:spTgt>
+                                        </p:tgtEl>
+                                        <p:attrNameLst>
+                                          <p:attrName>style.visibility</p:attrName>
+                                        </p:attrNameLst>
+                                      </p:cBhvr>
+                                      <p:to>
+                                        <p:strVal val="visible"/>
+                                      </p:to>
+                                    </p:set>
+                                    <p:animEffect transition="in" filter="fade">
+                                      <p:cBhvr>
+                                        <p:cTn id="16" dur="500"/>
+                                        <p:tgtEl>
+                                          <p:spTgt spid="3">
+                                            <p:txEl>
+                                              <p:pRg st="7" end="7"/>
+                                            </p:txEl>
+                                          </p:spTgt>
+                                        </p:tgtEl>
+                                      </p:cBhvr>
+                                    </p:animEffect>
+                                  </p:childTnLst>
+                                </p:cTn>
+                              </p:par>
+                            </p:childTnLst>
+                          </p:cTn>
+                        </p:par>
+                      </p:childTnLst>
+                    </p:cTn>
+                  </p:par>
+                  <p:par>
+                    <p:cTn id="17" fill="hold">
+                      <p:stCondLst>
+                        <p:cond delay="indefinite"/>
+                      </p:stCondLst>
+                      <p:childTnLst>
+                        <p:par>
+                          <p:cTn id="18" fill="hold">
+                            <p:stCondLst>
+                              <p:cond delay="0"/>
+                            </p:stCondLst>
+                            <p:childTnLst>
+                              <p:par>
+                                <p:cTn id="19" presetID="10" presetClass="entr" presetSubtype="0" fill="hold" nodeType="clickEffect">
+                                  <p:stCondLst>
+                                    <p:cond delay="0"/>
+                                  </p:stCondLst>
+                                  <p:childTnLst>
+                                    <p:set>
+                                      <p:cBhvr>
+                                        <p:cTn id="20" dur="1" fill="hold">
+                                          <p:stCondLst>
+                                            <p:cond delay="0"/>
+                                          </p:stCondLst>
+                                        </p:cTn>
+                                        <p:tgtEl>
+                                          <p:spTgt spid="3">
+                                            <p:txEl>
+                                              <p:pRg st="8" end="8"/>
+                                            </p:txEl>
+                                          </p:spTgt>
+                                        </p:tgtEl>
+                                        <p:attrNameLst>
+                                          <p:attrName>style.visibility</p:attrName>
+                                        </p:attrNameLst>
+                                      </p:cBhvr>
+                                      <p:to>
+                                        <p:strVal val="visible"/>
+                                      </p:to>
+                                    </p:set>
+                                    <p:animEffect transition="in" filter="fade">
+                                      <p:cBhvr>
+                                        <p:cTn id="21" dur="500"/>
+                                        <p:tgtEl>
+                                          <p:spTgt spid="3">
+                                            <p:txEl>
+                                              <p:pRg st="8" end="8"/>
+                                            </p:txEl>
+                                          </p:spTgt>
+                                        </p:tgtEl>
+                                      </p:cBhvr>
+                                    </p:animEffect>
+                                  </p:childTnLst>
+                                </p:cTn>
+                              </p:par>
+                              <p:par>
+                                <p:cTn id="22" presetID="10" presetClass="entr" presetSubtype="0" fill="hold" nodeType="withEffect">
+                                  <p:stCondLst>
+                                    <p:cond delay="0"/>
+                                  </p:stCondLst>
+                                  <p:childTnLst>
+                                    <p:set>
+                                      <p:cBhvr>
+                                        <p:cTn id="23" dur="1" fill="hold">
+                                          <p:stCondLst>
+                                            <p:cond delay="0"/>
+                                          </p:stCondLst>
+                                        </p:cTn>
+                                        <p:tgtEl>
+                                          <p:spTgt spid="3">
+                                            <p:txEl>
+                                              <p:pRg st="9" end="9"/>
+                                            </p:txEl>
+                                          </p:spTgt>
+                                        </p:tgtEl>
+                                        <p:attrNameLst>
+                                          <p:attrName>style.visibility</p:attrName>
+                                        </p:attrNameLst>
+                                      </p:cBhvr>
+                                      <p:to>
+                                        <p:strVal val="visible"/>
+                                      </p:to>
+                                    </p:set>
+                                    <p:animEffect transition="in" filter="fade">
+                                      <p:cBhvr>
+                                        <p:cTn id="24" dur="500"/>
+                                        <p:tgtEl>
+                                          <p:spTgt spid="3">
+                                            <p:txEl>
+                                              <p:pRg st="9" end="9"/>
+                                            </p:txEl>
+                                          </p:spTgt>
+                                        </p:tgtEl>
+                                      </p:cBhvr>
+                                    </p:animEffect>
+                                  </p:childTnLst>
+                                </p:cTn>
+                              </p:par>
+                            </p:childTnLst>
+                          </p:cTn>
+                        </p:par>
+                      </p:childTnLst>
+                    </p:cTn>
+                  </p:par>
+                </p:childTnLst>
+              </p:cTn>
+              <p:prevCondLst>
+                <p:cond evt="onPrev" delay="0">
+                  <p:tgtEl>
+                    <p:sldTgt/>
+                  </p:tgtEl>
+                </p:cond>
+              </p:prevCondLst>
+              <p:nextCondLst>
+                <p:cond evt="onNext" delay="0">
+                  <p:tgtEl>
+                    <p:sldTgt/>
+                  </p:tgtEl>
+                </p:cond>
+              </p:nextCondLst>
+            </p:seq>
+          </p:childTnLst>
+        </p:cTn>
+      </p:par>
+    </p:tnLst>
+  </p:timing>
 </p:sld>
 </file>
 
@@ -10710,42 +15265,315 @@
           </a:p>
         </p:txBody>
       </p:sp>
-      <p:pic>
-        <p:nvPicPr>
-          <p:cNvPr id="7" name="图片 6">
+      <p:grpSp>
+        <p:nvGrpSpPr>
+          <p:cNvPr id="5" name="组合 4">
             <a:extLst>
               <a:ext uri="{FF2B5EF4-FFF2-40B4-BE49-F238E27FC236}">
-                <a16:creationId xmlns:a16="http://schemas.microsoft.com/office/drawing/2014/main" id="{B09729C8-52F3-4D4A-82C2-0AC3C4B32124}"/>
+                <a16:creationId xmlns:a16="http://schemas.microsoft.com/office/drawing/2014/main" id="{097AB5B3-FAEB-4FD3-9437-D0B8E12CB439}"/>
               </a:ext>
             </a:extLst>
           </p:cNvPr>
-          <p:cNvPicPr>
-            <a:picLocks noChangeAspect="1"/>
-          </p:cNvPicPr>
+          <p:cNvGrpSpPr/>
           <p:nvPr/>
-        </p:nvPicPr>
-        <p:blipFill>
-          <a:blip r:embed="rId2">
-            <a:extLst>
-              <a:ext uri="{28A0092B-C50C-407E-A947-70E740481C1C}">
-                <a14:useLocalDpi xmlns:a14="http://schemas.microsoft.com/office/drawing/2010/main" val="0"/>
-              </a:ext>
-            </a:extLst>
-          </a:blip>
-          <a:stretch>
-            <a:fillRect/>
-          </a:stretch>
-        </p:blipFill>
-        <p:spPr>
+        </p:nvGrpSpPr>
+        <p:grpSpPr>
           <a:xfrm>
-            <a:off x="4630854" y="2298765"/>
-            <a:ext cx="2930291" cy="2783776"/>
+            <a:off x="4285716" y="2209190"/>
+            <a:ext cx="3444475" cy="3104962"/>
+            <a:chOff x="4285716" y="2209190"/>
+            <a:chExt cx="3444475" cy="3104962"/>
           </a:xfrm>
-          <a:prstGeom prst="rect">
-            <a:avLst/>
-          </a:prstGeom>
-        </p:spPr>
-      </p:pic>
+        </p:grpSpPr>
+        <p:pic>
+          <p:nvPicPr>
+            <p:cNvPr id="7" name="图片 6">
+              <a:extLst>
+                <a:ext uri="{FF2B5EF4-FFF2-40B4-BE49-F238E27FC236}">
+                  <a16:creationId xmlns:a16="http://schemas.microsoft.com/office/drawing/2014/main" id="{B09729C8-52F3-4D4A-82C2-0AC3C4B32124}"/>
+                </a:ext>
+              </a:extLst>
+            </p:cNvPr>
+            <p:cNvPicPr>
+              <a:picLocks noChangeAspect="1"/>
+            </p:cNvPicPr>
+            <p:nvPr/>
+          </p:nvPicPr>
+          <p:blipFill>
+            <a:blip r:embed="rId2">
+              <a:extLst>
+                <a:ext uri="{28A0092B-C50C-407E-A947-70E740481C1C}">
+                  <a14:useLocalDpi xmlns:a14="http://schemas.microsoft.com/office/drawing/2010/main" val="0"/>
+                </a:ext>
+              </a:extLst>
+            </a:blip>
+            <a:stretch>
+              <a:fillRect/>
+            </a:stretch>
+          </p:blipFill>
+          <p:spPr>
+            <a:xfrm>
+              <a:off x="4461809" y="2209190"/>
+              <a:ext cx="3268382" cy="3104962"/>
+            </a:xfrm>
+            <a:prstGeom prst="rect">
+              <a:avLst/>
+            </a:prstGeom>
+          </p:spPr>
+        </p:pic>
+        <p:sp>
+          <p:nvSpPr>
+            <p:cNvPr id="4" name="文本框 3">
+              <a:extLst>
+                <a:ext uri="{FF2B5EF4-FFF2-40B4-BE49-F238E27FC236}">
+                  <a16:creationId xmlns:a16="http://schemas.microsoft.com/office/drawing/2014/main" id="{631144BF-0688-4282-AE6A-3DFB5FA3B69B}"/>
+                </a:ext>
+              </a:extLst>
+            </p:cNvPr>
+            <p:cNvSpPr txBox="1"/>
+            <p:nvPr/>
+          </p:nvSpPr>
+          <p:spPr>
+            <a:xfrm>
+              <a:off x="4592050" y="2846170"/>
+              <a:ext cx="417102" cy="369332"/>
+            </a:xfrm>
+            <a:prstGeom prst="rect">
+              <a:avLst/>
+            </a:prstGeom>
+            <a:noFill/>
+          </p:spPr>
+          <p:txBody>
+            <a:bodyPr wrap="none" rtlCol="0">
+              <a:spAutoFit/>
+            </a:bodyPr>
+            <a:lstStyle/>
+            <a:p>
+              <a:r>
+                <a:rPr lang="en-US" altLang="zh-CN" dirty="0"/>
+                <a:t>EX</a:t>
+              </a:r>
+              <a:endParaRPr lang="zh-CN" altLang="en-US" dirty="0"/>
+            </a:p>
+          </p:txBody>
+        </p:sp>
+        <p:sp>
+          <p:nvSpPr>
+            <p:cNvPr id="6" name="文本框 5">
+              <a:extLst>
+                <a:ext uri="{FF2B5EF4-FFF2-40B4-BE49-F238E27FC236}">
+                  <a16:creationId xmlns:a16="http://schemas.microsoft.com/office/drawing/2014/main" id="{D925F9C6-1093-4927-A92C-7429B7FA920E}"/>
+                </a:ext>
+              </a:extLst>
+            </p:cNvPr>
+            <p:cNvSpPr txBox="1"/>
+            <p:nvPr/>
+          </p:nvSpPr>
+          <p:spPr>
+            <a:xfrm>
+              <a:off x="4729106" y="2254596"/>
+              <a:ext cx="691215" cy="369332"/>
+            </a:xfrm>
+            <a:prstGeom prst="rect">
+              <a:avLst/>
+            </a:prstGeom>
+            <a:noFill/>
+          </p:spPr>
+          <p:txBody>
+            <a:bodyPr wrap="none" rtlCol="0">
+              <a:spAutoFit/>
+            </a:bodyPr>
+            <a:lstStyle/>
+            <a:p>
+              <a:r>
+                <a:rPr lang="en-US" altLang="zh-CN" dirty="0"/>
+                <a:t>MEM</a:t>
+              </a:r>
+              <a:endParaRPr lang="zh-CN" altLang="en-US" dirty="0"/>
+            </a:p>
+          </p:txBody>
+        </p:sp>
+        <p:sp>
+          <p:nvSpPr>
+            <p:cNvPr id="8" name="文本框 7">
+              <a:extLst>
+                <a:ext uri="{FF2B5EF4-FFF2-40B4-BE49-F238E27FC236}">
+                  <a16:creationId xmlns:a16="http://schemas.microsoft.com/office/drawing/2014/main" id="{A1C1185D-C88E-49EA-8718-E4847BD27A74}"/>
+                </a:ext>
+              </a:extLst>
+            </p:cNvPr>
+            <p:cNvSpPr txBox="1"/>
+            <p:nvPr/>
+          </p:nvSpPr>
+          <p:spPr>
+            <a:xfrm>
+              <a:off x="4666589" y="3505552"/>
+              <a:ext cx="753732" cy="369332"/>
+            </a:xfrm>
+            <a:prstGeom prst="rect">
+              <a:avLst/>
+            </a:prstGeom>
+            <a:noFill/>
+          </p:spPr>
+          <p:txBody>
+            <a:bodyPr wrap="none" rtlCol="0">
+              <a:spAutoFit/>
+            </a:bodyPr>
+            <a:lstStyle/>
+            <a:p>
+              <a:r>
+                <a:rPr lang="en-US" altLang="zh-CN" dirty="0"/>
+                <a:t>Cache</a:t>
+              </a:r>
+              <a:endParaRPr lang="zh-CN" altLang="en-US" dirty="0"/>
+            </a:p>
+          </p:txBody>
+        </p:sp>
+        <p:sp>
+          <p:nvSpPr>
+            <p:cNvPr id="9" name="文本框 8">
+              <a:extLst>
+                <a:ext uri="{FF2B5EF4-FFF2-40B4-BE49-F238E27FC236}">
+                  <a16:creationId xmlns:a16="http://schemas.microsoft.com/office/drawing/2014/main" id="{721C1ADF-920E-43DB-92E1-FBE707F5E3DB}"/>
+                </a:ext>
+              </a:extLst>
+            </p:cNvPr>
+            <p:cNvSpPr txBox="1"/>
+            <p:nvPr/>
+          </p:nvSpPr>
+          <p:spPr>
+            <a:xfrm>
+              <a:off x="5480284" y="2343408"/>
+              <a:ext cx="348172" cy="369332"/>
+            </a:xfrm>
+            <a:prstGeom prst="rect">
+              <a:avLst/>
+            </a:prstGeom>
+            <a:noFill/>
+          </p:spPr>
+          <p:txBody>
+            <a:bodyPr wrap="none" rtlCol="0">
+              <a:spAutoFit/>
+            </a:bodyPr>
+            <a:lstStyle/>
+            <a:p>
+              <a:r>
+                <a:rPr lang="en-US" altLang="zh-CN" dirty="0"/>
+                <a:t>IF</a:t>
+              </a:r>
+              <a:endParaRPr lang="zh-CN" altLang="en-US" dirty="0"/>
+            </a:p>
+          </p:txBody>
+        </p:sp>
+        <p:sp>
+          <p:nvSpPr>
+            <p:cNvPr id="10" name="文本框 9">
+              <a:extLst>
+                <a:ext uri="{FF2B5EF4-FFF2-40B4-BE49-F238E27FC236}">
+                  <a16:creationId xmlns:a16="http://schemas.microsoft.com/office/drawing/2014/main" id="{916CCC61-A6AC-4082-B546-E0EFCC16B8F5}"/>
+                </a:ext>
+              </a:extLst>
+            </p:cNvPr>
+            <p:cNvSpPr txBox="1"/>
+            <p:nvPr/>
+          </p:nvSpPr>
+          <p:spPr>
+            <a:xfrm>
+              <a:off x="4285716" y="2528074"/>
+              <a:ext cx="514885" cy="369332"/>
+            </a:xfrm>
+            <a:prstGeom prst="rect">
+              <a:avLst/>
+            </a:prstGeom>
+            <a:noFill/>
+          </p:spPr>
+          <p:txBody>
+            <a:bodyPr wrap="none" rtlCol="0">
+              <a:spAutoFit/>
+            </a:bodyPr>
+            <a:lstStyle/>
+            <a:p>
+              <a:r>
+                <a:rPr lang="en-US" altLang="zh-CN" dirty="0"/>
+                <a:t>WB</a:t>
+              </a:r>
+              <a:endParaRPr lang="zh-CN" altLang="en-US" dirty="0"/>
+            </a:p>
+          </p:txBody>
+        </p:sp>
+        <p:sp>
+          <p:nvSpPr>
+            <p:cNvPr id="11" name="文本框 10">
+              <a:extLst>
+                <a:ext uri="{FF2B5EF4-FFF2-40B4-BE49-F238E27FC236}">
+                  <a16:creationId xmlns:a16="http://schemas.microsoft.com/office/drawing/2014/main" id="{99F3CE93-568B-4AD5-887C-18A42DD48D20}"/>
+                </a:ext>
+              </a:extLst>
+            </p:cNvPr>
+            <p:cNvSpPr txBox="1"/>
+            <p:nvPr/>
+          </p:nvSpPr>
+          <p:spPr>
+            <a:xfrm>
+              <a:off x="5661563" y="2546389"/>
+              <a:ext cx="426720" cy="369332"/>
+            </a:xfrm>
+            <a:prstGeom prst="rect">
+              <a:avLst/>
+            </a:prstGeom>
+            <a:noFill/>
+          </p:spPr>
+          <p:txBody>
+            <a:bodyPr wrap="none" rtlCol="0">
+              <a:spAutoFit/>
+            </a:bodyPr>
+            <a:lstStyle/>
+            <a:p>
+              <a:r>
+                <a:rPr lang="en-US" altLang="zh-CN" dirty="0"/>
+                <a:t>PC</a:t>
+              </a:r>
+              <a:endParaRPr lang="zh-CN" altLang="en-US" dirty="0"/>
+            </a:p>
+          </p:txBody>
+        </p:sp>
+        <p:sp>
+          <p:nvSpPr>
+            <p:cNvPr id="12" name="文本框 11">
+              <a:extLst>
+                <a:ext uri="{FF2B5EF4-FFF2-40B4-BE49-F238E27FC236}">
+                  <a16:creationId xmlns:a16="http://schemas.microsoft.com/office/drawing/2014/main" id="{A2712AE8-7B8B-49A6-8B45-643E831E563D}"/>
+                </a:ext>
+              </a:extLst>
+            </p:cNvPr>
+            <p:cNvSpPr txBox="1"/>
+            <p:nvPr/>
+          </p:nvSpPr>
+          <p:spPr>
+            <a:xfrm>
+              <a:off x="5323157" y="2937321"/>
+              <a:ext cx="385042" cy="369332"/>
+            </a:xfrm>
+            <a:prstGeom prst="rect">
+              <a:avLst/>
+            </a:prstGeom>
+            <a:noFill/>
+          </p:spPr>
+          <p:txBody>
+            <a:bodyPr wrap="none" rtlCol="0">
+              <a:spAutoFit/>
+            </a:bodyPr>
+            <a:lstStyle/>
+            <a:p>
+              <a:r>
+                <a:rPr lang="en-US" altLang="zh-CN" dirty="0"/>
+                <a:t>ID</a:t>
+              </a:r>
+              <a:endParaRPr lang="zh-CN" altLang="en-US" dirty="0"/>
+            </a:p>
+          </p:txBody>
+        </p:sp>
+      </p:grpSp>
     </p:spTree>
     <p:extLst>
       <p:ext uri="{BB962C8B-B14F-4D97-AF65-F5344CB8AC3E}">
@@ -10756,6 +15584,150 @@
   <p:clrMapOvr>
     <a:masterClrMapping/>
   </p:clrMapOvr>
+  <p:timing>
+    <p:tnLst>
+      <p:par>
+        <p:cTn id="1" dur="indefinite" restart="never" nodeType="tmRoot">
+          <p:childTnLst>
+            <p:seq concurrent="1" nextAc="seek">
+              <p:cTn id="2" dur="indefinite" nodeType="mainSeq">
+                <p:childTnLst>
+                  <p:par>
+                    <p:cTn id="3" fill="hold">
+                      <p:stCondLst>
+                        <p:cond delay="indefinite"/>
+                      </p:stCondLst>
+                      <p:childTnLst>
+                        <p:par>
+                          <p:cTn id="4" fill="hold">
+                            <p:stCondLst>
+                              <p:cond delay="0"/>
+                            </p:stCondLst>
+                            <p:childTnLst>
+                              <p:par>
+                                <p:cTn id="5" presetID="10" presetClass="entr" presetSubtype="0" fill="hold" nodeType="clickEffect">
+                                  <p:stCondLst>
+                                    <p:cond delay="0"/>
+                                  </p:stCondLst>
+                                  <p:childTnLst>
+                                    <p:set>
+                                      <p:cBhvr>
+                                        <p:cTn id="6" dur="1" fill="hold">
+                                          <p:stCondLst>
+                                            <p:cond delay="0"/>
+                                          </p:stCondLst>
+                                        </p:cTn>
+                                        <p:tgtEl>
+                                          <p:spTgt spid="5"/>
+                                        </p:tgtEl>
+                                        <p:attrNameLst>
+                                          <p:attrName>style.visibility</p:attrName>
+                                        </p:attrNameLst>
+                                      </p:cBhvr>
+                                      <p:to>
+                                        <p:strVal val="visible"/>
+                                      </p:to>
+                                    </p:set>
+                                    <p:animEffect transition="in" filter="fade">
+                                      <p:cBhvr>
+                                        <p:cTn id="7" dur="500"/>
+                                        <p:tgtEl>
+                                          <p:spTgt spid="5"/>
+                                        </p:tgtEl>
+                                      </p:cBhvr>
+                                    </p:animEffect>
+                                  </p:childTnLst>
+                                </p:cTn>
+                              </p:par>
+                            </p:childTnLst>
+                          </p:cTn>
+                        </p:par>
+                      </p:childTnLst>
+                    </p:cTn>
+                  </p:par>
+                  <p:par>
+                    <p:cTn id="8" fill="hold">
+                      <p:stCondLst>
+                        <p:cond delay="indefinite"/>
+                      </p:stCondLst>
+                      <p:childTnLst>
+                        <p:par>
+                          <p:cTn id="9" fill="hold">
+                            <p:stCondLst>
+                              <p:cond delay="0"/>
+                            </p:stCondLst>
+                            <p:childTnLst>
+                              <p:par>
+                                <p:cTn id="10" presetID="10" presetClass="entr" presetSubtype="0" fill="hold" nodeType="clickEffect">
+                                  <p:stCondLst>
+                                    <p:cond delay="0"/>
+                                  </p:stCondLst>
+                                  <p:childTnLst>
+                                    <p:set>
+                                      <p:cBhvr>
+                                        <p:cTn id="11" dur="1" fill="hold">
+                                          <p:stCondLst>
+                                            <p:cond delay="0"/>
+                                          </p:stCondLst>
+                                        </p:cTn>
+                                        <p:tgtEl>
+                                          <p:spTgt spid="3">
+                                            <p:txEl>
+                                              <p:pRg st="7" end="7"/>
+                                            </p:txEl>
+                                          </p:spTgt>
+                                        </p:tgtEl>
+                                        <p:attrNameLst>
+                                          <p:attrName>style.visibility</p:attrName>
+                                        </p:attrNameLst>
+                                      </p:cBhvr>
+                                      <p:to>
+                                        <p:strVal val="visible"/>
+                                      </p:to>
+                                    </p:set>
+                                    <p:animEffect transition="in" filter="fade">
+                                      <p:cBhvr>
+                                        <p:cTn id="12" dur="500"/>
+                                        <p:tgtEl>
+                                          <p:spTgt spid="3">
+                                            <p:txEl>
+                                              <p:pRg st="7" end="7"/>
+                                            </p:txEl>
+                                          </p:spTgt>
+                                        </p:tgtEl>
+                                      </p:cBhvr>
+                                    </p:animEffect>
+                                  </p:childTnLst>
+                                </p:cTn>
+                              </p:par>
+                            </p:childTnLst>
+                          </p:cTn>
+                        </p:par>
+                      </p:childTnLst>
+                    </p:cTn>
+                  </p:par>
+                </p:childTnLst>
+              </p:cTn>
+              <p:prevCondLst>
+                <p:cond evt="onPrev" delay="0">
+                  <p:tgtEl>
+                    <p:sldTgt/>
+                  </p:tgtEl>
+                </p:cond>
+              </p:prevCondLst>
+              <p:nextCondLst>
+                <p:cond evt="onNext" delay="0">
+                  <p:tgtEl>
+                    <p:sldTgt/>
+                  </p:tgtEl>
+                </p:cond>
+              </p:nextCondLst>
+            </p:seq>
+          </p:childTnLst>
+        </p:cTn>
+      </p:par>
+    </p:tnLst>
+  </p:timing>
 </p:sld>
 </file>
 
@@ -14078,11 +19050,9 @@
               <a:lumMod val="75000"/>
             </a:schemeClr>
           </a:solidFill>
-          <a:ln w="25400">
+          <a:ln w="38100">
             <a:solidFill>
-              <a:schemeClr val="accent2">
-                <a:lumMod val="75000"/>
-              </a:schemeClr>
+              <a:srgbClr val="FF0000"/>
             </a:solidFill>
           </a:ln>
         </p:spPr>
@@ -14152,7 +19122,9 @@
           </a:solidFill>
           <a:ln w="50800">
             <a:solidFill>
-              <a:srgbClr val="C00000"/>
+              <a:schemeClr val="accent2">
+                <a:lumMod val="75000"/>
+              </a:schemeClr>
             </a:solidFill>
           </a:ln>
         </p:spPr>
@@ -14365,7 +19337,9 @@
           </a:solidFill>
           <a:ln w="50800">
             <a:solidFill>
-              <a:srgbClr val="FF0000"/>
+              <a:schemeClr val="accent2">
+                <a:lumMod val="75000"/>
+              </a:schemeClr>
             </a:solidFill>
           </a:ln>
         </p:spPr>
@@ -14499,7 +19473,7 @@
             <a:avLst/>
           </a:prstGeom>
           <a:solidFill>
-            <a:schemeClr val="accent4">
+            <a:schemeClr val="accent2">
               <a:lumMod val="60000"/>
               <a:lumOff val="40000"/>
             </a:schemeClr>

--- a/arch_pre.pptx
+++ b/arch_pre.pptx
@@ -2806,7 +2806,7 @@
   <pc:docChgLst>
     <pc:chgData name="Yang Zonghan" userId="02d2eaccc4506086" providerId="LiveId" clId="{DD3F9741-BFC9-448B-B80E-2646DC010363}"/>
     <pc:docChg chg="undo custSel addSld modSld sldOrd">
-      <pc:chgData name="Yang Zonghan" userId="02d2eaccc4506086" providerId="LiveId" clId="{DD3F9741-BFC9-448B-B80E-2646DC010363}" dt="2020-01-03T20:00:50.379" v="727" actId="1076"/>
+      <pc:chgData name="Yang Zonghan" userId="02d2eaccc4506086" providerId="LiveId" clId="{DD3F9741-BFC9-448B-B80E-2646DC010363}" dt="2020-01-03T20:24:11.274" v="729" actId="14100"/>
       <pc:docMkLst>
         <pc:docMk/>
       </pc:docMkLst>
@@ -2833,7 +2833,7 @@
         </pc:spChg>
       </pc:sldChg>
       <pc:sldChg chg="addSp modSp modAnim">
-        <pc:chgData name="Yang Zonghan" userId="02d2eaccc4506086" providerId="LiveId" clId="{DD3F9741-BFC9-448B-B80E-2646DC010363}" dt="2020-01-03T19:41:57.663" v="648"/>
+        <pc:chgData name="Yang Zonghan" userId="02d2eaccc4506086" providerId="LiveId" clId="{DD3F9741-BFC9-448B-B80E-2646DC010363}" dt="2020-01-03T20:24:11.274" v="729" actId="14100"/>
         <pc:sldMkLst>
           <pc:docMk/>
           <pc:sldMk cId="1864698801" sldId="262"/>
@@ -2895,7 +2895,7 @@
           </ac:spMkLst>
         </pc:spChg>
         <pc:grpChg chg="add mod">
-          <ac:chgData name="Yang Zonghan" userId="02d2eaccc4506086" providerId="LiveId" clId="{DD3F9741-BFC9-448B-B80E-2646DC010363}" dt="2020-01-03T19:41:51.918" v="646" actId="164"/>
+          <ac:chgData name="Yang Zonghan" userId="02d2eaccc4506086" providerId="LiveId" clId="{DD3F9741-BFC9-448B-B80E-2646DC010363}" dt="2020-01-03T20:24:11.274" v="729" actId="14100"/>
           <ac:grpSpMkLst>
             <pc:docMk/>
             <pc:sldMk cId="1864698801" sldId="262"/>
@@ -11017,8 +11017,8 @@
           </a:p>
         </p:txBody>
       </p:sp>
-      <mc:AlternateContent xmlns:mc="http://schemas.openxmlformats.org/markup-compatibility/2006">
-        <mc:Choice xmlns:a14="http://schemas.microsoft.com/office/drawing/2010/main" Requires="a14">
+      <mc:AlternateContent xmlns:mc="http://schemas.openxmlformats.org/markup-compatibility/2006" xmlns:a14="http://schemas.microsoft.com/office/drawing/2010/main">
+        <mc:Choice Requires="a14">
           <p:sp>
             <p:nvSpPr>
               <p:cNvPr id="3" name="内容占位符 2">
@@ -11223,7 +11223,7 @@
             </p:txBody>
           </p:sp>
         </mc:Choice>
-        <mc:Fallback>
+        <mc:Fallback xmlns="">
           <p:sp>
             <p:nvSpPr>
               <p:cNvPr id="3" name="内容占位符 2">
@@ -11635,8 +11635,8 @@
           </a:p>
         </p:txBody>
       </p:sp>
-      <mc:AlternateContent xmlns:mc="http://schemas.openxmlformats.org/markup-compatibility/2006">
-        <mc:Choice xmlns:a14="http://schemas.microsoft.com/office/drawing/2010/main" Requires="a14">
+      <mc:AlternateContent xmlns:mc="http://schemas.openxmlformats.org/markup-compatibility/2006" xmlns:a14="http://schemas.microsoft.com/office/drawing/2010/main">
+        <mc:Choice Requires="a14">
           <p:sp>
             <p:nvSpPr>
               <p:cNvPr id="3" name="内容占位符 2">
@@ -11747,7 +11747,7 @@
             </p:txBody>
           </p:sp>
         </mc:Choice>
-        <mc:Fallback>
+        <mc:Fallback xmlns="">
           <p:sp>
             <p:nvSpPr>
               <p:cNvPr id="3" name="内容占位符 2">
@@ -15279,8 +15279,8 @@
         </p:nvGrpSpPr>
         <p:grpSpPr>
           <a:xfrm>
-            <a:off x="4285716" y="2209190"/>
-            <a:ext cx="3444475" cy="3104962"/>
+            <a:off x="4259334" y="2300748"/>
+            <a:ext cx="3497240" cy="2921846"/>
             <a:chOff x="4285716" y="2209190"/>
             <a:chExt cx="3444475" cy="3104962"/>
           </a:xfrm>

--- a/arch_pre.pptx
+++ b/arch_pre.pptx
@@ -2806,7 +2806,7 @@
   <pc:docChgLst>
     <pc:chgData name="Yang Zonghan" userId="02d2eaccc4506086" providerId="LiveId" clId="{DD3F9741-BFC9-448B-B80E-2646DC010363}"/>
     <pc:docChg chg="undo custSel addSld modSld sldOrd">
-      <pc:chgData name="Yang Zonghan" userId="02d2eaccc4506086" providerId="LiveId" clId="{DD3F9741-BFC9-448B-B80E-2646DC010363}" dt="2020-01-03T20:24:11.274" v="729" actId="14100"/>
+      <pc:chgData name="Yang Zonghan" userId="02d2eaccc4506086" providerId="LiveId" clId="{DD3F9741-BFC9-448B-B80E-2646DC010363}" dt="2020-01-03T20:26:04.538" v="737" actId="478"/>
       <pc:docMkLst>
         <pc:docMk/>
       </pc:docMkLst>
@@ -3127,6 +3127,77 @@
             <ac:picMk id="12" creationId="{7216BEAA-FC0D-4594-83FC-7756986FF0CF}"/>
           </ac:picMkLst>
         </pc:picChg>
+      </pc:sldChg>
+      <pc:sldChg chg="delSp modSp">
+        <pc:chgData name="Yang Zonghan" userId="02d2eaccc4506086" providerId="LiveId" clId="{DD3F9741-BFC9-448B-B80E-2646DC010363}" dt="2020-01-03T20:26:04.538" v="737" actId="478"/>
+        <pc:sldMkLst>
+          <pc:docMk/>
+          <pc:sldMk cId="1535037586" sldId="272"/>
+        </pc:sldMkLst>
+        <pc:cxnChg chg="del">
+          <ac:chgData name="Yang Zonghan" userId="02d2eaccc4506086" providerId="LiveId" clId="{DD3F9741-BFC9-448B-B80E-2646DC010363}" dt="2020-01-03T20:25:47.164" v="730" actId="478"/>
+          <ac:cxnSpMkLst>
+            <pc:docMk/>
+            <pc:sldMk cId="1535037586" sldId="272"/>
+            <ac:cxnSpMk id="52" creationId="{3424D89E-2C33-441D-8025-EC0EFA5131F4}"/>
+          </ac:cxnSpMkLst>
+        </pc:cxnChg>
+        <pc:cxnChg chg="mod">
+          <ac:chgData name="Yang Zonghan" userId="02d2eaccc4506086" providerId="LiveId" clId="{DD3F9741-BFC9-448B-B80E-2646DC010363}" dt="2020-01-03T20:25:50.301" v="731" actId="1076"/>
+          <ac:cxnSpMkLst>
+            <pc:docMk/>
+            <pc:sldMk cId="1535037586" sldId="272"/>
+            <ac:cxnSpMk id="53" creationId="{08407B9C-1EFB-40A2-BB0C-DCA66D5F5E75}"/>
+          </ac:cxnSpMkLst>
+        </pc:cxnChg>
+        <pc:cxnChg chg="del">
+          <ac:chgData name="Yang Zonghan" userId="02d2eaccc4506086" providerId="LiveId" clId="{DD3F9741-BFC9-448B-B80E-2646DC010363}" dt="2020-01-03T20:25:51.833" v="732" actId="478"/>
+          <ac:cxnSpMkLst>
+            <pc:docMk/>
+            <pc:sldMk cId="1535037586" sldId="272"/>
+            <ac:cxnSpMk id="54" creationId="{5AF6DF53-B0EB-414D-A4F8-1A22F243C303}"/>
+          </ac:cxnSpMkLst>
+        </pc:cxnChg>
+        <pc:cxnChg chg="mod">
+          <ac:chgData name="Yang Zonghan" userId="02d2eaccc4506086" providerId="LiveId" clId="{DD3F9741-BFC9-448B-B80E-2646DC010363}" dt="2020-01-03T20:25:56.430" v="733" actId="1076"/>
+          <ac:cxnSpMkLst>
+            <pc:docMk/>
+            <pc:sldMk cId="1535037586" sldId="272"/>
+            <ac:cxnSpMk id="55" creationId="{DF025B24-D401-406A-8ABC-4B923E4A30B2}"/>
+          </ac:cxnSpMkLst>
+        </pc:cxnChg>
+        <pc:cxnChg chg="mod">
+          <ac:chgData name="Yang Zonghan" userId="02d2eaccc4506086" providerId="LiveId" clId="{DD3F9741-BFC9-448B-B80E-2646DC010363}" dt="2020-01-03T20:26:00.877" v="735" actId="1076"/>
+          <ac:cxnSpMkLst>
+            <pc:docMk/>
+            <pc:sldMk cId="1535037586" sldId="272"/>
+            <ac:cxnSpMk id="56" creationId="{EDB4D179-16F6-4E9B-ABA9-6BC2AD109C3B}"/>
+          </ac:cxnSpMkLst>
+        </pc:cxnChg>
+        <pc:cxnChg chg="del">
+          <ac:chgData name="Yang Zonghan" userId="02d2eaccc4506086" providerId="LiveId" clId="{DD3F9741-BFC9-448B-B80E-2646DC010363}" dt="2020-01-03T20:25:58.416" v="734" actId="478"/>
+          <ac:cxnSpMkLst>
+            <pc:docMk/>
+            <pc:sldMk cId="1535037586" sldId="272"/>
+            <ac:cxnSpMk id="57" creationId="{D6C5BB08-4652-4F50-8145-247C419B24F9}"/>
+          </ac:cxnSpMkLst>
+        </pc:cxnChg>
+        <pc:cxnChg chg="mod">
+          <ac:chgData name="Yang Zonghan" userId="02d2eaccc4506086" providerId="LiveId" clId="{DD3F9741-BFC9-448B-B80E-2646DC010363}" dt="2020-01-03T20:26:03.352" v="736" actId="1076"/>
+          <ac:cxnSpMkLst>
+            <pc:docMk/>
+            <pc:sldMk cId="1535037586" sldId="272"/>
+            <ac:cxnSpMk id="58" creationId="{C5950455-1ED9-4517-9625-BCBE15FE2385}"/>
+          </ac:cxnSpMkLst>
+        </pc:cxnChg>
+        <pc:cxnChg chg="del">
+          <ac:chgData name="Yang Zonghan" userId="02d2eaccc4506086" providerId="LiveId" clId="{DD3F9741-BFC9-448B-B80E-2646DC010363}" dt="2020-01-03T20:26:04.538" v="737" actId="478"/>
+          <ac:cxnSpMkLst>
+            <pc:docMk/>
+            <pc:sldMk cId="1535037586" sldId="272"/>
+            <ac:cxnSpMk id="59" creationId="{63F181E1-E92D-4DA7-BC21-E268543ACF7D}"/>
+          </ac:cxnSpMkLst>
+        </pc:cxnChg>
       </pc:sldChg>
       <pc:sldChg chg="modAnim">
         <pc:chgData name="Yang Zonghan" userId="02d2eaccc4506086" providerId="LiveId" clId="{DD3F9741-BFC9-448B-B80E-2646DC010363}" dt="2020-01-03T19:42:39.888" v="653"/>
@@ -8782,47 +8853,6 @@
       </p:cxnSp>
       <p:cxnSp>
         <p:nvCxnSpPr>
-          <p:cNvPr id="52" name="直接箭头连接符 51">
-            <a:extLst>
-              <a:ext uri="{FF2B5EF4-FFF2-40B4-BE49-F238E27FC236}">
-                <a16:creationId xmlns:a16="http://schemas.microsoft.com/office/drawing/2014/main" id="{3424D89E-2C33-441D-8025-EC0EFA5131F4}"/>
-              </a:ext>
-            </a:extLst>
-          </p:cNvPr>
-          <p:cNvCxnSpPr>
-            <a:cxnSpLocks/>
-          </p:cNvCxnSpPr>
-          <p:nvPr/>
-        </p:nvCxnSpPr>
-        <p:spPr>
-          <a:xfrm flipV="1">
-            <a:off x="5165844" y="2888093"/>
-            <a:ext cx="0" cy="639529"/>
-          </a:xfrm>
-          <a:prstGeom prst="straightConnector1">
-            <a:avLst/>
-          </a:prstGeom>
-          <a:ln>
-            <a:tailEnd type="triangle"/>
-          </a:ln>
-        </p:spPr>
-        <p:style>
-          <a:lnRef idx="3">
-            <a:schemeClr val="accent5"/>
-          </a:lnRef>
-          <a:fillRef idx="0">
-            <a:schemeClr val="accent5"/>
-          </a:fillRef>
-          <a:effectRef idx="2">
-            <a:schemeClr val="accent5"/>
-          </a:effectRef>
-          <a:fontRef idx="minor">
-            <a:schemeClr val="tx1"/>
-          </a:fontRef>
-        </p:style>
-      </p:cxnSp>
-      <p:cxnSp>
-        <p:nvCxnSpPr>
           <p:cNvPr id="53" name="直接箭头连接符 52">
             <a:extLst>
               <a:ext uri="{FF2B5EF4-FFF2-40B4-BE49-F238E27FC236}">
@@ -8837,48 +8867,7 @@
         </p:nvCxnSpPr>
         <p:spPr>
           <a:xfrm flipV="1">
-            <a:off x="6119179" y="2888093"/>
-            <a:ext cx="0" cy="639529"/>
-          </a:xfrm>
-          <a:prstGeom prst="straightConnector1">
-            <a:avLst/>
-          </a:prstGeom>
-          <a:ln>
-            <a:tailEnd type="triangle"/>
-          </a:ln>
-        </p:spPr>
-        <p:style>
-          <a:lnRef idx="3">
-            <a:schemeClr val="accent5"/>
-          </a:lnRef>
-          <a:fillRef idx="0">
-            <a:schemeClr val="accent5"/>
-          </a:fillRef>
-          <a:effectRef idx="2">
-            <a:schemeClr val="accent5"/>
-          </a:effectRef>
-          <a:fontRef idx="minor">
-            <a:schemeClr val="tx1"/>
-          </a:fontRef>
-        </p:style>
-      </p:cxnSp>
-      <p:cxnSp>
-        <p:nvCxnSpPr>
-          <p:cNvPr id="54" name="直接箭头连接符 53">
-            <a:extLst>
-              <a:ext uri="{FF2B5EF4-FFF2-40B4-BE49-F238E27FC236}">
-                <a16:creationId xmlns:a16="http://schemas.microsoft.com/office/drawing/2014/main" id="{5AF6DF53-B0EB-414D-A4F8-1A22F243C303}"/>
-              </a:ext>
-            </a:extLst>
-          </p:cNvPr>
-          <p:cNvCxnSpPr>
-            <a:cxnSpLocks/>
-          </p:cNvCxnSpPr>
-          <p:nvPr/>
-        </p:nvCxnSpPr>
-        <p:spPr>
-          <a:xfrm flipV="1">
-            <a:off x="6926787" y="2888093"/>
+            <a:off x="5670828" y="2896807"/>
             <a:ext cx="0" cy="639529"/>
           </a:xfrm>
           <a:prstGeom prst="straightConnector1">
@@ -8919,7 +8908,7 @@
         </p:nvCxnSpPr>
         <p:spPr>
           <a:xfrm flipV="1">
-            <a:off x="7880122" y="2888093"/>
+            <a:off x="7414073" y="2906599"/>
             <a:ext cx="0" cy="639529"/>
           </a:xfrm>
           <a:prstGeom prst="straightConnector1">
@@ -8960,48 +8949,7 @@
         </p:nvCxnSpPr>
         <p:spPr>
           <a:xfrm flipV="1">
-            <a:off x="8682169" y="2888093"/>
-            <a:ext cx="0" cy="639529"/>
-          </a:xfrm>
-          <a:prstGeom prst="straightConnector1">
-            <a:avLst/>
-          </a:prstGeom>
-          <a:ln>
-            <a:tailEnd type="triangle"/>
-          </a:ln>
-        </p:spPr>
-        <p:style>
-          <a:lnRef idx="3">
-            <a:schemeClr val="accent5"/>
-          </a:lnRef>
-          <a:fillRef idx="0">
-            <a:schemeClr val="accent5"/>
-          </a:fillRef>
-          <a:effectRef idx="2">
-            <a:schemeClr val="accent5"/>
-          </a:effectRef>
-          <a:fontRef idx="minor">
-            <a:schemeClr val="tx1"/>
-          </a:fontRef>
-        </p:style>
-      </p:cxnSp>
-      <p:cxnSp>
-        <p:nvCxnSpPr>
-          <p:cNvPr id="57" name="直接箭头连接符 56">
-            <a:extLst>
-              <a:ext uri="{FF2B5EF4-FFF2-40B4-BE49-F238E27FC236}">
-                <a16:creationId xmlns:a16="http://schemas.microsoft.com/office/drawing/2014/main" id="{D6C5BB08-4652-4F50-8145-247C419B24F9}"/>
-              </a:ext>
-            </a:extLst>
-          </p:cNvPr>
-          <p:cNvCxnSpPr>
-            <a:cxnSpLocks/>
-          </p:cNvCxnSpPr>
-          <p:nvPr/>
-        </p:nvCxnSpPr>
-        <p:spPr>
-          <a:xfrm flipV="1">
-            <a:off x="9635504" y="2888093"/>
+            <a:off x="9124620" y="2896807"/>
             <a:ext cx="0" cy="639529"/>
           </a:xfrm>
           <a:prstGeom prst="straightConnector1">
@@ -9042,48 +8990,7 @@
         </p:nvCxnSpPr>
         <p:spPr>
           <a:xfrm flipV="1">
-            <a:off x="10389716" y="2896807"/>
-            <a:ext cx="0" cy="639529"/>
-          </a:xfrm>
-          <a:prstGeom prst="straightConnector1">
-            <a:avLst/>
-          </a:prstGeom>
-          <a:ln>
-            <a:tailEnd type="triangle"/>
-          </a:ln>
-        </p:spPr>
-        <p:style>
-          <a:lnRef idx="3">
-            <a:schemeClr val="accent5"/>
-          </a:lnRef>
-          <a:fillRef idx="0">
-            <a:schemeClr val="accent5"/>
-          </a:fillRef>
-          <a:effectRef idx="2">
-            <a:schemeClr val="accent5"/>
-          </a:effectRef>
-          <a:fontRef idx="minor">
-            <a:schemeClr val="tx1"/>
-          </a:fontRef>
-        </p:style>
-      </p:cxnSp>
-      <p:cxnSp>
-        <p:nvCxnSpPr>
-          <p:cNvPr id="59" name="直接箭头连接符 58">
-            <a:extLst>
-              <a:ext uri="{FF2B5EF4-FFF2-40B4-BE49-F238E27FC236}">
-                <a16:creationId xmlns:a16="http://schemas.microsoft.com/office/drawing/2014/main" id="{63F181E1-E92D-4DA7-BC21-E268543ACF7D}"/>
-              </a:ext>
-            </a:extLst>
-          </p:cNvPr>
-          <p:cNvCxnSpPr>
-            <a:cxnSpLocks/>
-          </p:cNvCxnSpPr>
-          <p:nvPr/>
-        </p:nvCxnSpPr>
-        <p:spPr>
-          <a:xfrm flipV="1">
-            <a:off x="11343051" y="2896807"/>
+            <a:off x="10861664" y="2896807"/>
             <a:ext cx="0" cy="639529"/>
           </a:xfrm>
           <a:prstGeom prst="straightConnector1">

--- a/arch_pre.pptx
+++ b/arch_pre.pptx
@@ -2806,7 +2806,7 @@
   <pc:docChgLst>
     <pc:chgData name="Yang Zonghan" userId="02d2eaccc4506086" providerId="LiveId" clId="{DD3F9741-BFC9-448B-B80E-2646DC010363}"/>
     <pc:docChg chg="undo custSel addSld modSld sldOrd">
-      <pc:chgData name="Yang Zonghan" userId="02d2eaccc4506086" providerId="LiveId" clId="{DD3F9741-BFC9-448B-B80E-2646DC010363}" dt="2020-01-03T20:26:04.538" v="737" actId="478"/>
+      <pc:chgData name="Yang Zonghan" userId="02d2eaccc4506086" providerId="LiveId" clId="{DD3F9741-BFC9-448B-B80E-2646DC010363}" dt="2020-01-03T20:28:53.389" v="766" actId="122"/>
       <pc:docMkLst>
         <pc:docMk/>
       </pc:docMkLst>
@@ -2988,13 +2988,13 @@
         </pc:spChg>
       </pc:sldChg>
       <pc:sldChg chg="modSp">
-        <pc:chgData name="Yang Zonghan" userId="02d2eaccc4506086" providerId="LiveId" clId="{DD3F9741-BFC9-448B-B80E-2646DC010363}" dt="2020-01-03T19:37:24.452" v="601" actId="404"/>
+        <pc:chgData name="Yang Zonghan" userId="02d2eaccc4506086" providerId="LiveId" clId="{DD3F9741-BFC9-448B-B80E-2646DC010363}" dt="2020-01-03T20:28:53.389" v="766" actId="122"/>
         <pc:sldMkLst>
           <pc:docMk/>
           <pc:sldMk cId="785956181" sldId="267"/>
         </pc:sldMkLst>
         <pc:spChg chg="mod">
-          <ac:chgData name="Yang Zonghan" userId="02d2eaccc4506086" providerId="LiveId" clId="{DD3F9741-BFC9-448B-B80E-2646DC010363}" dt="2020-01-03T19:37:24.452" v="601" actId="404"/>
+          <ac:chgData name="Yang Zonghan" userId="02d2eaccc4506086" providerId="LiveId" clId="{DD3F9741-BFC9-448B-B80E-2646DC010363}" dt="2020-01-03T20:28:53.389" v="766" actId="122"/>
           <ac:spMkLst>
             <pc:docMk/>
             <pc:sldMk cId="785956181" sldId="267"/>
@@ -3199,21 +3199,29 @@
           </ac:cxnSpMkLst>
         </pc:cxnChg>
       </pc:sldChg>
-      <pc:sldChg chg="modAnim">
-        <pc:chgData name="Yang Zonghan" userId="02d2eaccc4506086" providerId="LiveId" clId="{DD3F9741-BFC9-448B-B80E-2646DC010363}" dt="2020-01-03T19:42:39.888" v="653"/>
+      <pc:sldChg chg="modSp modAnim">
+        <pc:chgData name="Yang Zonghan" userId="02d2eaccc4506086" providerId="LiveId" clId="{DD3F9741-BFC9-448B-B80E-2646DC010363}" dt="2020-01-03T20:27:32.975" v="740" actId="20577"/>
         <pc:sldMkLst>
           <pc:docMk/>
           <pc:sldMk cId="2025300377" sldId="273"/>
         </pc:sldMkLst>
+        <pc:spChg chg="mod">
+          <ac:chgData name="Yang Zonghan" userId="02d2eaccc4506086" providerId="LiveId" clId="{DD3F9741-BFC9-448B-B80E-2646DC010363}" dt="2020-01-03T20:27:32.975" v="740" actId="20577"/>
+          <ac:spMkLst>
+            <pc:docMk/>
+            <pc:sldMk cId="2025300377" sldId="273"/>
+            <ac:spMk id="3" creationId="{FBBF59D0-5A4F-49F7-8717-27D34FE80C05}"/>
+          </ac:spMkLst>
+        </pc:spChg>
       </pc:sldChg>
       <pc:sldChg chg="modSp modAnim">
-        <pc:chgData name="Yang Zonghan" userId="02d2eaccc4506086" providerId="LiveId" clId="{DD3F9741-BFC9-448B-B80E-2646DC010363}" dt="2020-01-03T19:38:05.165" v="611"/>
+        <pc:chgData name="Yang Zonghan" userId="02d2eaccc4506086" providerId="LiveId" clId="{DD3F9741-BFC9-448B-B80E-2646DC010363}" dt="2020-01-03T20:27:52.342" v="741" actId="403"/>
         <pc:sldMkLst>
           <pc:docMk/>
           <pc:sldMk cId="1499583885" sldId="275"/>
         </pc:sldMkLst>
         <pc:spChg chg="mod">
-          <ac:chgData name="Yang Zonghan" userId="02d2eaccc4506086" providerId="LiveId" clId="{DD3F9741-BFC9-448B-B80E-2646DC010363}" dt="2020-01-03T19:17:55.442" v="68" actId="948"/>
+          <ac:chgData name="Yang Zonghan" userId="02d2eaccc4506086" providerId="LiveId" clId="{DD3F9741-BFC9-448B-B80E-2646DC010363}" dt="2020-01-03T20:27:52.342" v="741" actId="403"/>
           <ac:spMkLst>
             <pc:docMk/>
             <pc:sldMk cId="1499583885" sldId="275"/>
@@ -3222,7 +3230,7 @@
         </pc:spChg>
       </pc:sldChg>
       <pc:sldChg chg="addSp delSp modSp ord">
-        <pc:chgData name="Yang Zonghan" userId="02d2eaccc4506086" providerId="LiveId" clId="{DD3F9741-BFC9-448B-B80E-2646DC010363}" dt="2020-01-03T19:40:35.289" v="632" actId="1076"/>
+        <pc:chgData name="Yang Zonghan" userId="02d2eaccc4506086" providerId="LiveId" clId="{DD3F9741-BFC9-448B-B80E-2646DC010363}" dt="2020-01-03T20:28:39.823" v="764" actId="478"/>
         <pc:sldMkLst>
           <pc:docMk/>
           <pc:sldMk cId="191399260" sldId="277"/>
@@ -3243,6 +3251,14 @@
             <ac:spMk id="6" creationId="{5CC6BDD7-1970-4C81-8356-574264304390}"/>
           </ac:spMkLst>
         </pc:spChg>
+        <pc:spChg chg="add del mod">
+          <ac:chgData name="Yang Zonghan" userId="02d2eaccc4506086" providerId="LiveId" clId="{DD3F9741-BFC9-448B-B80E-2646DC010363}" dt="2020-01-03T20:28:39.823" v="764" actId="478"/>
+          <ac:spMkLst>
+            <pc:docMk/>
+            <pc:sldMk cId="191399260" sldId="277"/>
+            <ac:spMk id="8" creationId="{9280849C-A337-4CEE-B101-8A774B626D98}"/>
+          </ac:spMkLst>
+        </pc:spChg>
         <pc:spChg chg="add mod">
           <ac:chgData name="Yang Zonghan" userId="02d2eaccc4506086" providerId="LiveId" clId="{DD3F9741-BFC9-448B-B80E-2646DC010363}" dt="2020-01-03T19:40:24.596" v="631" actId="255"/>
           <ac:spMkLst>
@@ -3284,7 +3300,7 @@
           </ac:picMkLst>
         </pc:picChg>
         <pc:picChg chg="add mod">
-          <ac:chgData name="Yang Zonghan" userId="02d2eaccc4506086" providerId="LiveId" clId="{DD3F9741-BFC9-448B-B80E-2646DC010363}" dt="2020-01-03T19:40:24.596" v="631" actId="255"/>
+          <ac:chgData name="Yang Zonghan" userId="02d2eaccc4506086" providerId="LiveId" clId="{DD3F9741-BFC9-448B-B80E-2646DC010363}" dt="2020-01-03T20:28:22.156" v="762" actId="1076"/>
           <ac:picMkLst>
             <pc:docMk/>
             <pc:sldMk cId="191399260" sldId="277"/>
@@ -10503,7 +10519,7 @@
             <a:pPr lvl="2"/>
             <a:r>
               <a:rPr lang="en-US" altLang="zh-CN" dirty="0"/>
-              <a:t>Lower latency.</a:t>
+              <a:t>Lower latency</a:t>
             </a:r>
           </a:p>
           <a:p>
@@ -12182,78 +12198,78 @@
               </a:lnSpc>
             </a:pPr>
             <a:r>
-              <a:rPr lang="en-US" altLang="zh-CN" sz="1600" dirty="0" err="1">
+              <a:rPr lang="en-US" altLang="zh-CN" sz="1800" dirty="0" err="1">
                 <a:latin typeface="Ubuntu Mono" panose="020B0509030602030204" pitchFamily="49" charset="0"/>
               </a:rPr>
               <a:t>ram_data_o</a:t>
             </a:r>
             <a:r>
-              <a:rPr lang="en-US" altLang="zh-CN" sz="1600" dirty="0">
+              <a:rPr lang="en-US" altLang="zh-CN" sz="1800" dirty="0">
                 <a:latin typeface="Ubuntu Mono" panose="020B0509030602030204" pitchFamily="49" charset="0"/>
               </a:rPr>
               <a:t> &lt;= {24'h0,sdata[</a:t>
             </a:r>
             <a:r>
-              <a:rPr lang="en-US" altLang="zh-CN" sz="1600" dirty="0" err="1">
+              <a:rPr lang="en-US" altLang="zh-CN" sz="1800" dirty="0" err="1">
                 <a:latin typeface="Ubuntu Mono" panose="020B0509030602030204" pitchFamily="49" charset="0"/>
               </a:rPr>
               <a:t>ram_addr_i</a:t>
             </a:r>
             <a:r>
-              <a:rPr lang="en-US" altLang="zh-CN" sz="1600" dirty="0">
+              <a:rPr lang="en-US" altLang="zh-CN" sz="1800" dirty="0">
                 <a:latin typeface="Ubuntu Mono" panose="020B0509030602030204" pitchFamily="49" charset="0"/>
               </a:rPr>
-              <a:t>[``</a:t>
-            </a:r>
-            <a:r>
-              <a:rPr lang="en-US" altLang="zh-CN" sz="1600" dirty="0" err="1">
+              <a:t>[`</a:t>
+            </a:r>
+            <a:r>
+              <a:rPr lang="en-US" altLang="zh-CN" sz="1800" dirty="0" err="1">
                 <a:latin typeface="Ubuntu Mono" panose="020B0509030602030204" pitchFamily="49" charset="0"/>
               </a:rPr>
               <a:t>SCacheIndex</a:t>
             </a:r>
             <a:r>
-              <a:rPr lang="en-US" altLang="zh-CN" sz="1600" dirty="0">
+              <a:rPr lang="en-US" altLang="zh-CN" sz="1800" dirty="0">
                 <a:latin typeface="Ubuntu Mono" panose="020B0509030602030204" pitchFamily="49" charset="0"/>
               </a:rPr>
               <a:t>] + 1],</a:t>
             </a:r>
             <a:r>
-              <a:rPr lang="en-US" altLang="zh-CN" sz="1600" dirty="0" err="1">
+              <a:rPr lang="en-US" altLang="zh-CN" sz="1800" dirty="0" err="1">
                 <a:latin typeface="Ubuntu Mono" panose="020B0509030602030204" pitchFamily="49" charset="0"/>
               </a:rPr>
               <a:t>sdata</a:t>
             </a:r>
             <a:r>
-              <a:rPr lang="en-US" altLang="zh-CN" sz="1600" dirty="0">
+              <a:rPr lang="en-US" altLang="zh-CN" sz="1800" dirty="0">
                 <a:latin typeface="Ubuntu Mono" panose="020B0509030602030204" pitchFamily="49" charset="0"/>
               </a:rPr>
               <a:t>[</a:t>
             </a:r>
             <a:r>
-              <a:rPr lang="en-US" altLang="zh-CN" sz="1600" dirty="0" err="1">
+              <a:rPr lang="en-US" altLang="zh-CN" sz="1800" dirty="0" err="1">
                 <a:latin typeface="Ubuntu Mono" panose="020B0509030602030204" pitchFamily="49" charset="0"/>
               </a:rPr>
               <a:t>ram_addr_i</a:t>
             </a:r>
             <a:r>
-              <a:rPr lang="en-US" altLang="zh-CN" sz="1600" dirty="0">
+              <a:rPr lang="en-US" altLang="zh-CN" sz="1800" dirty="0">
                 <a:latin typeface="Ubuntu Mono" panose="020B0509030602030204" pitchFamily="49" charset="0"/>
               </a:rPr>
-              <a:t>[``</a:t>
-            </a:r>
-            <a:r>
-              <a:rPr lang="en-US" altLang="zh-CN" sz="1600" dirty="0" err="1">
+              <a:t>[`</a:t>
+            </a:r>
+            <a:r>
+              <a:rPr lang="en-US" altLang="zh-CN" sz="1800" dirty="0" err="1">
                 <a:latin typeface="Ubuntu Mono" panose="020B0509030602030204" pitchFamily="49" charset="0"/>
               </a:rPr>
               <a:t>SCacheIndex</a:t>
             </a:r>
             <a:r>
-              <a:rPr lang="en-US" altLang="zh-CN" sz="1600" dirty="0">
+              <a:rPr lang="en-US" altLang="zh-CN" sz="1800" dirty="0">
                 <a:latin typeface="Ubuntu Mono" panose="020B0509030602030204" pitchFamily="49" charset="0"/>
               </a:rPr>
               <a:t>]]};</a:t>
             </a:r>
-            <a:endParaRPr lang="zh-CN" altLang="en-US" sz="1600" dirty="0">
+            <a:endParaRPr lang="zh-CN" altLang="en-US" sz="1800" dirty="0">
               <a:latin typeface="Ubuntu Mono" panose="020B0509030602030204" pitchFamily="49" charset="0"/>
             </a:endParaRPr>
           </a:p>
@@ -12867,7 +12883,7 @@
             </a:r>
           </a:p>
           <a:p>
-            <a:pPr marL="0" indent="0">
+            <a:pPr marL="0" indent="0" algn="ctr">
               <a:buNone/>
             </a:pPr>
             <a:r>
@@ -12901,7 +12917,7 @@
                 </a:solidFill>
                 <a:latin typeface="Ubuntu Mono" panose="020B0509030602030204" pitchFamily="49" charset="0"/>
               </a:rPr>
-              <a:t>    = (</a:t>
+              <a:t> = (</a:t>
             </a:r>
             <a:r>
               <a:rPr lang="en-US" altLang="zh-CN" sz="1600" dirty="0" err="1">

--- a/arch_pre.pptx
+++ b/arch_pre.pptx
@@ -13,7 +13,7 @@
     <p:sldId id="261" r:id="rId7"/>
     <p:sldId id="262" r:id="rId8"/>
     <p:sldId id="257" r:id="rId9"/>
-    <p:sldId id="264" r:id="rId10"/>
+    <p:sldId id="281" r:id="rId10"/>
     <p:sldId id="263" r:id="rId11"/>
     <p:sldId id="265" r:id="rId12"/>
     <p:sldId id="272" r:id="rId13"/>
@@ -137,6 +137,914 @@
 
 <file path=ppt/changesInfos/changesInfo1.xml><?xml version="1.0" encoding="utf-8"?>
 <pc:chgInfo xmlns:a="http://schemas.openxmlformats.org/drawingml/2006/main" xmlns:r="http://schemas.openxmlformats.org/officeDocument/2006/relationships" xmlns:ac="http://schemas.microsoft.com/office/drawing/2013/main/command" xmlns:pc="http://schemas.microsoft.com/office/powerpoint/2013/main/command">
+  <pc:docChgLst>
+    <pc:chgData name="杨 宗翰" userId="02d2eaccc4506086" providerId="LiveId" clId="{668BEB7D-CEA4-4EC1-AFE5-2E9EF8B056AD}"/>
+    <pc:docChg chg="undo custSel addSld delSld modSld">
+      <pc:chgData name="杨 宗翰" userId="02d2eaccc4506086" providerId="LiveId" clId="{668BEB7D-CEA4-4EC1-AFE5-2E9EF8B056AD}" dt="2020-01-04T08:47:27.067" v="238" actId="1076"/>
+      <pc:docMkLst>
+        <pc:docMk/>
+      </pc:docMkLst>
+      <pc:sldChg chg="addSp delSp modSp">
+        <pc:chgData name="杨 宗翰" userId="02d2eaccc4506086" providerId="LiveId" clId="{668BEB7D-CEA4-4EC1-AFE5-2E9EF8B056AD}" dt="2020-01-04T08:44:31.753" v="216" actId="14100"/>
+        <pc:sldMkLst>
+          <pc:docMk/>
+          <pc:sldMk cId="2970469327" sldId="257"/>
+        </pc:sldMkLst>
+        <pc:spChg chg="mod">
+          <ac:chgData name="杨 宗翰" userId="02d2eaccc4506086" providerId="LiveId" clId="{668BEB7D-CEA4-4EC1-AFE5-2E9EF8B056AD}" dt="2020-01-04T08:34:01.646" v="109" actId="1076"/>
+          <ac:spMkLst>
+            <pc:docMk/>
+            <pc:sldMk cId="2970469327" sldId="257"/>
+            <ac:spMk id="11" creationId="{E1CD0B42-0BEB-4AF5-8AC4-A1FAC993E079}"/>
+          </ac:spMkLst>
+        </pc:spChg>
+        <pc:spChg chg="mod">
+          <ac:chgData name="杨 宗翰" userId="02d2eaccc4506086" providerId="LiveId" clId="{668BEB7D-CEA4-4EC1-AFE5-2E9EF8B056AD}" dt="2020-01-04T08:25:22.426" v="23" actId="1076"/>
+          <ac:spMkLst>
+            <pc:docMk/>
+            <pc:sldMk cId="2970469327" sldId="257"/>
+            <ac:spMk id="13" creationId="{152E3CDA-DADE-4BFA-804C-F24B076101AB}"/>
+          </ac:spMkLst>
+        </pc:spChg>
+        <pc:spChg chg="mod">
+          <ac:chgData name="杨 宗翰" userId="02d2eaccc4506086" providerId="LiveId" clId="{668BEB7D-CEA4-4EC1-AFE5-2E9EF8B056AD}" dt="2020-01-04T08:25:20.687" v="16" actId="1076"/>
+          <ac:spMkLst>
+            <pc:docMk/>
+            <pc:sldMk cId="2970469327" sldId="257"/>
+            <ac:spMk id="14" creationId="{6A5B67B7-8230-4742-A25B-09E625BDF1E7}"/>
+          </ac:spMkLst>
+        </pc:spChg>
+        <pc:spChg chg="mod">
+          <ac:chgData name="杨 宗翰" userId="02d2eaccc4506086" providerId="LiveId" clId="{668BEB7D-CEA4-4EC1-AFE5-2E9EF8B056AD}" dt="2020-01-04T08:34:26.251" v="115" actId="1076"/>
+          <ac:spMkLst>
+            <pc:docMk/>
+            <pc:sldMk cId="2970469327" sldId="257"/>
+            <ac:spMk id="59" creationId="{B059FCE3-5CF9-43C2-99CE-1E1E6146F4E3}"/>
+          </ac:spMkLst>
+        </pc:spChg>
+        <pc:spChg chg="mod">
+          <ac:chgData name="杨 宗翰" userId="02d2eaccc4506086" providerId="LiveId" clId="{668BEB7D-CEA4-4EC1-AFE5-2E9EF8B056AD}" dt="2020-01-04T08:34:59.024" v="123" actId="1076"/>
+          <ac:spMkLst>
+            <pc:docMk/>
+            <pc:sldMk cId="2970469327" sldId="257"/>
+            <ac:spMk id="249" creationId="{C07F5D6A-1B36-456D-97E7-E9E31367DA40}"/>
+          </ac:spMkLst>
+        </pc:spChg>
+        <pc:cxnChg chg="add del mod">
+          <ac:chgData name="杨 宗翰" userId="02d2eaccc4506086" providerId="LiveId" clId="{668BEB7D-CEA4-4EC1-AFE5-2E9EF8B056AD}" dt="2020-01-04T08:31:15.673" v="68" actId="478"/>
+          <ac:cxnSpMkLst>
+            <pc:docMk/>
+            <pc:sldMk cId="2970469327" sldId="257"/>
+            <ac:cxnSpMk id="18" creationId="{7C315E9F-3EE6-4AF8-B705-831F0A4AF371}"/>
+          </ac:cxnSpMkLst>
+        </pc:cxnChg>
+        <pc:cxnChg chg="mod">
+          <ac:chgData name="杨 宗翰" userId="02d2eaccc4506086" providerId="LiveId" clId="{668BEB7D-CEA4-4EC1-AFE5-2E9EF8B056AD}" dt="2020-01-04T08:34:04.637" v="110" actId="14100"/>
+          <ac:cxnSpMkLst>
+            <pc:docMk/>
+            <pc:sldMk cId="2970469327" sldId="257"/>
+            <ac:cxnSpMk id="28" creationId="{A1A80714-1062-4753-96B3-590965863A48}"/>
+          </ac:cxnSpMkLst>
+        </pc:cxnChg>
+        <pc:cxnChg chg="mod">
+          <ac:chgData name="杨 宗翰" userId="02d2eaccc4506086" providerId="LiveId" clId="{668BEB7D-CEA4-4EC1-AFE5-2E9EF8B056AD}" dt="2020-01-04T08:34:07.269" v="111" actId="14100"/>
+          <ac:cxnSpMkLst>
+            <pc:docMk/>
+            <pc:sldMk cId="2970469327" sldId="257"/>
+            <ac:cxnSpMk id="29" creationId="{A6ADBAE7-B2B2-485B-92A3-5EB6BC8C2884}"/>
+          </ac:cxnSpMkLst>
+        </pc:cxnChg>
+        <pc:cxnChg chg="add del mod">
+          <ac:chgData name="杨 宗翰" userId="02d2eaccc4506086" providerId="LiveId" clId="{668BEB7D-CEA4-4EC1-AFE5-2E9EF8B056AD}" dt="2020-01-04T08:24:22.580" v="6" actId="478"/>
+          <ac:cxnSpMkLst>
+            <pc:docMk/>
+            <pc:sldMk cId="2970469327" sldId="257"/>
+            <ac:cxnSpMk id="67" creationId="{59EA307C-4CD4-4DE7-A3E4-96CC52EE43AE}"/>
+          </ac:cxnSpMkLst>
+        </pc:cxnChg>
+        <pc:cxnChg chg="add mod">
+          <ac:chgData name="杨 宗翰" userId="02d2eaccc4506086" providerId="LiveId" clId="{668BEB7D-CEA4-4EC1-AFE5-2E9EF8B056AD}" dt="2020-01-04T08:34:53.387" v="121" actId="14100"/>
+          <ac:cxnSpMkLst>
+            <pc:docMk/>
+            <pc:sldMk cId="2970469327" sldId="257"/>
+            <ac:cxnSpMk id="83" creationId="{8ED196F1-1EAE-4254-A4D4-E69895F8FA2A}"/>
+          </ac:cxnSpMkLst>
+        </pc:cxnChg>
+        <pc:cxnChg chg="mod">
+          <ac:chgData name="杨 宗翰" userId="02d2eaccc4506086" providerId="LiveId" clId="{668BEB7D-CEA4-4EC1-AFE5-2E9EF8B056AD}" dt="2020-01-04T08:44:21.925" v="213" actId="14100"/>
+          <ac:cxnSpMkLst>
+            <pc:docMk/>
+            <pc:sldMk cId="2970469327" sldId="257"/>
+            <ac:cxnSpMk id="88" creationId="{631647EB-B2D9-44A8-AF70-7631688AFFB9}"/>
+          </ac:cxnSpMkLst>
+        </pc:cxnChg>
+        <pc:cxnChg chg="add mod">
+          <ac:chgData name="杨 宗翰" userId="02d2eaccc4506086" providerId="LiveId" clId="{668BEB7D-CEA4-4EC1-AFE5-2E9EF8B056AD}" dt="2020-01-04T08:33:22.360" v="97" actId="14100"/>
+          <ac:cxnSpMkLst>
+            <pc:docMk/>
+            <pc:sldMk cId="2970469327" sldId="257"/>
+            <ac:cxnSpMk id="91" creationId="{8085F9A6-D14A-4408-BB12-977EC3243FCC}"/>
+          </ac:cxnSpMkLst>
+        </pc:cxnChg>
+        <pc:cxnChg chg="mod">
+          <ac:chgData name="杨 宗翰" userId="02d2eaccc4506086" providerId="LiveId" clId="{668BEB7D-CEA4-4EC1-AFE5-2E9EF8B056AD}" dt="2020-01-04T08:44:31.753" v="216" actId="14100"/>
+          <ac:cxnSpMkLst>
+            <pc:docMk/>
+            <pc:sldMk cId="2970469327" sldId="257"/>
+            <ac:cxnSpMk id="94" creationId="{0A5EAA4E-65F1-499F-B394-DD3DDFC8E117}"/>
+          </ac:cxnSpMkLst>
+        </pc:cxnChg>
+        <pc:cxnChg chg="add mod">
+          <ac:chgData name="杨 宗翰" userId="02d2eaccc4506086" providerId="LiveId" clId="{668BEB7D-CEA4-4EC1-AFE5-2E9EF8B056AD}" dt="2020-01-04T08:33:25.546" v="99" actId="14100"/>
+          <ac:cxnSpMkLst>
+            <pc:docMk/>
+            <pc:sldMk cId="2970469327" sldId="257"/>
+            <ac:cxnSpMk id="95" creationId="{CB355121-F2F1-441E-B6C2-CC849F90B24C}"/>
+          </ac:cxnSpMkLst>
+        </pc:cxnChg>
+        <pc:cxnChg chg="add mod">
+          <ac:chgData name="杨 宗翰" userId="02d2eaccc4506086" providerId="LiveId" clId="{668BEB7D-CEA4-4EC1-AFE5-2E9EF8B056AD}" dt="2020-01-04T08:33:43.412" v="106" actId="14100"/>
+          <ac:cxnSpMkLst>
+            <pc:docMk/>
+            <pc:sldMk cId="2970469327" sldId="257"/>
+            <ac:cxnSpMk id="100" creationId="{E3190946-DCFF-4790-BFD1-714E6423DE5B}"/>
+          </ac:cxnSpMkLst>
+        </pc:cxnChg>
+        <pc:cxnChg chg="add mod">
+          <ac:chgData name="杨 宗翰" userId="02d2eaccc4506086" providerId="LiveId" clId="{668BEB7D-CEA4-4EC1-AFE5-2E9EF8B056AD}" dt="2020-01-04T08:33:13.881" v="95" actId="14100"/>
+          <ac:cxnSpMkLst>
+            <pc:docMk/>
+            <pc:sldMk cId="2970469327" sldId="257"/>
+            <ac:cxnSpMk id="107" creationId="{353E3670-A32C-4294-BFAF-3693B62EC3AF}"/>
+          </ac:cxnSpMkLst>
+        </pc:cxnChg>
+        <pc:cxnChg chg="add mod">
+          <ac:chgData name="杨 宗翰" userId="02d2eaccc4506086" providerId="LiveId" clId="{668BEB7D-CEA4-4EC1-AFE5-2E9EF8B056AD}" dt="2020-01-04T08:31:48.206" v="77" actId="14100"/>
+          <ac:cxnSpMkLst>
+            <pc:docMk/>
+            <pc:sldMk cId="2970469327" sldId="257"/>
+            <ac:cxnSpMk id="110" creationId="{F4F46458-4F3C-4E93-8CE4-855A8BD71459}"/>
+          </ac:cxnSpMkLst>
+        </pc:cxnChg>
+        <pc:cxnChg chg="add mod">
+          <ac:chgData name="杨 宗翰" userId="02d2eaccc4506086" providerId="LiveId" clId="{668BEB7D-CEA4-4EC1-AFE5-2E9EF8B056AD}" dt="2020-01-04T08:33:27.787" v="100" actId="14100"/>
+          <ac:cxnSpMkLst>
+            <pc:docMk/>
+            <pc:sldMk cId="2970469327" sldId="257"/>
+            <ac:cxnSpMk id="116" creationId="{1B9ECCFD-7115-4FF1-BCB8-338A3F1F73AA}"/>
+          </ac:cxnSpMkLst>
+        </pc:cxnChg>
+        <pc:cxnChg chg="add mod">
+          <ac:chgData name="杨 宗翰" userId="02d2eaccc4506086" providerId="LiveId" clId="{668BEB7D-CEA4-4EC1-AFE5-2E9EF8B056AD}" dt="2020-01-04T08:34:55.794" v="122" actId="14100"/>
+          <ac:cxnSpMkLst>
+            <pc:docMk/>
+            <pc:sldMk cId="2970469327" sldId="257"/>
+            <ac:cxnSpMk id="118" creationId="{5986E81D-2661-470D-9390-26E2DE3A8008}"/>
+          </ac:cxnSpMkLst>
+        </pc:cxnChg>
+        <pc:cxnChg chg="mod">
+          <ac:chgData name="杨 宗翰" userId="02d2eaccc4506086" providerId="LiveId" clId="{668BEB7D-CEA4-4EC1-AFE5-2E9EF8B056AD}" dt="2020-01-04T08:34:48.764" v="119" actId="14100"/>
+          <ac:cxnSpMkLst>
+            <pc:docMk/>
+            <pc:sldMk cId="2970469327" sldId="257"/>
+            <ac:cxnSpMk id="120" creationId="{D128A26F-CB5F-41F7-9CBC-B71CA22EF50B}"/>
+          </ac:cxnSpMkLst>
+        </pc:cxnChg>
+        <pc:cxnChg chg="add mod">
+          <ac:chgData name="杨 宗翰" userId="02d2eaccc4506086" providerId="LiveId" clId="{668BEB7D-CEA4-4EC1-AFE5-2E9EF8B056AD}" dt="2020-01-04T08:33:38.430" v="105" actId="1076"/>
+          <ac:cxnSpMkLst>
+            <pc:docMk/>
+            <pc:sldMk cId="2970469327" sldId="257"/>
+            <ac:cxnSpMk id="130" creationId="{73BF0C9D-8DC1-4E7F-AA52-D795BE73C87E}"/>
+          </ac:cxnSpMkLst>
+        </pc:cxnChg>
+        <pc:cxnChg chg="mod">
+          <ac:chgData name="杨 宗翰" userId="02d2eaccc4506086" providerId="LiveId" clId="{668BEB7D-CEA4-4EC1-AFE5-2E9EF8B056AD}" dt="2020-01-04T08:33:48.318" v="107" actId="14100"/>
+          <ac:cxnSpMkLst>
+            <pc:docMk/>
+            <pc:sldMk cId="2970469327" sldId="257"/>
+            <ac:cxnSpMk id="163" creationId="{BDECE94E-3FD6-4F14-BB5E-FB81E5A5214B}"/>
+          </ac:cxnSpMkLst>
+        </pc:cxnChg>
+        <pc:cxnChg chg="del mod">
+          <ac:chgData name="杨 宗翰" userId="02d2eaccc4506086" providerId="LiveId" clId="{668BEB7D-CEA4-4EC1-AFE5-2E9EF8B056AD}" dt="2020-01-04T08:30:09.971" v="54" actId="478"/>
+          <ac:cxnSpMkLst>
+            <pc:docMk/>
+            <pc:sldMk cId="2970469327" sldId="257"/>
+            <ac:cxnSpMk id="166" creationId="{F2D7D331-CE7C-4243-9338-05AAD75401EF}"/>
+          </ac:cxnSpMkLst>
+        </pc:cxnChg>
+        <pc:cxnChg chg="del mod">
+          <ac:chgData name="杨 宗翰" userId="02d2eaccc4506086" providerId="LiveId" clId="{668BEB7D-CEA4-4EC1-AFE5-2E9EF8B056AD}" dt="2020-01-04T08:30:23.974" v="59" actId="478"/>
+          <ac:cxnSpMkLst>
+            <pc:docMk/>
+            <pc:sldMk cId="2970469327" sldId="257"/>
+            <ac:cxnSpMk id="175" creationId="{86E605E6-4129-44B6-A2A7-E0DAD2AD4838}"/>
+          </ac:cxnSpMkLst>
+        </pc:cxnChg>
+        <pc:cxnChg chg="del mod">
+          <ac:chgData name="杨 宗翰" userId="02d2eaccc4506086" providerId="LiveId" clId="{668BEB7D-CEA4-4EC1-AFE5-2E9EF8B056AD}" dt="2020-01-04T08:33:33.366" v="103" actId="478"/>
+          <ac:cxnSpMkLst>
+            <pc:docMk/>
+            <pc:sldMk cId="2970469327" sldId="257"/>
+            <ac:cxnSpMk id="179" creationId="{328C5E77-62AF-4131-9D5D-F8064F3ADEBD}"/>
+          </ac:cxnSpMkLst>
+        </pc:cxnChg>
+        <pc:cxnChg chg="del mod">
+          <ac:chgData name="杨 宗翰" userId="02d2eaccc4506086" providerId="LiveId" clId="{668BEB7D-CEA4-4EC1-AFE5-2E9EF8B056AD}" dt="2020-01-04T08:29:53.381" v="50" actId="478"/>
+          <ac:cxnSpMkLst>
+            <pc:docMk/>
+            <pc:sldMk cId="2970469327" sldId="257"/>
+            <ac:cxnSpMk id="182" creationId="{DAE890A1-C4A0-4216-AFFC-D56BE604E9F1}"/>
+          </ac:cxnSpMkLst>
+        </pc:cxnChg>
+        <pc:cxnChg chg="del mod">
+          <ac:chgData name="杨 宗翰" userId="02d2eaccc4506086" providerId="LiveId" clId="{668BEB7D-CEA4-4EC1-AFE5-2E9EF8B056AD}" dt="2020-01-04T08:32:44.869" v="84" actId="478"/>
+          <ac:cxnSpMkLst>
+            <pc:docMk/>
+            <pc:sldMk cId="2970469327" sldId="257"/>
+            <ac:cxnSpMk id="186" creationId="{6B477642-56E8-48F2-ADAE-B90D997B56CA}"/>
+          </ac:cxnSpMkLst>
+        </pc:cxnChg>
+        <pc:cxnChg chg="del mod">
+          <ac:chgData name="杨 宗翰" userId="02d2eaccc4506086" providerId="LiveId" clId="{668BEB7D-CEA4-4EC1-AFE5-2E9EF8B056AD}" dt="2020-01-04T08:29:05.981" v="37" actId="478"/>
+          <ac:cxnSpMkLst>
+            <pc:docMk/>
+            <pc:sldMk cId="2970469327" sldId="257"/>
+            <ac:cxnSpMk id="190" creationId="{68C733EC-BA17-4862-848F-8D581A4A5D83}"/>
+          </ac:cxnSpMkLst>
+        </pc:cxnChg>
+        <pc:cxnChg chg="mod">
+          <ac:chgData name="杨 宗翰" userId="02d2eaccc4506086" providerId="LiveId" clId="{668BEB7D-CEA4-4EC1-AFE5-2E9EF8B056AD}" dt="2020-01-04T08:34:51.473" v="120" actId="14100"/>
+          <ac:cxnSpMkLst>
+            <pc:docMk/>
+            <pc:sldMk cId="2970469327" sldId="257"/>
+            <ac:cxnSpMk id="191" creationId="{4E2850EB-7D17-43BF-BA6B-AB70C8F80A92}"/>
+          </ac:cxnSpMkLst>
+        </pc:cxnChg>
+        <pc:cxnChg chg="del mod">
+          <ac:chgData name="杨 宗翰" userId="02d2eaccc4506086" providerId="LiveId" clId="{668BEB7D-CEA4-4EC1-AFE5-2E9EF8B056AD}" dt="2020-01-04T08:29:42.135" v="46" actId="478"/>
+          <ac:cxnSpMkLst>
+            <pc:docMk/>
+            <pc:sldMk cId="2970469327" sldId="257"/>
+            <ac:cxnSpMk id="208" creationId="{4C0E876F-BDBD-4179-922E-46FC436EB9FE}"/>
+          </ac:cxnSpMkLst>
+        </pc:cxnChg>
+        <pc:cxnChg chg="mod">
+          <ac:chgData name="杨 宗翰" userId="02d2eaccc4506086" providerId="LiveId" clId="{668BEB7D-CEA4-4EC1-AFE5-2E9EF8B056AD}" dt="2020-01-04T08:34:36.488" v="117" actId="14100"/>
+          <ac:cxnSpMkLst>
+            <pc:docMk/>
+            <pc:sldMk cId="2970469327" sldId="257"/>
+            <ac:cxnSpMk id="226" creationId="{196BF9AB-B277-4A1A-86B0-5B44350E70A1}"/>
+          </ac:cxnSpMkLst>
+        </pc:cxnChg>
+        <pc:cxnChg chg="mod">
+          <ac:chgData name="杨 宗翰" userId="02d2eaccc4506086" providerId="LiveId" clId="{668BEB7D-CEA4-4EC1-AFE5-2E9EF8B056AD}" dt="2020-01-04T08:35:01.524" v="124" actId="14100"/>
+          <ac:cxnSpMkLst>
+            <pc:docMk/>
+            <pc:sldMk cId="2970469327" sldId="257"/>
+            <ac:cxnSpMk id="238" creationId="{6E35E0F8-07FB-45A1-8D0F-FD73F8B403AD}"/>
+          </ac:cxnSpMkLst>
+        </pc:cxnChg>
+        <pc:cxnChg chg="mod">
+          <ac:chgData name="杨 宗翰" userId="02d2eaccc4506086" providerId="LiveId" clId="{668BEB7D-CEA4-4EC1-AFE5-2E9EF8B056AD}" dt="2020-01-04T08:35:08.865" v="126" actId="14100"/>
+          <ac:cxnSpMkLst>
+            <pc:docMk/>
+            <pc:sldMk cId="2970469327" sldId="257"/>
+            <ac:cxnSpMk id="240" creationId="{E90D7BB6-9E21-4BDF-B23F-1CE05D1F2AB7}"/>
+          </ac:cxnSpMkLst>
+        </pc:cxnChg>
+      </pc:sldChg>
+      <pc:sldChg chg="del">
+        <pc:chgData name="杨 宗翰" userId="02d2eaccc4506086" providerId="LiveId" clId="{668BEB7D-CEA4-4EC1-AFE5-2E9EF8B056AD}" dt="2020-01-04T08:45:14.237" v="229" actId="47"/>
+        <pc:sldMkLst>
+          <pc:docMk/>
+          <pc:sldMk cId="1072908354" sldId="264"/>
+        </pc:sldMkLst>
+      </pc:sldChg>
+      <pc:sldChg chg="modSp">
+        <pc:chgData name="杨 宗翰" userId="02d2eaccc4506086" providerId="LiveId" clId="{668BEB7D-CEA4-4EC1-AFE5-2E9EF8B056AD}" dt="2020-01-04T05:44:04.432" v="0"/>
+        <pc:sldMkLst>
+          <pc:docMk/>
+          <pc:sldMk cId="1535037586" sldId="272"/>
+        </pc:sldMkLst>
+        <pc:spChg chg="mod">
+          <ac:chgData name="杨 宗翰" userId="02d2eaccc4506086" providerId="LiveId" clId="{668BEB7D-CEA4-4EC1-AFE5-2E9EF8B056AD}" dt="2020-01-04T05:44:04.432" v="0"/>
+          <ac:spMkLst>
+            <pc:docMk/>
+            <pc:sldMk cId="1535037586" sldId="272"/>
+            <ac:spMk id="2" creationId="{E5E13386-36E6-49AE-8DBD-3F92E9A2FEA4}"/>
+          </ac:spMkLst>
+        </pc:spChg>
+      </pc:sldChg>
+      <pc:sldChg chg="addSp delSp modSp modTransition">
+        <pc:chgData name="杨 宗翰" userId="02d2eaccc4506086" providerId="LiveId" clId="{668BEB7D-CEA4-4EC1-AFE5-2E9EF8B056AD}" dt="2020-01-04T08:47:27.067" v="238" actId="1076"/>
+        <pc:sldMkLst>
+          <pc:docMk/>
+          <pc:sldMk cId="990398557" sldId="279"/>
+        </pc:sldMkLst>
+        <pc:picChg chg="del">
+          <ac:chgData name="杨 宗翰" userId="02d2eaccc4506086" providerId="LiveId" clId="{668BEB7D-CEA4-4EC1-AFE5-2E9EF8B056AD}" dt="2020-01-04T08:47:13.679" v="233" actId="478"/>
+          <ac:picMkLst>
+            <pc:docMk/>
+            <pc:sldMk cId="990398557" sldId="279"/>
+            <ac:picMk id="4" creationId="{EFA3989A-699A-4FDD-BCFD-18BF58BE9794}"/>
+          </ac:picMkLst>
+        </pc:picChg>
+        <pc:picChg chg="add mod">
+          <ac:chgData name="杨 宗翰" userId="02d2eaccc4506086" providerId="LiveId" clId="{668BEB7D-CEA4-4EC1-AFE5-2E9EF8B056AD}" dt="2020-01-04T08:47:27.067" v="238" actId="1076"/>
+          <ac:picMkLst>
+            <pc:docMk/>
+            <pc:sldMk cId="990398557" sldId="279"/>
+            <ac:picMk id="5" creationId="{558FE232-3608-4463-B4D4-E0514ACDD1C2}"/>
+          </ac:picMkLst>
+        </pc:picChg>
+      </pc:sldChg>
+      <pc:sldChg chg="addSp delSp modSp add">
+        <pc:chgData name="杨 宗翰" userId="02d2eaccc4506086" providerId="LiveId" clId="{668BEB7D-CEA4-4EC1-AFE5-2E9EF8B056AD}" dt="2020-01-04T08:45:39.860" v="232" actId="166"/>
+        <pc:sldMkLst>
+          <pc:docMk/>
+          <pc:sldMk cId="2917286420" sldId="281"/>
+        </pc:sldMkLst>
+        <pc:spChg chg="mod">
+          <ac:chgData name="杨 宗翰" userId="02d2eaccc4506086" providerId="LiveId" clId="{668BEB7D-CEA4-4EC1-AFE5-2E9EF8B056AD}" dt="2020-01-04T08:43:18.299" v="200" actId="692"/>
+          <ac:spMkLst>
+            <pc:docMk/>
+            <pc:sldMk cId="2917286420" sldId="281"/>
+            <ac:spMk id="4" creationId="{12C8E628-E784-4A6D-893D-5DFEDD998A29}"/>
+          </ac:spMkLst>
+        </pc:spChg>
+        <pc:spChg chg="mod">
+          <ac:chgData name="杨 宗翰" userId="02d2eaccc4506086" providerId="LiveId" clId="{668BEB7D-CEA4-4EC1-AFE5-2E9EF8B056AD}" dt="2020-01-04T08:43:18.299" v="200" actId="692"/>
+          <ac:spMkLst>
+            <pc:docMk/>
+            <pc:sldMk cId="2917286420" sldId="281"/>
+            <ac:spMk id="5" creationId="{0BB21E03-CA1D-46D0-AF20-C5CD91AFA89E}"/>
+          </ac:spMkLst>
+        </pc:spChg>
+        <pc:spChg chg="mod">
+          <ac:chgData name="杨 宗翰" userId="02d2eaccc4506086" providerId="LiveId" clId="{668BEB7D-CEA4-4EC1-AFE5-2E9EF8B056AD}" dt="2020-01-04T08:43:18.299" v="200" actId="692"/>
+          <ac:spMkLst>
+            <pc:docMk/>
+            <pc:sldMk cId="2917286420" sldId="281"/>
+            <ac:spMk id="6" creationId="{D52D4BD9-61AE-4922-8C4A-F339F214EAE3}"/>
+          </ac:spMkLst>
+        </pc:spChg>
+        <pc:spChg chg="add del mod">
+          <ac:chgData name="杨 宗翰" userId="02d2eaccc4506086" providerId="LiveId" clId="{668BEB7D-CEA4-4EC1-AFE5-2E9EF8B056AD}" dt="2020-01-04T08:43:18.299" v="200" actId="692"/>
+          <ac:spMkLst>
+            <pc:docMk/>
+            <pc:sldMk cId="2917286420" sldId="281"/>
+            <ac:spMk id="7" creationId="{0CC904CA-AF40-4339-831C-14D027DCAB05}"/>
+          </ac:spMkLst>
+        </pc:spChg>
+        <pc:spChg chg="mod">
+          <ac:chgData name="杨 宗翰" userId="02d2eaccc4506086" providerId="LiveId" clId="{668BEB7D-CEA4-4EC1-AFE5-2E9EF8B056AD}" dt="2020-01-04T08:43:18.299" v="200" actId="692"/>
+          <ac:spMkLst>
+            <pc:docMk/>
+            <pc:sldMk cId="2917286420" sldId="281"/>
+            <ac:spMk id="8" creationId="{1E5CF7A5-267D-4868-BC93-6187BFC6353B}"/>
+          </ac:spMkLst>
+        </pc:spChg>
+        <pc:spChg chg="mod">
+          <ac:chgData name="杨 宗翰" userId="02d2eaccc4506086" providerId="LiveId" clId="{668BEB7D-CEA4-4EC1-AFE5-2E9EF8B056AD}" dt="2020-01-04T08:43:18.299" v="200" actId="692"/>
+          <ac:spMkLst>
+            <pc:docMk/>
+            <pc:sldMk cId="2917286420" sldId="281"/>
+            <ac:spMk id="9" creationId="{D9A6111C-D396-4552-93A4-86435C77668E}"/>
+          </ac:spMkLst>
+        </pc:spChg>
+        <pc:spChg chg="add del mod">
+          <ac:chgData name="杨 宗翰" userId="02d2eaccc4506086" providerId="LiveId" clId="{668BEB7D-CEA4-4EC1-AFE5-2E9EF8B056AD}" dt="2020-01-04T08:43:18.299" v="200" actId="692"/>
+          <ac:spMkLst>
+            <pc:docMk/>
+            <pc:sldMk cId="2917286420" sldId="281"/>
+            <ac:spMk id="11" creationId="{E1CD0B42-0BEB-4AF5-8AC4-A1FAC993E079}"/>
+          </ac:spMkLst>
+        </pc:spChg>
+        <pc:spChg chg="mod">
+          <ac:chgData name="杨 宗翰" userId="02d2eaccc4506086" providerId="LiveId" clId="{668BEB7D-CEA4-4EC1-AFE5-2E9EF8B056AD}" dt="2020-01-04T08:43:18.299" v="200" actId="692"/>
+          <ac:spMkLst>
+            <pc:docMk/>
+            <pc:sldMk cId="2917286420" sldId="281"/>
+            <ac:spMk id="13" creationId="{152E3CDA-DADE-4BFA-804C-F24B076101AB}"/>
+          </ac:spMkLst>
+        </pc:spChg>
+        <pc:spChg chg="mod">
+          <ac:chgData name="杨 宗翰" userId="02d2eaccc4506086" providerId="LiveId" clId="{668BEB7D-CEA4-4EC1-AFE5-2E9EF8B056AD}" dt="2020-01-04T08:43:18.299" v="200" actId="692"/>
+          <ac:spMkLst>
+            <pc:docMk/>
+            <pc:sldMk cId="2917286420" sldId="281"/>
+            <ac:spMk id="14" creationId="{6A5B67B7-8230-4742-A25B-09E625BDF1E7}"/>
+          </ac:spMkLst>
+        </pc:spChg>
+        <pc:spChg chg="mod">
+          <ac:chgData name="杨 宗翰" userId="02d2eaccc4506086" providerId="LiveId" clId="{668BEB7D-CEA4-4EC1-AFE5-2E9EF8B056AD}" dt="2020-01-04T08:43:18.299" v="200" actId="692"/>
+          <ac:spMkLst>
+            <pc:docMk/>
+            <pc:sldMk cId="2917286420" sldId="281"/>
+            <ac:spMk id="16" creationId="{FB939C44-6A9F-4E26-80A9-D394D34B5745}"/>
+          </ac:spMkLst>
+        </pc:spChg>
+        <pc:spChg chg="mod">
+          <ac:chgData name="杨 宗翰" userId="02d2eaccc4506086" providerId="LiveId" clId="{668BEB7D-CEA4-4EC1-AFE5-2E9EF8B056AD}" dt="2020-01-04T08:43:18.299" v="200" actId="692"/>
+          <ac:spMkLst>
+            <pc:docMk/>
+            <pc:sldMk cId="2917286420" sldId="281"/>
+            <ac:spMk id="19" creationId="{DC437E7C-D603-478F-94C8-FC8137053367}"/>
+          </ac:spMkLst>
+        </pc:spChg>
+        <pc:spChg chg="mod">
+          <ac:chgData name="杨 宗翰" userId="02d2eaccc4506086" providerId="LiveId" clId="{668BEB7D-CEA4-4EC1-AFE5-2E9EF8B056AD}" dt="2020-01-04T08:43:18.299" v="200" actId="692"/>
+          <ac:spMkLst>
+            <pc:docMk/>
+            <pc:sldMk cId="2917286420" sldId="281"/>
+            <ac:spMk id="20" creationId="{A4889427-8CA6-4152-8757-BC31F4138345}"/>
+          </ac:spMkLst>
+        </pc:spChg>
+        <pc:spChg chg="mod">
+          <ac:chgData name="杨 宗翰" userId="02d2eaccc4506086" providerId="LiveId" clId="{668BEB7D-CEA4-4EC1-AFE5-2E9EF8B056AD}" dt="2020-01-04T08:43:18.299" v="200" actId="692"/>
+          <ac:spMkLst>
+            <pc:docMk/>
+            <pc:sldMk cId="2917286420" sldId="281"/>
+            <ac:spMk id="21" creationId="{BC8F80B5-1639-4F28-98F2-20F599BA68CC}"/>
+          </ac:spMkLst>
+        </pc:spChg>
+        <pc:spChg chg="mod">
+          <ac:chgData name="杨 宗翰" userId="02d2eaccc4506086" providerId="LiveId" clId="{668BEB7D-CEA4-4EC1-AFE5-2E9EF8B056AD}" dt="2020-01-04T08:43:18.299" v="200" actId="692"/>
+          <ac:spMkLst>
+            <pc:docMk/>
+            <pc:sldMk cId="2917286420" sldId="281"/>
+            <ac:spMk id="22" creationId="{1C0365E4-BD05-4CA9-8FD4-D887B4CB4823}"/>
+          </ac:spMkLst>
+        </pc:spChg>
+        <pc:spChg chg="mod ord">
+          <ac:chgData name="杨 宗翰" userId="02d2eaccc4506086" providerId="LiveId" clId="{668BEB7D-CEA4-4EC1-AFE5-2E9EF8B056AD}" dt="2020-01-04T08:45:39.860" v="232" actId="166"/>
+          <ac:spMkLst>
+            <pc:docMk/>
+            <pc:sldMk cId="2917286420" sldId="281"/>
+            <ac:spMk id="59" creationId="{B059FCE3-5CF9-43C2-99CE-1E1E6146F4E3}"/>
+          </ac:spMkLst>
+        </pc:spChg>
+        <pc:spChg chg="del">
+          <ac:chgData name="杨 宗翰" userId="02d2eaccc4506086" providerId="LiveId" clId="{668BEB7D-CEA4-4EC1-AFE5-2E9EF8B056AD}" dt="2020-01-04T08:35:41.652" v="128" actId="478"/>
+          <ac:spMkLst>
+            <pc:docMk/>
+            <pc:sldMk cId="2917286420" sldId="281"/>
+            <ac:spMk id="129" creationId="{E6AEB096-66CD-4B78-A2FE-D292DB1C6563}"/>
+          </ac:spMkLst>
+        </pc:spChg>
+        <pc:spChg chg="mod">
+          <ac:chgData name="杨 宗翰" userId="02d2eaccc4506086" providerId="LiveId" clId="{668BEB7D-CEA4-4EC1-AFE5-2E9EF8B056AD}" dt="2020-01-04T08:43:12.655" v="199" actId="692"/>
+          <ac:spMkLst>
+            <pc:docMk/>
+            <pc:sldMk cId="2917286420" sldId="281"/>
+            <ac:spMk id="152" creationId="{3B7BFA23-EEF1-4F85-B53D-77A865224C2E}"/>
+          </ac:spMkLst>
+        </pc:spChg>
+        <pc:spChg chg="del">
+          <ac:chgData name="杨 宗翰" userId="02d2eaccc4506086" providerId="LiveId" clId="{668BEB7D-CEA4-4EC1-AFE5-2E9EF8B056AD}" dt="2020-01-04T08:35:41.652" v="128" actId="478"/>
+          <ac:spMkLst>
+            <pc:docMk/>
+            <pc:sldMk cId="2917286420" sldId="281"/>
+            <ac:spMk id="229" creationId="{E6DFB4CE-E72F-4482-BF3D-E9FBD05DA596}"/>
+          </ac:spMkLst>
+        </pc:spChg>
+        <pc:spChg chg="del">
+          <ac:chgData name="杨 宗翰" userId="02d2eaccc4506086" providerId="LiveId" clId="{668BEB7D-CEA4-4EC1-AFE5-2E9EF8B056AD}" dt="2020-01-04T08:35:41.652" v="128" actId="478"/>
+          <ac:spMkLst>
+            <pc:docMk/>
+            <pc:sldMk cId="2917286420" sldId="281"/>
+            <ac:spMk id="231" creationId="{2BF59435-9542-4FF5-A1B9-81E86BE5343C}"/>
+          </ac:spMkLst>
+        </pc:spChg>
+        <pc:spChg chg="del">
+          <ac:chgData name="杨 宗翰" userId="02d2eaccc4506086" providerId="LiveId" clId="{668BEB7D-CEA4-4EC1-AFE5-2E9EF8B056AD}" dt="2020-01-04T08:35:41.652" v="128" actId="478"/>
+          <ac:spMkLst>
+            <pc:docMk/>
+            <pc:sldMk cId="2917286420" sldId="281"/>
+            <ac:spMk id="233" creationId="{38D58AF5-F08A-4566-98FF-82E5E9DB26C9}"/>
+          </ac:spMkLst>
+        </pc:spChg>
+        <pc:spChg chg="del">
+          <ac:chgData name="杨 宗翰" userId="02d2eaccc4506086" providerId="LiveId" clId="{668BEB7D-CEA4-4EC1-AFE5-2E9EF8B056AD}" dt="2020-01-04T08:35:41.652" v="128" actId="478"/>
+          <ac:spMkLst>
+            <pc:docMk/>
+            <pc:sldMk cId="2917286420" sldId="281"/>
+            <ac:spMk id="235" creationId="{4FD8976C-AAC3-4A2F-BA43-7B2DADFAE5D8}"/>
+          </ac:spMkLst>
+        </pc:spChg>
+        <pc:spChg chg="del">
+          <ac:chgData name="杨 宗翰" userId="02d2eaccc4506086" providerId="LiveId" clId="{668BEB7D-CEA4-4EC1-AFE5-2E9EF8B056AD}" dt="2020-01-04T08:35:41.652" v="128" actId="478"/>
+          <ac:spMkLst>
+            <pc:docMk/>
+            <pc:sldMk cId="2917286420" sldId="281"/>
+            <ac:spMk id="237" creationId="{ACCC7138-5284-4F84-9B41-70F11B45552E}"/>
+          </ac:spMkLst>
+        </pc:spChg>
+        <pc:spChg chg="mod">
+          <ac:chgData name="杨 宗翰" userId="02d2eaccc4506086" providerId="LiveId" clId="{668BEB7D-CEA4-4EC1-AFE5-2E9EF8B056AD}" dt="2020-01-04T08:43:12.655" v="199" actId="692"/>
+          <ac:spMkLst>
+            <pc:docMk/>
+            <pc:sldMk cId="2917286420" sldId="281"/>
+            <ac:spMk id="249" creationId="{C07F5D6A-1B36-456D-97E7-E9E31367DA40}"/>
+          </ac:spMkLst>
+        </pc:spChg>
+        <pc:cxnChg chg="mod ord">
+          <ac:chgData name="杨 宗翰" userId="02d2eaccc4506086" providerId="LiveId" clId="{668BEB7D-CEA4-4EC1-AFE5-2E9EF8B056AD}" dt="2020-01-04T08:43:37.143" v="203" actId="170"/>
+          <ac:cxnSpMkLst>
+            <pc:docMk/>
+            <pc:sldMk cId="2917286420" sldId="281"/>
+            <ac:cxnSpMk id="28" creationId="{A1A80714-1062-4753-96B3-590965863A48}"/>
+          </ac:cxnSpMkLst>
+        </pc:cxnChg>
+        <pc:cxnChg chg="mod ord">
+          <ac:chgData name="杨 宗翰" userId="02d2eaccc4506086" providerId="LiveId" clId="{668BEB7D-CEA4-4EC1-AFE5-2E9EF8B056AD}" dt="2020-01-04T08:43:37.143" v="203" actId="170"/>
+          <ac:cxnSpMkLst>
+            <pc:docMk/>
+            <pc:sldMk cId="2917286420" sldId="281"/>
+            <ac:cxnSpMk id="29" creationId="{A6ADBAE7-B2B2-485B-92A3-5EB6BC8C2884}"/>
+          </ac:cxnSpMkLst>
+        </pc:cxnChg>
+        <pc:cxnChg chg="mod">
+          <ac:chgData name="杨 宗翰" userId="02d2eaccc4506086" providerId="LiveId" clId="{668BEB7D-CEA4-4EC1-AFE5-2E9EF8B056AD}" dt="2020-01-04T08:43:18.299" v="200" actId="692"/>
+          <ac:cxnSpMkLst>
+            <pc:docMk/>
+            <pc:sldMk cId="2917286420" sldId="281"/>
+            <ac:cxnSpMk id="36" creationId="{564998E1-976B-4FC1-BA29-C2CB800035E6}"/>
+          </ac:cxnSpMkLst>
+        </pc:cxnChg>
+        <pc:cxnChg chg="mod">
+          <ac:chgData name="杨 宗翰" userId="02d2eaccc4506086" providerId="LiveId" clId="{668BEB7D-CEA4-4EC1-AFE5-2E9EF8B056AD}" dt="2020-01-04T08:43:18.299" v="200" actId="692"/>
+          <ac:cxnSpMkLst>
+            <pc:docMk/>
+            <pc:sldMk cId="2917286420" sldId="281"/>
+            <ac:cxnSpMk id="39" creationId="{F791CB71-D6AF-4D11-8766-7248103114AF}"/>
+          </ac:cxnSpMkLst>
+        </pc:cxnChg>
+        <pc:cxnChg chg="mod">
+          <ac:chgData name="杨 宗翰" userId="02d2eaccc4506086" providerId="LiveId" clId="{668BEB7D-CEA4-4EC1-AFE5-2E9EF8B056AD}" dt="2020-01-04T08:43:18.299" v="200" actId="692"/>
+          <ac:cxnSpMkLst>
+            <pc:docMk/>
+            <pc:sldMk cId="2917286420" sldId="281"/>
+            <ac:cxnSpMk id="42" creationId="{76376A21-0120-4374-BD7E-5A3C99362B3C}"/>
+          </ac:cxnSpMkLst>
+        </pc:cxnChg>
+        <pc:cxnChg chg="mod">
+          <ac:chgData name="杨 宗翰" userId="02d2eaccc4506086" providerId="LiveId" clId="{668BEB7D-CEA4-4EC1-AFE5-2E9EF8B056AD}" dt="2020-01-04T08:43:18.299" v="200" actId="692"/>
+          <ac:cxnSpMkLst>
+            <pc:docMk/>
+            <pc:sldMk cId="2917286420" sldId="281"/>
+            <ac:cxnSpMk id="45" creationId="{51020011-EB01-4DB7-AADC-6C141DC37D1D}"/>
+          </ac:cxnSpMkLst>
+        </pc:cxnChg>
+        <pc:cxnChg chg="mod">
+          <ac:chgData name="杨 宗翰" userId="02d2eaccc4506086" providerId="LiveId" clId="{668BEB7D-CEA4-4EC1-AFE5-2E9EF8B056AD}" dt="2020-01-04T08:43:18.299" v="200" actId="692"/>
+          <ac:cxnSpMkLst>
+            <pc:docMk/>
+            <pc:sldMk cId="2917286420" sldId="281"/>
+            <ac:cxnSpMk id="48" creationId="{DA170BC1-455C-430A-A169-98D236299C64}"/>
+          </ac:cxnSpMkLst>
+        </pc:cxnChg>
+        <pc:cxnChg chg="mod">
+          <ac:chgData name="杨 宗翰" userId="02d2eaccc4506086" providerId="LiveId" clId="{668BEB7D-CEA4-4EC1-AFE5-2E9EF8B056AD}" dt="2020-01-04T08:43:18.299" v="200" actId="692"/>
+          <ac:cxnSpMkLst>
+            <pc:docMk/>
+            <pc:sldMk cId="2917286420" sldId="281"/>
+            <ac:cxnSpMk id="51" creationId="{DFA61650-8757-4EED-BDEB-CD7E9F966A1A}"/>
+          </ac:cxnSpMkLst>
+        </pc:cxnChg>
+        <pc:cxnChg chg="mod">
+          <ac:chgData name="杨 宗翰" userId="02d2eaccc4506086" providerId="LiveId" clId="{668BEB7D-CEA4-4EC1-AFE5-2E9EF8B056AD}" dt="2020-01-04T08:43:18.299" v="200" actId="692"/>
+          <ac:cxnSpMkLst>
+            <pc:docMk/>
+            <pc:sldMk cId="2917286420" sldId="281"/>
+            <ac:cxnSpMk id="54" creationId="{E4547837-12D0-4917-AE06-34FFB9AE635A}"/>
+          </ac:cxnSpMkLst>
+        </pc:cxnChg>
+        <pc:cxnChg chg="mod">
+          <ac:chgData name="杨 宗翰" userId="02d2eaccc4506086" providerId="LiveId" clId="{668BEB7D-CEA4-4EC1-AFE5-2E9EF8B056AD}" dt="2020-01-04T08:43:18.299" v="200" actId="692"/>
+          <ac:cxnSpMkLst>
+            <pc:docMk/>
+            <pc:sldMk cId="2917286420" sldId="281"/>
+            <ac:cxnSpMk id="61" creationId="{618A586E-2EDF-4995-9268-109BB2E88BE3}"/>
+          </ac:cxnSpMkLst>
+        </pc:cxnChg>
+        <pc:cxnChg chg="mod">
+          <ac:chgData name="杨 宗翰" userId="02d2eaccc4506086" providerId="LiveId" clId="{668BEB7D-CEA4-4EC1-AFE5-2E9EF8B056AD}" dt="2020-01-04T08:43:18.299" v="200" actId="692"/>
+          <ac:cxnSpMkLst>
+            <pc:docMk/>
+            <pc:sldMk cId="2917286420" sldId="281"/>
+            <ac:cxnSpMk id="64" creationId="{CBAD7D46-FF93-409F-9817-B471EC126FA4}"/>
+          </ac:cxnSpMkLst>
+        </pc:cxnChg>
+        <pc:cxnChg chg="add del">
+          <ac:chgData name="杨 宗翰" userId="02d2eaccc4506086" providerId="LiveId" clId="{668BEB7D-CEA4-4EC1-AFE5-2E9EF8B056AD}" dt="2020-01-04T08:37:36.899" v="154" actId="478"/>
+          <ac:cxnSpMkLst>
+            <pc:docMk/>
+            <pc:sldMk cId="2917286420" sldId="281"/>
+            <ac:cxnSpMk id="72" creationId="{83DBED1B-2A4D-48DE-930F-366AD44D209F}"/>
+          </ac:cxnSpMkLst>
+        </pc:cxnChg>
+        <pc:cxnChg chg="add mod">
+          <ac:chgData name="杨 宗翰" userId="02d2eaccc4506086" providerId="LiveId" clId="{668BEB7D-CEA4-4EC1-AFE5-2E9EF8B056AD}" dt="2020-01-04T08:43:18.299" v="200" actId="692"/>
+          <ac:cxnSpMkLst>
+            <pc:docMk/>
+            <pc:sldMk cId="2917286420" sldId="281"/>
+            <ac:cxnSpMk id="73" creationId="{7C410C39-92B1-4C86-A80A-0B8F471D6430}"/>
+          </ac:cxnSpMkLst>
+        </pc:cxnChg>
+        <pc:cxnChg chg="add mod">
+          <ac:chgData name="杨 宗翰" userId="02d2eaccc4506086" providerId="LiveId" clId="{668BEB7D-CEA4-4EC1-AFE5-2E9EF8B056AD}" dt="2020-01-04T08:43:18.299" v="200" actId="692"/>
+          <ac:cxnSpMkLst>
+            <pc:docMk/>
+            <pc:sldMk cId="2917286420" sldId="281"/>
+            <ac:cxnSpMk id="74" creationId="{77C8C74A-718F-4497-ABFF-24796B733797}"/>
+          </ac:cxnSpMkLst>
+        </pc:cxnChg>
+        <pc:cxnChg chg="mod">
+          <ac:chgData name="杨 宗翰" userId="02d2eaccc4506086" providerId="LiveId" clId="{668BEB7D-CEA4-4EC1-AFE5-2E9EF8B056AD}" dt="2020-01-04T08:43:18.299" v="200" actId="692"/>
+          <ac:cxnSpMkLst>
+            <pc:docMk/>
+            <pc:sldMk cId="2917286420" sldId="281"/>
+            <ac:cxnSpMk id="81" creationId="{E6EAB1BC-A2DF-4534-9284-A10D81EFB58C}"/>
+          </ac:cxnSpMkLst>
+        </pc:cxnChg>
+        <pc:cxnChg chg="add mod">
+          <ac:chgData name="杨 宗翰" userId="02d2eaccc4506086" providerId="LiveId" clId="{668BEB7D-CEA4-4EC1-AFE5-2E9EF8B056AD}" dt="2020-01-04T08:45:34.265" v="231" actId="14100"/>
+          <ac:cxnSpMkLst>
+            <pc:docMk/>
+            <pc:sldMk cId="2917286420" sldId="281"/>
+            <ac:cxnSpMk id="82" creationId="{D8568F44-C61B-403F-867D-9BE862070E36}"/>
+          </ac:cxnSpMkLst>
+        </pc:cxnChg>
+        <pc:cxnChg chg="mod">
+          <ac:chgData name="杨 宗翰" userId="02d2eaccc4506086" providerId="LiveId" clId="{668BEB7D-CEA4-4EC1-AFE5-2E9EF8B056AD}" dt="2020-01-04T08:43:18.299" v="200" actId="692"/>
+          <ac:cxnSpMkLst>
+            <pc:docMk/>
+            <pc:sldMk cId="2917286420" sldId="281"/>
+            <ac:cxnSpMk id="83" creationId="{8ED196F1-1EAE-4254-A4D4-E69895F8FA2A}"/>
+          </ac:cxnSpMkLst>
+        </pc:cxnChg>
+        <pc:cxnChg chg="mod">
+          <ac:chgData name="杨 宗翰" userId="02d2eaccc4506086" providerId="LiveId" clId="{668BEB7D-CEA4-4EC1-AFE5-2E9EF8B056AD}" dt="2020-01-04T08:43:18.299" v="200" actId="692"/>
+          <ac:cxnSpMkLst>
+            <pc:docMk/>
+            <pc:sldMk cId="2917286420" sldId="281"/>
+            <ac:cxnSpMk id="84" creationId="{1A16CED1-F374-4A1D-AB64-30D528D1DFAB}"/>
+          </ac:cxnSpMkLst>
+        </pc:cxnChg>
+        <pc:cxnChg chg="add mod">
+          <ac:chgData name="杨 宗翰" userId="02d2eaccc4506086" providerId="LiveId" clId="{668BEB7D-CEA4-4EC1-AFE5-2E9EF8B056AD}" dt="2020-01-04T08:45:03.608" v="228" actId="692"/>
+          <ac:cxnSpMkLst>
+            <pc:docMk/>
+            <pc:sldMk cId="2917286420" sldId="281"/>
+            <ac:cxnSpMk id="85" creationId="{BF1BDC9C-0F4E-4D48-B9F5-F751721626F5}"/>
+          </ac:cxnSpMkLst>
+        </pc:cxnChg>
+        <pc:cxnChg chg="mod">
+          <ac:chgData name="杨 宗翰" userId="02d2eaccc4506086" providerId="LiveId" clId="{668BEB7D-CEA4-4EC1-AFE5-2E9EF8B056AD}" dt="2020-01-04T08:43:18.299" v="200" actId="692"/>
+          <ac:cxnSpMkLst>
+            <pc:docMk/>
+            <pc:sldMk cId="2917286420" sldId="281"/>
+            <ac:cxnSpMk id="87" creationId="{1BCAC51B-EE15-4510-8816-8EBD9A9F33A9}"/>
+          </ac:cxnSpMkLst>
+        </pc:cxnChg>
+        <pc:cxnChg chg="del mod">
+          <ac:chgData name="杨 宗翰" userId="02d2eaccc4506086" providerId="LiveId" clId="{668BEB7D-CEA4-4EC1-AFE5-2E9EF8B056AD}" dt="2020-01-04T08:44:55.369" v="224" actId="478"/>
+          <ac:cxnSpMkLst>
+            <pc:docMk/>
+            <pc:sldMk cId="2917286420" sldId="281"/>
+            <ac:cxnSpMk id="88" creationId="{631647EB-B2D9-44A8-AF70-7631688AFFB9}"/>
+          </ac:cxnSpMkLst>
+        </pc:cxnChg>
+        <pc:cxnChg chg="mod">
+          <ac:chgData name="杨 宗翰" userId="02d2eaccc4506086" providerId="LiveId" clId="{668BEB7D-CEA4-4EC1-AFE5-2E9EF8B056AD}" dt="2020-01-04T08:43:18.299" v="200" actId="692"/>
+          <ac:cxnSpMkLst>
+            <pc:docMk/>
+            <pc:sldMk cId="2917286420" sldId="281"/>
+            <ac:cxnSpMk id="90" creationId="{C8136235-20A0-4546-AEA2-0982F9D77646}"/>
+          </ac:cxnSpMkLst>
+        </pc:cxnChg>
+        <pc:cxnChg chg="mod">
+          <ac:chgData name="杨 宗翰" userId="02d2eaccc4506086" providerId="LiveId" clId="{668BEB7D-CEA4-4EC1-AFE5-2E9EF8B056AD}" dt="2020-01-04T08:43:18.299" v="200" actId="692"/>
+          <ac:cxnSpMkLst>
+            <pc:docMk/>
+            <pc:sldMk cId="2917286420" sldId="281"/>
+            <ac:cxnSpMk id="91" creationId="{8085F9A6-D14A-4408-BB12-977EC3243FCC}"/>
+          </ac:cxnSpMkLst>
+        </pc:cxnChg>
+        <pc:cxnChg chg="del mod">
+          <ac:chgData name="杨 宗翰" userId="02d2eaccc4506086" providerId="LiveId" clId="{668BEB7D-CEA4-4EC1-AFE5-2E9EF8B056AD}" dt="2020-01-04T08:44:55.369" v="224" actId="478"/>
+          <ac:cxnSpMkLst>
+            <pc:docMk/>
+            <pc:sldMk cId="2917286420" sldId="281"/>
+            <ac:cxnSpMk id="94" creationId="{0A5EAA4E-65F1-499F-B394-DD3DDFC8E117}"/>
+          </ac:cxnSpMkLst>
+        </pc:cxnChg>
+        <pc:cxnChg chg="mod">
+          <ac:chgData name="杨 宗翰" userId="02d2eaccc4506086" providerId="LiveId" clId="{668BEB7D-CEA4-4EC1-AFE5-2E9EF8B056AD}" dt="2020-01-04T08:43:18.299" v="200" actId="692"/>
+          <ac:cxnSpMkLst>
+            <pc:docMk/>
+            <pc:sldMk cId="2917286420" sldId="281"/>
+            <ac:cxnSpMk id="95" creationId="{CB355121-F2F1-441E-B6C2-CC849F90B24C}"/>
+          </ac:cxnSpMkLst>
+        </pc:cxnChg>
+        <pc:cxnChg chg="mod">
+          <ac:chgData name="杨 宗翰" userId="02d2eaccc4506086" providerId="LiveId" clId="{668BEB7D-CEA4-4EC1-AFE5-2E9EF8B056AD}" dt="2020-01-04T08:43:18.299" v="200" actId="692"/>
+          <ac:cxnSpMkLst>
+            <pc:docMk/>
+            <pc:sldMk cId="2917286420" sldId="281"/>
+            <ac:cxnSpMk id="100" creationId="{E3190946-DCFF-4790-BFD1-714E6423DE5B}"/>
+          </ac:cxnSpMkLst>
+        </pc:cxnChg>
+        <pc:cxnChg chg="mod">
+          <ac:chgData name="杨 宗翰" userId="02d2eaccc4506086" providerId="LiveId" clId="{668BEB7D-CEA4-4EC1-AFE5-2E9EF8B056AD}" dt="2020-01-04T08:43:18.299" v="200" actId="692"/>
+          <ac:cxnSpMkLst>
+            <pc:docMk/>
+            <pc:sldMk cId="2917286420" sldId="281"/>
+            <ac:cxnSpMk id="106" creationId="{E3A932A1-D8D0-4C45-A500-21185EB9CF7F}"/>
+          </ac:cxnSpMkLst>
+        </pc:cxnChg>
+        <pc:cxnChg chg="mod ord">
+          <ac:chgData name="杨 宗翰" userId="02d2eaccc4506086" providerId="LiveId" clId="{668BEB7D-CEA4-4EC1-AFE5-2E9EF8B056AD}" dt="2020-01-04T08:43:31.982" v="201" actId="166"/>
+          <ac:cxnSpMkLst>
+            <pc:docMk/>
+            <pc:sldMk cId="2917286420" sldId="281"/>
+            <ac:cxnSpMk id="107" creationId="{353E3670-A32C-4294-BFAF-3693B62EC3AF}"/>
+          </ac:cxnSpMkLst>
+        </pc:cxnChg>
+        <pc:cxnChg chg="mod">
+          <ac:chgData name="杨 宗翰" userId="02d2eaccc4506086" providerId="LiveId" clId="{668BEB7D-CEA4-4EC1-AFE5-2E9EF8B056AD}" dt="2020-01-04T08:43:18.299" v="200" actId="692"/>
+          <ac:cxnSpMkLst>
+            <pc:docMk/>
+            <pc:sldMk cId="2917286420" sldId="281"/>
+            <ac:cxnSpMk id="109" creationId="{5F8873B9-8792-46CF-9AFB-A6CE279A33F7}"/>
+          </ac:cxnSpMkLst>
+        </pc:cxnChg>
+        <pc:cxnChg chg="mod ord">
+          <ac:chgData name="杨 宗翰" userId="02d2eaccc4506086" providerId="LiveId" clId="{668BEB7D-CEA4-4EC1-AFE5-2E9EF8B056AD}" dt="2020-01-04T08:43:31.982" v="201" actId="166"/>
+          <ac:cxnSpMkLst>
+            <pc:docMk/>
+            <pc:sldMk cId="2917286420" sldId="281"/>
+            <ac:cxnSpMk id="110" creationId="{F4F46458-4F3C-4E93-8CE4-855A8BD71459}"/>
+          </ac:cxnSpMkLst>
+        </pc:cxnChg>
+        <pc:cxnChg chg="mod">
+          <ac:chgData name="杨 宗翰" userId="02d2eaccc4506086" providerId="LiveId" clId="{668BEB7D-CEA4-4EC1-AFE5-2E9EF8B056AD}" dt="2020-01-04T08:43:18.299" v="200" actId="692"/>
+          <ac:cxnSpMkLst>
+            <pc:docMk/>
+            <pc:sldMk cId="2917286420" sldId="281"/>
+            <ac:cxnSpMk id="111" creationId="{7C4DDDED-B2DD-4796-A67E-1E5DFC047E5B}"/>
+          </ac:cxnSpMkLst>
+        </pc:cxnChg>
+        <pc:cxnChg chg="mod">
+          <ac:chgData name="杨 宗翰" userId="02d2eaccc4506086" providerId="LiveId" clId="{668BEB7D-CEA4-4EC1-AFE5-2E9EF8B056AD}" dt="2020-01-04T08:43:18.299" v="200" actId="692"/>
+          <ac:cxnSpMkLst>
+            <pc:docMk/>
+            <pc:sldMk cId="2917286420" sldId="281"/>
+            <ac:cxnSpMk id="112" creationId="{5B77F41B-7A5A-4252-BB1C-F4B4C6697AC4}"/>
+          </ac:cxnSpMkLst>
+        </pc:cxnChg>
+        <pc:cxnChg chg="mod">
+          <ac:chgData name="杨 宗翰" userId="02d2eaccc4506086" providerId="LiveId" clId="{668BEB7D-CEA4-4EC1-AFE5-2E9EF8B056AD}" dt="2020-01-04T08:43:18.299" v="200" actId="692"/>
+          <ac:cxnSpMkLst>
+            <pc:docMk/>
+            <pc:sldMk cId="2917286420" sldId="281"/>
+            <ac:cxnSpMk id="115" creationId="{E408050F-0387-4500-B0C4-F2BB4219EF04}"/>
+          </ac:cxnSpMkLst>
+        </pc:cxnChg>
+        <pc:cxnChg chg="mod">
+          <ac:chgData name="杨 宗翰" userId="02d2eaccc4506086" providerId="LiveId" clId="{668BEB7D-CEA4-4EC1-AFE5-2E9EF8B056AD}" dt="2020-01-04T08:43:18.299" v="200" actId="692"/>
+          <ac:cxnSpMkLst>
+            <pc:docMk/>
+            <pc:sldMk cId="2917286420" sldId="281"/>
+            <ac:cxnSpMk id="116" creationId="{1B9ECCFD-7115-4FF1-BCB8-338A3F1F73AA}"/>
+          </ac:cxnSpMkLst>
+        </pc:cxnChg>
+        <pc:cxnChg chg="mod">
+          <ac:chgData name="杨 宗翰" userId="02d2eaccc4506086" providerId="LiveId" clId="{668BEB7D-CEA4-4EC1-AFE5-2E9EF8B056AD}" dt="2020-01-04T08:43:18.299" v="200" actId="692"/>
+          <ac:cxnSpMkLst>
+            <pc:docMk/>
+            <pc:sldMk cId="2917286420" sldId="281"/>
+            <ac:cxnSpMk id="118" creationId="{5986E81D-2661-470D-9390-26E2DE3A8008}"/>
+          </ac:cxnSpMkLst>
+        </pc:cxnChg>
+        <pc:cxnChg chg="mod">
+          <ac:chgData name="杨 宗翰" userId="02d2eaccc4506086" providerId="LiveId" clId="{668BEB7D-CEA4-4EC1-AFE5-2E9EF8B056AD}" dt="2020-01-04T08:43:18.299" v="200" actId="692"/>
+          <ac:cxnSpMkLst>
+            <pc:docMk/>
+            <pc:sldMk cId="2917286420" sldId="281"/>
+            <ac:cxnSpMk id="120" creationId="{D128A26F-CB5F-41F7-9CBC-B71CA22EF50B}"/>
+          </ac:cxnSpMkLst>
+        </pc:cxnChg>
+        <pc:cxnChg chg="del">
+          <ac:chgData name="杨 宗翰" userId="02d2eaccc4506086" providerId="LiveId" clId="{668BEB7D-CEA4-4EC1-AFE5-2E9EF8B056AD}" dt="2020-01-04T08:35:41.652" v="128" actId="478"/>
+          <ac:cxnSpMkLst>
+            <pc:docMk/>
+            <pc:sldMk cId="2917286420" sldId="281"/>
+            <ac:cxnSpMk id="128" creationId="{0627B8C1-0712-4373-AB55-8A5F9DC1BE1E}"/>
+          </ac:cxnSpMkLst>
+        </pc:cxnChg>
+        <pc:cxnChg chg="mod">
+          <ac:chgData name="杨 宗翰" userId="02d2eaccc4506086" providerId="LiveId" clId="{668BEB7D-CEA4-4EC1-AFE5-2E9EF8B056AD}" dt="2020-01-04T08:43:18.299" v="200" actId="692"/>
+          <ac:cxnSpMkLst>
+            <pc:docMk/>
+            <pc:sldMk cId="2917286420" sldId="281"/>
+            <ac:cxnSpMk id="130" creationId="{73BF0C9D-8DC1-4E7F-AA52-D795BE73C87E}"/>
+          </ac:cxnSpMkLst>
+        </pc:cxnChg>
+        <pc:cxnChg chg="mod">
+          <ac:chgData name="杨 宗翰" userId="02d2eaccc4506086" providerId="LiveId" clId="{668BEB7D-CEA4-4EC1-AFE5-2E9EF8B056AD}" dt="2020-01-04T08:43:18.299" v="200" actId="692"/>
+          <ac:cxnSpMkLst>
+            <pc:docMk/>
+            <pc:sldMk cId="2917286420" sldId="281"/>
+            <ac:cxnSpMk id="163" creationId="{BDECE94E-3FD6-4F14-BB5E-FB81E5A5214B}"/>
+          </ac:cxnSpMkLst>
+        </pc:cxnChg>
+        <pc:cxnChg chg="mod">
+          <ac:chgData name="杨 宗翰" userId="02d2eaccc4506086" providerId="LiveId" clId="{668BEB7D-CEA4-4EC1-AFE5-2E9EF8B056AD}" dt="2020-01-04T08:43:18.299" v="200" actId="692"/>
+          <ac:cxnSpMkLst>
+            <pc:docMk/>
+            <pc:sldMk cId="2917286420" sldId="281"/>
+            <ac:cxnSpMk id="191" creationId="{4E2850EB-7D17-43BF-BA6B-AB70C8F80A92}"/>
+          </ac:cxnSpMkLst>
+        </pc:cxnChg>
+        <pc:cxnChg chg="del">
+          <ac:chgData name="杨 宗翰" userId="02d2eaccc4506086" providerId="LiveId" clId="{668BEB7D-CEA4-4EC1-AFE5-2E9EF8B056AD}" dt="2020-01-04T08:35:41.652" v="128" actId="478"/>
+          <ac:cxnSpMkLst>
+            <pc:docMk/>
+            <pc:sldMk cId="2917286420" sldId="281"/>
+            <ac:cxnSpMk id="225" creationId="{AF364F72-621F-4761-933C-C6FD1FFF72DA}"/>
+          </ac:cxnSpMkLst>
+        </pc:cxnChg>
+        <pc:cxnChg chg="mod">
+          <ac:chgData name="杨 宗翰" userId="02d2eaccc4506086" providerId="LiveId" clId="{668BEB7D-CEA4-4EC1-AFE5-2E9EF8B056AD}" dt="2020-01-04T08:43:18.299" v="200" actId="692"/>
+          <ac:cxnSpMkLst>
+            <pc:docMk/>
+            <pc:sldMk cId="2917286420" sldId="281"/>
+            <ac:cxnSpMk id="226" creationId="{196BF9AB-B277-4A1A-86B0-5B44350E70A1}"/>
+          </ac:cxnSpMkLst>
+        </pc:cxnChg>
+        <pc:cxnChg chg="del">
+          <ac:chgData name="杨 宗翰" userId="02d2eaccc4506086" providerId="LiveId" clId="{668BEB7D-CEA4-4EC1-AFE5-2E9EF8B056AD}" dt="2020-01-04T08:35:41.652" v="128" actId="478"/>
+          <ac:cxnSpMkLst>
+            <pc:docMk/>
+            <pc:sldMk cId="2917286420" sldId="281"/>
+            <ac:cxnSpMk id="228" creationId="{AACE3AB3-A08A-45C6-B38D-0E3D75415344}"/>
+          </ac:cxnSpMkLst>
+        </pc:cxnChg>
+        <pc:cxnChg chg="del">
+          <ac:chgData name="杨 宗翰" userId="02d2eaccc4506086" providerId="LiveId" clId="{668BEB7D-CEA4-4EC1-AFE5-2E9EF8B056AD}" dt="2020-01-04T08:35:41.652" v="128" actId="478"/>
+          <ac:cxnSpMkLst>
+            <pc:docMk/>
+            <pc:sldMk cId="2917286420" sldId="281"/>
+            <ac:cxnSpMk id="232" creationId="{47E7BA5C-ED7B-4053-84D0-3C381164275B}"/>
+          </ac:cxnSpMkLst>
+        </pc:cxnChg>
+        <pc:cxnChg chg="del">
+          <ac:chgData name="杨 宗翰" userId="02d2eaccc4506086" providerId="LiveId" clId="{668BEB7D-CEA4-4EC1-AFE5-2E9EF8B056AD}" dt="2020-01-04T08:35:41.652" v="128" actId="478"/>
+          <ac:cxnSpMkLst>
+            <pc:docMk/>
+            <pc:sldMk cId="2917286420" sldId="281"/>
+            <ac:cxnSpMk id="234" creationId="{98B6F314-C11C-4C22-90EC-7581A7693218}"/>
+          </ac:cxnSpMkLst>
+        </pc:cxnChg>
+        <pc:cxnChg chg="del">
+          <ac:chgData name="杨 宗翰" userId="02d2eaccc4506086" providerId="LiveId" clId="{668BEB7D-CEA4-4EC1-AFE5-2E9EF8B056AD}" dt="2020-01-04T08:35:41.652" v="128" actId="478"/>
+          <ac:cxnSpMkLst>
+            <pc:docMk/>
+            <pc:sldMk cId="2917286420" sldId="281"/>
+            <ac:cxnSpMk id="236" creationId="{E483ED37-30CF-4C59-9AC9-1743BDDD184B}"/>
+          </ac:cxnSpMkLst>
+        </pc:cxnChg>
+        <pc:cxnChg chg="mod">
+          <ac:chgData name="杨 宗翰" userId="02d2eaccc4506086" providerId="LiveId" clId="{668BEB7D-CEA4-4EC1-AFE5-2E9EF8B056AD}" dt="2020-01-04T08:43:18.299" v="200" actId="692"/>
+          <ac:cxnSpMkLst>
+            <pc:docMk/>
+            <pc:sldMk cId="2917286420" sldId="281"/>
+            <ac:cxnSpMk id="238" creationId="{6E35E0F8-07FB-45A1-8D0F-FD73F8B403AD}"/>
+          </ac:cxnSpMkLst>
+        </pc:cxnChg>
+        <pc:cxnChg chg="mod">
+          <ac:chgData name="杨 宗翰" userId="02d2eaccc4506086" providerId="LiveId" clId="{668BEB7D-CEA4-4EC1-AFE5-2E9EF8B056AD}" dt="2020-01-04T08:43:18.299" v="200" actId="692"/>
+          <ac:cxnSpMkLst>
+            <pc:docMk/>
+            <pc:sldMk cId="2917286420" sldId="281"/>
+            <ac:cxnSpMk id="240" creationId="{E90D7BB6-9E21-4BDF-B23F-1CE05D1F2AB7}"/>
+          </ac:cxnSpMkLst>
+        </pc:cxnChg>
+        <pc:cxnChg chg="mod">
+          <ac:chgData name="杨 宗翰" userId="02d2eaccc4506086" providerId="LiveId" clId="{668BEB7D-CEA4-4EC1-AFE5-2E9EF8B056AD}" dt="2020-01-04T08:43:18.299" v="200" actId="692"/>
+          <ac:cxnSpMkLst>
+            <pc:docMk/>
+            <pc:sldMk cId="2917286420" sldId="281"/>
+            <ac:cxnSpMk id="252" creationId="{B20A2D22-849D-4E05-9292-883CF3A58FFE}"/>
+          </ac:cxnSpMkLst>
+        </pc:cxnChg>
+      </pc:sldChg>
+    </pc:docChg>
+  </pc:docChgLst>
   <pc:docChgLst>
     <pc:chgData name="Yang Zonghan" userId="02d2eaccc4506086" providerId="LiveId" clId="{DDF6C093-49EC-4BAC-BEBA-BBD822831398}"/>
     <pc:docChg chg="undo custSel addSld delSld modSld sldOrd">
@@ -8293,7 +9201,7 @@
           <a:p>
             <a:r>
               <a:rPr lang="en-US" altLang="zh-CN" dirty="0"/>
-              <a:t>Module design of EX</a:t>
+              <a:t>Modularization design of EX</a:t>
             </a:r>
             <a:endParaRPr lang="zh-CN" altLang="en-US" dirty="0"/>
           </a:p>
@@ -10085,42 +10993,6 @@
           </a:p>
         </p:txBody>
       </p:sp>
-      <p:pic>
-        <p:nvPicPr>
-          <p:cNvPr id="4" name="图片 3">
-            <a:extLst>
-              <a:ext uri="{FF2B5EF4-FFF2-40B4-BE49-F238E27FC236}">
-                <a16:creationId xmlns:a16="http://schemas.microsoft.com/office/drawing/2014/main" id="{EFA3989A-699A-4FDD-BCFD-18BF58BE9794}"/>
-              </a:ext>
-            </a:extLst>
-          </p:cNvPr>
-          <p:cNvPicPr>
-            <a:picLocks noChangeAspect="1"/>
-          </p:cNvPicPr>
-          <p:nvPr/>
-        </p:nvPicPr>
-        <p:blipFill>
-          <a:blip r:embed="rId2">
-            <a:extLst>
-              <a:ext uri="{28A0092B-C50C-407E-A947-70E740481C1C}">
-                <a14:useLocalDpi xmlns:a14="http://schemas.microsoft.com/office/drawing/2010/main" val="0"/>
-              </a:ext>
-            </a:extLst>
-          </a:blip>
-          <a:stretch>
-            <a:fillRect/>
-          </a:stretch>
-        </p:blipFill>
-        <p:spPr>
-          <a:xfrm>
-            <a:off x="5584172" y="2265353"/>
-            <a:ext cx="5915456" cy="3197451"/>
-          </a:xfrm>
-          <a:prstGeom prst="rect">
-            <a:avLst/>
-          </a:prstGeom>
-        </p:spPr>
-      </p:pic>
       <p:sp>
         <p:nvSpPr>
           <p:cNvPr id="13" name="矩形: 圆角 12">
@@ -10387,6 +11259,42 @@
           </a:p>
         </p:txBody>
       </p:sp>
+      <p:pic>
+        <p:nvPicPr>
+          <p:cNvPr id="5" name="图片 4">
+            <a:extLst>
+              <a:ext uri="{FF2B5EF4-FFF2-40B4-BE49-F238E27FC236}">
+                <a16:creationId xmlns:a16="http://schemas.microsoft.com/office/drawing/2014/main" id="{558FE232-3608-4463-B4D4-E0514ACDD1C2}"/>
+              </a:ext>
+            </a:extLst>
+          </p:cNvPr>
+          <p:cNvPicPr>
+            <a:picLocks noChangeAspect="1"/>
+          </p:cNvPicPr>
+          <p:nvPr/>
+        </p:nvPicPr>
+        <p:blipFill>
+          <a:blip r:embed="rId2">
+            <a:extLst>
+              <a:ext uri="{28A0092B-C50C-407E-A947-70E740481C1C}">
+                <a14:useLocalDpi xmlns:a14="http://schemas.microsoft.com/office/drawing/2010/main" val="0"/>
+              </a:ext>
+            </a:extLst>
+          </a:blip>
+          <a:stretch>
+            <a:fillRect/>
+          </a:stretch>
+        </p:blipFill>
+        <p:spPr>
+          <a:xfrm>
+            <a:off x="5309061" y="2438185"/>
+            <a:ext cx="6197421" cy="3412008"/>
+          </a:xfrm>
+          <a:prstGeom prst="rect">
+            <a:avLst/>
+          </a:prstGeom>
+        </p:spPr>
+      </p:pic>
     </p:spTree>
     <p:extLst>
       <p:ext uri="{BB962C8B-B14F-4D97-AF65-F5344CB8AC3E}">
@@ -10397,6 +11305,18 @@
   <p:clrMapOvr>
     <a:masterClrMapping/>
   </p:clrMapOvr>
+  <mc:AlternateContent xmlns:mc="http://schemas.openxmlformats.org/markup-compatibility/2006" xmlns:p14="http://schemas.microsoft.com/office/powerpoint/2010/main">
+    <mc:Choice Requires="p14">
+      <p:transition spd="med" p14:dur="700">
+        <p:fade/>
+      </p:transition>
+    </mc:Choice>
+    <mc:Fallback xmlns="">
+      <p:transition spd="med">
+        <p:fade/>
+      </p:transition>
+    </mc:Fallback>
+  </mc:AlternateContent>
 </p:sld>
 </file>
 
@@ -15682,19 +16602,19 @@
           </p:cNvPr>
           <p:cNvCxnSpPr>
             <a:cxnSpLocks/>
+            <a:stCxn id="8" idx="2"/>
             <a:endCxn id="59" idx="2"/>
           </p:cNvCxnSpPr>
           <p:nvPr/>
         </p:nvCxnSpPr>
         <p:spPr>
-          <a:xfrm rot="10800000" flipV="1">
-            <a:off x="2953452" y="4174647"/>
-            <a:ext cx="4966973" cy="1093218"/>
+          <a:xfrm rot="5400000">
+            <a:off x="4313230" y="2842904"/>
+            <a:ext cx="1954599" cy="4635353"/>
           </a:xfrm>
-          <a:prstGeom prst="bentConnector4">
+          <a:prstGeom prst="bentConnector3">
             <a:avLst>
-              <a:gd name="adj1" fmla="val -103"/>
-              <a:gd name="adj2" fmla="val 164869"/>
+              <a:gd name="adj1" fmla="val 119728"/>
             </a:avLst>
           </a:prstGeom>
           <a:ln>
@@ -16055,7 +16975,7 @@
         </p:nvSpPr>
         <p:spPr>
           <a:xfrm>
-            <a:off x="4603731" y="4445528"/>
+            <a:off x="4620743" y="5310405"/>
             <a:ext cx="1357779" cy="831269"/>
           </a:xfrm>
           <a:prstGeom prst="roundRect">
@@ -16478,7 +17398,7 @@
         <p:spPr>
           <a:xfrm>
             <a:off x="5075712" y="4183280"/>
-            <a:ext cx="0" cy="262248"/>
+            <a:ext cx="0" cy="1138522"/>
           </a:xfrm>
           <a:prstGeom prst="straightConnector1">
             <a:avLst/>
@@ -16519,7 +17439,7 @@
         <p:spPr>
           <a:xfrm flipV="1">
             <a:off x="5497580" y="4183280"/>
-            <a:ext cx="0" cy="262248"/>
+            <a:ext cx="0" cy="1127125"/>
           </a:xfrm>
           <a:prstGeom prst="straightConnector1">
             <a:avLst/>
@@ -17331,12 +18251,12 @@
         </p:nvCxnSpPr>
         <p:spPr>
           <a:xfrm rot="5400000">
-            <a:off x="7642906" y="1822996"/>
-            <a:ext cx="1093516" cy="5814086"/>
+            <a:off x="7218974" y="2263940"/>
+            <a:ext cx="1958393" cy="5797074"/>
           </a:xfrm>
           <a:prstGeom prst="bentConnector3">
             <a:avLst>
-              <a:gd name="adj1" fmla="val 116022"/>
+              <a:gd name="adj1" fmla="val 106013"/>
             </a:avLst>
           </a:prstGeom>
           <a:ln w="19050">
@@ -17431,8 +18351,8 @@
         </p:nvCxnSpPr>
         <p:spPr>
           <a:xfrm>
-            <a:off x="1355430" y="5656965"/>
-            <a:ext cx="5905279" cy="2"/>
+            <a:off x="1393645" y="5064532"/>
+            <a:ext cx="5889518" cy="9201"/>
           </a:xfrm>
           <a:prstGeom prst="line">
             <a:avLst/>
@@ -17464,289 +18384,6 @@
       </p:cxnSp>
       <p:cxnSp>
         <p:nvCxnSpPr>
-          <p:cNvPr id="166" name="连接符: 肘形 165">
-            <a:extLst>
-              <a:ext uri="{FF2B5EF4-FFF2-40B4-BE49-F238E27FC236}">
-                <a16:creationId xmlns:a16="http://schemas.microsoft.com/office/drawing/2014/main" id="{F2D7D331-CE7C-4243-9338-05AAD75401EF}"/>
-              </a:ext>
-            </a:extLst>
-          </p:cNvPr>
-          <p:cNvCxnSpPr>
-            <a:cxnSpLocks/>
-          </p:cNvCxnSpPr>
-          <p:nvPr/>
-        </p:nvCxnSpPr>
-        <p:spPr>
-          <a:xfrm rot="5400000">
-            <a:off x="3932472" y="4680599"/>
-            <a:ext cx="1485286" cy="467447"/>
-          </a:xfrm>
-          <a:prstGeom prst="bentConnector3">
-            <a:avLst>
-              <a:gd name="adj1" fmla="val 12377"/>
-            </a:avLst>
-          </a:prstGeom>
-          <a:ln w="19050">
-            <a:solidFill>
-              <a:schemeClr val="accent6">
-                <a:lumMod val="75000"/>
-              </a:schemeClr>
-            </a:solidFill>
-            <a:tailEnd type="triangle"/>
-          </a:ln>
-        </p:spPr>
-        <p:style>
-          <a:lnRef idx="2">
-            <a:schemeClr val="accent2"/>
-          </a:lnRef>
-          <a:fillRef idx="0">
-            <a:schemeClr val="accent2"/>
-          </a:fillRef>
-          <a:effectRef idx="1">
-            <a:schemeClr val="accent2"/>
-          </a:effectRef>
-          <a:fontRef idx="minor">
-            <a:schemeClr val="tx1"/>
-          </a:fontRef>
-        </p:style>
-      </p:cxnSp>
-      <p:cxnSp>
-        <p:nvCxnSpPr>
-          <p:cNvPr id="175" name="连接符: 肘形 174">
-            <a:extLst>
-              <a:ext uri="{FF2B5EF4-FFF2-40B4-BE49-F238E27FC236}">
-                <a16:creationId xmlns:a16="http://schemas.microsoft.com/office/drawing/2014/main" id="{86E605E6-4129-44B6-A2A7-E0DAD2AD4838}"/>
-              </a:ext>
-            </a:extLst>
-          </p:cNvPr>
-          <p:cNvCxnSpPr>
-            <a:cxnSpLocks/>
-          </p:cNvCxnSpPr>
-          <p:nvPr/>
-        </p:nvCxnSpPr>
-        <p:spPr>
-          <a:xfrm rot="5400000">
-            <a:off x="6523924" y="4920064"/>
-            <a:ext cx="1473686" cy="116"/>
-          </a:xfrm>
-          <a:prstGeom prst="bentConnector3">
-            <a:avLst>
-              <a:gd name="adj1" fmla="val 50000"/>
-            </a:avLst>
-          </a:prstGeom>
-          <a:ln w="19050">
-            <a:solidFill>
-              <a:schemeClr val="accent6">
-                <a:lumMod val="75000"/>
-              </a:schemeClr>
-            </a:solidFill>
-            <a:tailEnd type="triangle"/>
-          </a:ln>
-        </p:spPr>
-        <p:style>
-          <a:lnRef idx="2">
-            <a:schemeClr val="accent2"/>
-          </a:lnRef>
-          <a:fillRef idx="0">
-            <a:schemeClr val="accent2"/>
-          </a:fillRef>
-          <a:effectRef idx="1">
-            <a:schemeClr val="accent2"/>
-          </a:effectRef>
-          <a:fontRef idx="minor">
-            <a:schemeClr val="tx1"/>
-          </a:fontRef>
-        </p:style>
-      </p:cxnSp>
-      <p:cxnSp>
-        <p:nvCxnSpPr>
-          <p:cNvPr id="179" name="连接符: 肘形 178">
-            <a:extLst>
-              <a:ext uri="{FF2B5EF4-FFF2-40B4-BE49-F238E27FC236}">
-                <a16:creationId xmlns:a16="http://schemas.microsoft.com/office/drawing/2014/main" id="{328C5E77-62AF-4131-9D5D-F8064F3ADEBD}"/>
-              </a:ext>
-            </a:extLst>
-          </p:cNvPr>
-          <p:cNvCxnSpPr>
-            <a:cxnSpLocks/>
-            <a:endCxn id="19" idx="2"/>
-          </p:cNvCxnSpPr>
-          <p:nvPr/>
-        </p:nvCxnSpPr>
-        <p:spPr>
-          <a:xfrm rot="5400000" flipH="1" flipV="1">
-            <a:off x="5708490" y="4920097"/>
-            <a:ext cx="1473684" cy="53"/>
-          </a:xfrm>
-          <a:prstGeom prst="bentConnector3">
-            <a:avLst>
-              <a:gd name="adj1" fmla="val 50000"/>
-            </a:avLst>
-          </a:prstGeom>
-          <a:ln w="19050">
-            <a:solidFill>
-              <a:schemeClr val="accent6">
-                <a:lumMod val="75000"/>
-              </a:schemeClr>
-            </a:solidFill>
-            <a:headEnd type="oval"/>
-            <a:tailEnd type="triangle"/>
-          </a:ln>
-        </p:spPr>
-        <p:style>
-          <a:lnRef idx="2">
-            <a:schemeClr val="accent2"/>
-          </a:lnRef>
-          <a:fillRef idx="0">
-            <a:schemeClr val="accent2"/>
-          </a:fillRef>
-          <a:effectRef idx="1">
-            <a:schemeClr val="accent2"/>
-          </a:effectRef>
-          <a:fontRef idx="minor">
-            <a:schemeClr val="tx1"/>
-          </a:fontRef>
-        </p:style>
-      </p:cxnSp>
-      <p:cxnSp>
-        <p:nvCxnSpPr>
-          <p:cNvPr id="182" name="连接符: 肘形 181">
-            <a:extLst>
-              <a:ext uri="{FF2B5EF4-FFF2-40B4-BE49-F238E27FC236}">
-                <a16:creationId xmlns:a16="http://schemas.microsoft.com/office/drawing/2014/main" id="{DAE890A1-C4A0-4216-AFFC-D56BE604E9F1}"/>
-              </a:ext>
-            </a:extLst>
-          </p:cNvPr>
-          <p:cNvCxnSpPr>
-            <a:cxnSpLocks/>
-          </p:cNvCxnSpPr>
-          <p:nvPr/>
-        </p:nvCxnSpPr>
-        <p:spPr>
-          <a:xfrm rot="5400000" flipH="1" flipV="1">
-            <a:off x="3377856" y="4918639"/>
-            <a:ext cx="1476652" cy="1"/>
-          </a:xfrm>
-          <a:prstGeom prst="bentConnector3">
-            <a:avLst>
-              <a:gd name="adj1" fmla="val 50000"/>
-            </a:avLst>
-          </a:prstGeom>
-          <a:ln w="19050">
-            <a:solidFill>
-              <a:schemeClr val="accent6">
-                <a:lumMod val="75000"/>
-              </a:schemeClr>
-            </a:solidFill>
-            <a:headEnd type="oval"/>
-            <a:tailEnd type="triangle"/>
-          </a:ln>
-        </p:spPr>
-        <p:style>
-          <a:lnRef idx="2">
-            <a:schemeClr val="accent2"/>
-          </a:lnRef>
-          <a:fillRef idx="0">
-            <a:schemeClr val="accent2"/>
-          </a:fillRef>
-          <a:effectRef idx="1">
-            <a:schemeClr val="accent2"/>
-          </a:effectRef>
-          <a:fontRef idx="minor">
-            <a:schemeClr val="tx1"/>
-          </a:fontRef>
-        </p:style>
-      </p:cxnSp>
-      <p:cxnSp>
-        <p:nvCxnSpPr>
-          <p:cNvPr id="186" name="连接符: 肘形 185">
-            <a:extLst>
-              <a:ext uri="{FF2B5EF4-FFF2-40B4-BE49-F238E27FC236}">
-                <a16:creationId xmlns:a16="http://schemas.microsoft.com/office/drawing/2014/main" id="{6B477642-56E8-48F2-ADAE-B90D997B56CA}"/>
-              </a:ext>
-            </a:extLst>
-          </p:cNvPr>
-          <p:cNvCxnSpPr>
-            <a:cxnSpLocks/>
-          </p:cNvCxnSpPr>
-          <p:nvPr/>
-        </p:nvCxnSpPr>
-        <p:spPr>
-          <a:xfrm>
-            <a:off x="10618616" y="3764676"/>
-            <a:ext cx="35414" cy="1677274"/>
-          </a:xfrm>
-          <a:prstGeom prst="bentConnector2">
-            <a:avLst/>
-          </a:prstGeom>
-          <a:ln w="19050">
-            <a:solidFill>
-              <a:srgbClr val="7030A0"/>
-            </a:solidFill>
-            <a:tailEnd type="triangle"/>
-          </a:ln>
-        </p:spPr>
-        <p:style>
-          <a:lnRef idx="2">
-            <a:schemeClr val="accent2"/>
-          </a:lnRef>
-          <a:fillRef idx="0">
-            <a:schemeClr val="accent2"/>
-          </a:fillRef>
-          <a:effectRef idx="1">
-            <a:schemeClr val="accent2"/>
-          </a:effectRef>
-          <a:fontRef idx="minor">
-            <a:schemeClr val="tx1"/>
-          </a:fontRef>
-        </p:style>
-      </p:cxnSp>
-      <p:cxnSp>
-        <p:nvCxnSpPr>
-          <p:cNvPr id="190" name="连接符: 肘形 189">
-            <a:extLst>
-              <a:ext uri="{FF2B5EF4-FFF2-40B4-BE49-F238E27FC236}">
-                <a16:creationId xmlns:a16="http://schemas.microsoft.com/office/drawing/2014/main" id="{68C733EC-BA17-4862-848F-8D581A4A5D83}"/>
-              </a:ext>
-            </a:extLst>
-          </p:cNvPr>
-          <p:cNvCxnSpPr>
-            <a:cxnSpLocks/>
-          </p:cNvCxnSpPr>
-          <p:nvPr/>
-        </p:nvCxnSpPr>
-        <p:spPr>
-          <a:xfrm>
-            <a:off x="8280868" y="3764676"/>
-            <a:ext cx="35414" cy="1677274"/>
-          </a:xfrm>
-          <a:prstGeom prst="bentConnector2">
-            <a:avLst/>
-          </a:prstGeom>
-          <a:ln w="19050">
-            <a:solidFill>
-              <a:srgbClr val="7030A0"/>
-            </a:solidFill>
-            <a:tailEnd type="triangle"/>
-          </a:ln>
-        </p:spPr>
-        <p:style>
-          <a:lnRef idx="2">
-            <a:schemeClr val="accent2"/>
-          </a:lnRef>
-          <a:fillRef idx="0">
-            <a:schemeClr val="accent2"/>
-          </a:fillRef>
-          <a:effectRef idx="1">
-            <a:schemeClr val="accent2"/>
-          </a:effectRef>
-          <a:fontRef idx="minor">
-            <a:schemeClr val="tx1"/>
-          </a:fontRef>
-        </p:style>
-      </p:cxnSp>
-      <p:cxnSp>
-        <p:nvCxnSpPr>
           <p:cNvPr id="191" name="连接符: 肘形 190">
             <a:extLst>
               <a:ext uri="{FF2B5EF4-FFF2-40B4-BE49-F238E27FC236}">
@@ -17761,54 +18398,8 @@
         </p:nvCxnSpPr>
         <p:spPr>
           <a:xfrm rot="16200000" flipV="1">
-            <a:off x="5210064" y="4619542"/>
-            <a:ext cx="1270271" cy="374547"/>
-          </a:xfrm>
-          <a:prstGeom prst="bentConnector3">
-            <a:avLst>
-              <a:gd name="adj1" fmla="val 86492"/>
-            </a:avLst>
-          </a:prstGeom>
-          <a:ln w="19050">
-            <a:solidFill>
-              <a:srgbClr val="7030A0"/>
-            </a:solidFill>
-            <a:tailEnd type="triangle"/>
-          </a:ln>
-        </p:spPr>
-        <p:style>
-          <a:lnRef idx="2">
-            <a:schemeClr val="accent2"/>
-          </a:lnRef>
-          <a:fillRef idx="0">
-            <a:schemeClr val="accent2"/>
-          </a:fillRef>
-          <a:effectRef idx="1">
-            <a:schemeClr val="accent2"/>
-          </a:effectRef>
-          <a:fontRef idx="minor">
-            <a:schemeClr val="tx1"/>
-          </a:fontRef>
-        </p:style>
-      </p:cxnSp>
-      <p:cxnSp>
-        <p:nvCxnSpPr>
-          <p:cNvPr id="208" name="连接符: 肘形 207">
-            <a:extLst>
-              <a:ext uri="{FF2B5EF4-FFF2-40B4-BE49-F238E27FC236}">
-                <a16:creationId xmlns:a16="http://schemas.microsoft.com/office/drawing/2014/main" id="{4C0E876F-BDBD-4179-922E-46FC436EB9FE}"/>
-              </a:ext>
-            </a:extLst>
-          </p:cNvPr>
-          <p:cNvCxnSpPr>
-            <a:cxnSpLocks/>
-          </p:cNvCxnSpPr>
-          <p:nvPr/>
-        </p:nvCxnSpPr>
-        <p:spPr>
-          <a:xfrm rot="5400000" flipH="1" flipV="1">
-            <a:off x="618641" y="4903876"/>
-            <a:ext cx="1473686" cy="108"/>
+            <a:off x="4845255" y="4984358"/>
+            <a:ext cx="2096213" cy="470862"/>
           </a:xfrm>
           <a:prstGeom prst="bentConnector3">
             <a:avLst>
@@ -17817,11 +18408,8 @@
           </a:prstGeom>
           <a:ln w="19050">
             <a:solidFill>
-              <a:schemeClr val="accent6">
-                <a:lumMod val="75000"/>
-              </a:schemeClr>
+              <a:srgbClr val="7030A0"/>
             </a:solidFill>
-            <a:headEnd type="oval"/>
             <a:tailEnd type="triangle"/>
           </a:ln>
         </p:spPr>
@@ -18316,7 +18904,7 @@
         <p:spPr>
           <a:xfrm>
             <a:off x="9715834" y="5276798"/>
-            <a:ext cx="0" cy="736884"/>
+            <a:ext cx="0" cy="1165431"/>
           </a:xfrm>
           <a:prstGeom prst="straightConnector1">
             <a:avLst/>
@@ -18356,8 +18944,8 @@
         </p:nvCxnSpPr>
         <p:spPr>
           <a:xfrm flipV="1">
-            <a:off x="10177976" y="5267865"/>
-            <a:ext cx="0" cy="745817"/>
+            <a:off x="10177976" y="5267867"/>
+            <a:ext cx="0" cy="1174362"/>
           </a:xfrm>
           <a:prstGeom prst="straightConnector1">
             <a:avLst/>
@@ -18395,7 +18983,7 @@
         </p:nvSpPr>
         <p:spPr>
           <a:xfrm>
-            <a:off x="9547692" y="5960118"/>
+            <a:off x="9515670" y="6442229"/>
             <a:ext cx="910913" cy="307777"/>
           </a:xfrm>
           <a:prstGeom prst="rect">
@@ -18478,7 +19066,7 @@
         </p:nvSpPr>
         <p:spPr>
           <a:xfrm>
-            <a:off x="2274561" y="4436596"/>
+            <a:off x="2293962" y="5306611"/>
             <a:ext cx="1357779" cy="831269"/>
           </a:xfrm>
           <a:prstGeom prst="roundRect">
@@ -18533,13 +19121,13 @@
           <p:nvPr/>
         </p:nvCxnSpPr>
         <p:spPr>
-          <a:xfrm rot="10800000">
-            <a:off x="1661173" y="4187262"/>
-            <a:ext cx="610824" cy="508887"/>
+          <a:xfrm rot="16200000" flipV="1">
+            <a:off x="1286437" y="4562002"/>
+            <a:ext cx="1382263" cy="632788"/>
           </a:xfrm>
           <a:prstGeom prst="bentConnector3">
             <a:avLst>
-              <a:gd name="adj1" fmla="val 99171"/>
+              <a:gd name="adj1" fmla="val 1221"/>
             </a:avLst>
           </a:prstGeom>
           <a:ln>
@@ -18584,12 +19172,12 @@
         </p:nvCxnSpPr>
         <p:spPr>
           <a:xfrm rot="16200000" flipH="1">
-            <a:off x="1462470" y="4238899"/>
-            <a:ext cx="865143" cy="753906"/>
+            <a:off x="1061739" y="4639630"/>
+            <a:ext cx="1688574" cy="775876"/>
           </a:xfrm>
           <a:prstGeom prst="bentConnector3">
             <a:avLst>
-              <a:gd name="adj1" fmla="val 100147"/>
+              <a:gd name="adj1" fmla="val 99776"/>
             </a:avLst>
           </a:prstGeom>
           <a:ln w="19050">
@@ -18750,6 +19338,421 @@
           </a:p>
         </p:txBody>
       </p:sp>
+      <p:cxnSp>
+        <p:nvCxnSpPr>
+          <p:cNvPr id="83" name="直接箭头连接符 82">
+            <a:extLst>
+              <a:ext uri="{FF2B5EF4-FFF2-40B4-BE49-F238E27FC236}">
+                <a16:creationId xmlns:a16="http://schemas.microsoft.com/office/drawing/2014/main" id="{8ED196F1-1EAE-4254-A4D4-E69895F8FA2A}"/>
+              </a:ext>
+            </a:extLst>
+          </p:cNvPr>
+          <p:cNvCxnSpPr>
+            <a:cxnSpLocks/>
+          </p:cNvCxnSpPr>
+          <p:nvPr/>
+        </p:nvCxnSpPr>
+        <p:spPr>
+          <a:xfrm>
+            <a:off x="8055429" y="4180313"/>
+            <a:ext cx="0" cy="2087582"/>
+          </a:xfrm>
+          <a:prstGeom prst="straightConnector1">
+            <a:avLst/>
+          </a:prstGeom>
+          <a:ln w="19050">
+            <a:solidFill>
+              <a:srgbClr val="7030A0"/>
+            </a:solidFill>
+            <a:tailEnd type="triangle"/>
+          </a:ln>
+        </p:spPr>
+        <p:style>
+          <a:lnRef idx="1">
+            <a:schemeClr val="accent1"/>
+          </a:lnRef>
+          <a:fillRef idx="0">
+            <a:schemeClr val="accent1"/>
+          </a:fillRef>
+          <a:effectRef idx="0">
+            <a:schemeClr val="accent1"/>
+          </a:effectRef>
+          <a:fontRef idx="minor">
+            <a:schemeClr val="tx1"/>
+          </a:fontRef>
+        </p:style>
+      </p:cxnSp>
+      <p:cxnSp>
+        <p:nvCxnSpPr>
+          <p:cNvPr id="91" name="直接箭头连接符 90">
+            <a:extLst>
+              <a:ext uri="{FF2B5EF4-FFF2-40B4-BE49-F238E27FC236}">
+                <a16:creationId xmlns:a16="http://schemas.microsoft.com/office/drawing/2014/main" id="{8085F9A6-D14A-4408-BB12-977EC3243FCC}"/>
+              </a:ext>
+            </a:extLst>
+          </p:cNvPr>
+          <p:cNvCxnSpPr>
+            <a:cxnSpLocks/>
+          </p:cNvCxnSpPr>
+          <p:nvPr/>
+        </p:nvCxnSpPr>
+        <p:spPr>
+          <a:xfrm flipV="1">
+            <a:off x="1377884" y="4171680"/>
+            <a:ext cx="0" cy="892852"/>
+          </a:xfrm>
+          <a:prstGeom prst="straightConnector1">
+            <a:avLst/>
+          </a:prstGeom>
+          <a:ln w="19050">
+            <a:solidFill>
+              <a:schemeClr val="accent6">
+                <a:lumMod val="75000"/>
+              </a:schemeClr>
+            </a:solidFill>
+            <a:headEnd type="oval"/>
+            <a:tailEnd type="triangle"/>
+          </a:ln>
+        </p:spPr>
+        <p:style>
+          <a:lnRef idx="1">
+            <a:schemeClr val="accent1"/>
+          </a:lnRef>
+          <a:fillRef idx="0">
+            <a:schemeClr val="accent1"/>
+          </a:fillRef>
+          <a:effectRef idx="0">
+            <a:schemeClr val="accent1"/>
+          </a:effectRef>
+          <a:fontRef idx="minor">
+            <a:schemeClr val="tx1"/>
+          </a:fontRef>
+        </p:style>
+      </p:cxnSp>
+      <p:cxnSp>
+        <p:nvCxnSpPr>
+          <p:cNvPr id="95" name="直接箭头连接符 94">
+            <a:extLst>
+              <a:ext uri="{FF2B5EF4-FFF2-40B4-BE49-F238E27FC236}">
+                <a16:creationId xmlns:a16="http://schemas.microsoft.com/office/drawing/2014/main" id="{CB355121-F2F1-441E-B6C2-CC849F90B24C}"/>
+              </a:ext>
+            </a:extLst>
+          </p:cNvPr>
+          <p:cNvCxnSpPr>
+            <a:cxnSpLocks/>
+          </p:cNvCxnSpPr>
+          <p:nvPr/>
+        </p:nvCxnSpPr>
+        <p:spPr>
+          <a:xfrm flipV="1">
+            <a:off x="4119847" y="4166340"/>
+            <a:ext cx="0" cy="898192"/>
+          </a:xfrm>
+          <a:prstGeom prst="straightConnector1">
+            <a:avLst/>
+          </a:prstGeom>
+          <a:ln w="19050">
+            <a:solidFill>
+              <a:schemeClr val="accent6">
+                <a:lumMod val="75000"/>
+              </a:schemeClr>
+            </a:solidFill>
+            <a:headEnd type="oval"/>
+            <a:tailEnd type="triangle"/>
+          </a:ln>
+        </p:spPr>
+        <p:style>
+          <a:lnRef idx="1">
+            <a:schemeClr val="accent1"/>
+          </a:lnRef>
+          <a:fillRef idx="0">
+            <a:schemeClr val="accent1"/>
+          </a:fillRef>
+          <a:effectRef idx="0">
+            <a:schemeClr val="accent1"/>
+          </a:effectRef>
+          <a:fontRef idx="minor">
+            <a:schemeClr val="tx1"/>
+          </a:fontRef>
+        </p:style>
+      </p:cxnSp>
+      <p:cxnSp>
+        <p:nvCxnSpPr>
+          <p:cNvPr id="100" name="直接箭头连接符 99">
+            <a:extLst>
+              <a:ext uri="{FF2B5EF4-FFF2-40B4-BE49-F238E27FC236}">
+                <a16:creationId xmlns:a16="http://schemas.microsoft.com/office/drawing/2014/main" id="{E3190946-DCFF-4790-BFD1-714E6423DE5B}"/>
+              </a:ext>
+            </a:extLst>
+          </p:cNvPr>
+          <p:cNvCxnSpPr>
+            <a:cxnSpLocks/>
+          </p:cNvCxnSpPr>
+          <p:nvPr/>
+        </p:nvCxnSpPr>
+        <p:spPr>
+          <a:xfrm>
+            <a:off x="7283163" y="4180314"/>
+            <a:ext cx="0" cy="884218"/>
+          </a:xfrm>
+          <a:prstGeom prst="straightConnector1">
+            <a:avLst/>
+          </a:prstGeom>
+          <a:ln w="19050">
+            <a:solidFill>
+              <a:schemeClr val="accent6">
+                <a:lumMod val="75000"/>
+              </a:schemeClr>
+            </a:solidFill>
+            <a:tailEnd type="triangle"/>
+          </a:ln>
+        </p:spPr>
+        <p:style>
+          <a:lnRef idx="1">
+            <a:schemeClr val="accent1"/>
+          </a:lnRef>
+          <a:fillRef idx="0">
+            <a:schemeClr val="accent1"/>
+          </a:fillRef>
+          <a:effectRef idx="0">
+            <a:schemeClr val="accent1"/>
+          </a:effectRef>
+          <a:fontRef idx="minor">
+            <a:schemeClr val="tx1"/>
+          </a:fontRef>
+        </p:style>
+      </p:cxnSp>
+      <p:cxnSp>
+        <p:nvCxnSpPr>
+          <p:cNvPr id="107" name="连接符: 肘形 106">
+            <a:extLst>
+              <a:ext uri="{FF2B5EF4-FFF2-40B4-BE49-F238E27FC236}">
+                <a16:creationId xmlns:a16="http://schemas.microsoft.com/office/drawing/2014/main" id="{353E3670-A32C-4294-BFAF-3693B62EC3AF}"/>
+              </a:ext>
+            </a:extLst>
+          </p:cNvPr>
+          <p:cNvCxnSpPr>
+            <a:cxnSpLocks/>
+            <a:stCxn id="6" idx="2"/>
+            <a:endCxn id="13" idx="1"/>
+          </p:cNvCxnSpPr>
+          <p:nvPr/>
+        </p:nvCxnSpPr>
+        <p:spPr>
+          <a:xfrm rot="16200000" flipH="1">
+            <a:off x="5767510" y="1372861"/>
+            <a:ext cx="676971" cy="6297809"/>
+          </a:xfrm>
+          <a:prstGeom prst="bentConnector2">
+            <a:avLst/>
+          </a:prstGeom>
+          <a:ln w="19050">
+            <a:solidFill>
+              <a:schemeClr val="tx1"/>
+            </a:solidFill>
+            <a:tailEnd type="triangle"/>
+          </a:ln>
+        </p:spPr>
+        <p:style>
+          <a:lnRef idx="2">
+            <a:schemeClr val="accent2"/>
+          </a:lnRef>
+          <a:fillRef idx="0">
+            <a:schemeClr val="accent2"/>
+          </a:fillRef>
+          <a:effectRef idx="1">
+            <a:schemeClr val="accent2"/>
+          </a:effectRef>
+          <a:fontRef idx="minor">
+            <a:schemeClr val="tx1"/>
+          </a:fontRef>
+        </p:style>
+      </p:cxnSp>
+      <p:cxnSp>
+        <p:nvCxnSpPr>
+          <p:cNvPr id="110" name="连接符: 肘形 109">
+            <a:extLst>
+              <a:ext uri="{FF2B5EF4-FFF2-40B4-BE49-F238E27FC236}">
+                <a16:creationId xmlns:a16="http://schemas.microsoft.com/office/drawing/2014/main" id="{F4F46458-4F3C-4E93-8CE4-855A8BD71459}"/>
+              </a:ext>
+            </a:extLst>
+          </p:cNvPr>
+          <p:cNvCxnSpPr>
+            <a:cxnSpLocks/>
+          </p:cNvCxnSpPr>
+          <p:nvPr/>
+        </p:nvCxnSpPr>
+        <p:spPr>
+          <a:xfrm rot="10800000">
+            <a:off x="3251200" y="4187263"/>
+            <a:ext cx="6003706" cy="467866"/>
+          </a:xfrm>
+          <a:prstGeom prst="bentConnector3">
+            <a:avLst>
+              <a:gd name="adj1" fmla="val 99999"/>
+            </a:avLst>
+          </a:prstGeom>
+          <a:ln w="19050">
+            <a:solidFill>
+              <a:schemeClr val="tx1"/>
+            </a:solidFill>
+            <a:tailEnd type="triangle"/>
+          </a:ln>
+        </p:spPr>
+        <p:style>
+          <a:lnRef idx="2">
+            <a:schemeClr val="accent2"/>
+          </a:lnRef>
+          <a:fillRef idx="0">
+            <a:schemeClr val="accent2"/>
+          </a:fillRef>
+          <a:effectRef idx="1">
+            <a:schemeClr val="accent2"/>
+          </a:effectRef>
+          <a:fontRef idx="minor">
+            <a:schemeClr val="tx1"/>
+          </a:fontRef>
+        </p:style>
+      </p:cxnSp>
+      <p:cxnSp>
+        <p:nvCxnSpPr>
+          <p:cNvPr id="116" name="直接箭头连接符 115">
+            <a:extLst>
+              <a:ext uri="{FF2B5EF4-FFF2-40B4-BE49-F238E27FC236}">
+                <a16:creationId xmlns:a16="http://schemas.microsoft.com/office/drawing/2014/main" id="{1B9ECCFD-7115-4FF1-BCB8-338A3F1F73AA}"/>
+              </a:ext>
+            </a:extLst>
+          </p:cNvPr>
+          <p:cNvCxnSpPr>
+            <a:cxnSpLocks/>
+          </p:cNvCxnSpPr>
+          <p:nvPr/>
+        </p:nvCxnSpPr>
+        <p:spPr>
+          <a:xfrm>
+            <a:off x="4821672" y="4187263"/>
+            <a:ext cx="0" cy="877269"/>
+          </a:xfrm>
+          <a:prstGeom prst="straightConnector1">
+            <a:avLst/>
+          </a:prstGeom>
+          <a:ln w="19050">
+            <a:solidFill>
+              <a:schemeClr val="accent6">
+                <a:lumMod val="75000"/>
+              </a:schemeClr>
+            </a:solidFill>
+            <a:prstDash val="dash"/>
+            <a:tailEnd type="triangle"/>
+          </a:ln>
+        </p:spPr>
+        <p:style>
+          <a:lnRef idx="1">
+            <a:schemeClr val="accent1"/>
+          </a:lnRef>
+          <a:fillRef idx="0">
+            <a:schemeClr val="accent1"/>
+          </a:fillRef>
+          <a:effectRef idx="0">
+            <a:schemeClr val="accent1"/>
+          </a:effectRef>
+          <a:fontRef idx="minor">
+            <a:schemeClr val="tx1"/>
+          </a:fontRef>
+        </p:style>
+      </p:cxnSp>
+      <p:cxnSp>
+        <p:nvCxnSpPr>
+          <p:cNvPr id="118" name="直接箭头连接符 117">
+            <a:extLst>
+              <a:ext uri="{FF2B5EF4-FFF2-40B4-BE49-F238E27FC236}">
+                <a16:creationId xmlns:a16="http://schemas.microsoft.com/office/drawing/2014/main" id="{5986E81D-2661-470D-9390-26E2DE3A8008}"/>
+              </a:ext>
+            </a:extLst>
+          </p:cNvPr>
+          <p:cNvCxnSpPr>
+            <a:cxnSpLocks/>
+            <a:stCxn id="21" idx="1"/>
+          </p:cNvCxnSpPr>
+          <p:nvPr/>
+        </p:nvCxnSpPr>
+        <p:spPr>
+          <a:xfrm>
+            <a:off x="10689977" y="3764676"/>
+            <a:ext cx="0" cy="2503219"/>
+          </a:xfrm>
+          <a:prstGeom prst="straightConnector1">
+            <a:avLst/>
+          </a:prstGeom>
+          <a:ln w="19050">
+            <a:solidFill>
+              <a:srgbClr val="7030A0"/>
+            </a:solidFill>
+            <a:tailEnd type="triangle"/>
+          </a:ln>
+        </p:spPr>
+        <p:style>
+          <a:lnRef idx="1">
+            <a:schemeClr val="accent1"/>
+          </a:lnRef>
+          <a:fillRef idx="0">
+            <a:schemeClr val="accent1"/>
+          </a:fillRef>
+          <a:effectRef idx="0">
+            <a:schemeClr val="accent1"/>
+          </a:effectRef>
+          <a:fontRef idx="minor">
+            <a:schemeClr val="tx1"/>
+          </a:fontRef>
+        </p:style>
+      </p:cxnSp>
+      <p:cxnSp>
+        <p:nvCxnSpPr>
+          <p:cNvPr id="130" name="直接箭头连接符 129">
+            <a:extLst>
+              <a:ext uri="{FF2B5EF4-FFF2-40B4-BE49-F238E27FC236}">
+                <a16:creationId xmlns:a16="http://schemas.microsoft.com/office/drawing/2014/main" id="{73BF0C9D-8DC1-4E7F-AA52-D795BE73C87E}"/>
+              </a:ext>
+            </a:extLst>
+          </p:cNvPr>
+          <p:cNvCxnSpPr>
+            <a:cxnSpLocks/>
+          </p:cNvCxnSpPr>
+          <p:nvPr/>
+        </p:nvCxnSpPr>
+        <p:spPr>
+          <a:xfrm flipV="1">
+            <a:off x="6459589" y="4166340"/>
+            <a:ext cx="0" cy="898192"/>
+          </a:xfrm>
+          <a:prstGeom prst="straightConnector1">
+            <a:avLst/>
+          </a:prstGeom>
+          <a:ln w="19050">
+            <a:solidFill>
+              <a:schemeClr val="accent6">
+                <a:lumMod val="75000"/>
+              </a:schemeClr>
+            </a:solidFill>
+            <a:headEnd type="oval"/>
+            <a:tailEnd type="triangle"/>
+          </a:ln>
+        </p:spPr>
+        <p:style>
+          <a:lnRef idx="1">
+            <a:schemeClr val="accent1"/>
+          </a:lnRef>
+          <a:fillRef idx="0">
+            <a:schemeClr val="accent1"/>
+          </a:fillRef>
+          <a:effectRef idx="0">
+            <a:schemeClr val="accent1"/>
+          </a:effectRef>
+          <a:fontRef idx="minor">
+            <a:schemeClr val="tx1"/>
+          </a:fontRef>
+        </p:style>
+      </p:cxnSp>
     </p:spTree>
     <p:extLst>
       <p:ext uri="{BB962C8B-B14F-4D97-AF65-F5344CB8AC3E}">
@@ -18791,25 +19794,25 @@
           </p:cNvPr>
           <p:cNvCxnSpPr>
             <a:cxnSpLocks/>
+            <a:stCxn id="8" idx="2"/>
             <a:endCxn id="59" idx="2"/>
           </p:cNvCxnSpPr>
           <p:nvPr/>
         </p:nvCxnSpPr>
         <p:spPr>
-          <a:xfrm rot="10800000" flipV="1">
-            <a:off x="2953452" y="4174647"/>
-            <a:ext cx="4966973" cy="1093218"/>
+          <a:xfrm rot="5400000">
+            <a:off x="4313230" y="2842904"/>
+            <a:ext cx="1954599" cy="4635353"/>
           </a:xfrm>
-          <a:prstGeom prst="bentConnector4">
+          <a:prstGeom prst="bentConnector3">
             <a:avLst>
-              <a:gd name="adj1" fmla="val -103"/>
-              <a:gd name="adj2" fmla="val 164869"/>
+              <a:gd name="adj1" fmla="val 119728"/>
             </a:avLst>
           </a:prstGeom>
-          <a:ln w="25400">
+          <a:ln w="44450">
             <a:solidFill>
               <a:schemeClr val="bg1">
-                <a:lumMod val="75000"/>
+                <a:lumMod val="85000"/>
               </a:schemeClr>
             </a:solidFill>
             <a:tailEnd type="triangle"/>
@@ -18854,10 +19857,10 @@
               <a:gd name="adj1" fmla="val 1800000"/>
             </a:avLst>
           </a:prstGeom>
-          <a:ln w="25400">
+          <a:ln w="44450">
             <a:solidFill>
               <a:schemeClr val="bg1">
-                <a:lumMod val="75000"/>
+                <a:lumMod val="85000"/>
               </a:schemeClr>
             </a:solidFill>
             <a:tailEnd type="triangle"/>
@@ -18899,11 +19902,11 @@
             <a:avLst/>
           </a:prstGeom>
           <a:solidFill>
-            <a:schemeClr val="bg1">
+            <a:schemeClr val="bg2">
               <a:lumMod val="75000"/>
             </a:schemeClr>
           </a:solidFill>
-          <a:ln w="50800">
+          <a:ln w="44450">
             <a:solidFill>
               <a:srgbClr val="FF0000"/>
             </a:solidFill>
@@ -18932,17 +19935,11 @@
             <a:pPr algn="ctr"/>
             <a:r>
               <a:rPr lang="en-US" altLang="zh-CN" sz="1400" dirty="0">
-                <a:solidFill>
-                  <a:schemeClr val="bg1"/>
-                </a:solidFill>
                 <a:latin typeface="Ubuntu Mono" panose="020B0509030602030204" pitchFamily="49" charset="0"/>
               </a:rPr>
               <a:t>IF</a:t>
             </a:r>
             <a:endParaRPr lang="zh-CN" altLang="en-US" sz="1400" dirty="0">
-              <a:solidFill>
-                <a:schemeClr val="bg1"/>
-              </a:solidFill>
               <a:latin typeface="Ubuntu Mono" panose="020B0509030602030204" pitchFamily="49" charset="0"/>
             </a:endParaRPr>
           </a:p>
@@ -18962,18 +19959,18 @@
         </p:nvSpPr>
         <p:spPr>
           <a:xfrm>
-            <a:off x="0" y="-1"/>
-            <a:ext cx="5657917" cy="2027361"/>
+            <a:off x="47342" y="43757"/>
+            <a:ext cx="5028370" cy="1919083"/>
           </a:xfrm>
           <a:prstGeom prst="roundRect">
             <a:avLst/>
           </a:prstGeom>
           <a:solidFill>
-            <a:schemeClr val="bg1">
+            <a:schemeClr val="bg2">
               <a:lumMod val="75000"/>
             </a:schemeClr>
           </a:solidFill>
-          <a:ln w="38100">
+          <a:ln w="44450">
             <a:solidFill>
               <a:srgbClr val="FF0000"/>
             </a:solidFill>
@@ -19002,17 +19999,11 @@
             <a:pPr algn="ctr"/>
             <a:r>
               <a:rPr lang="en-US" altLang="zh-CN" sz="1400" dirty="0">
-                <a:solidFill>
-                  <a:schemeClr val="bg1"/>
-                </a:solidFill>
                 <a:latin typeface="Ubuntu Mono" panose="020B0509030602030204" pitchFamily="49" charset="0"/>
               </a:rPr>
               <a:t>ICACHE</a:t>
             </a:r>
             <a:endParaRPr lang="zh-CN" altLang="en-US" sz="1400" dirty="0">
-              <a:solidFill>
-                <a:schemeClr val="bg1"/>
-              </a:solidFill>
               <a:latin typeface="Ubuntu Mono" panose="020B0509030602030204" pitchFamily="49" charset="0"/>
             </a:endParaRPr>
           </a:p>
@@ -19039,15 +20030,13 @@
             <a:avLst/>
           </a:prstGeom>
           <a:solidFill>
-            <a:schemeClr val="bg1">
+            <a:schemeClr val="bg2">
               <a:lumMod val="75000"/>
             </a:schemeClr>
           </a:solidFill>
-          <a:ln w="50800">
+          <a:ln w="44450">
             <a:solidFill>
-              <a:schemeClr val="accent2">
-                <a:lumMod val="75000"/>
-              </a:schemeClr>
+              <a:srgbClr val="FF0000"/>
             </a:solidFill>
           </a:ln>
         </p:spPr>
@@ -19074,17 +20063,11 @@
             <a:pPr algn="ctr"/>
             <a:r>
               <a:rPr lang="en-US" altLang="zh-CN" sz="1400" dirty="0">
-                <a:solidFill>
-                  <a:schemeClr val="bg1"/>
-                </a:solidFill>
                 <a:latin typeface="Ubuntu Mono" panose="020B0509030602030204" pitchFamily="49" charset="0"/>
               </a:rPr>
               <a:t>ID</a:t>
             </a:r>
             <a:endParaRPr lang="zh-CN" altLang="en-US" sz="1400" dirty="0">
-              <a:solidFill>
-                <a:schemeClr val="bg1"/>
-              </a:solidFill>
               <a:latin typeface="Ubuntu Mono" panose="020B0509030602030204" pitchFamily="49" charset="0"/>
             </a:endParaRPr>
           </a:p>
@@ -19111,11 +20094,11 @@
             <a:avLst/>
           </a:prstGeom>
           <a:solidFill>
-            <a:schemeClr val="bg1">
+            <a:schemeClr val="bg2">
               <a:lumMod val="75000"/>
             </a:schemeClr>
           </a:solidFill>
-          <a:ln w="50800">
+          <a:ln w="44450">
             <a:solidFill>
               <a:schemeClr val="accent2">
                 <a:lumMod val="60000"/>
@@ -19147,17 +20130,11 @@
             <a:pPr algn="ctr"/>
             <a:r>
               <a:rPr lang="en-US" altLang="zh-CN" sz="1400" dirty="0">
-                <a:solidFill>
-                  <a:schemeClr val="bg1"/>
-                </a:solidFill>
                 <a:latin typeface="Ubuntu Mono" panose="020B0509030602030204" pitchFamily="49" charset="0"/>
               </a:rPr>
               <a:t>EX</a:t>
             </a:r>
             <a:endParaRPr lang="zh-CN" altLang="en-US" sz="1400" dirty="0">
-              <a:solidFill>
-                <a:schemeClr val="bg1"/>
-              </a:solidFill>
               <a:latin typeface="Ubuntu Mono" panose="020B0509030602030204" pitchFamily="49" charset="0"/>
             </a:endParaRPr>
           </a:p>
@@ -19184,13 +20161,15 @@
             <a:avLst/>
           </a:prstGeom>
           <a:solidFill>
-            <a:schemeClr val="bg1">
+            <a:schemeClr val="bg2">
               <a:lumMod val="75000"/>
             </a:schemeClr>
           </a:solidFill>
-          <a:ln w="50800">
+          <a:ln w="44450">
             <a:solidFill>
-              <a:srgbClr val="FF0000"/>
+              <a:schemeClr val="accent2">
+                <a:lumMod val="75000"/>
+              </a:schemeClr>
             </a:solidFill>
           </a:ln>
         </p:spPr>
@@ -19217,17 +20196,11 @@
             <a:pPr algn="ctr"/>
             <a:r>
               <a:rPr lang="en-US" altLang="zh-CN" sz="1400" dirty="0">
-                <a:solidFill>
-                  <a:schemeClr val="bg1"/>
-                </a:solidFill>
                 <a:latin typeface="Ubuntu Mono" panose="020B0509030602030204" pitchFamily="49" charset="0"/>
               </a:rPr>
               <a:t>MEM</a:t>
             </a:r>
             <a:endParaRPr lang="zh-CN" altLang="en-US" sz="1400" dirty="0">
-              <a:solidFill>
-                <a:schemeClr val="bg1"/>
-              </a:solidFill>
               <a:latin typeface="Ubuntu Mono" panose="020B0509030602030204" pitchFamily="49" charset="0"/>
             </a:endParaRPr>
           </a:p>
@@ -19247,22 +20220,20 @@
         </p:nvSpPr>
         <p:spPr>
           <a:xfrm>
-            <a:off x="4603731" y="4445528"/>
+            <a:off x="4620743" y="5310405"/>
             <a:ext cx="1357779" cy="831269"/>
           </a:xfrm>
           <a:prstGeom prst="roundRect">
             <a:avLst/>
           </a:prstGeom>
           <a:solidFill>
-            <a:schemeClr val="bg1">
+            <a:schemeClr val="bg2">
               <a:lumMod val="75000"/>
             </a:schemeClr>
           </a:solidFill>
-          <a:ln w="50800">
+          <a:ln w="44450">
             <a:solidFill>
-              <a:schemeClr val="accent2">
-                <a:lumMod val="75000"/>
-              </a:schemeClr>
+              <a:srgbClr val="FF0000"/>
             </a:solidFill>
           </a:ln>
         </p:spPr>
@@ -19289,17 +20260,11 @@
             <a:pPr algn="ctr"/>
             <a:r>
               <a:rPr lang="en-US" altLang="zh-CN" sz="1400" dirty="0">
-                <a:solidFill>
-                  <a:schemeClr val="bg1"/>
-                </a:solidFill>
                 <a:latin typeface="Ubuntu Mono" panose="020B0509030602030204" pitchFamily="49" charset="0"/>
               </a:rPr>
               <a:t>REGFILE</a:t>
             </a:r>
             <a:endParaRPr lang="zh-CN" altLang="en-US" sz="1400" dirty="0">
-              <a:solidFill>
-                <a:schemeClr val="bg1"/>
-              </a:solidFill>
               <a:latin typeface="Ubuntu Mono" panose="020B0509030602030204" pitchFamily="49" charset="0"/>
             </a:endParaRPr>
           </a:p>
@@ -19326,13 +20291,15 @@
             <a:avLst/>
           </a:prstGeom>
           <a:solidFill>
-            <a:schemeClr val="bg1">
+            <a:schemeClr val="bg2">
               <a:lumMod val="75000"/>
             </a:schemeClr>
           </a:solidFill>
-          <a:ln w="50800">
+          <a:ln w="44450">
             <a:solidFill>
-              <a:srgbClr val="FF0000"/>
+              <a:schemeClr val="accent2">
+                <a:lumMod val="75000"/>
+              </a:schemeClr>
             </a:solidFill>
           </a:ln>
         </p:spPr>
@@ -19359,17 +20326,11 @@
             <a:pPr algn="ctr"/>
             <a:r>
               <a:rPr lang="en-US" altLang="zh-CN" sz="1400" dirty="0">
-                <a:solidFill>
-                  <a:schemeClr val="bg1"/>
-                </a:solidFill>
                 <a:latin typeface="Ubuntu Mono" panose="020B0509030602030204" pitchFamily="49" charset="0"/>
               </a:rPr>
               <a:t>MEMCTRL</a:t>
             </a:r>
             <a:endParaRPr lang="zh-CN" altLang="en-US" sz="1400" dirty="0">
-              <a:solidFill>
-                <a:schemeClr val="bg1"/>
-              </a:solidFill>
               <a:latin typeface="Ubuntu Mono" panose="020B0509030602030204" pitchFamily="49" charset="0"/>
             </a:endParaRPr>
           </a:p>
@@ -19396,13 +20357,17 @@
             <a:avLst/>
           </a:prstGeom>
           <a:solidFill>
-            <a:schemeClr val="accent2">
-              <a:lumMod val="60000"/>
-              <a:lumOff val="40000"/>
+            <a:schemeClr val="bg2">
+              <a:lumMod val="75000"/>
             </a:schemeClr>
           </a:solidFill>
-          <a:ln w="0">
-            <a:noFill/>
+          <a:ln w="44450">
+            <a:solidFill>
+              <a:schemeClr val="accent2">
+                <a:lumMod val="60000"/>
+                <a:lumOff val="40000"/>
+              </a:schemeClr>
+            </a:solidFill>
           </a:ln>
         </p:spPr>
         <p:style>
@@ -19428,17 +20393,11 @@
             <a:pPr algn="ctr"/>
             <a:r>
               <a:rPr lang="en-US" altLang="zh-CN" sz="1400" dirty="0">
-                <a:solidFill>
-                  <a:schemeClr val="bg1"/>
-                </a:solidFill>
                 <a:latin typeface="Ubuntu Mono" panose="020B0509030602030204" pitchFamily="49" charset="0"/>
               </a:rPr>
               <a:t>SCACHE</a:t>
             </a:r>
             <a:endParaRPr lang="zh-CN" altLang="en-US" sz="1400" dirty="0">
-              <a:solidFill>
-                <a:schemeClr val="bg1"/>
-              </a:solidFill>
               <a:latin typeface="Ubuntu Mono" panose="020B0509030602030204" pitchFamily="49" charset="0"/>
             </a:endParaRPr>
           </a:p>
@@ -19465,13 +20424,13 @@
             <a:avLst/>
           </a:prstGeom>
           <a:solidFill>
-            <a:schemeClr val="bg1">
+            <a:schemeClr val="bg2">
               <a:lumMod val="75000"/>
             </a:schemeClr>
           </a:solidFill>
-          <a:ln w="50800">
+          <a:ln w="44450">
             <a:solidFill>
-              <a:schemeClr val="accent6"/>
+              <a:srgbClr val="00B050"/>
             </a:solidFill>
           </a:ln>
         </p:spPr>
@@ -19498,9 +20457,6 @@
             <a:pPr algn="ctr"/>
             <a:r>
               <a:rPr lang="en-US" altLang="zh-CN" sz="1400" dirty="0">
-                <a:solidFill>
-                  <a:schemeClr val="bg1"/>
-                </a:solidFill>
                 <a:latin typeface="Ubuntu Mono" panose="020B0509030602030204" pitchFamily="49" charset="0"/>
               </a:rPr>
               <a:t>IF/ID</a:t>
@@ -19529,13 +20485,13 @@
             <a:avLst/>
           </a:prstGeom>
           <a:solidFill>
-            <a:schemeClr val="bg1">
+            <a:schemeClr val="bg2">
               <a:lumMod val="75000"/>
             </a:schemeClr>
           </a:solidFill>
-          <a:ln w="50800">
+          <a:ln w="44450">
             <a:solidFill>
-              <a:schemeClr val="accent6"/>
+              <a:srgbClr val="00B050"/>
             </a:solidFill>
           </a:ln>
         </p:spPr>
@@ -19562,9 +20518,6 @@
             <a:pPr algn="ctr"/>
             <a:r>
               <a:rPr lang="en-US" altLang="zh-CN" sz="1400" dirty="0">
-                <a:solidFill>
-                  <a:schemeClr val="bg1"/>
-                </a:solidFill>
                 <a:latin typeface="Ubuntu Mono" panose="020B0509030602030204" pitchFamily="49" charset="0"/>
               </a:rPr>
               <a:t>ID/EX</a:t>
@@ -19593,13 +20546,13 @@
             <a:avLst/>
           </a:prstGeom>
           <a:solidFill>
-            <a:schemeClr val="bg1">
+            <a:schemeClr val="bg2">
               <a:lumMod val="75000"/>
             </a:schemeClr>
           </a:solidFill>
-          <a:ln w="50800">
+          <a:ln w="44450">
             <a:solidFill>
-              <a:schemeClr val="accent6"/>
+              <a:srgbClr val="00B050"/>
             </a:solidFill>
           </a:ln>
         </p:spPr>
@@ -19626,9 +20579,6 @@
             <a:pPr algn="ctr"/>
             <a:r>
               <a:rPr lang="en-US" altLang="zh-CN" sz="1400" dirty="0">
-                <a:solidFill>
-                  <a:schemeClr val="bg1"/>
-                </a:solidFill>
                 <a:latin typeface="Ubuntu Mono" panose="020B0509030602030204" pitchFamily="49" charset="0"/>
               </a:rPr>
               <a:t>EX/MEM</a:t>
@@ -19657,13 +20607,13 @@
             <a:avLst/>
           </a:prstGeom>
           <a:solidFill>
-            <a:schemeClr val="bg1">
+            <a:schemeClr val="bg2">
               <a:lumMod val="75000"/>
             </a:schemeClr>
           </a:solidFill>
-          <a:ln w="50800">
+          <a:ln w="44450">
             <a:solidFill>
-              <a:schemeClr val="accent6"/>
+              <a:srgbClr val="00B050"/>
             </a:solidFill>
           </a:ln>
         </p:spPr>
@@ -19690,9 +20640,6 @@
             <a:pPr algn="ctr"/>
             <a:r>
               <a:rPr lang="en-US" altLang="zh-CN" sz="1400" dirty="0">
-                <a:solidFill>
-                  <a:schemeClr val="bg1"/>
-                </a:solidFill>
                 <a:latin typeface="Ubuntu Mono" panose="020B0509030602030204" pitchFamily="49" charset="0"/>
               </a:rPr>
               <a:t>MEM/WB</a:t>
@@ -19721,13 +20668,13 @@
             <a:avLst/>
           </a:prstGeom>
           <a:solidFill>
-            <a:schemeClr val="bg1">
+            <a:schemeClr val="bg2">
               <a:lumMod val="75000"/>
             </a:schemeClr>
           </a:solidFill>
-          <a:ln w="50800">
+          <a:ln w="44450">
             <a:solidFill>
-              <a:schemeClr val="accent6"/>
+              <a:srgbClr val="00B050"/>
             </a:solidFill>
           </a:ln>
         </p:spPr>
@@ -19754,110 +20701,16 @@
             <a:pPr algn="ctr"/>
             <a:r>
               <a:rPr lang="en-US" altLang="zh-CN" sz="1400" dirty="0">
-                <a:solidFill>
-                  <a:schemeClr val="bg1"/>
-                </a:solidFill>
                 <a:latin typeface="Ubuntu Mono" panose="020B0509030602030204" pitchFamily="49" charset="0"/>
               </a:rPr>
               <a:t>STALLBUS</a:t>
             </a:r>
             <a:endParaRPr lang="zh-CN" altLang="en-US" sz="1400" dirty="0">
-              <a:solidFill>
-                <a:schemeClr val="bg1"/>
-              </a:solidFill>
               <a:latin typeface="Ubuntu Mono" panose="020B0509030602030204" pitchFamily="49" charset="0"/>
             </a:endParaRPr>
           </a:p>
         </p:txBody>
       </p:sp>
-      <p:cxnSp>
-        <p:nvCxnSpPr>
-          <p:cNvPr id="28" name="直接箭头连接符 27">
-            <a:extLst>
-              <a:ext uri="{FF2B5EF4-FFF2-40B4-BE49-F238E27FC236}">
-                <a16:creationId xmlns:a16="http://schemas.microsoft.com/office/drawing/2014/main" id="{A1A80714-1062-4753-96B3-590965863A48}"/>
-              </a:ext>
-            </a:extLst>
-          </p:cNvPr>
-          <p:cNvCxnSpPr>
-            <a:cxnSpLocks/>
-          </p:cNvCxnSpPr>
-          <p:nvPr/>
-        </p:nvCxnSpPr>
-        <p:spPr>
-          <a:xfrm>
-            <a:off x="5075712" y="4183280"/>
-            <a:ext cx="0" cy="262248"/>
-          </a:xfrm>
-          <a:prstGeom prst="straightConnector1">
-            <a:avLst/>
-          </a:prstGeom>
-          <a:ln w="25400">
-            <a:solidFill>
-              <a:srgbClr val="FF0000"/>
-            </a:solidFill>
-            <a:tailEnd type="triangle"/>
-          </a:ln>
-        </p:spPr>
-        <p:style>
-          <a:lnRef idx="3">
-            <a:schemeClr val="dk1"/>
-          </a:lnRef>
-          <a:fillRef idx="0">
-            <a:schemeClr val="dk1"/>
-          </a:fillRef>
-          <a:effectRef idx="2">
-            <a:schemeClr val="dk1"/>
-          </a:effectRef>
-          <a:fontRef idx="minor">
-            <a:schemeClr val="tx1"/>
-          </a:fontRef>
-        </p:style>
-      </p:cxnSp>
-      <p:cxnSp>
-        <p:nvCxnSpPr>
-          <p:cNvPr id="29" name="直接箭头连接符 28">
-            <a:extLst>
-              <a:ext uri="{FF2B5EF4-FFF2-40B4-BE49-F238E27FC236}">
-                <a16:creationId xmlns:a16="http://schemas.microsoft.com/office/drawing/2014/main" id="{A6ADBAE7-B2B2-485B-92A3-5EB6BC8C2884}"/>
-              </a:ext>
-            </a:extLst>
-          </p:cNvPr>
-          <p:cNvCxnSpPr>
-            <a:cxnSpLocks/>
-          </p:cNvCxnSpPr>
-          <p:nvPr/>
-        </p:nvCxnSpPr>
-        <p:spPr>
-          <a:xfrm flipV="1">
-            <a:off x="5497580" y="4183280"/>
-            <a:ext cx="0" cy="262248"/>
-          </a:xfrm>
-          <a:prstGeom prst="straightConnector1">
-            <a:avLst/>
-          </a:prstGeom>
-          <a:ln w="25400">
-            <a:solidFill>
-              <a:srgbClr val="FF0000"/>
-            </a:solidFill>
-            <a:tailEnd type="triangle"/>
-          </a:ln>
-        </p:spPr>
-        <p:style>
-          <a:lnRef idx="3">
-            <a:schemeClr val="dk1"/>
-          </a:lnRef>
-          <a:fillRef idx="0">
-            <a:schemeClr val="dk1"/>
-          </a:fillRef>
-          <a:effectRef idx="2">
-            <a:schemeClr val="dk1"/>
-          </a:effectRef>
-          <a:fontRef idx="minor">
-            <a:schemeClr val="tx1"/>
-          </a:fontRef>
-        </p:style>
-      </p:cxnSp>
       <p:cxnSp>
         <p:nvCxnSpPr>
           <p:cNvPr id="36" name="直接箭头连接符 35">
@@ -19882,10 +20735,10 @@
           <a:prstGeom prst="straightConnector1">
             <a:avLst/>
           </a:prstGeom>
-          <a:ln w="25400">
+          <a:ln w="44450">
             <a:solidFill>
               <a:schemeClr val="bg1">
-                <a:lumMod val="75000"/>
+                <a:lumMod val="85000"/>
               </a:schemeClr>
             </a:solidFill>
             <a:tailEnd type="triangle"/>
@@ -19930,10 +20783,10 @@
           <a:prstGeom prst="straightConnector1">
             <a:avLst/>
           </a:prstGeom>
-          <a:ln w="25400">
+          <a:ln w="44450">
             <a:solidFill>
               <a:schemeClr val="bg1">
-                <a:lumMod val="75000"/>
+                <a:lumMod val="85000"/>
               </a:schemeClr>
             </a:solidFill>
             <a:tailEnd type="triangle"/>
@@ -19978,10 +20831,10 @@
           <a:prstGeom prst="straightConnector1">
             <a:avLst/>
           </a:prstGeom>
-          <a:ln w="25400">
+          <a:ln w="44450">
             <a:solidFill>
               <a:schemeClr val="bg1">
-                <a:lumMod val="75000"/>
+                <a:lumMod val="85000"/>
               </a:schemeClr>
             </a:solidFill>
             <a:tailEnd type="triangle"/>
@@ -20026,10 +20879,10 @@
           <a:prstGeom prst="straightConnector1">
             <a:avLst/>
           </a:prstGeom>
-          <a:ln w="25400">
+          <a:ln w="44450">
             <a:solidFill>
               <a:schemeClr val="bg1">
-                <a:lumMod val="75000"/>
+                <a:lumMod val="85000"/>
               </a:schemeClr>
             </a:solidFill>
             <a:tailEnd type="triangle"/>
@@ -20074,10 +20927,10 @@
           <a:prstGeom prst="straightConnector1">
             <a:avLst/>
           </a:prstGeom>
-          <a:ln w="25400">
+          <a:ln w="44450">
             <a:solidFill>
               <a:schemeClr val="bg1">
-                <a:lumMod val="75000"/>
+                <a:lumMod val="85000"/>
               </a:schemeClr>
             </a:solidFill>
             <a:tailEnd type="triangle"/>
@@ -20122,10 +20975,10 @@
           <a:prstGeom prst="straightConnector1">
             <a:avLst/>
           </a:prstGeom>
-          <a:ln w="25400">
+          <a:ln w="44450">
             <a:solidFill>
               <a:schemeClr val="bg1">
-                <a:lumMod val="75000"/>
+                <a:lumMod val="85000"/>
               </a:schemeClr>
             </a:solidFill>
             <a:tailEnd type="triangle"/>
@@ -20170,10 +21023,10 @@
           <a:prstGeom prst="straightConnector1">
             <a:avLst/>
           </a:prstGeom>
-          <a:ln w="25400">
+          <a:ln w="44450">
             <a:solidFill>
               <a:schemeClr val="bg1">
-                <a:lumMod val="75000"/>
+                <a:lumMod val="85000"/>
               </a:schemeClr>
             </a:solidFill>
             <a:tailEnd type="triangle"/>
@@ -20216,9 +21069,11 @@
           <a:prstGeom prst="straightConnector1">
             <a:avLst/>
           </a:prstGeom>
-          <a:ln w="25400">
+          <a:ln w="44450">
             <a:solidFill>
-              <a:srgbClr val="FF0000"/>
+              <a:schemeClr val="accent2">
+                <a:lumMod val="75000"/>
+              </a:schemeClr>
             </a:solidFill>
             <a:tailEnd type="triangle"/>
           </a:ln>
@@ -20260,9 +21115,11 @@
           <a:prstGeom prst="straightConnector1">
             <a:avLst/>
           </a:prstGeom>
-          <a:ln w="25400">
+          <a:ln w="44450">
             <a:solidFill>
-              <a:srgbClr val="FF0000"/>
+              <a:schemeClr val="accent2">
+                <a:lumMod val="75000"/>
+              </a:schemeClr>
             </a:solidFill>
             <a:tailEnd type="triangle"/>
           </a:ln>
@@ -20308,10 +21165,10 @@
               <a:gd name="adj1" fmla="val 50000"/>
             </a:avLst>
           </a:prstGeom>
-          <a:ln w="25400">
+          <a:ln w="44450">
             <a:solidFill>
               <a:schemeClr val="bg1">
-                <a:lumMod val="75000"/>
+                <a:lumMod val="85000"/>
               </a:schemeClr>
             </a:solidFill>
             <a:tailEnd type="triangle"/>
@@ -20358,10 +21215,10 @@
               <a:gd name="adj1" fmla="val 50000"/>
             </a:avLst>
           </a:prstGeom>
-          <a:ln w="25400">
+          <a:ln w="44450">
             <a:solidFill>
               <a:schemeClr val="bg1">
-                <a:lumMod val="75000"/>
+                <a:lumMod val="85000"/>
               </a:schemeClr>
             </a:solidFill>
             <a:tailEnd type="triangle"/>
@@ -20408,10 +21265,10 @@
               <a:gd name="adj1" fmla="val 50000"/>
             </a:avLst>
           </a:prstGeom>
-          <a:ln w="25400">
+          <a:ln w="44450">
             <a:solidFill>
               <a:schemeClr val="bg1">
-                <a:lumMod val="75000"/>
+                <a:lumMod val="85000"/>
               </a:schemeClr>
             </a:solidFill>
             <a:tailEnd type="triangle"/>
@@ -20458,10 +21315,10 @@
               <a:gd name="adj1" fmla="val 50000"/>
             </a:avLst>
           </a:prstGeom>
-          <a:ln w="25400">
+          <a:ln w="44450">
             <a:solidFill>
               <a:schemeClr val="bg1">
-                <a:lumMod val="75000"/>
+                <a:lumMod val="85000"/>
               </a:schemeClr>
             </a:solidFill>
             <a:tailEnd type="triangle"/>
@@ -20508,10 +21365,10 @@
               <a:gd name="adj1" fmla="val 50000"/>
             </a:avLst>
           </a:prstGeom>
-          <a:ln w="25400">
+          <a:ln w="44450">
             <a:solidFill>
               <a:schemeClr val="bg1">
-                <a:lumMod val="75000"/>
+                <a:lumMod val="85000"/>
               </a:schemeClr>
             </a:solidFill>
             <a:tailEnd type="triangle"/>
@@ -20556,10 +21413,10 @@
           <a:prstGeom prst="bentConnector2">
             <a:avLst/>
           </a:prstGeom>
-          <a:ln w="25400">
+          <a:ln w="44450">
             <a:solidFill>
               <a:schemeClr val="bg1">
-                <a:lumMod val="75000"/>
+                <a:lumMod val="85000"/>
               </a:schemeClr>
             </a:solidFill>
             <a:tailEnd type="triangle"/>
@@ -20604,10 +21461,10 @@
           <a:prstGeom prst="bentConnector2">
             <a:avLst/>
           </a:prstGeom>
-          <a:ln w="25400">
+          <a:ln w="44450">
             <a:solidFill>
               <a:schemeClr val="bg1">
-                <a:lumMod val="75000"/>
+                <a:lumMod val="85000"/>
               </a:schemeClr>
             </a:solidFill>
             <a:tailEnd type="triangle"/>
@@ -20652,10 +21509,10 @@
           <a:prstGeom prst="bentConnector2">
             <a:avLst/>
           </a:prstGeom>
-          <a:ln w="25400">
+          <a:ln w="44450">
             <a:solidFill>
               <a:schemeClr val="bg1">
-                <a:lumMod val="75000"/>
+                <a:lumMod val="85000"/>
               </a:schemeClr>
             </a:solidFill>
             <a:tailEnd type="triangle"/>
@@ -20694,18 +21551,18 @@
         </p:nvCxnSpPr>
         <p:spPr>
           <a:xfrm rot="5400000">
-            <a:off x="7642906" y="1822996"/>
-            <a:ext cx="1093516" cy="5814086"/>
+            <a:off x="7218974" y="2263940"/>
+            <a:ext cx="1958393" cy="5797074"/>
           </a:xfrm>
           <a:prstGeom prst="bentConnector3">
             <a:avLst>
-              <a:gd name="adj1" fmla="val 116022"/>
+              <a:gd name="adj1" fmla="val 106013"/>
             </a:avLst>
           </a:prstGeom>
-          <a:ln w="25400">
+          <a:ln w="44450">
             <a:solidFill>
               <a:schemeClr val="bg1">
-                <a:lumMod val="75000"/>
+                <a:lumMod val="85000"/>
               </a:schemeClr>
             </a:solidFill>
             <a:tailEnd type="triangle"/>
@@ -20747,13 +21604,13 @@
             <a:avLst/>
           </a:prstGeom>
           <a:solidFill>
-            <a:schemeClr val="bg1">
+            <a:schemeClr val="bg2">
               <a:lumMod val="75000"/>
             </a:schemeClr>
           </a:solidFill>
-          <a:ln w="50800">
+          <a:ln w="44450">
             <a:solidFill>
-              <a:schemeClr val="accent6"/>
+              <a:srgbClr val="00B050"/>
             </a:solidFill>
           </a:ln>
         </p:spPr>
@@ -20780,17 +21637,11 @@
             <a:pPr algn="ctr"/>
             <a:r>
               <a:rPr lang="en-US" altLang="zh-CN" sz="1400" dirty="0">
-                <a:solidFill>
-                  <a:schemeClr val="bg1"/>
-                </a:solidFill>
                 <a:latin typeface="Ubuntu Mono" panose="020B0509030602030204" pitchFamily="49" charset="0"/>
               </a:rPr>
               <a:t>PC_REG</a:t>
             </a:r>
             <a:endParaRPr lang="zh-CN" altLang="en-US" sz="1400" dirty="0">
-              <a:solidFill>
-                <a:schemeClr val="bg1"/>
-              </a:solidFill>
               <a:latin typeface="Ubuntu Mono" panose="020B0509030602030204" pitchFamily="49" charset="0"/>
             </a:endParaRPr>
           </a:p>
@@ -20812,16 +21663,16 @@
         </p:nvCxnSpPr>
         <p:spPr>
           <a:xfrm>
-            <a:off x="1355430" y="5656965"/>
-            <a:ext cx="5905279" cy="2"/>
+            <a:off x="1393645" y="5064532"/>
+            <a:ext cx="5889518" cy="9201"/>
           </a:xfrm>
           <a:prstGeom prst="line">
             <a:avLst/>
           </a:prstGeom>
-          <a:ln w="25400">
+          <a:ln w="44450">
             <a:solidFill>
               <a:schemeClr val="bg1">
-                <a:lumMod val="75000"/>
+                <a:lumMod val="85000"/>
               </a:schemeClr>
             </a:solidFill>
             <a:headEnd type="none"/>
@@ -20845,293 +21696,6 @@
       </p:cxnSp>
       <p:cxnSp>
         <p:nvCxnSpPr>
-          <p:cNvPr id="166" name="连接符: 肘形 165">
-            <a:extLst>
-              <a:ext uri="{FF2B5EF4-FFF2-40B4-BE49-F238E27FC236}">
-                <a16:creationId xmlns:a16="http://schemas.microsoft.com/office/drawing/2014/main" id="{F2D7D331-CE7C-4243-9338-05AAD75401EF}"/>
-              </a:ext>
-            </a:extLst>
-          </p:cNvPr>
-          <p:cNvCxnSpPr>
-            <a:cxnSpLocks/>
-          </p:cNvCxnSpPr>
-          <p:nvPr/>
-        </p:nvCxnSpPr>
-        <p:spPr>
-          <a:xfrm rot="5400000">
-            <a:off x="3932472" y="4680599"/>
-            <a:ext cx="1485286" cy="467447"/>
-          </a:xfrm>
-          <a:prstGeom prst="bentConnector3">
-            <a:avLst>
-              <a:gd name="adj1" fmla="val 12377"/>
-            </a:avLst>
-          </a:prstGeom>
-          <a:ln w="25400">
-            <a:solidFill>
-              <a:schemeClr val="bg1">
-                <a:lumMod val="75000"/>
-              </a:schemeClr>
-            </a:solidFill>
-            <a:tailEnd type="triangle"/>
-          </a:ln>
-        </p:spPr>
-        <p:style>
-          <a:lnRef idx="2">
-            <a:schemeClr val="accent2"/>
-          </a:lnRef>
-          <a:fillRef idx="0">
-            <a:schemeClr val="accent2"/>
-          </a:fillRef>
-          <a:effectRef idx="1">
-            <a:schemeClr val="accent2"/>
-          </a:effectRef>
-          <a:fontRef idx="minor">
-            <a:schemeClr val="tx1"/>
-          </a:fontRef>
-        </p:style>
-      </p:cxnSp>
-      <p:cxnSp>
-        <p:nvCxnSpPr>
-          <p:cNvPr id="175" name="连接符: 肘形 174">
-            <a:extLst>
-              <a:ext uri="{FF2B5EF4-FFF2-40B4-BE49-F238E27FC236}">
-                <a16:creationId xmlns:a16="http://schemas.microsoft.com/office/drawing/2014/main" id="{86E605E6-4129-44B6-A2A7-E0DAD2AD4838}"/>
-              </a:ext>
-            </a:extLst>
-          </p:cNvPr>
-          <p:cNvCxnSpPr>
-            <a:cxnSpLocks/>
-          </p:cNvCxnSpPr>
-          <p:nvPr/>
-        </p:nvCxnSpPr>
-        <p:spPr>
-          <a:xfrm rot="5400000">
-            <a:off x="6523924" y="4920064"/>
-            <a:ext cx="1473686" cy="116"/>
-          </a:xfrm>
-          <a:prstGeom prst="bentConnector3">
-            <a:avLst>
-              <a:gd name="adj1" fmla="val 50000"/>
-            </a:avLst>
-          </a:prstGeom>
-          <a:ln w="25400">
-            <a:solidFill>
-              <a:schemeClr val="bg1">
-                <a:lumMod val="75000"/>
-              </a:schemeClr>
-            </a:solidFill>
-            <a:tailEnd type="triangle"/>
-          </a:ln>
-        </p:spPr>
-        <p:style>
-          <a:lnRef idx="2">
-            <a:schemeClr val="accent2"/>
-          </a:lnRef>
-          <a:fillRef idx="0">
-            <a:schemeClr val="accent2"/>
-          </a:fillRef>
-          <a:effectRef idx="1">
-            <a:schemeClr val="accent2"/>
-          </a:effectRef>
-          <a:fontRef idx="minor">
-            <a:schemeClr val="tx1"/>
-          </a:fontRef>
-        </p:style>
-      </p:cxnSp>
-      <p:cxnSp>
-        <p:nvCxnSpPr>
-          <p:cNvPr id="179" name="连接符: 肘形 178">
-            <a:extLst>
-              <a:ext uri="{FF2B5EF4-FFF2-40B4-BE49-F238E27FC236}">
-                <a16:creationId xmlns:a16="http://schemas.microsoft.com/office/drawing/2014/main" id="{328C5E77-62AF-4131-9D5D-F8064F3ADEBD}"/>
-              </a:ext>
-            </a:extLst>
-          </p:cNvPr>
-          <p:cNvCxnSpPr>
-            <a:cxnSpLocks/>
-            <a:endCxn id="19" idx="2"/>
-          </p:cNvCxnSpPr>
-          <p:nvPr/>
-        </p:nvCxnSpPr>
-        <p:spPr>
-          <a:xfrm rot="5400000" flipH="1" flipV="1">
-            <a:off x="5708490" y="4920097"/>
-            <a:ext cx="1473684" cy="53"/>
-          </a:xfrm>
-          <a:prstGeom prst="bentConnector3">
-            <a:avLst>
-              <a:gd name="adj1" fmla="val 50000"/>
-            </a:avLst>
-          </a:prstGeom>
-          <a:ln w="25400">
-            <a:solidFill>
-              <a:schemeClr val="bg1">
-                <a:lumMod val="75000"/>
-              </a:schemeClr>
-            </a:solidFill>
-            <a:headEnd type="oval"/>
-            <a:tailEnd type="triangle"/>
-          </a:ln>
-        </p:spPr>
-        <p:style>
-          <a:lnRef idx="2">
-            <a:schemeClr val="accent2"/>
-          </a:lnRef>
-          <a:fillRef idx="0">
-            <a:schemeClr val="accent2"/>
-          </a:fillRef>
-          <a:effectRef idx="1">
-            <a:schemeClr val="accent2"/>
-          </a:effectRef>
-          <a:fontRef idx="minor">
-            <a:schemeClr val="tx1"/>
-          </a:fontRef>
-        </p:style>
-      </p:cxnSp>
-      <p:cxnSp>
-        <p:nvCxnSpPr>
-          <p:cNvPr id="182" name="连接符: 肘形 181">
-            <a:extLst>
-              <a:ext uri="{FF2B5EF4-FFF2-40B4-BE49-F238E27FC236}">
-                <a16:creationId xmlns:a16="http://schemas.microsoft.com/office/drawing/2014/main" id="{DAE890A1-C4A0-4216-AFFC-D56BE604E9F1}"/>
-              </a:ext>
-            </a:extLst>
-          </p:cNvPr>
-          <p:cNvCxnSpPr>
-            <a:cxnSpLocks/>
-          </p:cNvCxnSpPr>
-          <p:nvPr/>
-        </p:nvCxnSpPr>
-        <p:spPr>
-          <a:xfrm rot="5400000" flipH="1" flipV="1">
-            <a:off x="3377856" y="4918639"/>
-            <a:ext cx="1476652" cy="1"/>
-          </a:xfrm>
-          <a:prstGeom prst="bentConnector3">
-            <a:avLst>
-              <a:gd name="adj1" fmla="val 50000"/>
-            </a:avLst>
-          </a:prstGeom>
-          <a:ln w="25400">
-            <a:solidFill>
-              <a:schemeClr val="bg1">
-                <a:lumMod val="75000"/>
-              </a:schemeClr>
-            </a:solidFill>
-            <a:headEnd type="oval"/>
-            <a:tailEnd type="triangle"/>
-          </a:ln>
-        </p:spPr>
-        <p:style>
-          <a:lnRef idx="2">
-            <a:schemeClr val="accent2"/>
-          </a:lnRef>
-          <a:fillRef idx="0">
-            <a:schemeClr val="accent2"/>
-          </a:fillRef>
-          <a:effectRef idx="1">
-            <a:schemeClr val="accent2"/>
-          </a:effectRef>
-          <a:fontRef idx="minor">
-            <a:schemeClr val="tx1"/>
-          </a:fontRef>
-        </p:style>
-      </p:cxnSp>
-      <p:cxnSp>
-        <p:nvCxnSpPr>
-          <p:cNvPr id="186" name="连接符: 肘形 185">
-            <a:extLst>
-              <a:ext uri="{FF2B5EF4-FFF2-40B4-BE49-F238E27FC236}">
-                <a16:creationId xmlns:a16="http://schemas.microsoft.com/office/drawing/2014/main" id="{6B477642-56E8-48F2-ADAE-B90D997B56CA}"/>
-              </a:ext>
-            </a:extLst>
-          </p:cNvPr>
-          <p:cNvCxnSpPr>
-            <a:cxnSpLocks/>
-          </p:cNvCxnSpPr>
-          <p:nvPr/>
-        </p:nvCxnSpPr>
-        <p:spPr>
-          <a:xfrm>
-            <a:off x="10618616" y="3764676"/>
-            <a:ext cx="35414" cy="1677274"/>
-          </a:xfrm>
-          <a:prstGeom prst="bentConnector2">
-            <a:avLst/>
-          </a:prstGeom>
-          <a:ln w="25400">
-            <a:solidFill>
-              <a:schemeClr val="bg1">
-                <a:lumMod val="75000"/>
-              </a:schemeClr>
-            </a:solidFill>
-            <a:tailEnd type="triangle"/>
-          </a:ln>
-        </p:spPr>
-        <p:style>
-          <a:lnRef idx="2">
-            <a:schemeClr val="accent2"/>
-          </a:lnRef>
-          <a:fillRef idx="0">
-            <a:schemeClr val="accent2"/>
-          </a:fillRef>
-          <a:effectRef idx="1">
-            <a:schemeClr val="accent2"/>
-          </a:effectRef>
-          <a:fontRef idx="minor">
-            <a:schemeClr val="tx1"/>
-          </a:fontRef>
-        </p:style>
-      </p:cxnSp>
-      <p:cxnSp>
-        <p:nvCxnSpPr>
-          <p:cNvPr id="190" name="连接符: 肘形 189">
-            <a:extLst>
-              <a:ext uri="{FF2B5EF4-FFF2-40B4-BE49-F238E27FC236}">
-                <a16:creationId xmlns:a16="http://schemas.microsoft.com/office/drawing/2014/main" id="{68C733EC-BA17-4862-848F-8D581A4A5D83}"/>
-              </a:ext>
-            </a:extLst>
-          </p:cNvPr>
-          <p:cNvCxnSpPr>
-            <a:cxnSpLocks/>
-          </p:cNvCxnSpPr>
-          <p:nvPr/>
-        </p:nvCxnSpPr>
-        <p:spPr>
-          <a:xfrm>
-            <a:off x="8280868" y="3764676"/>
-            <a:ext cx="35414" cy="1677274"/>
-          </a:xfrm>
-          <a:prstGeom prst="bentConnector2">
-            <a:avLst/>
-          </a:prstGeom>
-          <a:ln w="25400">
-            <a:solidFill>
-              <a:schemeClr val="bg1">
-                <a:lumMod val="75000"/>
-              </a:schemeClr>
-            </a:solidFill>
-            <a:tailEnd type="triangle"/>
-          </a:ln>
-        </p:spPr>
-        <p:style>
-          <a:lnRef idx="2">
-            <a:schemeClr val="accent2"/>
-          </a:lnRef>
-          <a:fillRef idx="0">
-            <a:schemeClr val="accent2"/>
-          </a:fillRef>
-          <a:effectRef idx="1">
-            <a:schemeClr val="accent2"/>
-          </a:effectRef>
-          <a:fontRef idx="minor">
-            <a:schemeClr val="tx1"/>
-          </a:fontRef>
-        </p:style>
-      </p:cxnSp>
-      <p:cxnSp>
-        <p:nvCxnSpPr>
           <p:cNvPr id="191" name="连接符: 肘形 190">
             <a:extLst>
               <a:ext uri="{FF2B5EF4-FFF2-40B4-BE49-F238E27FC236}">
@@ -21146,69 +21710,20 @@
         </p:nvCxnSpPr>
         <p:spPr>
           <a:xfrm rot="16200000" flipV="1">
-            <a:off x="5210064" y="4619542"/>
-            <a:ext cx="1270271" cy="374547"/>
-          </a:xfrm>
-          <a:prstGeom prst="bentConnector3">
-            <a:avLst>
-              <a:gd name="adj1" fmla="val 86492"/>
-            </a:avLst>
-          </a:prstGeom>
-          <a:ln w="25400">
-            <a:solidFill>
-              <a:schemeClr val="bg1">
-                <a:lumMod val="75000"/>
-              </a:schemeClr>
-            </a:solidFill>
-            <a:tailEnd type="triangle"/>
-          </a:ln>
-        </p:spPr>
-        <p:style>
-          <a:lnRef idx="2">
-            <a:schemeClr val="accent2"/>
-          </a:lnRef>
-          <a:fillRef idx="0">
-            <a:schemeClr val="accent2"/>
-          </a:fillRef>
-          <a:effectRef idx="1">
-            <a:schemeClr val="accent2"/>
-          </a:effectRef>
-          <a:fontRef idx="minor">
-            <a:schemeClr val="tx1"/>
-          </a:fontRef>
-        </p:style>
-      </p:cxnSp>
-      <p:cxnSp>
-        <p:nvCxnSpPr>
-          <p:cNvPr id="208" name="连接符: 肘形 207">
-            <a:extLst>
-              <a:ext uri="{FF2B5EF4-FFF2-40B4-BE49-F238E27FC236}">
-                <a16:creationId xmlns:a16="http://schemas.microsoft.com/office/drawing/2014/main" id="{4C0E876F-BDBD-4179-922E-46FC436EB9FE}"/>
-              </a:ext>
-            </a:extLst>
-          </p:cNvPr>
-          <p:cNvCxnSpPr>
-            <a:cxnSpLocks/>
-          </p:cNvCxnSpPr>
-          <p:nvPr/>
-        </p:nvCxnSpPr>
-        <p:spPr>
-          <a:xfrm rot="5400000" flipH="1" flipV="1">
-            <a:off x="618641" y="4903876"/>
-            <a:ext cx="1473686" cy="108"/>
+            <a:off x="4845255" y="4984358"/>
+            <a:ext cx="2096213" cy="470862"/>
           </a:xfrm>
           <a:prstGeom prst="bentConnector3">
             <a:avLst>
               <a:gd name="adj1" fmla="val 50000"/>
             </a:avLst>
           </a:prstGeom>
-          <a:ln w="25400">
+          <a:ln w="44450">
             <a:solidFill>
               <a:schemeClr val="bg1">
-                <a:lumMod val="75000"/>
+                <a:lumMod val="85000"/>
               </a:schemeClr>
             </a:solidFill>
-            <a:headEnd type="oval"/>
             <a:tailEnd type="triangle"/>
           </a:ln>
         </p:spPr>
@@ -21244,15 +21759,15 @@
         <p:spPr>
           <a:xfrm>
             <a:off x="9715834" y="5276798"/>
-            <a:ext cx="0" cy="736884"/>
+            <a:ext cx="0" cy="1165431"/>
           </a:xfrm>
           <a:prstGeom prst="straightConnector1">
             <a:avLst/>
           </a:prstGeom>
-          <a:ln w="25400">
+          <a:ln w="44450">
             <a:solidFill>
               <a:schemeClr val="bg1">
-                <a:lumMod val="75000"/>
+                <a:lumMod val="85000"/>
               </a:schemeClr>
             </a:solidFill>
             <a:tailEnd type="triangle"/>
@@ -21289,16 +21804,16 @@
         </p:nvCxnSpPr>
         <p:spPr>
           <a:xfrm flipV="1">
-            <a:off x="10177976" y="5267865"/>
-            <a:ext cx="0" cy="745817"/>
+            <a:off x="10177976" y="5267867"/>
+            <a:ext cx="0" cy="1174362"/>
           </a:xfrm>
           <a:prstGeom prst="straightConnector1">
             <a:avLst/>
           </a:prstGeom>
-          <a:ln w="25400">
+          <a:ln w="44450">
             <a:solidFill>
               <a:schemeClr val="bg1">
-                <a:lumMod val="75000"/>
+                <a:lumMod val="85000"/>
               </a:schemeClr>
             </a:solidFill>
             <a:tailEnd type="triangle"/>
@@ -21333,19 +21848,14 @@
         </p:nvSpPr>
         <p:spPr>
           <a:xfrm>
-            <a:off x="9547692" y="5960118"/>
-            <a:ext cx="857563" cy="307777"/>
+            <a:off x="9515670" y="6442229"/>
+            <a:ext cx="910913" cy="307777"/>
           </a:xfrm>
           <a:prstGeom prst="rect">
             <a:avLst/>
           </a:prstGeom>
-          <a:solidFill>
-            <a:schemeClr val="accent2">
-              <a:lumMod val="60000"/>
-              <a:lumOff val="40000"/>
-            </a:schemeClr>
-          </a:solidFill>
-          <a:ln w="25400">
+          <a:noFill/>
+          <a:ln w="38100">
             <a:noFill/>
           </a:ln>
         </p:spPr>
@@ -21355,20 +21865,13 @@
           </a:bodyPr>
           <a:lstStyle/>
           <a:p>
-            <a:pPr algn="ctr"/>
             <a:r>
               <a:rPr lang="en-US" altLang="zh-CN" sz="1400" i="1" dirty="0">
-                <a:solidFill>
-                  <a:schemeClr val="bg1"/>
-                </a:solidFill>
                 <a:latin typeface="Ubuntu Mono" panose="020B0509030602030204" pitchFamily="49" charset="0"/>
               </a:rPr>
               <a:t>RAM/HCI</a:t>
             </a:r>
             <a:endParaRPr lang="zh-CN" altLang="en-US" sz="1400" i="1" dirty="0">
-              <a:solidFill>
-                <a:schemeClr val="bg1"/>
-              </a:solidFill>
               <a:latin typeface="Ubuntu Mono" panose="020B0509030602030204" pitchFamily="49" charset="0"/>
             </a:endParaRPr>
           </a:p>
@@ -21398,10 +21901,10 @@
           <a:prstGeom prst="straightConnector1">
             <a:avLst/>
           </a:prstGeom>
-          <a:ln w="25400">
+          <a:ln w="44450">
             <a:solidFill>
               <a:schemeClr val="bg1">
-                <a:lumMod val="75000"/>
+                <a:lumMod val="85000"/>
               </a:schemeClr>
             </a:solidFill>
             <a:tailEnd type="triangle"/>
@@ -21424,6 +21927,741 @@
       </p:cxnSp>
       <p:sp>
         <p:nvSpPr>
+          <p:cNvPr id="152" name="标题 1">
+            <a:extLst>
+              <a:ext uri="{FF2B5EF4-FFF2-40B4-BE49-F238E27FC236}">
+                <a16:creationId xmlns:a16="http://schemas.microsoft.com/office/drawing/2014/main" id="{3B7BFA23-EEF1-4F85-B53D-77A865224C2E}"/>
+              </a:ext>
+            </a:extLst>
+          </p:cNvPr>
+          <p:cNvSpPr>
+            <a:spLocks noGrp="1"/>
+          </p:cNvSpPr>
+          <p:nvPr>
+            <p:ph type="title"/>
+          </p:nvPr>
+        </p:nvSpPr>
+        <p:spPr>
+          <a:xfrm>
+            <a:off x="5874350" y="485928"/>
+            <a:ext cx="5498177" cy="1325563"/>
+          </a:xfrm>
+          <a:ln w="38100">
+            <a:noFill/>
+          </a:ln>
+        </p:spPr>
+        <p:txBody>
+          <a:bodyPr/>
+          <a:lstStyle/>
+          <a:p>
+            <a:r>
+              <a:rPr lang="en-US" altLang="zh-CN" dirty="0"/>
+              <a:t>Where are bottlenecks</a:t>
+            </a:r>
+            <a:r>
+              <a:rPr lang="zh-CN" altLang="en-US" dirty="0"/>
+              <a:t>？</a:t>
+            </a:r>
+          </a:p>
+        </p:txBody>
+      </p:sp>
+      <p:cxnSp>
+        <p:nvCxnSpPr>
+          <p:cNvPr id="83" name="直接箭头连接符 82">
+            <a:extLst>
+              <a:ext uri="{FF2B5EF4-FFF2-40B4-BE49-F238E27FC236}">
+                <a16:creationId xmlns:a16="http://schemas.microsoft.com/office/drawing/2014/main" id="{8ED196F1-1EAE-4254-A4D4-E69895F8FA2A}"/>
+              </a:ext>
+            </a:extLst>
+          </p:cNvPr>
+          <p:cNvCxnSpPr>
+            <a:cxnSpLocks/>
+          </p:cNvCxnSpPr>
+          <p:nvPr/>
+        </p:nvCxnSpPr>
+        <p:spPr>
+          <a:xfrm>
+            <a:off x="8055429" y="4180313"/>
+            <a:ext cx="0" cy="2087582"/>
+          </a:xfrm>
+          <a:prstGeom prst="straightConnector1">
+            <a:avLst/>
+          </a:prstGeom>
+          <a:ln w="44450">
+            <a:solidFill>
+              <a:schemeClr val="bg1">
+                <a:lumMod val="85000"/>
+              </a:schemeClr>
+            </a:solidFill>
+            <a:tailEnd type="triangle"/>
+          </a:ln>
+        </p:spPr>
+        <p:style>
+          <a:lnRef idx="1">
+            <a:schemeClr val="accent1"/>
+          </a:lnRef>
+          <a:fillRef idx="0">
+            <a:schemeClr val="accent1"/>
+          </a:fillRef>
+          <a:effectRef idx="0">
+            <a:schemeClr val="accent1"/>
+          </a:effectRef>
+          <a:fontRef idx="minor">
+            <a:schemeClr val="tx1"/>
+          </a:fontRef>
+        </p:style>
+      </p:cxnSp>
+      <p:cxnSp>
+        <p:nvCxnSpPr>
+          <p:cNvPr id="91" name="直接箭头连接符 90">
+            <a:extLst>
+              <a:ext uri="{FF2B5EF4-FFF2-40B4-BE49-F238E27FC236}">
+                <a16:creationId xmlns:a16="http://schemas.microsoft.com/office/drawing/2014/main" id="{8085F9A6-D14A-4408-BB12-977EC3243FCC}"/>
+              </a:ext>
+            </a:extLst>
+          </p:cNvPr>
+          <p:cNvCxnSpPr>
+            <a:cxnSpLocks/>
+          </p:cNvCxnSpPr>
+          <p:nvPr/>
+        </p:nvCxnSpPr>
+        <p:spPr>
+          <a:xfrm flipV="1">
+            <a:off x="1377884" y="4171680"/>
+            <a:ext cx="0" cy="892852"/>
+          </a:xfrm>
+          <a:prstGeom prst="straightConnector1">
+            <a:avLst/>
+          </a:prstGeom>
+          <a:ln w="44450">
+            <a:solidFill>
+              <a:schemeClr val="bg1">
+                <a:lumMod val="85000"/>
+              </a:schemeClr>
+            </a:solidFill>
+            <a:headEnd type="oval"/>
+            <a:tailEnd type="triangle"/>
+          </a:ln>
+        </p:spPr>
+        <p:style>
+          <a:lnRef idx="1">
+            <a:schemeClr val="accent1"/>
+          </a:lnRef>
+          <a:fillRef idx="0">
+            <a:schemeClr val="accent1"/>
+          </a:fillRef>
+          <a:effectRef idx="0">
+            <a:schemeClr val="accent1"/>
+          </a:effectRef>
+          <a:fontRef idx="minor">
+            <a:schemeClr val="tx1"/>
+          </a:fontRef>
+        </p:style>
+      </p:cxnSp>
+      <p:cxnSp>
+        <p:nvCxnSpPr>
+          <p:cNvPr id="95" name="直接箭头连接符 94">
+            <a:extLst>
+              <a:ext uri="{FF2B5EF4-FFF2-40B4-BE49-F238E27FC236}">
+                <a16:creationId xmlns:a16="http://schemas.microsoft.com/office/drawing/2014/main" id="{CB355121-F2F1-441E-B6C2-CC849F90B24C}"/>
+              </a:ext>
+            </a:extLst>
+          </p:cNvPr>
+          <p:cNvCxnSpPr>
+            <a:cxnSpLocks/>
+          </p:cNvCxnSpPr>
+          <p:nvPr/>
+        </p:nvCxnSpPr>
+        <p:spPr>
+          <a:xfrm flipV="1">
+            <a:off x="4119847" y="4166340"/>
+            <a:ext cx="0" cy="898192"/>
+          </a:xfrm>
+          <a:prstGeom prst="straightConnector1">
+            <a:avLst/>
+          </a:prstGeom>
+          <a:ln w="44450">
+            <a:solidFill>
+              <a:schemeClr val="bg1">
+                <a:lumMod val="85000"/>
+              </a:schemeClr>
+            </a:solidFill>
+            <a:headEnd type="oval"/>
+            <a:tailEnd type="triangle"/>
+          </a:ln>
+        </p:spPr>
+        <p:style>
+          <a:lnRef idx="1">
+            <a:schemeClr val="accent1"/>
+          </a:lnRef>
+          <a:fillRef idx="0">
+            <a:schemeClr val="accent1"/>
+          </a:fillRef>
+          <a:effectRef idx="0">
+            <a:schemeClr val="accent1"/>
+          </a:effectRef>
+          <a:fontRef idx="minor">
+            <a:schemeClr val="tx1"/>
+          </a:fontRef>
+        </p:style>
+      </p:cxnSp>
+      <p:cxnSp>
+        <p:nvCxnSpPr>
+          <p:cNvPr id="100" name="直接箭头连接符 99">
+            <a:extLst>
+              <a:ext uri="{FF2B5EF4-FFF2-40B4-BE49-F238E27FC236}">
+                <a16:creationId xmlns:a16="http://schemas.microsoft.com/office/drawing/2014/main" id="{E3190946-DCFF-4790-BFD1-714E6423DE5B}"/>
+              </a:ext>
+            </a:extLst>
+          </p:cNvPr>
+          <p:cNvCxnSpPr>
+            <a:cxnSpLocks/>
+          </p:cNvCxnSpPr>
+          <p:nvPr/>
+        </p:nvCxnSpPr>
+        <p:spPr>
+          <a:xfrm>
+            <a:off x="7283163" y="4180314"/>
+            <a:ext cx="0" cy="884218"/>
+          </a:xfrm>
+          <a:prstGeom prst="straightConnector1">
+            <a:avLst/>
+          </a:prstGeom>
+          <a:ln w="44450">
+            <a:solidFill>
+              <a:schemeClr val="bg1">
+                <a:lumMod val="85000"/>
+              </a:schemeClr>
+            </a:solidFill>
+            <a:tailEnd type="triangle"/>
+          </a:ln>
+        </p:spPr>
+        <p:style>
+          <a:lnRef idx="1">
+            <a:schemeClr val="accent1"/>
+          </a:lnRef>
+          <a:fillRef idx="0">
+            <a:schemeClr val="accent1"/>
+          </a:fillRef>
+          <a:effectRef idx="0">
+            <a:schemeClr val="accent1"/>
+          </a:effectRef>
+          <a:fontRef idx="minor">
+            <a:schemeClr val="tx1"/>
+          </a:fontRef>
+        </p:style>
+      </p:cxnSp>
+      <p:cxnSp>
+        <p:nvCxnSpPr>
+          <p:cNvPr id="116" name="直接箭头连接符 115">
+            <a:extLst>
+              <a:ext uri="{FF2B5EF4-FFF2-40B4-BE49-F238E27FC236}">
+                <a16:creationId xmlns:a16="http://schemas.microsoft.com/office/drawing/2014/main" id="{1B9ECCFD-7115-4FF1-BCB8-338A3F1F73AA}"/>
+              </a:ext>
+            </a:extLst>
+          </p:cNvPr>
+          <p:cNvCxnSpPr>
+            <a:cxnSpLocks/>
+          </p:cNvCxnSpPr>
+          <p:nvPr/>
+        </p:nvCxnSpPr>
+        <p:spPr>
+          <a:xfrm>
+            <a:off x="4821672" y="4187263"/>
+            <a:ext cx="0" cy="877269"/>
+          </a:xfrm>
+          <a:prstGeom prst="straightConnector1">
+            <a:avLst/>
+          </a:prstGeom>
+          <a:ln w="44450">
+            <a:solidFill>
+              <a:schemeClr val="bg1">
+                <a:lumMod val="85000"/>
+              </a:schemeClr>
+            </a:solidFill>
+            <a:prstDash val="dash"/>
+            <a:tailEnd type="triangle"/>
+          </a:ln>
+        </p:spPr>
+        <p:style>
+          <a:lnRef idx="1">
+            <a:schemeClr val="accent1"/>
+          </a:lnRef>
+          <a:fillRef idx="0">
+            <a:schemeClr val="accent1"/>
+          </a:fillRef>
+          <a:effectRef idx="0">
+            <a:schemeClr val="accent1"/>
+          </a:effectRef>
+          <a:fontRef idx="minor">
+            <a:schemeClr val="tx1"/>
+          </a:fontRef>
+        </p:style>
+      </p:cxnSp>
+      <p:cxnSp>
+        <p:nvCxnSpPr>
+          <p:cNvPr id="118" name="直接箭头连接符 117">
+            <a:extLst>
+              <a:ext uri="{FF2B5EF4-FFF2-40B4-BE49-F238E27FC236}">
+                <a16:creationId xmlns:a16="http://schemas.microsoft.com/office/drawing/2014/main" id="{5986E81D-2661-470D-9390-26E2DE3A8008}"/>
+              </a:ext>
+            </a:extLst>
+          </p:cNvPr>
+          <p:cNvCxnSpPr>
+            <a:cxnSpLocks/>
+            <a:stCxn id="21" idx="1"/>
+          </p:cNvCxnSpPr>
+          <p:nvPr/>
+        </p:nvCxnSpPr>
+        <p:spPr>
+          <a:xfrm>
+            <a:off x="10689977" y="3764676"/>
+            <a:ext cx="0" cy="2503219"/>
+          </a:xfrm>
+          <a:prstGeom prst="straightConnector1">
+            <a:avLst/>
+          </a:prstGeom>
+          <a:ln w="44450">
+            <a:solidFill>
+              <a:schemeClr val="bg1">
+                <a:lumMod val="85000"/>
+              </a:schemeClr>
+            </a:solidFill>
+            <a:tailEnd type="triangle"/>
+          </a:ln>
+        </p:spPr>
+        <p:style>
+          <a:lnRef idx="1">
+            <a:schemeClr val="accent1"/>
+          </a:lnRef>
+          <a:fillRef idx="0">
+            <a:schemeClr val="accent1"/>
+          </a:fillRef>
+          <a:effectRef idx="0">
+            <a:schemeClr val="accent1"/>
+          </a:effectRef>
+          <a:fontRef idx="minor">
+            <a:schemeClr val="tx1"/>
+          </a:fontRef>
+        </p:style>
+      </p:cxnSp>
+      <p:cxnSp>
+        <p:nvCxnSpPr>
+          <p:cNvPr id="130" name="直接箭头连接符 129">
+            <a:extLst>
+              <a:ext uri="{FF2B5EF4-FFF2-40B4-BE49-F238E27FC236}">
+                <a16:creationId xmlns:a16="http://schemas.microsoft.com/office/drawing/2014/main" id="{73BF0C9D-8DC1-4E7F-AA52-D795BE73C87E}"/>
+              </a:ext>
+            </a:extLst>
+          </p:cNvPr>
+          <p:cNvCxnSpPr>
+            <a:cxnSpLocks/>
+          </p:cNvCxnSpPr>
+          <p:nvPr/>
+        </p:nvCxnSpPr>
+        <p:spPr>
+          <a:xfrm flipV="1">
+            <a:off x="6459589" y="4166340"/>
+            <a:ext cx="0" cy="898192"/>
+          </a:xfrm>
+          <a:prstGeom prst="straightConnector1">
+            <a:avLst/>
+          </a:prstGeom>
+          <a:ln w="44450">
+            <a:solidFill>
+              <a:schemeClr val="bg1">
+                <a:lumMod val="85000"/>
+              </a:schemeClr>
+            </a:solidFill>
+            <a:headEnd type="oval"/>
+            <a:tailEnd type="triangle"/>
+          </a:ln>
+        </p:spPr>
+        <p:style>
+          <a:lnRef idx="1">
+            <a:schemeClr val="accent1"/>
+          </a:lnRef>
+          <a:fillRef idx="0">
+            <a:schemeClr val="accent1"/>
+          </a:fillRef>
+          <a:effectRef idx="0">
+            <a:schemeClr val="accent1"/>
+          </a:effectRef>
+          <a:fontRef idx="minor">
+            <a:schemeClr val="tx1"/>
+          </a:fontRef>
+        </p:style>
+      </p:cxnSp>
+      <p:cxnSp>
+        <p:nvCxnSpPr>
+          <p:cNvPr id="73" name="直接箭头连接符 72">
+            <a:extLst>
+              <a:ext uri="{FF2B5EF4-FFF2-40B4-BE49-F238E27FC236}">
+                <a16:creationId xmlns:a16="http://schemas.microsoft.com/office/drawing/2014/main" id="{7C410C39-92B1-4C86-A80A-0B8F471D6430}"/>
+              </a:ext>
+            </a:extLst>
+          </p:cNvPr>
+          <p:cNvCxnSpPr>
+            <a:cxnSpLocks/>
+          </p:cNvCxnSpPr>
+          <p:nvPr/>
+        </p:nvCxnSpPr>
+        <p:spPr>
+          <a:xfrm>
+            <a:off x="2464015" y="1962840"/>
+            <a:ext cx="0" cy="1350791"/>
+          </a:xfrm>
+          <a:prstGeom prst="straightConnector1">
+            <a:avLst/>
+          </a:prstGeom>
+          <a:ln w="44450">
+            <a:solidFill>
+              <a:srgbClr val="FF0000"/>
+            </a:solidFill>
+            <a:tailEnd type="triangle"/>
+          </a:ln>
+        </p:spPr>
+        <p:style>
+          <a:lnRef idx="3">
+            <a:schemeClr val="dk1"/>
+          </a:lnRef>
+          <a:fillRef idx="0">
+            <a:schemeClr val="dk1"/>
+          </a:fillRef>
+          <a:effectRef idx="2">
+            <a:schemeClr val="dk1"/>
+          </a:effectRef>
+          <a:fontRef idx="minor">
+            <a:schemeClr val="tx1"/>
+          </a:fontRef>
+        </p:style>
+      </p:cxnSp>
+      <p:cxnSp>
+        <p:nvCxnSpPr>
+          <p:cNvPr id="74" name="直接箭头连接符 73">
+            <a:extLst>
+              <a:ext uri="{FF2B5EF4-FFF2-40B4-BE49-F238E27FC236}">
+                <a16:creationId xmlns:a16="http://schemas.microsoft.com/office/drawing/2014/main" id="{77C8C74A-718F-4497-ABFF-24796B733797}"/>
+              </a:ext>
+            </a:extLst>
+          </p:cNvPr>
+          <p:cNvCxnSpPr>
+            <a:cxnSpLocks/>
+          </p:cNvCxnSpPr>
+          <p:nvPr/>
+        </p:nvCxnSpPr>
+        <p:spPr>
+          <a:xfrm flipV="1">
+            <a:off x="2787611" y="1962840"/>
+            <a:ext cx="0" cy="1350791"/>
+          </a:xfrm>
+          <a:prstGeom prst="straightConnector1">
+            <a:avLst/>
+          </a:prstGeom>
+          <a:ln w="44450">
+            <a:solidFill>
+              <a:srgbClr val="FF0000"/>
+            </a:solidFill>
+            <a:tailEnd type="triangle"/>
+          </a:ln>
+        </p:spPr>
+        <p:style>
+          <a:lnRef idx="3">
+            <a:schemeClr val="dk1"/>
+          </a:lnRef>
+          <a:fillRef idx="0">
+            <a:schemeClr val="dk1"/>
+          </a:fillRef>
+          <a:effectRef idx="2">
+            <a:schemeClr val="dk1"/>
+          </a:effectRef>
+          <a:fontRef idx="minor">
+            <a:schemeClr val="tx1"/>
+          </a:fontRef>
+        </p:style>
+      </p:cxnSp>
+      <p:cxnSp>
+        <p:nvCxnSpPr>
+          <p:cNvPr id="107" name="连接符: 肘形 106">
+            <a:extLst>
+              <a:ext uri="{FF2B5EF4-FFF2-40B4-BE49-F238E27FC236}">
+                <a16:creationId xmlns:a16="http://schemas.microsoft.com/office/drawing/2014/main" id="{353E3670-A32C-4294-BFAF-3693B62EC3AF}"/>
+              </a:ext>
+            </a:extLst>
+          </p:cNvPr>
+          <p:cNvCxnSpPr>
+            <a:cxnSpLocks/>
+            <a:stCxn id="5" idx="2"/>
+            <a:endCxn id="13" idx="1"/>
+          </p:cNvCxnSpPr>
+          <p:nvPr/>
+        </p:nvCxnSpPr>
+        <p:spPr>
+          <a:xfrm rot="16200000" flipH="1">
+            <a:off x="5767483" y="1372834"/>
+            <a:ext cx="676971" cy="6297863"/>
+          </a:xfrm>
+          <a:prstGeom prst="bentConnector2">
+            <a:avLst/>
+          </a:prstGeom>
+          <a:ln w="44450">
+            <a:solidFill>
+              <a:schemeClr val="accent2">
+                <a:lumMod val="75000"/>
+              </a:schemeClr>
+            </a:solidFill>
+            <a:tailEnd type="triangle"/>
+          </a:ln>
+        </p:spPr>
+        <p:style>
+          <a:lnRef idx="2">
+            <a:schemeClr val="accent2"/>
+          </a:lnRef>
+          <a:fillRef idx="0">
+            <a:schemeClr val="accent2"/>
+          </a:fillRef>
+          <a:effectRef idx="1">
+            <a:schemeClr val="accent2"/>
+          </a:effectRef>
+          <a:fontRef idx="minor">
+            <a:schemeClr val="tx1"/>
+          </a:fontRef>
+        </p:style>
+      </p:cxnSp>
+      <p:cxnSp>
+        <p:nvCxnSpPr>
+          <p:cNvPr id="110" name="连接符: 肘形 109">
+            <a:extLst>
+              <a:ext uri="{FF2B5EF4-FFF2-40B4-BE49-F238E27FC236}">
+                <a16:creationId xmlns:a16="http://schemas.microsoft.com/office/drawing/2014/main" id="{F4F46458-4F3C-4E93-8CE4-855A8BD71459}"/>
+              </a:ext>
+            </a:extLst>
+          </p:cNvPr>
+          <p:cNvCxnSpPr>
+            <a:cxnSpLocks/>
+          </p:cNvCxnSpPr>
+          <p:nvPr/>
+        </p:nvCxnSpPr>
+        <p:spPr>
+          <a:xfrm rot="10800000">
+            <a:off x="3251200" y="4187263"/>
+            <a:ext cx="6003706" cy="467866"/>
+          </a:xfrm>
+          <a:prstGeom prst="bentConnector3">
+            <a:avLst>
+              <a:gd name="adj1" fmla="val 99999"/>
+            </a:avLst>
+          </a:prstGeom>
+          <a:ln w="44450">
+            <a:solidFill>
+              <a:schemeClr val="accent2">
+                <a:lumMod val="75000"/>
+              </a:schemeClr>
+            </a:solidFill>
+            <a:tailEnd type="triangle"/>
+          </a:ln>
+        </p:spPr>
+        <p:style>
+          <a:lnRef idx="2">
+            <a:schemeClr val="accent2"/>
+          </a:lnRef>
+          <a:fillRef idx="0">
+            <a:schemeClr val="accent2"/>
+          </a:fillRef>
+          <a:effectRef idx="1">
+            <a:schemeClr val="accent2"/>
+          </a:effectRef>
+          <a:fontRef idx="minor">
+            <a:schemeClr val="tx1"/>
+          </a:fontRef>
+        </p:style>
+      </p:cxnSp>
+      <p:cxnSp>
+        <p:nvCxnSpPr>
+          <p:cNvPr id="28" name="直接箭头连接符 27">
+            <a:extLst>
+              <a:ext uri="{FF2B5EF4-FFF2-40B4-BE49-F238E27FC236}">
+                <a16:creationId xmlns:a16="http://schemas.microsoft.com/office/drawing/2014/main" id="{A1A80714-1062-4753-96B3-590965863A48}"/>
+              </a:ext>
+            </a:extLst>
+          </p:cNvPr>
+          <p:cNvCxnSpPr>
+            <a:cxnSpLocks/>
+          </p:cNvCxnSpPr>
+          <p:nvPr/>
+        </p:nvCxnSpPr>
+        <p:spPr>
+          <a:xfrm>
+            <a:off x="5075712" y="4183280"/>
+            <a:ext cx="0" cy="1138522"/>
+          </a:xfrm>
+          <a:prstGeom prst="straightConnector1">
+            <a:avLst/>
+          </a:prstGeom>
+          <a:ln w="44450">
+            <a:solidFill>
+              <a:srgbClr val="FF0000"/>
+            </a:solidFill>
+            <a:tailEnd type="triangle"/>
+          </a:ln>
+        </p:spPr>
+        <p:style>
+          <a:lnRef idx="3">
+            <a:schemeClr val="dk1"/>
+          </a:lnRef>
+          <a:fillRef idx="0">
+            <a:schemeClr val="dk1"/>
+          </a:fillRef>
+          <a:effectRef idx="2">
+            <a:schemeClr val="dk1"/>
+          </a:effectRef>
+          <a:fontRef idx="minor">
+            <a:schemeClr val="tx1"/>
+          </a:fontRef>
+        </p:style>
+      </p:cxnSp>
+      <p:cxnSp>
+        <p:nvCxnSpPr>
+          <p:cNvPr id="29" name="直接箭头连接符 28">
+            <a:extLst>
+              <a:ext uri="{FF2B5EF4-FFF2-40B4-BE49-F238E27FC236}">
+                <a16:creationId xmlns:a16="http://schemas.microsoft.com/office/drawing/2014/main" id="{A6ADBAE7-B2B2-485B-92A3-5EB6BC8C2884}"/>
+              </a:ext>
+            </a:extLst>
+          </p:cNvPr>
+          <p:cNvCxnSpPr>
+            <a:cxnSpLocks/>
+          </p:cNvCxnSpPr>
+          <p:nvPr/>
+        </p:nvCxnSpPr>
+        <p:spPr>
+          <a:xfrm flipV="1">
+            <a:off x="5497580" y="4183280"/>
+            <a:ext cx="0" cy="1127125"/>
+          </a:xfrm>
+          <a:prstGeom prst="straightConnector1">
+            <a:avLst/>
+          </a:prstGeom>
+          <a:ln w="44450">
+            <a:solidFill>
+              <a:srgbClr val="FF0000"/>
+            </a:solidFill>
+            <a:tailEnd type="triangle"/>
+          </a:ln>
+        </p:spPr>
+        <p:style>
+          <a:lnRef idx="3">
+            <a:schemeClr val="dk1"/>
+          </a:lnRef>
+          <a:fillRef idx="0">
+            <a:schemeClr val="dk1"/>
+          </a:fillRef>
+          <a:effectRef idx="2">
+            <a:schemeClr val="dk1"/>
+          </a:effectRef>
+          <a:fontRef idx="minor">
+            <a:schemeClr val="tx1"/>
+          </a:fontRef>
+        </p:style>
+      </p:cxnSp>
+      <p:cxnSp>
+        <p:nvCxnSpPr>
+          <p:cNvPr id="82" name="连接符: 肘形 81">
+            <a:extLst>
+              <a:ext uri="{FF2B5EF4-FFF2-40B4-BE49-F238E27FC236}">
+                <a16:creationId xmlns:a16="http://schemas.microsoft.com/office/drawing/2014/main" id="{D8568F44-C61B-403F-867D-9BE862070E36}"/>
+              </a:ext>
+            </a:extLst>
+          </p:cNvPr>
+          <p:cNvCxnSpPr>
+            <a:cxnSpLocks/>
+          </p:cNvCxnSpPr>
+          <p:nvPr/>
+        </p:nvCxnSpPr>
+        <p:spPr>
+          <a:xfrm rot="16200000" flipV="1">
+            <a:off x="1286437" y="4562002"/>
+            <a:ext cx="1382263" cy="632788"/>
+          </a:xfrm>
+          <a:prstGeom prst="bentConnector3">
+            <a:avLst>
+              <a:gd name="adj1" fmla="val 1221"/>
+            </a:avLst>
+          </a:prstGeom>
+          <a:ln w="44450">
+            <a:solidFill>
+              <a:schemeClr val="bg1">
+                <a:lumMod val="85000"/>
+              </a:schemeClr>
+            </a:solidFill>
+            <a:tailEnd type="triangle"/>
+          </a:ln>
+        </p:spPr>
+        <p:style>
+          <a:lnRef idx="3">
+            <a:schemeClr val="accent4"/>
+          </a:lnRef>
+          <a:fillRef idx="0">
+            <a:schemeClr val="accent4"/>
+          </a:fillRef>
+          <a:effectRef idx="2">
+            <a:schemeClr val="accent4"/>
+          </a:effectRef>
+          <a:fontRef idx="minor">
+            <a:schemeClr val="tx1"/>
+          </a:fontRef>
+        </p:style>
+      </p:cxnSp>
+      <p:cxnSp>
+        <p:nvCxnSpPr>
+          <p:cNvPr id="85" name="连接符: 肘形 84">
+            <a:extLst>
+              <a:ext uri="{FF2B5EF4-FFF2-40B4-BE49-F238E27FC236}">
+                <a16:creationId xmlns:a16="http://schemas.microsoft.com/office/drawing/2014/main" id="{BF1BDC9C-0F4E-4D48-B9F5-F751721626F5}"/>
+              </a:ext>
+            </a:extLst>
+          </p:cNvPr>
+          <p:cNvCxnSpPr>
+            <a:cxnSpLocks/>
+          </p:cNvCxnSpPr>
+          <p:nvPr/>
+        </p:nvCxnSpPr>
+        <p:spPr>
+          <a:xfrm rot="16200000" flipH="1">
+            <a:off x="1061739" y="4639630"/>
+            <a:ext cx="1688574" cy="775876"/>
+          </a:xfrm>
+          <a:prstGeom prst="bentConnector3">
+            <a:avLst>
+              <a:gd name="adj1" fmla="val 99776"/>
+            </a:avLst>
+          </a:prstGeom>
+          <a:ln w="44450">
+            <a:solidFill>
+              <a:schemeClr val="bg1">
+                <a:lumMod val="85000"/>
+              </a:schemeClr>
+            </a:solidFill>
+            <a:tailEnd type="triangle"/>
+          </a:ln>
+        </p:spPr>
+        <p:style>
+          <a:lnRef idx="2">
+            <a:schemeClr val="accent2"/>
+          </a:lnRef>
+          <a:fillRef idx="0">
+            <a:schemeClr val="accent2"/>
+          </a:fillRef>
+          <a:effectRef idx="1">
+            <a:schemeClr val="accent2"/>
+          </a:effectRef>
+          <a:fontRef idx="minor">
+            <a:schemeClr val="tx1"/>
+          </a:fontRef>
+        </p:style>
+      </p:cxnSp>
+      <p:sp>
+        <p:nvSpPr>
           <p:cNvPr id="59" name="矩形: 圆角 58">
             <a:extLst>
               <a:ext uri="{FF2B5EF4-FFF2-40B4-BE49-F238E27FC236}">
@@ -21436,18 +22674,18 @@
         </p:nvSpPr>
         <p:spPr>
           <a:xfrm>
-            <a:off x="2274561" y="4436596"/>
+            <a:off x="2293962" y="5306611"/>
             <a:ext cx="1357779" cy="831269"/>
           </a:xfrm>
           <a:prstGeom prst="roundRect">
             <a:avLst/>
           </a:prstGeom>
           <a:solidFill>
-            <a:schemeClr val="bg1">
+            <a:schemeClr val="bg2">
               <a:lumMod val="75000"/>
             </a:schemeClr>
           </a:solidFill>
-          <a:ln w="50800">
+          <a:ln w="44450">
             <a:solidFill>
               <a:schemeClr val="accent2">
                 <a:lumMod val="60000"/>
@@ -21479,248 +22717,20 @@
             <a:pPr algn="ctr"/>
             <a:r>
               <a:rPr lang="en-US" altLang="zh-CN" sz="1400" dirty="0">
-                <a:solidFill>
-                  <a:schemeClr val="bg1"/>
-                </a:solidFill>
                 <a:latin typeface="Ubuntu Mono" panose="020B0509030602030204" pitchFamily="49" charset="0"/>
               </a:rPr>
               <a:t>PREDICTOR</a:t>
             </a:r>
             <a:endParaRPr lang="zh-CN" altLang="en-US" sz="1400" dirty="0">
-              <a:solidFill>
-                <a:schemeClr val="bg1"/>
-              </a:solidFill>
               <a:latin typeface="Ubuntu Mono" panose="020B0509030602030204" pitchFamily="49" charset="0"/>
             </a:endParaRPr>
-          </a:p>
-        </p:txBody>
-      </p:sp>
-      <p:cxnSp>
-        <p:nvCxnSpPr>
-          <p:cNvPr id="88" name="连接符: 肘形 87">
-            <a:extLst>
-              <a:ext uri="{FF2B5EF4-FFF2-40B4-BE49-F238E27FC236}">
-                <a16:creationId xmlns:a16="http://schemas.microsoft.com/office/drawing/2014/main" id="{631647EB-B2D9-44A8-AF70-7631688AFFB9}"/>
-              </a:ext>
-            </a:extLst>
-          </p:cNvPr>
-          <p:cNvCxnSpPr>
-            <a:cxnSpLocks/>
-          </p:cNvCxnSpPr>
-          <p:nvPr/>
-        </p:nvCxnSpPr>
-        <p:spPr>
-          <a:xfrm rot="10800000">
-            <a:off x="1661173" y="4187262"/>
-            <a:ext cx="610824" cy="508887"/>
-          </a:xfrm>
-          <a:prstGeom prst="bentConnector3">
-            <a:avLst>
-              <a:gd name="adj1" fmla="val 99171"/>
-            </a:avLst>
-          </a:prstGeom>
-          <a:ln w="25400">
-            <a:solidFill>
-              <a:schemeClr val="bg1">
-                <a:lumMod val="75000"/>
-              </a:schemeClr>
-            </a:solidFill>
-            <a:tailEnd type="triangle"/>
-          </a:ln>
-        </p:spPr>
-        <p:style>
-          <a:lnRef idx="3">
-            <a:schemeClr val="accent4"/>
-          </a:lnRef>
-          <a:fillRef idx="0">
-            <a:schemeClr val="accent4"/>
-          </a:fillRef>
-          <a:effectRef idx="2">
-            <a:schemeClr val="accent4"/>
-          </a:effectRef>
-          <a:fontRef idx="minor">
-            <a:schemeClr val="tx1"/>
-          </a:fontRef>
-        </p:style>
-      </p:cxnSp>
-      <p:cxnSp>
-        <p:nvCxnSpPr>
-          <p:cNvPr id="94" name="连接符: 肘形 93">
-            <a:extLst>
-              <a:ext uri="{FF2B5EF4-FFF2-40B4-BE49-F238E27FC236}">
-                <a16:creationId xmlns:a16="http://schemas.microsoft.com/office/drawing/2014/main" id="{0A5EAA4E-65F1-499F-B394-DD3DDFC8E117}"/>
-              </a:ext>
-            </a:extLst>
-          </p:cNvPr>
-          <p:cNvCxnSpPr>
-            <a:cxnSpLocks/>
-            <a:stCxn id="4" idx="2"/>
-          </p:cNvCxnSpPr>
-          <p:nvPr/>
-        </p:nvCxnSpPr>
-        <p:spPr>
-          <a:xfrm rot="16200000" flipH="1">
-            <a:off x="1462470" y="4238899"/>
-            <a:ext cx="865143" cy="753906"/>
-          </a:xfrm>
-          <a:prstGeom prst="bentConnector3">
-            <a:avLst>
-              <a:gd name="adj1" fmla="val 100147"/>
-            </a:avLst>
-          </a:prstGeom>
-          <a:ln w="25400">
-            <a:solidFill>
-              <a:schemeClr val="bg1">
-                <a:lumMod val="75000"/>
-              </a:schemeClr>
-            </a:solidFill>
-            <a:tailEnd type="triangle"/>
-          </a:ln>
-        </p:spPr>
-        <p:style>
-          <a:lnRef idx="2">
-            <a:schemeClr val="accent2"/>
-          </a:lnRef>
-          <a:fillRef idx="0">
-            <a:schemeClr val="accent2"/>
-          </a:fillRef>
-          <a:effectRef idx="1">
-            <a:schemeClr val="accent2"/>
-          </a:effectRef>
-          <a:fontRef idx="minor">
-            <a:schemeClr val="tx1"/>
-          </a:fontRef>
-        </p:style>
-      </p:cxnSp>
-      <p:cxnSp>
-        <p:nvCxnSpPr>
-          <p:cNvPr id="67" name="直接箭头连接符 66">
-            <a:extLst>
-              <a:ext uri="{FF2B5EF4-FFF2-40B4-BE49-F238E27FC236}">
-                <a16:creationId xmlns:a16="http://schemas.microsoft.com/office/drawing/2014/main" id="{DEE737C1-2764-4A3B-88F1-17B25C28819F}"/>
-              </a:ext>
-            </a:extLst>
-          </p:cNvPr>
-          <p:cNvCxnSpPr>
-            <a:cxnSpLocks/>
-          </p:cNvCxnSpPr>
-          <p:nvPr/>
-        </p:nvCxnSpPr>
-        <p:spPr>
-          <a:xfrm>
-            <a:off x="2421632" y="2045535"/>
-            <a:ext cx="0" cy="1282361"/>
-          </a:xfrm>
-          <a:prstGeom prst="straightConnector1">
-            <a:avLst/>
-          </a:prstGeom>
-          <a:ln w="25400">
-            <a:solidFill>
-              <a:srgbClr val="FF0000"/>
-            </a:solidFill>
-            <a:tailEnd type="triangle"/>
-          </a:ln>
-        </p:spPr>
-        <p:style>
-          <a:lnRef idx="3">
-            <a:schemeClr val="dk1"/>
-          </a:lnRef>
-          <a:fillRef idx="0">
-            <a:schemeClr val="dk1"/>
-          </a:fillRef>
-          <a:effectRef idx="2">
-            <a:schemeClr val="dk1"/>
-          </a:effectRef>
-          <a:fontRef idx="minor">
-            <a:schemeClr val="tx1"/>
-          </a:fontRef>
-        </p:style>
-      </p:cxnSp>
-      <p:cxnSp>
-        <p:nvCxnSpPr>
-          <p:cNvPr id="68" name="直接箭头连接符 67">
-            <a:extLst>
-              <a:ext uri="{FF2B5EF4-FFF2-40B4-BE49-F238E27FC236}">
-                <a16:creationId xmlns:a16="http://schemas.microsoft.com/office/drawing/2014/main" id="{EEB17D72-D0CD-474B-AAC5-756461FD0A1E}"/>
-              </a:ext>
-            </a:extLst>
-          </p:cNvPr>
-          <p:cNvCxnSpPr>
-            <a:cxnSpLocks/>
-          </p:cNvCxnSpPr>
-          <p:nvPr/>
-        </p:nvCxnSpPr>
-        <p:spPr>
-          <a:xfrm flipV="1">
-            <a:off x="2863777" y="2027360"/>
-            <a:ext cx="0" cy="1300536"/>
-          </a:xfrm>
-          <a:prstGeom prst="straightConnector1">
-            <a:avLst/>
-          </a:prstGeom>
-          <a:ln w="25400">
-            <a:solidFill>
-              <a:srgbClr val="FF0000"/>
-            </a:solidFill>
-            <a:tailEnd type="triangle"/>
-          </a:ln>
-        </p:spPr>
-        <p:style>
-          <a:lnRef idx="3">
-            <a:schemeClr val="dk1"/>
-          </a:lnRef>
-          <a:fillRef idx="0">
-            <a:schemeClr val="dk1"/>
-          </a:fillRef>
-          <a:effectRef idx="2">
-            <a:schemeClr val="dk1"/>
-          </a:effectRef>
-          <a:fontRef idx="minor">
-            <a:schemeClr val="tx1"/>
-          </a:fontRef>
-        </p:style>
-      </p:cxnSp>
-      <p:sp>
-        <p:nvSpPr>
-          <p:cNvPr id="77" name="标题 1">
-            <a:extLst>
-              <a:ext uri="{FF2B5EF4-FFF2-40B4-BE49-F238E27FC236}">
-                <a16:creationId xmlns:a16="http://schemas.microsoft.com/office/drawing/2014/main" id="{2EDDE5DF-6BD3-490D-ADAB-718194EAC526}"/>
-              </a:ext>
-            </a:extLst>
-          </p:cNvPr>
-          <p:cNvSpPr>
-            <a:spLocks noGrp="1"/>
-          </p:cNvSpPr>
-          <p:nvPr>
-            <p:ph type="title"/>
-          </p:nvPr>
-        </p:nvSpPr>
-        <p:spPr>
-          <a:xfrm>
-            <a:off x="5874350" y="485928"/>
-            <a:ext cx="5498177" cy="1325563"/>
-          </a:xfrm>
-        </p:spPr>
-        <p:txBody>
-          <a:bodyPr/>
-          <a:lstStyle/>
-          <a:p>
-            <a:r>
-              <a:rPr lang="en-US" altLang="zh-CN" dirty="0"/>
-              <a:t>Where are bottlenecks</a:t>
-            </a:r>
-            <a:r>
-              <a:rPr lang="zh-CN" altLang="en-US" dirty="0"/>
-              <a:t>？</a:t>
-            </a:r>
           </a:p>
         </p:txBody>
       </p:sp>
     </p:spTree>
     <p:extLst>
       <p:ext uri="{BB962C8B-B14F-4D97-AF65-F5344CB8AC3E}">
-        <p14:creationId xmlns:p14="http://schemas.microsoft.com/office/powerpoint/2010/main" val="1072908354"/>
+        <p14:creationId xmlns:p14="http://schemas.microsoft.com/office/powerpoint/2010/main" val="2917286420"/>
       </p:ext>
     </p:extLst>
   </p:cSld>
